--- a/ng_rg_presentation.pptx
+++ b/ng_rg_presentation.pptx
@@ -4,21 +4,42 @@
   <p:sldMasterIdLst>
     <p:sldMasterId id="2147483648" r:id="rId1"/>
   </p:sldMasterIdLst>
+  <p:notesMasterIdLst>
+    <p:notesMasterId r:id="rId34"/>
+  </p:notesMasterIdLst>
   <p:sldIdLst>
     <p:sldId id="256" r:id="rId2"/>
     <p:sldId id="257" r:id="rId3"/>
-    <p:sldId id="258" r:id="rId4"/>
-    <p:sldId id="259" r:id="rId5"/>
-    <p:sldId id="260" r:id="rId6"/>
-    <p:sldId id="261" r:id="rId7"/>
-    <p:sldId id="267" r:id="rId8"/>
-    <p:sldId id="262" r:id="rId9"/>
-    <p:sldId id="268" r:id="rId10"/>
-    <p:sldId id="263" r:id="rId11"/>
-    <p:sldId id="269" r:id="rId12"/>
-    <p:sldId id="264" r:id="rId13"/>
-    <p:sldId id="265" r:id="rId14"/>
-    <p:sldId id="266" r:id="rId15"/>
+    <p:sldId id="301" r:id="rId4"/>
+    <p:sldId id="258" r:id="rId5"/>
+    <p:sldId id="259" r:id="rId6"/>
+    <p:sldId id="260" r:id="rId7"/>
+    <p:sldId id="271" r:id="rId8"/>
+    <p:sldId id="270" r:id="rId9"/>
+    <p:sldId id="261" r:id="rId10"/>
+    <p:sldId id="297" r:id="rId11"/>
+    <p:sldId id="279" r:id="rId12"/>
+    <p:sldId id="298" r:id="rId13"/>
+    <p:sldId id="283" r:id="rId14"/>
+    <p:sldId id="299" r:id="rId15"/>
+    <p:sldId id="272" r:id="rId16"/>
+    <p:sldId id="273" r:id="rId17"/>
+    <p:sldId id="288" r:id="rId18"/>
+    <p:sldId id="289" r:id="rId19"/>
+    <p:sldId id="290" r:id="rId20"/>
+    <p:sldId id="294" r:id="rId21"/>
+    <p:sldId id="291" r:id="rId22"/>
+    <p:sldId id="292" r:id="rId23"/>
+    <p:sldId id="293" r:id="rId24"/>
+    <p:sldId id="295" r:id="rId25"/>
+    <p:sldId id="267" r:id="rId26"/>
+    <p:sldId id="268" r:id="rId27"/>
+    <p:sldId id="300" r:id="rId28"/>
+    <p:sldId id="264" r:id="rId29"/>
+    <p:sldId id="302" r:id="rId30"/>
+    <p:sldId id="265" r:id="rId31"/>
+    <p:sldId id="266" r:id="rId32"/>
+    <p:sldId id="296" r:id="rId33"/>
   </p:sldIdLst>
   <p:sldSz cx="9144000" cy="6858000" type="screen4x3"/>
   <p:notesSz cx="6858000" cy="9144000"/>
@@ -120,6 +141,675 @@
 </p:presentation>
 </file>
 
+<file path=ppt/charts/chart1.xml><?xml version="1.0" encoding="utf-8"?>
+<c:chartSpace xmlns:c="http://schemas.openxmlformats.org/drawingml/2006/chart" xmlns:a="http://schemas.openxmlformats.org/drawingml/2006/main" xmlns:r="http://schemas.openxmlformats.org/officeDocument/2006/relationships">
+  <c:date1904 val="0"/>
+  <c:lang val="ru-RU"/>
+  <c:roundedCorners val="0"/>
+  <mc:AlternateContent xmlns:mc="http://schemas.openxmlformats.org/markup-compatibility/2006">
+    <mc:Choice xmlns:c14="http://schemas.microsoft.com/office/drawing/2007/8/2/chart" Requires="c14">
+      <c14:style val="102"/>
+    </mc:Choice>
+    <mc:Fallback>
+      <c:style val="2"/>
+    </mc:Fallback>
+  </mc:AlternateContent>
+  <c:chart>
+    <c:autoTitleDeleted val="0"/>
+    <c:plotArea>
+      <c:layout/>
+      <c:lineChart>
+        <c:grouping val="standard"/>
+        <c:varyColors val="0"/>
+        <c:ser>
+          <c:idx val="1"/>
+          <c:order val="0"/>
+          <c:tx>
+            <c:v>Новая Газета</c:v>
+          </c:tx>
+          <c:marker>
+            <c:symbol val="none"/>
+          </c:marker>
+          <c:cat>
+            <c:numRef>
+              <c:f>Лист1!$F$1:$F$4</c:f>
+              <c:numCache>
+                <c:formatCode>General</c:formatCode>
+                <c:ptCount val="4"/>
+                <c:pt idx="0">
+                  <c:v>1998</c:v>
+                </c:pt>
+                <c:pt idx="1">
+                  <c:v>2001</c:v>
+                </c:pt>
+                <c:pt idx="2">
+                  <c:v>2004</c:v>
+                </c:pt>
+                <c:pt idx="3">
+                  <c:v>2016</c:v>
+                </c:pt>
+              </c:numCache>
+            </c:numRef>
+          </c:cat>
+          <c:val>
+            <c:numRef>
+              <c:f>Лист1!$E$1:$E$4</c:f>
+              <c:numCache>
+                <c:formatCode>General</c:formatCode>
+                <c:ptCount val="4"/>
+                <c:pt idx="0">
+                  <c:v>0.185741815242636</c:v>
+                </c:pt>
+                <c:pt idx="1">
+                  <c:v>0.17609936399999901</c:v>
+                </c:pt>
+                <c:pt idx="2">
+                  <c:v>0.28623853333333299</c:v>
+                </c:pt>
+                <c:pt idx="3">
+                  <c:v>0.19072717519999999</c:v>
+                </c:pt>
+              </c:numCache>
+            </c:numRef>
+          </c:val>
+          <c:smooth val="0"/>
+        </c:ser>
+        <c:ser>
+          <c:idx val="0"/>
+          <c:order val="1"/>
+          <c:tx>
+            <c:v>Российская газета</c:v>
+          </c:tx>
+          <c:marker>
+            <c:symbol val="none"/>
+          </c:marker>
+          <c:cat>
+            <c:numRef>
+              <c:f>Лист1!$F$1:$F$4</c:f>
+              <c:numCache>
+                <c:formatCode>General</c:formatCode>
+                <c:ptCount val="4"/>
+                <c:pt idx="0">
+                  <c:v>1998</c:v>
+                </c:pt>
+                <c:pt idx="1">
+                  <c:v>2001</c:v>
+                </c:pt>
+                <c:pt idx="2">
+                  <c:v>2004</c:v>
+                </c:pt>
+                <c:pt idx="3">
+                  <c:v>2016</c:v>
+                </c:pt>
+              </c:numCache>
+            </c:numRef>
+          </c:cat>
+          <c:val>
+            <c:numRef>
+              <c:f>Лист1!$G$1:$G$4</c:f>
+              <c:numCache>
+                <c:formatCode>General</c:formatCode>
+                <c:ptCount val="4"/>
+                <c:pt idx="0">
+                  <c:v>9.2705246428571406E-2</c:v>
+                </c:pt>
+                <c:pt idx="1">
+                  <c:v>0.228309715384615</c:v>
+                </c:pt>
+                <c:pt idx="2">
+                  <c:v>9.0485799999999894E-2</c:v>
+                </c:pt>
+                <c:pt idx="3">
+                  <c:v>0.24851695813953401</c:v>
+                </c:pt>
+              </c:numCache>
+            </c:numRef>
+          </c:val>
+          <c:smooth val="0"/>
+        </c:ser>
+        <c:dLbls>
+          <c:showLegendKey val="0"/>
+          <c:showVal val="0"/>
+          <c:showCatName val="0"/>
+          <c:showSerName val="0"/>
+          <c:showPercent val="0"/>
+          <c:showBubbleSize val="0"/>
+        </c:dLbls>
+        <c:marker val="1"/>
+        <c:smooth val="0"/>
+        <c:axId val="79676160"/>
+        <c:axId val="80460032"/>
+      </c:lineChart>
+      <c:catAx>
+        <c:axId val="79676160"/>
+        <c:scaling>
+          <c:orientation val="minMax"/>
+        </c:scaling>
+        <c:delete val="0"/>
+        <c:axPos val="b"/>
+        <c:numFmt formatCode="General" sourceLinked="1"/>
+        <c:majorTickMark val="out"/>
+        <c:minorTickMark val="none"/>
+        <c:tickLblPos val="nextTo"/>
+        <c:txPr>
+          <a:bodyPr/>
+          <a:lstStyle/>
+          <a:p>
+            <a:pPr>
+              <a:defRPr sz="1600"/>
+            </a:pPr>
+            <a:endParaRPr lang="ru-RU"/>
+          </a:p>
+        </c:txPr>
+        <c:crossAx val="80460032"/>
+        <c:crosses val="autoZero"/>
+        <c:auto val="1"/>
+        <c:lblAlgn val="ctr"/>
+        <c:lblOffset val="100"/>
+        <c:noMultiLvlLbl val="0"/>
+      </c:catAx>
+      <c:valAx>
+        <c:axId val="80460032"/>
+        <c:scaling>
+          <c:orientation val="minMax"/>
+        </c:scaling>
+        <c:delete val="0"/>
+        <c:axPos val="l"/>
+        <c:majorGridlines/>
+        <c:numFmt formatCode="General" sourceLinked="1"/>
+        <c:majorTickMark val="out"/>
+        <c:minorTickMark val="none"/>
+        <c:tickLblPos val="nextTo"/>
+        <c:txPr>
+          <a:bodyPr/>
+          <a:lstStyle/>
+          <a:p>
+            <a:pPr>
+              <a:defRPr sz="1600"/>
+            </a:pPr>
+            <a:endParaRPr lang="ru-RU"/>
+          </a:p>
+        </c:txPr>
+        <c:crossAx val="79676160"/>
+        <c:crosses val="autoZero"/>
+        <c:crossBetween val="between"/>
+      </c:valAx>
+    </c:plotArea>
+    <c:legend>
+      <c:legendPos val="r"/>
+      <c:legendEntry>
+        <c:idx val="0"/>
+        <c:txPr>
+          <a:bodyPr/>
+          <a:lstStyle/>
+          <a:p>
+            <a:pPr>
+              <a:defRPr sz="2000"/>
+            </a:pPr>
+            <a:endParaRPr lang="ru-RU"/>
+          </a:p>
+        </c:txPr>
+      </c:legendEntry>
+      <c:legendEntry>
+        <c:idx val="1"/>
+        <c:txPr>
+          <a:bodyPr/>
+          <a:lstStyle/>
+          <a:p>
+            <a:pPr>
+              <a:defRPr sz="2000"/>
+            </a:pPr>
+            <a:endParaRPr lang="ru-RU"/>
+          </a:p>
+        </c:txPr>
+      </c:legendEntry>
+      <c:layout/>
+      <c:overlay val="0"/>
+    </c:legend>
+    <c:plotVisOnly val="1"/>
+    <c:dispBlanksAs val="gap"/>
+    <c:showDLblsOverMax val="0"/>
+  </c:chart>
+  <c:externalData r:id="rId1">
+    <c:autoUpdate val="0"/>
+  </c:externalData>
+</c:chartSpace>
+</file>
+
+<file path=ppt/notesMasters/notesMaster1.xml><?xml version="1.0" encoding="utf-8"?>
+<p:notesMaster xmlns:a="http://schemas.openxmlformats.org/drawingml/2006/main" xmlns:r="http://schemas.openxmlformats.org/officeDocument/2006/relationships" xmlns:p="http://schemas.openxmlformats.org/presentationml/2006/main">
+  <p:cSld>
+    <p:bg>
+      <p:bgRef idx="1001">
+        <a:schemeClr val="bg1"/>
+      </p:bgRef>
+    </p:bg>
+    <p:spTree>
+      <p:nvGrpSpPr>
+        <p:cNvPr id="1" name=""/>
+        <p:cNvGrpSpPr/>
+        <p:nvPr/>
+      </p:nvGrpSpPr>
+      <p:grpSpPr>
+        <a:xfrm>
+          <a:off x="0" y="0"/>
+          <a:ext cx="0" cy="0"/>
+          <a:chOff x="0" y="0"/>
+          <a:chExt cx="0" cy="0"/>
+        </a:xfrm>
+      </p:grpSpPr>
+      <p:sp>
+        <p:nvSpPr>
+          <p:cNvPr id="2" name="Верхний колонтитул 1"/>
+          <p:cNvSpPr>
+            <a:spLocks noGrp="1"/>
+          </p:cNvSpPr>
+          <p:nvPr>
+            <p:ph type="hdr" sz="quarter"/>
+          </p:nvPr>
+        </p:nvSpPr>
+        <p:spPr>
+          <a:xfrm>
+            <a:off x="0" y="0"/>
+            <a:ext cx="2971800" cy="457200"/>
+          </a:xfrm>
+          <a:prstGeom prst="rect">
+            <a:avLst/>
+          </a:prstGeom>
+        </p:spPr>
+        <p:txBody>
+          <a:bodyPr vert="horz" lIns="91440" tIns="45720" rIns="91440" bIns="45720" rtlCol="0"/>
+          <a:lstStyle>
+            <a:lvl1pPr algn="l">
+              <a:defRPr sz="1200"/>
+            </a:lvl1pPr>
+          </a:lstStyle>
+          <a:p>
+            <a:endParaRPr lang="ru-RU"/>
+          </a:p>
+        </p:txBody>
+      </p:sp>
+      <p:sp>
+        <p:nvSpPr>
+          <p:cNvPr id="3" name="Дата 2"/>
+          <p:cNvSpPr>
+            <a:spLocks noGrp="1"/>
+          </p:cNvSpPr>
+          <p:nvPr>
+            <p:ph type="dt" idx="1"/>
+          </p:nvPr>
+        </p:nvSpPr>
+        <p:spPr>
+          <a:xfrm>
+            <a:off x="3884613" y="0"/>
+            <a:ext cx="2971800" cy="457200"/>
+          </a:xfrm>
+          <a:prstGeom prst="rect">
+            <a:avLst/>
+          </a:prstGeom>
+        </p:spPr>
+        <p:txBody>
+          <a:bodyPr vert="horz" lIns="91440" tIns="45720" rIns="91440" bIns="45720" rtlCol="0"/>
+          <a:lstStyle>
+            <a:lvl1pPr algn="r">
+              <a:defRPr sz="1200"/>
+            </a:lvl1pPr>
+          </a:lstStyle>
+          <a:p>
+            <a:fld id="{AC29C1C2-609A-4714-B534-CD18C872E486}" type="datetimeFigureOut">
+              <a:rPr lang="ru-RU" smtClean="0"/>
+              <a:t>20.03.2016</a:t>
+            </a:fld>
+            <a:endParaRPr lang="ru-RU"/>
+          </a:p>
+        </p:txBody>
+      </p:sp>
+      <p:sp>
+        <p:nvSpPr>
+          <p:cNvPr id="4" name="Образ слайда 3"/>
+          <p:cNvSpPr>
+            <a:spLocks noGrp="1" noRot="1" noChangeAspect="1"/>
+          </p:cNvSpPr>
+          <p:nvPr>
+            <p:ph type="sldImg" idx="2"/>
+          </p:nvPr>
+        </p:nvSpPr>
+        <p:spPr>
+          <a:xfrm>
+            <a:off x="1143000" y="685800"/>
+            <a:ext cx="4572000" cy="3429000"/>
+          </a:xfrm>
+          <a:prstGeom prst="rect">
+            <a:avLst/>
+          </a:prstGeom>
+          <a:noFill/>
+          <a:ln w="12700">
+            <a:solidFill>
+              <a:prstClr val="black"/>
+            </a:solidFill>
+          </a:ln>
+        </p:spPr>
+        <p:txBody>
+          <a:bodyPr vert="horz" lIns="91440" tIns="45720" rIns="91440" bIns="45720" rtlCol="0" anchor="ctr"/>
+          <a:lstStyle/>
+          <a:p>
+            <a:endParaRPr lang="ru-RU"/>
+          </a:p>
+        </p:txBody>
+      </p:sp>
+      <p:sp>
+        <p:nvSpPr>
+          <p:cNvPr id="5" name="Заметки 4"/>
+          <p:cNvSpPr>
+            <a:spLocks noGrp="1"/>
+          </p:cNvSpPr>
+          <p:nvPr>
+            <p:ph type="body" sz="quarter" idx="3"/>
+          </p:nvPr>
+        </p:nvSpPr>
+        <p:spPr>
+          <a:xfrm>
+            <a:off x="685800" y="4343400"/>
+            <a:ext cx="5486400" cy="4114800"/>
+          </a:xfrm>
+          <a:prstGeom prst="rect">
+            <a:avLst/>
+          </a:prstGeom>
+        </p:spPr>
+        <p:txBody>
+          <a:bodyPr vert="horz" lIns="91440" tIns="45720" rIns="91440" bIns="45720" rtlCol="0"/>
+          <a:lstStyle/>
+          <a:p>
+            <a:pPr lvl="0"/>
+            <a:r>
+              <a:rPr lang="ru-RU" smtClean="0"/>
+              <a:t>Образец текста</a:t>
+            </a:r>
+          </a:p>
+          <a:p>
+            <a:pPr lvl="1"/>
+            <a:r>
+              <a:rPr lang="ru-RU" smtClean="0"/>
+              <a:t>Второй уровень</a:t>
+            </a:r>
+          </a:p>
+          <a:p>
+            <a:pPr lvl="2"/>
+            <a:r>
+              <a:rPr lang="ru-RU" smtClean="0"/>
+              <a:t>Третий уровень</a:t>
+            </a:r>
+          </a:p>
+          <a:p>
+            <a:pPr lvl="3"/>
+            <a:r>
+              <a:rPr lang="ru-RU" smtClean="0"/>
+              <a:t>Четвертый уровень</a:t>
+            </a:r>
+          </a:p>
+          <a:p>
+            <a:pPr lvl="4"/>
+            <a:r>
+              <a:rPr lang="ru-RU" smtClean="0"/>
+              <a:t>Пятый уровень</a:t>
+            </a:r>
+            <a:endParaRPr lang="ru-RU"/>
+          </a:p>
+        </p:txBody>
+      </p:sp>
+      <p:sp>
+        <p:nvSpPr>
+          <p:cNvPr id="6" name="Нижний колонтитул 5"/>
+          <p:cNvSpPr>
+            <a:spLocks noGrp="1"/>
+          </p:cNvSpPr>
+          <p:nvPr>
+            <p:ph type="ftr" sz="quarter" idx="4"/>
+          </p:nvPr>
+        </p:nvSpPr>
+        <p:spPr>
+          <a:xfrm>
+            <a:off x="0" y="8685213"/>
+            <a:ext cx="2971800" cy="457200"/>
+          </a:xfrm>
+          <a:prstGeom prst="rect">
+            <a:avLst/>
+          </a:prstGeom>
+        </p:spPr>
+        <p:txBody>
+          <a:bodyPr vert="horz" lIns="91440" tIns="45720" rIns="91440" bIns="45720" rtlCol="0" anchor="b"/>
+          <a:lstStyle>
+            <a:lvl1pPr algn="l">
+              <a:defRPr sz="1200"/>
+            </a:lvl1pPr>
+          </a:lstStyle>
+          <a:p>
+            <a:endParaRPr lang="ru-RU"/>
+          </a:p>
+        </p:txBody>
+      </p:sp>
+      <p:sp>
+        <p:nvSpPr>
+          <p:cNvPr id="7" name="Номер слайда 6"/>
+          <p:cNvSpPr>
+            <a:spLocks noGrp="1"/>
+          </p:cNvSpPr>
+          <p:nvPr>
+            <p:ph type="sldNum" sz="quarter" idx="5"/>
+          </p:nvPr>
+        </p:nvSpPr>
+        <p:spPr>
+          <a:xfrm>
+            <a:off x="3884613" y="8685213"/>
+            <a:ext cx="2971800" cy="457200"/>
+          </a:xfrm>
+          <a:prstGeom prst="rect">
+            <a:avLst/>
+          </a:prstGeom>
+        </p:spPr>
+        <p:txBody>
+          <a:bodyPr vert="horz" lIns="91440" tIns="45720" rIns="91440" bIns="45720" rtlCol="0" anchor="b"/>
+          <a:lstStyle>
+            <a:lvl1pPr algn="r">
+              <a:defRPr sz="1200"/>
+            </a:lvl1pPr>
+          </a:lstStyle>
+          <a:p>
+            <a:fld id="{207BE801-C874-44CC-809D-98E60AFF96E4}" type="slidenum">
+              <a:rPr lang="ru-RU" smtClean="0"/>
+              <a:t>‹#›</a:t>
+            </a:fld>
+            <a:endParaRPr lang="ru-RU"/>
+          </a:p>
+        </p:txBody>
+      </p:sp>
+    </p:spTree>
+    <p:extLst>
+      <p:ext uri="{BB962C8B-B14F-4D97-AF65-F5344CB8AC3E}">
+        <p14:creationId xmlns:p14="http://schemas.microsoft.com/office/powerpoint/2010/main" val="3580125385"/>
+      </p:ext>
+    </p:extLst>
+  </p:cSld>
+  <p:clrMap bg1="lt1" tx1="dk1" bg2="lt2" tx2="dk2" accent1="accent1" accent2="accent2" accent3="accent3" accent4="accent4" accent5="accent5" accent6="accent6" hlink="hlink" folHlink="folHlink"/>
+  <p:notesStyle>
+    <a:lvl1pPr marL="0" algn="l" defTabSz="914400" rtl="0" eaLnBrk="1" latinLnBrk="0" hangingPunct="1">
+      <a:defRPr sz="1200" kern="1200">
+        <a:solidFill>
+          <a:schemeClr val="tx1"/>
+        </a:solidFill>
+        <a:latin typeface="+mn-lt"/>
+        <a:ea typeface="+mn-ea"/>
+        <a:cs typeface="+mn-cs"/>
+      </a:defRPr>
+    </a:lvl1pPr>
+    <a:lvl2pPr marL="457200" algn="l" defTabSz="914400" rtl="0" eaLnBrk="1" latinLnBrk="0" hangingPunct="1">
+      <a:defRPr sz="1200" kern="1200">
+        <a:solidFill>
+          <a:schemeClr val="tx1"/>
+        </a:solidFill>
+        <a:latin typeface="+mn-lt"/>
+        <a:ea typeface="+mn-ea"/>
+        <a:cs typeface="+mn-cs"/>
+      </a:defRPr>
+    </a:lvl2pPr>
+    <a:lvl3pPr marL="914400" algn="l" defTabSz="914400" rtl="0" eaLnBrk="1" latinLnBrk="0" hangingPunct="1">
+      <a:defRPr sz="1200" kern="1200">
+        <a:solidFill>
+          <a:schemeClr val="tx1"/>
+        </a:solidFill>
+        <a:latin typeface="+mn-lt"/>
+        <a:ea typeface="+mn-ea"/>
+        <a:cs typeface="+mn-cs"/>
+      </a:defRPr>
+    </a:lvl3pPr>
+    <a:lvl4pPr marL="1371600" algn="l" defTabSz="914400" rtl="0" eaLnBrk="1" latinLnBrk="0" hangingPunct="1">
+      <a:defRPr sz="1200" kern="1200">
+        <a:solidFill>
+          <a:schemeClr val="tx1"/>
+        </a:solidFill>
+        <a:latin typeface="+mn-lt"/>
+        <a:ea typeface="+mn-ea"/>
+        <a:cs typeface="+mn-cs"/>
+      </a:defRPr>
+    </a:lvl4pPr>
+    <a:lvl5pPr marL="1828800" algn="l" defTabSz="914400" rtl="0" eaLnBrk="1" latinLnBrk="0" hangingPunct="1">
+      <a:defRPr sz="1200" kern="1200">
+        <a:solidFill>
+          <a:schemeClr val="tx1"/>
+        </a:solidFill>
+        <a:latin typeface="+mn-lt"/>
+        <a:ea typeface="+mn-ea"/>
+        <a:cs typeface="+mn-cs"/>
+      </a:defRPr>
+    </a:lvl5pPr>
+    <a:lvl6pPr marL="2286000" algn="l" defTabSz="914400" rtl="0" eaLnBrk="1" latinLnBrk="0" hangingPunct="1">
+      <a:defRPr sz="1200" kern="1200">
+        <a:solidFill>
+          <a:schemeClr val="tx1"/>
+        </a:solidFill>
+        <a:latin typeface="+mn-lt"/>
+        <a:ea typeface="+mn-ea"/>
+        <a:cs typeface="+mn-cs"/>
+      </a:defRPr>
+    </a:lvl6pPr>
+    <a:lvl7pPr marL="2743200" algn="l" defTabSz="914400" rtl="0" eaLnBrk="1" latinLnBrk="0" hangingPunct="1">
+      <a:defRPr sz="1200" kern="1200">
+        <a:solidFill>
+          <a:schemeClr val="tx1"/>
+        </a:solidFill>
+        <a:latin typeface="+mn-lt"/>
+        <a:ea typeface="+mn-ea"/>
+        <a:cs typeface="+mn-cs"/>
+      </a:defRPr>
+    </a:lvl7pPr>
+    <a:lvl8pPr marL="3200400" algn="l" defTabSz="914400" rtl="0" eaLnBrk="1" latinLnBrk="0" hangingPunct="1">
+      <a:defRPr sz="1200" kern="1200">
+        <a:solidFill>
+          <a:schemeClr val="tx1"/>
+        </a:solidFill>
+        <a:latin typeface="+mn-lt"/>
+        <a:ea typeface="+mn-ea"/>
+        <a:cs typeface="+mn-cs"/>
+      </a:defRPr>
+    </a:lvl8pPr>
+    <a:lvl9pPr marL="3657600" algn="l" defTabSz="914400" rtl="0" eaLnBrk="1" latinLnBrk="0" hangingPunct="1">
+      <a:defRPr sz="1200" kern="1200">
+        <a:solidFill>
+          <a:schemeClr val="tx1"/>
+        </a:solidFill>
+        <a:latin typeface="+mn-lt"/>
+        <a:ea typeface="+mn-ea"/>
+        <a:cs typeface="+mn-cs"/>
+      </a:defRPr>
+    </a:lvl9pPr>
+  </p:notesStyle>
+</p:notesMaster>
+</file>
+
+<file path=ppt/notesSlides/notesSlide1.xml><?xml version="1.0" encoding="utf-8"?>
+<p:notes xmlns:a="http://schemas.openxmlformats.org/drawingml/2006/main" xmlns:r="http://schemas.openxmlformats.org/officeDocument/2006/relationships" xmlns:p="http://schemas.openxmlformats.org/presentationml/2006/main">
+  <p:cSld>
+    <p:spTree>
+      <p:nvGrpSpPr>
+        <p:cNvPr id="1" name=""/>
+        <p:cNvGrpSpPr/>
+        <p:nvPr/>
+      </p:nvGrpSpPr>
+      <p:grpSpPr>
+        <a:xfrm>
+          <a:off x="0" y="0"/>
+          <a:ext cx="0" cy="0"/>
+          <a:chOff x="0" y="0"/>
+          <a:chExt cx="0" cy="0"/>
+        </a:xfrm>
+      </p:grpSpPr>
+      <p:sp>
+        <p:nvSpPr>
+          <p:cNvPr id="2" name="Образ слайда 1"/>
+          <p:cNvSpPr>
+            <a:spLocks noGrp="1" noRot="1" noChangeAspect="1"/>
+          </p:cNvSpPr>
+          <p:nvPr>
+            <p:ph type="sldImg"/>
+          </p:nvPr>
+        </p:nvSpPr>
+        <p:spPr/>
+      </p:sp>
+      <p:sp>
+        <p:nvSpPr>
+          <p:cNvPr id="3" name="Заметки 2"/>
+          <p:cNvSpPr>
+            <a:spLocks noGrp="1"/>
+          </p:cNvSpPr>
+          <p:nvPr>
+            <p:ph type="body" idx="1"/>
+          </p:nvPr>
+        </p:nvSpPr>
+        <p:spPr/>
+        <p:txBody>
+          <a:bodyPr/>
+          <a:lstStyle/>
+          <a:p>
+            <a:endParaRPr lang="ru-RU" dirty="0"/>
+          </a:p>
+        </p:txBody>
+      </p:sp>
+      <p:sp>
+        <p:nvSpPr>
+          <p:cNvPr id="4" name="Номер слайда 3"/>
+          <p:cNvSpPr>
+            <a:spLocks noGrp="1"/>
+          </p:cNvSpPr>
+          <p:nvPr>
+            <p:ph type="sldNum" sz="quarter" idx="10"/>
+          </p:nvPr>
+        </p:nvSpPr>
+        <p:spPr/>
+        <p:txBody>
+          <a:bodyPr/>
+          <a:lstStyle/>
+          <a:p>
+            <a:fld id="{207BE801-C874-44CC-809D-98E60AFF96E4}" type="slidenum">
+              <a:rPr lang="ru-RU" smtClean="0"/>
+              <a:t>10</a:t>
+            </a:fld>
+            <a:endParaRPr lang="ru-RU"/>
+          </a:p>
+        </p:txBody>
+      </p:sp>
+    </p:spTree>
+    <p:extLst>
+      <p:ext uri="{BB962C8B-B14F-4D97-AF65-F5344CB8AC3E}">
+        <p14:creationId xmlns:p14="http://schemas.microsoft.com/office/powerpoint/2010/main" val="1057844567"/>
+      </p:ext>
+    </p:extLst>
+  </p:cSld>
+  <p:clrMapOvr>
+    <a:masterClrMapping/>
+  </p:clrMapOvr>
+</p:notes>
+</file>
+
 <file path=ppt/slideLayouts/slideLayout1.xml><?xml version="1.0" encoding="utf-8"?>
 <p:sldLayout xmlns:a="http://schemas.openxmlformats.org/drawingml/2006/main" xmlns:r="http://schemas.openxmlformats.org/officeDocument/2006/relationships" xmlns:p="http://schemas.openxmlformats.org/presentationml/2006/main" type="title" preserve="1">
   <p:cSld name="Титульный слайд">
@@ -301,7 +991,7 @@
           <a:p>
             <a:fld id="{8558E43F-AC51-46A6-969B-DF0AF1B9D664}" type="datetimeFigureOut">
               <a:rPr lang="ru-RU" smtClean="0"/>
-              <a:t>13.03.2016</a:t>
+              <a:t>20.03.2016</a:t>
             </a:fld>
             <a:endParaRPr lang="ru-RU"/>
           </a:p>
@@ -471,7 +1161,7 @@
           <a:p>
             <a:fld id="{8558E43F-AC51-46A6-969B-DF0AF1B9D664}" type="datetimeFigureOut">
               <a:rPr lang="ru-RU" smtClean="0"/>
-              <a:t>13.03.2016</a:t>
+              <a:t>20.03.2016</a:t>
             </a:fld>
             <a:endParaRPr lang="ru-RU"/>
           </a:p>
@@ -651,7 +1341,7 @@
           <a:p>
             <a:fld id="{8558E43F-AC51-46A6-969B-DF0AF1B9D664}" type="datetimeFigureOut">
               <a:rPr lang="ru-RU" smtClean="0"/>
-              <a:t>13.03.2016</a:t>
+              <a:t>20.03.2016</a:t>
             </a:fld>
             <a:endParaRPr lang="ru-RU"/>
           </a:p>
@@ -821,7 +1511,7 @@
           <a:p>
             <a:fld id="{8558E43F-AC51-46A6-969B-DF0AF1B9D664}" type="datetimeFigureOut">
               <a:rPr lang="ru-RU" smtClean="0"/>
-              <a:t>13.03.2016</a:t>
+              <a:t>20.03.2016</a:t>
             </a:fld>
             <a:endParaRPr lang="ru-RU"/>
           </a:p>
@@ -1067,7 +1757,7 @@
           <a:p>
             <a:fld id="{8558E43F-AC51-46A6-969B-DF0AF1B9D664}" type="datetimeFigureOut">
               <a:rPr lang="ru-RU" smtClean="0"/>
-              <a:t>13.03.2016</a:t>
+              <a:t>20.03.2016</a:t>
             </a:fld>
             <a:endParaRPr lang="ru-RU"/>
           </a:p>
@@ -1355,7 +2045,7 @@
           <a:p>
             <a:fld id="{8558E43F-AC51-46A6-969B-DF0AF1B9D664}" type="datetimeFigureOut">
               <a:rPr lang="ru-RU" smtClean="0"/>
-              <a:t>13.03.2016</a:t>
+              <a:t>20.03.2016</a:t>
             </a:fld>
             <a:endParaRPr lang="ru-RU"/>
           </a:p>
@@ -1777,7 +2467,7 @@
           <a:p>
             <a:fld id="{8558E43F-AC51-46A6-969B-DF0AF1B9D664}" type="datetimeFigureOut">
               <a:rPr lang="ru-RU" smtClean="0"/>
-              <a:t>13.03.2016</a:t>
+              <a:t>20.03.2016</a:t>
             </a:fld>
             <a:endParaRPr lang="ru-RU"/>
           </a:p>
@@ -1895,7 +2585,7 @@
           <a:p>
             <a:fld id="{8558E43F-AC51-46A6-969B-DF0AF1B9D664}" type="datetimeFigureOut">
               <a:rPr lang="ru-RU" smtClean="0"/>
-              <a:t>13.03.2016</a:t>
+              <a:t>20.03.2016</a:t>
             </a:fld>
             <a:endParaRPr lang="ru-RU"/>
           </a:p>
@@ -1990,7 +2680,7 @@
           <a:p>
             <a:fld id="{8558E43F-AC51-46A6-969B-DF0AF1B9D664}" type="datetimeFigureOut">
               <a:rPr lang="ru-RU" smtClean="0"/>
-              <a:t>13.03.2016</a:t>
+              <a:t>20.03.2016</a:t>
             </a:fld>
             <a:endParaRPr lang="ru-RU"/>
           </a:p>
@@ -2267,7 +2957,7 @@
           <a:p>
             <a:fld id="{8558E43F-AC51-46A6-969B-DF0AF1B9D664}" type="datetimeFigureOut">
               <a:rPr lang="ru-RU" smtClean="0"/>
-              <a:t>13.03.2016</a:t>
+              <a:t>20.03.2016</a:t>
             </a:fld>
             <a:endParaRPr lang="ru-RU"/>
           </a:p>
@@ -2520,7 +3210,7 @@
           <a:p>
             <a:fld id="{8558E43F-AC51-46A6-969B-DF0AF1B9D664}" type="datetimeFigureOut">
               <a:rPr lang="ru-RU" smtClean="0"/>
-              <a:t>13.03.2016</a:t>
+              <a:t>20.03.2016</a:t>
             </a:fld>
             <a:endParaRPr lang="ru-RU"/>
           </a:p>
@@ -2733,7 +3423,7 @@
           <a:p>
             <a:fld id="{8558E43F-AC51-46A6-969B-DF0AF1B9D664}" type="datetimeFigureOut">
               <a:rPr lang="ru-RU" smtClean="0"/>
-              <a:t>13.03.2016</a:t>
+              <a:t>20.03.2016</a:t>
             </a:fld>
             <a:endParaRPr lang="ru-RU"/>
           </a:p>
@@ -3255,15 +3945,14 @@
         <p:spPr/>
         <p:txBody>
           <a:bodyPr>
-            <a:normAutofit/>
+            <a:normAutofit fontScale="90000"/>
           </a:bodyPr>
           <a:lstStyle/>
           <a:p>
             <a:r>
-              <a:rPr lang="ru-RU" dirty="0" smtClean="0"/>
-              <a:t>Частотность триграмм</a:t>
-            </a:r>
-            <a:endParaRPr lang="ru-RU" dirty="0"/>
+              <a:rPr lang="ru-RU" dirty="0"/>
+              <a:t>Со употребление наиболее частных слов</a:t>
+            </a:r>
           </a:p>
         </p:txBody>
       </p:sp>
@@ -3277,277 +3966,170 @@
             <p:ph idx="1"/>
           </p:nvPr>
         </p:nvSpPr>
-        <p:spPr/>
+        <p:spPr>
+          <a:xfrm>
+            <a:off x="457200" y="1600200"/>
+            <a:ext cx="8229600" cy="4925144"/>
+          </a:xfrm>
+        </p:spPr>
         <p:txBody>
-          <a:bodyPr/>
+          <a:bodyPr>
+            <a:normAutofit fontScale="85000" lnSpcReduction="20000"/>
+          </a:bodyPr>
           <a:lstStyle/>
           <a:p>
-            <a:endParaRPr lang="ru-RU"/>
+            <a:pPr>
+              <a:buFont typeface="Wingdings" panose="05000000000000000000" pitchFamily="2" charset="2"/>
+              <a:buChar char="Ø"/>
+            </a:pPr>
+            <a:r>
+              <a:rPr lang="ru-RU" dirty="0"/>
+              <a:t>Р</a:t>
+            </a:r>
+            <a:r>
+              <a:rPr lang="ru-RU" dirty="0" smtClean="0"/>
+              <a:t>оссия </a:t>
+            </a:r>
+          </a:p>
+          <a:p>
+            <a:r>
+              <a:rPr lang="ru-RU" sz="1900" dirty="0"/>
+              <a:t>президент 51</a:t>
+            </a:r>
+          </a:p>
+          <a:p>
+            <a:r>
+              <a:rPr lang="ru-RU" sz="1900" dirty="0"/>
+              <a:t>быть 41</a:t>
+            </a:r>
+          </a:p>
+          <a:p>
+            <a:r>
+              <a:rPr lang="ru-RU" sz="1900" dirty="0"/>
+              <a:t>президент </a:t>
+            </a:r>
+            <a:r>
+              <a:rPr lang="ru-RU" sz="1900" dirty="0" err="1"/>
+              <a:t>борис</a:t>
+            </a:r>
+            <a:r>
+              <a:rPr lang="ru-RU" sz="1900" dirty="0"/>
+              <a:t> </a:t>
+            </a:r>
+            <a:r>
+              <a:rPr lang="ru-RU" sz="1900" dirty="0" smtClean="0"/>
+              <a:t>8</a:t>
+            </a:r>
+          </a:p>
+          <a:p>
+            <a:pPr>
+              <a:buFont typeface="Wingdings" panose="05000000000000000000" pitchFamily="2" charset="2"/>
+              <a:buChar char="Ø"/>
+            </a:pPr>
+            <a:r>
+              <a:rPr lang="ru-RU" dirty="0" smtClean="0"/>
+              <a:t>Стать</a:t>
+            </a:r>
+          </a:p>
+          <a:p>
+            <a:r>
+              <a:rPr lang="ru-RU" sz="1900" dirty="0"/>
+              <a:t>мочь 37</a:t>
+            </a:r>
+          </a:p>
+          <a:p>
+            <a:r>
+              <a:rPr lang="ru-RU" sz="1900" dirty="0"/>
+              <a:t>один 24</a:t>
+            </a:r>
+          </a:p>
+          <a:p>
+            <a:r>
+              <a:rPr lang="ru-RU" sz="1900" dirty="0"/>
+              <a:t>мы известно </a:t>
+            </a:r>
+            <a:r>
+              <a:rPr lang="ru-RU" sz="1900" dirty="0" smtClean="0"/>
+              <a:t>6</a:t>
+            </a:r>
+          </a:p>
+          <a:p>
+            <a:pPr>
+              <a:buFont typeface="Wingdings" panose="05000000000000000000" pitchFamily="2" charset="2"/>
+              <a:buChar char="Ø"/>
+            </a:pPr>
+            <a:r>
+              <a:rPr lang="ru-RU" dirty="0" smtClean="0"/>
+              <a:t>Дело</a:t>
+            </a:r>
+          </a:p>
+          <a:p>
+            <a:r>
+              <a:rPr lang="ru-RU" sz="1900" dirty="0"/>
+              <a:t>самый 125</a:t>
+            </a:r>
+          </a:p>
+          <a:p>
+            <a:r>
+              <a:rPr lang="ru-RU" sz="1900" dirty="0"/>
+              <a:t>тот 55</a:t>
+            </a:r>
+          </a:p>
+          <a:p>
+            <a:r>
+              <a:rPr lang="ru-RU" sz="1900" dirty="0"/>
+              <a:t>уголовный против </a:t>
+            </a:r>
+            <a:r>
+              <a:rPr lang="ru-RU" sz="1900" dirty="0" smtClean="0"/>
+              <a:t>9</a:t>
+            </a:r>
+          </a:p>
+          <a:p>
+            <a:pPr>
+              <a:buFont typeface="Wingdings" panose="05000000000000000000" pitchFamily="2" charset="2"/>
+              <a:buChar char="Ø"/>
+            </a:pPr>
+            <a:r>
+              <a:rPr lang="ru-RU" dirty="0" smtClean="0"/>
+              <a:t>Страна</a:t>
+            </a:r>
+          </a:p>
+          <a:p>
+            <a:r>
+              <a:rPr lang="ru-RU" sz="1900" dirty="0"/>
+              <a:t>наш 92</a:t>
+            </a:r>
+          </a:p>
+          <a:p>
+            <a:r>
+              <a:rPr lang="ru-RU" sz="1900" dirty="0"/>
+              <a:t>который </a:t>
+            </a:r>
+            <a:r>
+              <a:rPr lang="ru-RU" sz="1900" dirty="0" smtClean="0"/>
+              <a:t>26</a:t>
+            </a:r>
+          </a:p>
+          <a:p>
+            <a:r>
+              <a:rPr lang="ru-RU" sz="1900" dirty="0" smtClean="0"/>
+              <a:t>долг </a:t>
+            </a:r>
+            <a:r>
+              <a:rPr lang="ru-RU" sz="1900" dirty="0"/>
+              <a:t>третье 3</a:t>
+            </a:r>
+          </a:p>
+          <a:p>
+            <a:endParaRPr lang="ru-RU" dirty="0"/>
           </a:p>
         </p:txBody>
       </p:sp>
-      <p:graphicFrame>
-        <p:nvGraphicFramePr>
-          <p:cNvPr id="4" name="Объект 3"/>
-          <p:cNvGraphicFramePr>
-            <a:graphicFrameLocks/>
-          </p:cNvGraphicFramePr>
-          <p:nvPr>
-            <p:extLst>
-              <p:ext uri="{D42A27DB-BD31-4B8C-83A1-F6EECF244321}">
-                <p14:modId xmlns:p14="http://schemas.microsoft.com/office/powerpoint/2010/main" val="1414008127"/>
-              </p:ext>
-            </p:extLst>
-          </p:nvPr>
-        </p:nvGraphicFramePr>
-        <p:xfrm>
-          <a:off x="179512" y="1484784"/>
-          <a:ext cx="8784972" cy="5211949"/>
-        </p:xfrm>
-        <a:graphic>
-          <a:graphicData uri="http://schemas.openxmlformats.org/drawingml/2006/table">
-            <a:tbl>
-              <a:tblPr firstRow="1" bandRow="1">
-                <a:tableStyleId>{5C22544A-7EE6-4342-B048-85BDC9FD1C3A}</a:tableStyleId>
-              </a:tblPr>
-              <a:tblGrid>
-                <a:gridCol w="1296142"/>
-                <a:gridCol w="1512168"/>
-                <a:gridCol w="1512168"/>
-                <a:gridCol w="1440160"/>
-                <a:gridCol w="1512168"/>
-                <a:gridCol w="1512166"/>
-              </a:tblGrid>
-              <a:tr h="408998">
-                <a:tc>
-                  <a:txBody>
-                    <a:bodyPr/>
-                    <a:lstStyle/>
-                    <a:p>
-                      <a:endParaRPr lang="ru-RU" dirty="0"/>
-                    </a:p>
-                  </a:txBody>
-                  <a:tcPr/>
-                </a:tc>
-                <a:tc>
-                  <a:txBody>
-                    <a:bodyPr/>
-                    <a:lstStyle/>
-                    <a:p>
-                      <a:r>
-                        <a:rPr lang="en-US" dirty="0" smtClean="0"/>
-                        <a:t>1997-1999</a:t>
-                      </a:r>
-                      <a:endParaRPr lang="ru-RU" dirty="0"/>
-                    </a:p>
-                  </a:txBody>
-                  <a:tcPr/>
-                </a:tc>
-                <a:tc>
-                  <a:txBody>
-                    <a:bodyPr/>
-                    <a:lstStyle/>
-                    <a:p>
-                      <a:r>
-                        <a:rPr lang="en-US" dirty="0" smtClean="0"/>
-                        <a:t>2000-2002</a:t>
-                      </a:r>
-                      <a:endParaRPr lang="ru-RU" dirty="0"/>
-                    </a:p>
-                  </a:txBody>
-                  <a:tcPr/>
-                </a:tc>
-                <a:tc>
-                  <a:txBody>
-                    <a:bodyPr/>
-                    <a:lstStyle/>
-                    <a:p>
-                      <a:r>
-                        <a:rPr lang="en-US" dirty="0" smtClean="0"/>
-                        <a:t>2003-2005</a:t>
-                      </a:r>
-                      <a:endParaRPr lang="ru-RU" dirty="0"/>
-                    </a:p>
-                  </a:txBody>
-                  <a:tcPr/>
-                </a:tc>
-                <a:tc>
-                  <a:txBody>
-                    <a:bodyPr/>
-                    <a:lstStyle/>
-                    <a:p>
-                      <a:r>
-                        <a:rPr lang="en-US" dirty="0" smtClean="0"/>
-                        <a:t>2016</a:t>
-                      </a:r>
-                      <a:endParaRPr lang="ru-RU" dirty="0"/>
-                    </a:p>
-                  </a:txBody>
-                  <a:tcPr/>
-                </a:tc>
-                <a:tc>
-                  <a:txBody>
-                    <a:bodyPr/>
-                    <a:lstStyle/>
-                    <a:p>
-                      <a:r>
-                        <a:rPr lang="en-US" dirty="0" smtClean="0"/>
-                        <a:t>All corpus</a:t>
-                      </a:r>
-                      <a:endParaRPr lang="ru-RU" dirty="0"/>
-                    </a:p>
-                  </a:txBody>
-                  <a:tcPr/>
-                </a:tc>
-              </a:tr>
-              <a:tr h="2323880">
-                <a:tc>
-                  <a:txBody>
-                    <a:bodyPr/>
-                    <a:lstStyle/>
-                    <a:p>
-                      <a:r>
-                        <a:rPr lang="ru-RU" dirty="0" smtClean="0"/>
-                        <a:t>Новая</a:t>
-                      </a:r>
-                      <a:r>
-                        <a:rPr lang="ru-RU" baseline="0" dirty="0" smtClean="0"/>
-                        <a:t> газета</a:t>
-                      </a:r>
-                      <a:endParaRPr lang="ru-RU" dirty="0"/>
-                    </a:p>
-                  </a:txBody>
-                  <a:tcPr/>
-                </a:tc>
-                <a:tc>
-                  <a:txBody>
-                    <a:bodyPr/>
-                    <a:lstStyle/>
-                    <a:p>
-                      <a:endParaRPr lang="ru-RU"/>
-                    </a:p>
-                  </a:txBody>
-                  <a:tcPr/>
-                </a:tc>
-                <a:tc>
-                  <a:txBody>
-                    <a:bodyPr/>
-                    <a:lstStyle/>
-                    <a:p>
-                      <a:endParaRPr lang="ru-RU"/>
-                    </a:p>
-                  </a:txBody>
-                  <a:tcPr/>
-                </a:tc>
-                <a:tc>
-                  <a:txBody>
-                    <a:bodyPr/>
-                    <a:lstStyle/>
-                    <a:p>
-                      <a:endParaRPr lang="ru-RU"/>
-                    </a:p>
-                  </a:txBody>
-                  <a:tcPr/>
-                </a:tc>
-                <a:tc>
-                  <a:txBody>
-                    <a:bodyPr/>
-                    <a:lstStyle/>
-                    <a:p>
-                      <a:endParaRPr lang="ru-RU" dirty="0"/>
-                    </a:p>
-                  </a:txBody>
-                  <a:tcPr/>
-                </a:tc>
-                <a:tc>
-                  <a:txBody>
-                    <a:bodyPr/>
-                    <a:lstStyle/>
-                    <a:p>
-                      <a:endParaRPr lang="ru-RU" dirty="0"/>
-                    </a:p>
-                  </a:txBody>
-                  <a:tcPr/>
-                </a:tc>
-              </a:tr>
-              <a:tr h="2479071">
-                <a:tc>
-                  <a:txBody>
-                    <a:bodyPr/>
-                    <a:lstStyle/>
-                    <a:p>
-                      <a:r>
-                        <a:rPr lang="ru-RU" dirty="0" smtClean="0"/>
-                        <a:t>Российская</a:t>
-                      </a:r>
-                      <a:r>
-                        <a:rPr lang="ru-RU" baseline="0" dirty="0" smtClean="0"/>
-                        <a:t> газета</a:t>
-                      </a:r>
-                      <a:endParaRPr lang="ru-RU" dirty="0"/>
-                    </a:p>
-                  </a:txBody>
-                  <a:tcPr/>
-                </a:tc>
-                <a:tc>
-                  <a:txBody>
-                    <a:bodyPr/>
-                    <a:lstStyle/>
-                    <a:p>
-                      <a:endParaRPr lang="ru-RU"/>
-                    </a:p>
-                  </a:txBody>
-                  <a:tcPr/>
-                </a:tc>
-                <a:tc>
-                  <a:txBody>
-                    <a:bodyPr/>
-                    <a:lstStyle/>
-                    <a:p>
-                      <a:endParaRPr lang="ru-RU"/>
-                    </a:p>
-                  </a:txBody>
-                  <a:tcPr/>
-                </a:tc>
-                <a:tc>
-                  <a:txBody>
-                    <a:bodyPr/>
-                    <a:lstStyle/>
-                    <a:p>
-                      <a:endParaRPr lang="ru-RU" dirty="0"/>
-                    </a:p>
-                  </a:txBody>
-                  <a:tcPr/>
-                </a:tc>
-                <a:tc>
-                  <a:txBody>
-                    <a:bodyPr/>
-                    <a:lstStyle/>
-                    <a:p>
-                      <a:endParaRPr lang="ru-RU"/>
-                    </a:p>
-                  </a:txBody>
-                  <a:tcPr/>
-                </a:tc>
-                <a:tc>
-                  <a:txBody>
-                    <a:bodyPr/>
-                    <a:lstStyle/>
-                    <a:p>
-                      <a:endParaRPr lang="ru-RU" dirty="0"/>
-                    </a:p>
-                  </a:txBody>
-                  <a:tcPr/>
-                </a:tc>
-              </a:tr>
-            </a:tbl>
-          </a:graphicData>
-        </a:graphic>
-      </p:graphicFrame>
     </p:spTree>
     <p:extLst>
       <p:ext uri="{BB962C8B-B14F-4D97-AF65-F5344CB8AC3E}">
-        <p14:creationId xmlns:p14="http://schemas.microsoft.com/office/powerpoint/2010/main" val="3563332708"/>
+        <p14:creationId xmlns:p14="http://schemas.microsoft.com/office/powerpoint/2010/main" val="623524638"/>
       </p:ext>
     </p:extLst>
   </p:cSld>
@@ -3593,15 +4175,11 @@
           <a:p>
             <a:r>
               <a:rPr lang="ru-RU" dirty="0" smtClean="0"/>
-              <a:t>Со употребление наиболее частных </a:t>
+              <a:t>Частотность </a:t>
             </a:r>
             <a:r>
               <a:rPr lang="ru-RU" dirty="0" smtClean="0"/>
-              <a:t>три</a:t>
-            </a:r>
-            <a:r>
-              <a:rPr lang="ru-RU" dirty="0" smtClean="0"/>
-              <a:t>грамм</a:t>
+              <a:t>биграмм. Весь корпус</a:t>
             </a:r>
             <a:endParaRPr lang="ru-RU" dirty="0"/>
           </a:p>
@@ -3619,23 +4197,100 @@
         </p:nvSpPr>
         <p:spPr/>
         <p:txBody>
-          <a:bodyPr/>
+          <a:bodyPr>
+            <a:normAutofit fontScale="85000" lnSpcReduction="20000"/>
+          </a:bodyPr>
           <a:lstStyle/>
           <a:p>
-            <a:endParaRPr lang="ru-RU"/>
+            <a:r>
+              <a:rPr lang="ru-RU" dirty="0"/>
+              <a:t>источник информация 890</a:t>
+            </a:r>
+          </a:p>
+          <a:p>
+            <a:r>
+              <a:rPr lang="ru-RU" dirty="0"/>
+              <a:t>информация новый 727</a:t>
+            </a:r>
+          </a:p>
+          <a:p>
+            <a:r>
+              <a:rPr lang="ru-RU" dirty="0"/>
+              <a:t>должный быть 255</a:t>
+            </a:r>
+          </a:p>
+          <a:p>
+            <a:r>
+              <a:rPr lang="ru-RU" dirty="0"/>
+              <a:t>информация российский 160</a:t>
+            </a:r>
+          </a:p>
+          <a:p>
+            <a:r>
+              <a:rPr lang="ru-RU" dirty="0"/>
+              <a:t>миллион доллар 154</a:t>
+            </a:r>
+          </a:p>
+          <a:p>
+            <a:r>
+              <a:rPr lang="ru-RU" dirty="0"/>
+              <a:t>прошлое год 154</a:t>
+            </a:r>
+          </a:p>
+          <a:p>
+            <a:r>
+              <a:rPr lang="ru-RU" dirty="0"/>
+              <a:t>сей пора 146</a:t>
+            </a:r>
+          </a:p>
+          <a:p>
+            <a:r>
+              <a:rPr lang="ru-RU" dirty="0"/>
+              <a:t>друг </a:t>
+            </a:r>
+            <a:r>
+              <a:rPr lang="ru-RU" dirty="0" err="1"/>
+              <a:t>друг</a:t>
+            </a:r>
+            <a:r>
+              <a:rPr lang="ru-RU" dirty="0"/>
+              <a:t> 135</a:t>
+            </a:r>
+          </a:p>
+          <a:p>
+            <a:r>
+              <a:rPr lang="ru-RU" dirty="0"/>
+              <a:t>самый дело 125</a:t>
+            </a:r>
+          </a:p>
+          <a:p>
+            <a:r>
+              <a:rPr lang="ru-RU" dirty="0"/>
+              <a:t>человек который 114</a:t>
+            </a:r>
+          </a:p>
+          <a:p>
+            <a:endParaRPr lang="ru-RU" dirty="0"/>
           </a:p>
         </p:txBody>
       </p:sp>
     </p:spTree>
     <p:extLst>
       <p:ext uri="{BB962C8B-B14F-4D97-AF65-F5344CB8AC3E}">
-        <p14:creationId xmlns:p14="http://schemas.microsoft.com/office/powerpoint/2010/main" val="2989029416"/>
+        <p14:creationId xmlns:p14="http://schemas.microsoft.com/office/powerpoint/2010/main" val="3402291811"/>
       </p:ext>
     </p:extLst>
   </p:cSld>
   <p:clrMapOvr>
     <a:masterClrMapping/>
   </p:clrMapOvr>
+  <p:timing>
+    <p:tnLst>
+      <p:par>
+        <p:cTn id="1" dur="indefinite" restart="never" nodeType="tmRoot"/>
+      </p:par>
+    </p:tnLst>
+  </p:timing>
 </p:sld>
 </file>
 
@@ -3668,12 +4323,14 @@
         </p:nvSpPr>
         <p:spPr/>
         <p:txBody>
-          <a:bodyPr/>
+          <a:bodyPr>
+            <a:normAutofit fontScale="90000"/>
+          </a:bodyPr>
           <a:lstStyle/>
           <a:p>
             <a:r>
               <a:rPr lang="ru-RU" dirty="0" smtClean="0"/>
-              <a:t>Анализ тональности. Топ</a:t>
+              <a:t>Со употребление наиболее частных биграмм</a:t>
             </a:r>
             <a:endParaRPr lang="ru-RU" dirty="0"/>
           </a:p>
@@ -3689,19 +4346,163 @@
             <p:ph idx="1"/>
           </p:nvPr>
         </p:nvSpPr>
-        <p:spPr/>
+        <p:spPr>
+          <a:xfrm>
+            <a:off x="457200" y="1600200"/>
+            <a:ext cx="8229600" cy="4997152"/>
+          </a:xfrm>
+        </p:spPr>
         <p:txBody>
-          <a:bodyPr/>
+          <a:bodyPr>
+            <a:normAutofit fontScale="55000" lnSpcReduction="20000"/>
+          </a:bodyPr>
           <a:lstStyle/>
           <a:p>
-            <a:endParaRPr lang="ru-RU"/>
+            <a:pPr>
+              <a:buFont typeface="Wingdings" panose="05000000000000000000" pitchFamily="2" charset="2"/>
+              <a:buChar char="Ø"/>
+            </a:pPr>
+            <a:r>
+              <a:rPr lang="ru-RU" sz="4400" dirty="0"/>
+              <a:t>источник информация </a:t>
+            </a:r>
+            <a:endParaRPr lang="ru-RU" sz="4400" dirty="0" smtClean="0"/>
+          </a:p>
+          <a:p>
+            <a:r>
+              <a:rPr lang="ru-RU" dirty="0"/>
+              <a:t>год 15</a:t>
+            </a:r>
+          </a:p>
+          <a:p>
+            <a:r>
+              <a:rPr lang="ru-RU" dirty="0"/>
+              <a:t>новый 725</a:t>
+            </a:r>
+          </a:p>
+          <a:p>
+            <a:r>
+              <a:rPr lang="ru-RU" dirty="0" err="1"/>
+              <a:t>итартасс</a:t>
+            </a:r>
+            <a:r>
+              <a:rPr lang="ru-RU" dirty="0"/>
+              <a:t> российский 12</a:t>
+            </a:r>
+            <a:endParaRPr lang="ru-RU" dirty="0" smtClean="0"/>
+          </a:p>
+          <a:p>
+            <a:pPr>
+              <a:buFont typeface="Wingdings" panose="05000000000000000000" pitchFamily="2" charset="2"/>
+              <a:buChar char="Ø"/>
+            </a:pPr>
+            <a:r>
+              <a:rPr lang="ru-RU" sz="4400" dirty="0" smtClean="0"/>
+              <a:t>должный </a:t>
+            </a:r>
+            <a:r>
+              <a:rPr lang="ru-RU" sz="4400" dirty="0"/>
+              <a:t>быть </a:t>
+            </a:r>
+            <a:endParaRPr lang="ru-RU" sz="4400" dirty="0" smtClean="0"/>
+          </a:p>
+          <a:p>
+            <a:r>
+              <a:rPr lang="ru-RU" dirty="0"/>
+              <a:t>который 19</a:t>
+            </a:r>
+          </a:p>
+          <a:p>
+            <a:r>
+              <a:rPr lang="ru-RU" dirty="0"/>
+              <a:t>быть 10</a:t>
+            </a:r>
+          </a:p>
+          <a:p>
+            <a:r>
+              <a:rPr lang="ru-RU" dirty="0"/>
+              <a:t>время только </a:t>
+            </a:r>
+            <a:r>
+              <a:rPr lang="ru-RU" dirty="0" smtClean="0"/>
+              <a:t>2</a:t>
+            </a:r>
+          </a:p>
+          <a:p>
+            <a:pPr>
+              <a:buFont typeface="Wingdings" panose="05000000000000000000" pitchFamily="2" charset="2"/>
+              <a:buChar char="Ø"/>
+            </a:pPr>
+            <a:r>
+              <a:rPr lang="ru-RU" sz="4400" dirty="0" smtClean="0"/>
+              <a:t>миллион </a:t>
+            </a:r>
+            <a:r>
+              <a:rPr lang="ru-RU" sz="4400" dirty="0"/>
+              <a:t>доллар </a:t>
+            </a:r>
+            <a:endParaRPr lang="ru-RU" sz="4400" dirty="0" smtClean="0"/>
+          </a:p>
+          <a:p>
+            <a:r>
+              <a:rPr lang="ru-RU" dirty="0"/>
+              <a:t>около 13</a:t>
+            </a:r>
+          </a:p>
+          <a:p>
+            <a:r>
+              <a:rPr lang="ru-RU" dirty="0" err="1"/>
+              <a:t>сша</a:t>
+            </a:r>
+            <a:r>
+              <a:rPr lang="ru-RU" dirty="0"/>
+              <a:t> 14</a:t>
+            </a:r>
+          </a:p>
+          <a:p>
+            <a:r>
+              <a:rPr lang="ru-RU" dirty="0"/>
+              <a:t>около уже 2</a:t>
+            </a:r>
+          </a:p>
+          <a:p>
+            <a:pPr>
+              <a:buFont typeface="Wingdings" panose="05000000000000000000" pitchFamily="2" charset="2"/>
+              <a:buChar char="Ø"/>
+            </a:pPr>
+            <a:r>
+              <a:rPr lang="ru-RU" sz="4400" dirty="0"/>
+              <a:t>прошлое год </a:t>
+            </a:r>
+            <a:endParaRPr lang="ru-RU" sz="4400" dirty="0" smtClean="0"/>
+          </a:p>
+          <a:p>
+            <a:r>
+              <a:rPr lang="ru-RU" dirty="0"/>
+              <a:t>конец 14</a:t>
+            </a:r>
+          </a:p>
+          <a:p>
+            <a:r>
+              <a:rPr lang="ru-RU" dirty="0"/>
+              <a:t>быть 12</a:t>
+            </a:r>
+          </a:p>
+          <a:p>
+            <a:r>
+              <a:rPr lang="ru-RU" dirty="0"/>
+              <a:t>декабрь материал 2</a:t>
+            </a:r>
+          </a:p>
+          <a:p>
+            <a:endParaRPr lang="ru-RU" dirty="0"/>
           </a:p>
         </p:txBody>
       </p:sp>
     </p:spTree>
     <p:extLst>
       <p:ext uri="{BB962C8B-B14F-4D97-AF65-F5344CB8AC3E}">
-        <p14:creationId xmlns:p14="http://schemas.microsoft.com/office/powerpoint/2010/main" val="2248544812"/>
+        <p14:creationId xmlns:p14="http://schemas.microsoft.com/office/powerpoint/2010/main" val="2793918781"/>
       </p:ext>
     </p:extLst>
   </p:cSld>
@@ -3747,11 +4548,11 @@
           <a:p>
             <a:r>
               <a:rPr lang="ru-RU" dirty="0" smtClean="0"/>
-              <a:t>Анализ тональности. </a:t>
+              <a:t>Частотность </a:t>
             </a:r>
             <a:r>
               <a:rPr lang="ru-RU" dirty="0" smtClean="0"/>
-              <a:t>Распределение тональностей</a:t>
+              <a:t>триграмм. Весь корпус</a:t>
             </a:r>
             <a:endParaRPr lang="ru-RU" dirty="0"/>
           </a:p>
@@ -3769,23 +4570,92 @@
         </p:nvSpPr>
         <p:spPr/>
         <p:txBody>
-          <a:bodyPr/>
+          <a:bodyPr>
+            <a:normAutofit fontScale="85000" lnSpcReduction="20000"/>
+          </a:bodyPr>
           <a:lstStyle/>
           <a:p>
-            <a:endParaRPr lang="ru-RU"/>
+            <a:r>
+              <a:rPr lang="ru-RU" dirty="0"/>
+              <a:t>источник информация новый 725</a:t>
+            </a:r>
+          </a:p>
+          <a:p>
+            <a:r>
+              <a:rPr lang="ru-RU" dirty="0"/>
+              <a:t>информация новый газета 725</a:t>
+            </a:r>
+          </a:p>
+          <a:p>
+            <a:r>
+              <a:rPr lang="ru-RU" dirty="0"/>
+              <a:t>информация российский газета 159</a:t>
+            </a:r>
+          </a:p>
+          <a:p>
+            <a:r>
+              <a:rPr lang="ru-RU" dirty="0"/>
+              <a:t>источник информация российский 159</a:t>
+            </a:r>
+          </a:p>
+          <a:p>
+            <a:r>
+              <a:rPr lang="ru-RU" dirty="0"/>
+              <a:t>дело тот что 47</a:t>
+            </a:r>
+          </a:p>
+          <a:p>
+            <a:r>
+              <a:rPr lang="ru-RU" dirty="0"/>
+              <a:t>возбудить уголовный дело 29</a:t>
+            </a:r>
+          </a:p>
+          <a:p>
+            <a:r>
+              <a:rPr lang="ru-RU" dirty="0"/>
+              <a:t>министр иностранный дело 28</a:t>
+            </a:r>
+          </a:p>
+          <a:p>
+            <a:r>
+              <a:rPr lang="ru-RU" dirty="0"/>
+              <a:t>два год назад 26</a:t>
+            </a:r>
+          </a:p>
+          <a:p>
+            <a:r>
+              <a:rPr lang="ru-RU" dirty="0"/>
+              <a:t>несколько год назад 24</a:t>
+            </a:r>
+          </a:p>
+          <a:p>
+            <a:r>
+              <a:rPr lang="ru-RU" dirty="0"/>
+              <a:t>средство массовый информация 23</a:t>
+            </a:r>
+          </a:p>
+          <a:p>
+            <a:endParaRPr lang="ru-RU" dirty="0"/>
           </a:p>
         </p:txBody>
       </p:sp>
     </p:spTree>
     <p:extLst>
       <p:ext uri="{BB962C8B-B14F-4D97-AF65-F5344CB8AC3E}">
-        <p14:creationId xmlns:p14="http://schemas.microsoft.com/office/powerpoint/2010/main" val="163991811"/>
+        <p14:creationId xmlns:p14="http://schemas.microsoft.com/office/powerpoint/2010/main" val="236464859"/>
       </p:ext>
     </p:extLst>
   </p:cSld>
   <p:clrMapOvr>
     <a:masterClrMapping/>
   </p:clrMapOvr>
+  <p:timing>
+    <p:tnLst>
+      <p:par>
+        <p:cTn id="1" dur="indefinite" restart="never" nodeType="tmRoot"/>
+      </p:par>
+    </p:tnLst>
+  </p:timing>
 </p:sld>
 </file>
 
@@ -3818,12 +4688,14 @@
         </p:nvSpPr>
         <p:spPr/>
         <p:txBody>
-          <a:bodyPr/>
+          <a:bodyPr>
+            <a:normAutofit fontScale="90000"/>
+          </a:bodyPr>
           <a:lstStyle/>
           <a:p>
             <a:r>
               <a:rPr lang="ru-RU" dirty="0" smtClean="0"/>
-              <a:t>Выводы</a:t>
+              <a:t>Со употребление наиболее частных триграмм</a:t>
             </a:r>
             <a:endParaRPr lang="ru-RU" dirty="0"/>
           </a:p>
@@ -3839,19 +4711,2219 @@
             <p:ph idx="1"/>
           </p:nvPr>
         </p:nvSpPr>
-        <p:spPr/>
+        <p:spPr>
+          <a:xfrm>
+            <a:off x="457200" y="1600200"/>
+            <a:ext cx="8229600" cy="4925144"/>
+          </a:xfrm>
+        </p:spPr>
         <p:txBody>
-          <a:bodyPr/>
+          <a:bodyPr>
+            <a:normAutofit fontScale="47500" lnSpcReduction="20000"/>
+          </a:bodyPr>
           <a:lstStyle/>
           <a:p>
-            <a:endParaRPr lang="ru-RU"/>
+            <a:pPr>
+              <a:buFont typeface="Wingdings" panose="05000000000000000000" pitchFamily="2" charset="2"/>
+              <a:buChar char="Ø"/>
+            </a:pPr>
+            <a:r>
+              <a:rPr lang="ru-RU" sz="5100" dirty="0"/>
+              <a:t>источник информация </a:t>
+            </a:r>
+            <a:r>
+              <a:rPr lang="ru-RU" sz="5100" dirty="0" smtClean="0"/>
+              <a:t>новый</a:t>
+            </a:r>
+          </a:p>
+          <a:p>
+            <a:r>
+              <a:rPr lang="ru-RU" sz="3800" dirty="0"/>
+              <a:t>источник 748</a:t>
+            </a:r>
+          </a:p>
+          <a:p>
+            <a:r>
+              <a:rPr lang="ru-RU" sz="3800" dirty="0" err="1"/>
+              <a:t>регном</a:t>
+            </a:r>
+            <a:r>
+              <a:rPr lang="ru-RU" sz="3800" dirty="0"/>
+              <a:t> 735</a:t>
+            </a:r>
+          </a:p>
+          <a:p>
+            <a:r>
+              <a:rPr lang="ru-RU" sz="3800" dirty="0"/>
+              <a:t>источник </a:t>
+            </a:r>
+            <a:r>
+              <a:rPr lang="ru-RU" sz="3800" dirty="0" err="1"/>
+              <a:t>регном</a:t>
+            </a:r>
+            <a:r>
+              <a:rPr lang="ru-RU" sz="3800" dirty="0"/>
+              <a:t> </a:t>
+            </a:r>
+            <a:r>
+              <a:rPr lang="ru-RU" sz="3800" dirty="0" smtClean="0"/>
+              <a:t>735</a:t>
+            </a:r>
+            <a:endParaRPr lang="ru-RU" sz="3800" dirty="0"/>
+          </a:p>
+          <a:p>
+            <a:pPr>
+              <a:buFont typeface="Wingdings" panose="05000000000000000000" pitchFamily="2" charset="2"/>
+              <a:buChar char="Ø"/>
+            </a:pPr>
+            <a:r>
+              <a:rPr lang="ru-RU" sz="5100" dirty="0" smtClean="0"/>
+              <a:t>возбудить </a:t>
+            </a:r>
+            <a:r>
+              <a:rPr lang="ru-RU" sz="5100" dirty="0"/>
+              <a:t>уголовный дело </a:t>
+            </a:r>
+            <a:endParaRPr lang="ru-RU" sz="5100" dirty="0" smtClean="0"/>
+          </a:p>
+          <a:p>
+            <a:r>
+              <a:rPr lang="ru-RU" sz="3800" dirty="0"/>
+              <a:t>быть 3</a:t>
+            </a:r>
+          </a:p>
+          <a:p>
+            <a:r>
+              <a:rPr lang="ru-RU" sz="3800" dirty="0"/>
+              <a:t>факт 6</a:t>
+            </a:r>
+          </a:p>
+          <a:p>
+            <a:r>
+              <a:rPr lang="ru-RU" sz="3800" dirty="0"/>
+              <a:t>изложить арестовать 1</a:t>
+            </a:r>
+            <a:endParaRPr lang="ru-RU" sz="3800" dirty="0" smtClean="0"/>
+          </a:p>
+          <a:p>
+            <a:pPr>
+              <a:buFont typeface="Wingdings" panose="05000000000000000000" pitchFamily="2" charset="2"/>
+              <a:buChar char="Ø"/>
+            </a:pPr>
+            <a:r>
+              <a:rPr lang="ru-RU" sz="5100" dirty="0" smtClean="0"/>
+              <a:t>министр </a:t>
+            </a:r>
+            <a:r>
+              <a:rPr lang="ru-RU" sz="5100" dirty="0"/>
+              <a:t>иностранный дело </a:t>
+            </a:r>
+            <a:endParaRPr lang="ru-RU" sz="5100" dirty="0" smtClean="0"/>
+          </a:p>
+          <a:p>
+            <a:r>
+              <a:rPr lang="ru-RU" sz="3800" dirty="0"/>
+              <a:t>заместитель 4</a:t>
+            </a:r>
+          </a:p>
+          <a:p>
+            <a:r>
+              <a:rPr lang="ru-RU" sz="3800" dirty="0"/>
+              <a:t>тот 5</a:t>
+            </a:r>
+          </a:p>
+          <a:p>
+            <a:r>
+              <a:rPr lang="ru-RU" sz="3800" dirty="0"/>
+              <a:t>жёстко </a:t>
+            </a:r>
+            <a:r>
+              <a:rPr lang="ru-RU" sz="3800" dirty="0" err="1"/>
+              <a:t>асад</a:t>
+            </a:r>
+            <a:r>
+              <a:rPr lang="ru-RU" sz="3800" dirty="0"/>
+              <a:t> </a:t>
+            </a:r>
+            <a:r>
+              <a:rPr lang="ru-RU" sz="3800" dirty="0" smtClean="0"/>
+              <a:t>1</a:t>
+            </a:r>
+          </a:p>
+          <a:p>
+            <a:pPr>
+              <a:buFont typeface="Wingdings" panose="05000000000000000000" pitchFamily="2" charset="2"/>
+              <a:buChar char="Ø"/>
+            </a:pPr>
+            <a:r>
+              <a:rPr lang="ru-RU" sz="5100" dirty="0" smtClean="0"/>
+              <a:t>средство </a:t>
+            </a:r>
+            <a:r>
+              <a:rPr lang="ru-RU" sz="5100" dirty="0"/>
+              <a:t>массовый </a:t>
+            </a:r>
+            <a:r>
+              <a:rPr lang="ru-RU" sz="5100" dirty="0" smtClean="0"/>
+              <a:t>информация</a:t>
+            </a:r>
+          </a:p>
+          <a:p>
+            <a:r>
+              <a:rPr lang="ru-RU" sz="3800" dirty="0"/>
+              <a:t>человек 2</a:t>
+            </a:r>
+          </a:p>
+          <a:p>
+            <a:r>
+              <a:rPr lang="ru-RU" sz="3800" dirty="0"/>
+              <a:t>новый 27</a:t>
+            </a:r>
+          </a:p>
+          <a:p>
+            <a:r>
+              <a:rPr lang="ru-RU" sz="3800" dirty="0"/>
+              <a:t>человек новый 2</a:t>
+            </a:r>
+          </a:p>
+          <a:p>
+            <a:endParaRPr lang="ru-RU" dirty="0"/>
+          </a:p>
+          <a:p>
+            <a:endParaRPr lang="ru-RU" dirty="0"/>
           </a:p>
         </p:txBody>
       </p:sp>
     </p:spTree>
     <p:extLst>
       <p:ext uri="{BB962C8B-B14F-4D97-AF65-F5344CB8AC3E}">
-        <p14:creationId xmlns:p14="http://schemas.microsoft.com/office/powerpoint/2010/main" val="797086439"/>
+        <p14:creationId xmlns:p14="http://schemas.microsoft.com/office/powerpoint/2010/main" val="1754612816"/>
+      </p:ext>
+    </p:extLst>
+  </p:cSld>
+  <p:clrMapOvr>
+    <a:masterClrMapping/>
+  </p:clrMapOvr>
+</p:sld>
+</file>
+
+<file path=ppt/slides/slide15.xml><?xml version="1.0" encoding="utf-8"?>
+<p:sld xmlns:a="http://schemas.openxmlformats.org/drawingml/2006/main" xmlns:r="http://schemas.openxmlformats.org/officeDocument/2006/relationships" xmlns:p="http://schemas.openxmlformats.org/presentationml/2006/main">
+  <p:cSld>
+    <p:spTree>
+      <p:nvGrpSpPr>
+        <p:cNvPr id="1" name=""/>
+        <p:cNvGrpSpPr/>
+        <p:nvPr/>
+      </p:nvGrpSpPr>
+      <p:grpSpPr>
+        <a:xfrm>
+          <a:off x="0" y="0"/>
+          <a:ext cx="0" cy="0"/>
+          <a:chOff x="0" y="0"/>
+          <a:chExt cx="0" cy="0"/>
+        </a:xfrm>
+      </p:grpSpPr>
+      <p:sp>
+        <p:nvSpPr>
+          <p:cNvPr id="2" name="Заголовок 1"/>
+          <p:cNvSpPr>
+            <a:spLocks noGrp="1"/>
+          </p:cNvSpPr>
+          <p:nvPr>
+            <p:ph type="title"/>
+          </p:nvPr>
+        </p:nvSpPr>
+        <p:spPr/>
+        <p:txBody>
+          <a:bodyPr>
+            <a:normAutofit/>
+          </a:bodyPr>
+          <a:lstStyle/>
+          <a:p>
+            <a:r>
+              <a:rPr lang="ru-RU" dirty="0" smtClean="0"/>
+              <a:t>Частотность </a:t>
+            </a:r>
+            <a:r>
+              <a:rPr lang="ru-RU" dirty="0" smtClean="0"/>
+              <a:t>слов. Новая газета</a:t>
+            </a:r>
+            <a:endParaRPr lang="ru-RU" dirty="0"/>
+          </a:p>
+        </p:txBody>
+      </p:sp>
+      <p:graphicFrame>
+        <p:nvGraphicFramePr>
+          <p:cNvPr id="4" name="Объект 3"/>
+          <p:cNvGraphicFramePr>
+            <a:graphicFrameLocks noGrp="1"/>
+          </p:cNvGraphicFramePr>
+          <p:nvPr>
+            <p:ph idx="1"/>
+            <p:extLst>
+              <p:ext uri="{D42A27DB-BD31-4B8C-83A1-F6EECF244321}">
+                <p14:modId xmlns:p14="http://schemas.microsoft.com/office/powerpoint/2010/main" val="2829682038"/>
+              </p:ext>
+            </p:extLst>
+          </p:nvPr>
+        </p:nvGraphicFramePr>
+        <p:xfrm>
+          <a:off x="107504" y="1556792"/>
+          <a:ext cx="8928991" cy="5184576"/>
+        </p:xfrm>
+        <a:graphic>
+          <a:graphicData uri="http://schemas.openxmlformats.org/drawingml/2006/table">
+            <a:tbl>
+              <a:tblPr firstRow="1" bandRow="1">
+                <a:tableStyleId>{5C22544A-7EE6-4342-B048-85BDC9FD1C3A}</a:tableStyleId>
+              </a:tblPr>
+              <a:tblGrid>
+                <a:gridCol w="1802970"/>
+                <a:gridCol w="1802970"/>
+                <a:gridCol w="1717114"/>
+                <a:gridCol w="1802970"/>
+                <a:gridCol w="1802967"/>
+              </a:tblGrid>
+              <a:tr h="775915">
+                <a:tc>
+                  <a:txBody>
+                    <a:bodyPr/>
+                    <a:lstStyle/>
+                    <a:p>
+                      <a:r>
+                        <a:rPr lang="en-US" dirty="0" smtClean="0"/>
+                        <a:t>1997-1999</a:t>
+                      </a:r>
+                      <a:endParaRPr lang="ru-RU" dirty="0"/>
+                    </a:p>
+                  </a:txBody>
+                  <a:tcPr/>
+                </a:tc>
+                <a:tc>
+                  <a:txBody>
+                    <a:bodyPr/>
+                    <a:lstStyle/>
+                    <a:p>
+                      <a:r>
+                        <a:rPr lang="en-US" dirty="0" smtClean="0"/>
+                        <a:t>2000-2002</a:t>
+                      </a:r>
+                      <a:endParaRPr lang="ru-RU" dirty="0"/>
+                    </a:p>
+                  </a:txBody>
+                  <a:tcPr/>
+                </a:tc>
+                <a:tc>
+                  <a:txBody>
+                    <a:bodyPr/>
+                    <a:lstStyle/>
+                    <a:p>
+                      <a:r>
+                        <a:rPr lang="en-US" dirty="0" smtClean="0"/>
+                        <a:t>2003-2005</a:t>
+                      </a:r>
+                      <a:endParaRPr lang="ru-RU" dirty="0"/>
+                    </a:p>
+                  </a:txBody>
+                  <a:tcPr/>
+                </a:tc>
+                <a:tc>
+                  <a:txBody>
+                    <a:bodyPr/>
+                    <a:lstStyle/>
+                    <a:p>
+                      <a:r>
+                        <a:rPr lang="ru-RU" dirty="0" smtClean="0"/>
+                        <a:t>2015-</a:t>
+                      </a:r>
+                      <a:r>
+                        <a:rPr lang="en-US" dirty="0" smtClean="0"/>
+                        <a:t>2016</a:t>
+                      </a:r>
+                      <a:endParaRPr lang="ru-RU" dirty="0"/>
+                    </a:p>
+                  </a:txBody>
+                  <a:tcPr/>
+                </a:tc>
+                <a:tc>
+                  <a:txBody>
+                    <a:bodyPr/>
+                    <a:lstStyle/>
+                    <a:p>
+                      <a:r>
+                        <a:rPr lang="en-US" dirty="0" smtClean="0"/>
+                        <a:t>All corpus</a:t>
+                      </a:r>
+                      <a:endParaRPr lang="ru-RU" dirty="0"/>
+                    </a:p>
+                  </a:txBody>
+                  <a:tcPr/>
+                </a:tc>
+              </a:tr>
+              <a:tr h="4408661">
+                <a:tc>
+                  <a:txBody>
+                    <a:bodyPr/>
+                    <a:lstStyle/>
+                    <a:p>
+                      <a:r>
+                        <a:rPr lang="ru-RU" dirty="0" smtClean="0"/>
+                        <a:t>человек 1546</a:t>
+                      </a:r>
+                    </a:p>
+                    <a:p>
+                      <a:r>
+                        <a:rPr lang="ru-RU" dirty="0" smtClean="0"/>
+                        <a:t>газета 1222</a:t>
+                      </a:r>
+                    </a:p>
+                    <a:p>
+                      <a:r>
+                        <a:rPr lang="ru-RU" dirty="0" smtClean="0"/>
+                        <a:t>россия 1168</a:t>
+                      </a:r>
+                    </a:p>
+                    <a:p>
+                      <a:r>
+                        <a:rPr lang="ru-RU" dirty="0" smtClean="0"/>
+                        <a:t>самый 1088</a:t>
+                      </a:r>
+                    </a:p>
+                    <a:p>
+                      <a:r>
+                        <a:rPr lang="ru-RU" dirty="0" smtClean="0"/>
+                        <a:t>время 1050</a:t>
+                      </a:r>
+                    </a:p>
+                    <a:p>
+                      <a:r>
+                        <a:rPr lang="ru-RU" dirty="0" smtClean="0"/>
+                        <a:t>два 1000</a:t>
+                      </a:r>
+                    </a:p>
+                    <a:p>
+                      <a:r>
+                        <a:rPr lang="ru-RU" dirty="0" smtClean="0"/>
+                        <a:t>стать 941</a:t>
+                      </a:r>
+                    </a:p>
+                    <a:p>
+                      <a:r>
+                        <a:rPr lang="ru-RU" dirty="0" smtClean="0"/>
+                        <a:t>дело 909</a:t>
+                      </a:r>
+                    </a:p>
+                    <a:p>
+                      <a:r>
+                        <a:rPr lang="ru-RU" dirty="0" smtClean="0"/>
+                        <a:t>информация 870</a:t>
+                      </a:r>
+                    </a:p>
+                    <a:p>
+                      <a:r>
+                        <a:rPr lang="ru-RU" dirty="0" smtClean="0"/>
+                        <a:t>страна 793</a:t>
+                      </a:r>
+                      <a:endParaRPr lang="ru-RU" dirty="0"/>
+                    </a:p>
+                  </a:txBody>
+                  <a:tcPr/>
+                </a:tc>
+                <a:tc>
+                  <a:txBody>
+                    <a:bodyPr/>
+                    <a:lstStyle/>
+                    <a:p>
+                      <a:r>
+                        <a:rPr lang="ru-RU" dirty="0" smtClean="0"/>
+                        <a:t>время 29</a:t>
+                      </a:r>
+                    </a:p>
+                    <a:p>
+                      <a:r>
+                        <a:rPr lang="ru-RU" dirty="0" err="1" smtClean="0"/>
+                        <a:t>полина</a:t>
+                      </a:r>
+                      <a:r>
+                        <a:rPr lang="ru-RU" dirty="0" smtClean="0"/>
+                        <a:t> 26</a:t>
+                      </a:r>
+                    </a:p>
+                    <a:p>
+                      <a:r>
+                        <a:rPr lang="ru-RU" dirty="0" smtClean="0"/>
+                        <a:t>аркадий 26</a:t>
+                      </a:r>
+                    </a:p>
+                    <a:p>
+                      <a:r>
+                        <a:rPr lang="ru-RU" dirty="0" smtClean="0"/>
+                        <a:t>два 24</a:t>
+                      </a:r>
+                    </a:p>
+                    <a:p>
+                      <a:r>
+                        <a:rPr lang="ru-RU" dirty="0" smtClean="0"/>
+                        <a:t>самый 23</a:t>
+                      </a:r>
+                    </a:p>
+                    <a:p>
+                      <a:r>
+                        <a:rPr lang="ru-RU" dirty="0" smtClean="0"/>
+                        <a:t>жизнь 23</a:t>
+                      </a:r>
+                    </a:p>
+                    <a:p>
+                      <a:r>
+                        <a:rPr lang="ru-RU" dirty="0" smtClean="0"/>
+                        <a:t>стать 23</a:t>
+                      </a:r>
+                    </a:p>
+                    <a:p>
+                      <a:r>
+                        <a:rPr lang="ru-RU" dirty="0" smtClean="0"/>
+                        <a:t>человек 22</a:t>
+                      </a:r>
+                    </a:p>
+                    <a:p>
+                      <a:r>
+                        <a:rPr lang="ru-RU" dirty="0" err="1" smtClean="0"/>
+                        <a:t>плугин</a:t>
+                      </a:r>
+                      <a:r>
+                        <a:rPr lang="ru-RU" dirty="0" smtClean="0"/>
+                        <a:t> 22</a:t>
+                      </a:r>
+                    </a:p>
+                    <a:p>
+                      <a:r>
+                        <a:rPr lang="ru-RU" dirty="0" smtClean="0"/>
+                        <a:t>власть 20</a:t>
+                      </a:r>
+                      <a:endParaRPr lang="ru-RU" dirty="0"/>
+                    </a:p>
+                  </a:txBody>
+                  <a:tcPr/>
+                </a:tc>
+                <a:tc>
+                  <a:txBody>
+                    <a:bodyPr/>
+                    <a:lstStyle/>
+                    <a:p>
+                      <a:r>
+                        <a:rPr lang="ru-RU" dirty="0" smtClean="0"/>
+                        <a:t>россия 38</a:t>
+                      </a:r>
+                    </a:p>
+                    <a:p>
+                      <a:r>
+                        <a:rPr lang="ru-RU" dirty="0" smtClean="0"/>
+                        <a:t>база 31</a:t>
+                      </a:r>
+                    </a:p>
+                    <a:p>
+                      <a:r>
+                        <a:rPr lang="ru-RU" dirty="0" smtClean="0"/>
+                        <a:t>информация 29</a:t>
+                      </a:r>
+                    </a:p>
+                    <a:p>
+                      <a:r>
+                        <a:rPr lang="ru-RU" dirty="0" smtClean="0"/>
+                        <a:t>война 29</a:t>
+                      </a:r>
+                    </a:p>
+                    <a:p>
+                      <a:r>
+                        <a:rPr lang="ru-RU" dirty="0" smtClean="0"/>
+                        <a:t>человек 29</a:t>
+                      </a:r>
+                    </a:p>
+                    <a:p>
+                      <a:r>
+                        <a:rPr lang="ru-RU" dirty="0" smtClean="0"/>
+                        <a:t>стать 27</a:t>
+                      </a:r>
+                    </a:p>
+                    <a:p>
+                      <a:r>
+                        <a:rPr lang="ru-RU" dirty="0" smtClean="0"/>
+                        <a:t>президент 27</a:t>
+                      </a:r>
+                    </a:p>
+                    <a:p>
+                      <a:r>
+                        <a:rPr lang="ru-RU" dirty="0" smtClean="0"/>
+                        <a:t>самый 27</a:t>
+                      </a:r>
+                    </a:p>
+                    <a:p>
+                      <a:r>
+                        <a:rPr lang="ru-RU" dirty="0" smtClean="0"/>
+                        <a:t>военный 24</a:t>
+                      </a:r>
+                    </a:p>
+                    <a:p>
+                      <a:r>
+                        <a:rPr lang="ru-RU" dirty="0" err="1" smtClean="0"/>
+                        <a:t>чечня</a:t>
+                      </a:r>
+                      <a:r>
+                        <a:rPr lang="ru-RU" dirty="0" smtClean="0"/>
+                        <a:t> 23</a:t>
+                      </a:r>
+                      <a:endParaRPr lang="ru-RU" dirty="0"/>
+                    </a:p>
+                  </a:txBody>
+                  <a:tcPr/>
+                </a:tc>
+                <a:tc>
+                  <a:txBody>
+                    <a:bodyPr/>
+                    <a:lstStyle/>
+                    <a:p>
+                      <a:r>
+                        <a:rPr lang="ru-RU" dirty="0" smtClean="0"/>
+                        <a:t>россия 272</a:t>
+                      </a:r>
+                    </a:p>
+                    <a:p>
+                      <a:r>
+                        <a:rPr lang="ru-RU" dirty="0" smtClean="0"/>
+                        <a:t>страна 140</a:t>
+                      </a:r>
+                    </a:p>
+                    <a:p>
+                      <a:r>
+                        <a:rPr lang="ru-RU" dirty="0" smtClean="0"/>
+                        <a:t>дело 120</a:t>
+                      </a:r>
+                    </a:p>
+                    <a:p>
+                      <a:r>
+                        <a:rPr lang="ru-RU" dirty="0" smtClean="0"/>
+                        <a:t>стать 106</a:t>
+                      </a:r>
+                    </a:p>
+                    <a:p>
+                      <a:r>
+                        <a:rPr lang="ru-RU" dirty="0" smtClean="0"/>
+                        <a:t>время 104</a:t>
+                      </a:r>
+                    </a:p>
+                    <a:p>
+                      <a:r>
+                        <a:rPr lang="ru-RU" dirty="0" smtClean="0"/>
+                        <a:t>человек 98</a:t>
+                      </a:r>
+                    </a:p>
+                    <a:p>
+                      <a:r>
+                        <a:rPr lang="ru-RU" dirty="0" smtClean="0"/>
+                        <a:t>президент 95</a:t>
+                      </a:r>
+                    </a:p>
+                    <a:p>
+                      <a:r>
+                        <a:rPr lang="ru-RU" dirty="0" smtClean="0"/>
+                        <a:t>два 92</a:t>
+                      </a:r>
+                    </a:p>
+                    <a:p>
+                      <a:r>
+                        <a:rPr lang="ru-RU" dirty="0" smtClean="0"/>
+                        <a:t>самый 86</a:t>
+                      </a:r>
+                    </a:p>
+                    <a:p>
+                      <a:r>
+                        <a:rPr lang="ru-RU" dirty="0" err="1" smtClean="0"/>
+                        <a:t>москва</a:t>
+                      </a:r>
+                      <a:r>
+                        <a:rPr lang="ru-RU" dirty="0" smtClean="0"/>
+                        <a:t> 79</a:t>
+                      </a:r>
+                      <a:endParaRPr lang="ru-RU" dirty="0"/>
+                    </a:p>
+                  </a:txBody>
+                  <a:tcPr/>
+                </a:tc>
+                <a:tc>
+                  <a:txBody>
+                    <a:bodyPr/>
+                    <a:lstStyle/>
+                    <a:p>
+                      <a:r>
+                        <a:rPr lang="ru-RU" dirty="0" smtClean="0"/>
+                        <a:t>человек 1695</a:t>
+                      </a:r>
+                    </a:p>
+                    <a:p>
+                      <a:r>
+                        <a:rPr lang="ru-RU" dirty="0" smtClean="0"/>
+                        <a:t>россия 1497</a:t>
+                      </a:r>
+                    </a:p>
+                    <a:p>
+                      <a:r>
+                        <a:rPr lang="ru-RU" dirty="0" smtClean="0"/>
+                        <a:t>газета 1271</a:t>
+                      </a:r>
+                    </a:p>
+                    <a:p>
+                      <a:r>
+                        <a:rPr lang="ru-RU" dirty="0" smtClean="0"/>
+                        <a:t>самый 1224</a:t>
+                      </a:r>
+                    </a:p>
+                    <a:p>
+                      <a:r>
+                        <a:rPr lang="ru-RU" dirty="0" smtClean="0"/>
+                        <a:t>время 1197</a:t>
+                      </a:r>
+                    </a:p>
+                    <a:p>
+                      <a:r>
+                        <a:rPr lang="ru-RU" dirty="0" smtClean="0"/>
+                        <a:t>два 1138</a:t>
+                      </a:r>
+                    </a:p>
+                    <a:p>
+                      <a:r>
+                        <a:rPr lang="ru-RU" dirty="0" smtClean="0"/>
+                        <a:t>стать 1097</a:t>
+                      </a:r>
+                    </a:p>
+                    <a:p>
+                      <a:r>
+                        <a:rPr lang="ru-RU" dirty="0" smtClean="0"/>
+                        <a:t>дело 1060</a:t>
+                      </a:r>
+                    </a:p>
+                    <a:p>
+                      <a:r>
+                        <a:rPr lang="ru-RU" dirty="0" smtClean="0"/>
+                        <a:t>страна 960</a:t>
+                      </a:r>
+                    </a:p>
+                    <a:p>
+                      <a:r>
+                        <a:rPr lang="ru-RU" dirty="0" smtClean="0"/>
+                        <a:t>информация 950</a:t>
+                      </a:r>
+                      <a:endParaRPr lang="ru-RU" dirty="0"/>
+                    </a:p>
+                  </a:txBody>
+                  <a:tcPr/>
+                </a:tc>
+              </a:tr>
+            </a:tbl>
+          </a:graphicData>
+        </a:graphic>
+      </p:graphicFrame>
+    </p:spTree>
+    <p:extLst>
+      <p:ext uri="{BB962C8B-B14F-4D97-AF65-F5344CB8AC3E}">
+        <p14:creationId xmlns:p14="http://schemas.microsoft.com/office/powerpoint/2010/main" val="956893979"/>
+      </p:ext>
+    </p:extLst>
+  </p:cSld>
+  <p:clrMapOvr>
+    <a:masterClrMapping/>
+  </p:clrMapOvr>
+  <p:timing>
+    <p:tnLst>
+      <p:par>
+        <p:cTn id="1" dur="indefinite" restart="never" nodeType="tmRoot"/>
+      </p:par>
+    </p:tnLst>
+  </p:timing>
+</p:sld>
+</file>
+
+<file path=ppt/slides/slide16.xml><?xml version="1.0" encoding="utf-8"?>
+<p:sld xmlns:a="http://schemas.openxmlformats.org/drawingml/2006/main" xmlns:r="http://schemas.openxmlformats.org/officeDocument/2006/relationships" xmlns:p="http://schemas.openxmlformats.org/presentationml/2006/main">
+  <p:cSld>
+    <p:spTree>
+      <p:nvGrpSpPr>
+        <p:cNvPr id="1" name=""/>
+        <p:cNvGrpSpPr/>
+        <p:nvPr/>
+      </p:nvGrpSpPr>
+      <p:grpSpPr>
+        <a:xfrm>
+          <a:off x="0" y="0"/>
+          <a:ext cx="0" cy="0"/>
+          <a:chOff x="0" y="0"/>
+          <a:chExt cx="0" cy="0"/>
+        </a:xfrm>
+      </p:grpSpPr>
+      <p:sp>
+        <p:nvSpPr>
+          <p:cNvPr id="2" name="Заголовок 1"/>
+          <p:cNvSpPr>
+            <a:spLocks noGrp="1"/>
+          </p:cNvSpPr>
+          <p:nvPr>
+            <p:ph type="title"/>
+          </p:nvPr>
+        </p:nvSpPr>
+        <p:spPr/>
+        <p:txBody>
+          <a:bodyPr>
+            <a:normAutofit fontScale="90000"/>
+          </a:bodyPr>
+          <a:lstStyle/>
+          <a:p>
+            <a:r>
+              <a:rPr lang="ru-RU" dirty="0" smtClean="0"/>
+              <a:t>Частотность </a:t>
+            </a:r>
+            <a:r>
+              <a:rPr lang="ru-RU" dirty="0" smtClean="0"/>
+              <a:t>слов. Российская газета</a:t>
+            </a:r>
+            <a:endParaRPr lang="ru-RU" dirty="0"/>
+          </a:p>
+        </p:txBody>
+      </p:sp>
+      <p:graphicFrame>
+        <p:nvGraphicFramePr>
+          <p:cNvPr id="4" name="Объект 3"/>
+          <p:cNvGraphicFramePr>
+            <a:graphicFrameLocks noGrp="1"/>
+          </p:cNvGraphicFramePr>
+          <p:nvPr>
+            <p:ph idx="1"/>
+            <p:extLst>
+              <p:ext uri="{D42A27DB-BD31-4B8C-83A1-F6EECF244321}">
+                <p14:modId xmlns:p14="http://schemas.microsoft.com/office/powerpoint/2010/main" val="420561604"/>
+              </p:ext>
+            </p:extLst>
+          </p:nvPr>
+        </p:nvGraphicFramePr>
+        <p:xfrm>
+          <a:off x="107504" y="1556792"/>
+          <a:ext cx="8928991" cy="5184576"/>
+        </p:xfrm>
+        <a:graphic>
+          <a:graphicData uri="http://schemas.openxmlformats.org/drawingml/2006/table">
+            <a:tbl>
+              <a:tblPr firstRow="1" bandRow="1">
+                <a:tableStyleId>{5C22544A-7EE6-4342-B048-85BDC9FD1C3A}</a:tableStyleId>
+              </a:tblPr>
+              <a:tblGrid>
+                <a:gridCol w="1802970"/>
+                <a:gridCol w="1802970"/>
+                <a:gridCol w="1717114"/>
+                <a:gridCol w="1802970"/>
+                <a:gridCol w="1802967"/>
+              </a:tblGrid>
+              <a:tr h="775915">
+                <a:tc>
+                  <a:txBody>
+                    <a:bodyPr/>
+                    <a:lstStyle/>
+                    <a:p>
+                      <a:r>
+                        <a:rPr lang="en-US" dirty="0" smtClean="0"/>
+                        <a:t>1997-1999</a:t>
+                      </a:r>
+                      <a:endParaRPr lang="ru-RU" dirty="0"/>
+                    </a:p>
+                  </a:txBody>
+                  <a:tcPr/>
+                </a:tc>
+                <a:tc>
+                  <a:txBody>
+                    <a:bodyPr/>
+                    <a:lstStyle/>
+                    <a:p>
+                      <a:r>
+                        <a:rPr lang="en-US" dirty="0" smtClean="0"/>
+                        <a:t>2000-2002</a:t>
+                      </a:r>
+                      <a:endParaRPr lang="ru-RU" dirty="0"/>
+                    </a:p>
+                  </a:txBody>
+                  <a:tcPr/>
+                </a:tc>
+                <a:tc>
+                  <a:txBody>
+                    <a:bodyPr/>
+                    <a:lstStyle/>
+                    <a:p>
+                      <a:r>
+                        <a:rPr lang="en-US" dirty="0" smtClean="0"/>
+                        <a:t>2003-2005</a:t>
+                      </a:r>
+                      <a:endParaRPr lang="ru-RU" dirty="0"/>
+                    </a:p>
+                  </a:txBody>
+                  <a:tcPr/>
+                </a:tc>
+                <a:tc>
+                  <a:txBody>
+                    <a:bodyPr/>
+                    <a:lstStyle/>
+                    <a:p>
+                      <a:r>
+                        <a:rPr lang="ru-RU" dirty="0" smtClean="0"/>
+                        <a:t>2015-</a:t>
+                      </a:r>
+                      <a:r>
+                        <a:rPr lang="en-US" dirty="0" smtClean="0"/>
+                        <a:t>2016</a:t>
+                      </a:r>
+                      <a:endParaRPr lang="ru-RU" dirty="0"/>
+                    </a:p>
+                  </a:txBody>
+                  <a:tcPr/>
+                </a:tc>
+                <a:tc>
+                  <a:txBody>
+                    <a:bodyPr/>
+                    <a:lstStyle/>
+                    <a:p>
+                      <a:r>
+                        <a:rPr lang="en-US" dirty="0" smtClean="0"/>
+                        <a:t>All corpus</a:t>
+                      </a:r>
+                      <a:endParaRPr lang="ru-RU" dirty="0"/>
+                    </a:p>
+                  </a:txBody>
+                  <a:tcPr/>
+                </a:tc>
+              </a:tr>
+              <a:tr h="4408661">
+                <a:tc>
+                  <a:txBody>
+                    <a:bodyPr/>
+                    <a:lstStyle/>
+                    <a:p>
+                      <a:r>
+                        <a:rPr lang="ru-RU" dirty="0" smtClean="0"/>
+                        <a:t>информация 161</a:t>
+                      </a:r>
+                    </a:p>
+                    <a:p>
+                      <a:r>
+                        <a:rPr lang="ru-RU" dirty="0" smtClean="0"/>
+                        <a:t>источник 150</a:t>
+                      </a:r>
+                    </a:p>
+                    <a:p>
+                      <a:r>
+                        <a:rPr lang="ru-RU" dirty="0" smtClean="0"/>
+                        <a:t>россия 143</a:t>
+                      </a:r>
+                    </a:p>
+                    <a:p>
+                      <a:r>
+                        <a:rPr lang="ru-RU" dirty="0" err="1" smtClean="0"/>
+                        <a:t>регном</a:t>
+                      </a:r>
+                      <a:r>
+                        <a:rPr lang="ru-RU" dirty="0" smtClean="0"/>
+                        <a:t> 137</a:t>
+                      </a:r>
+                    </a:p>
+                    <a:p>
+                      <a:r>
+                        <a:rPr lang="ru-RU" dirty="0" smtClean="0"/>
+                        <a:t>президент 84</a:t>
+                      </a:r>
+                    </a:p>
+                    <a:p>
+                      <a:r>
+                        <a:rPr lang="ru-RU" dirty="0" smtClean="0"/>
+                        <a:t>страна 84</a:t>
+                      </a:r>
+                    </a:p>
+                    <a:p>
+                      <a:r>
+                        <a:rPr lang="ru-RU" dirty="0" smtClean="0"/>
+                        <a:t>человек 81</a:t>
+                      </a:r>
+                    </a:p>
+                    <a:p>
+                      <a:r>
+                        <a:rPr lang="ru-RU" dirty="0" smtClean="0"/>
+                        <a:t>самый 76</a:t>
+                      </a:r>
+                    </a:p>
+                    <a:p>
+                      <a:r>
+                        <a:rPr lang="ru-RU" dirty="0" smtClean="0"/>
+                        <a:t>два 67</a:t>
+                      </a:r>
+                    </a:p>
+                    <a:p>
+                      <a:r>
+                        <a:rPr lang="ru-RU" dirty="0" smtClean="0"/>
+                        <a:t>работа 62</a:t>
+                      </a:r>
+                      <a:endParaRPr lang="ru-RU" dirty="0"/>
+                    </a:p>
+                  </a:txBody>
+                  <a:tcPr/>
+                </a:tc>
+                <a:tc>
+                  <a:txBody>
+                    <a:bodyPr/>
+                    <a:lstStyle/>
+                    <a:p>
+                      <a:r>
+                        <a:rPr lang="ru-RU" dirty="0" smtClean="0"/>
+                        <a:t>человек 46</a:t>
+                      </a:r>
+                    </a:p>
+                    <a:p>
+                      <a:r>
+                        <a:rPr lang="ru-RU" dirty="0" smtClean="0"/>
+                        <a:t>сегодня 45</a:t>
+                      </a:r>
+                    </a:p>
+                    <a:p>
+                      <a:r>
+                        <a:rPr lang="ru-RU" dirty="0" smtClean="0"/>
+                        <a:t>россия 40</a:t>
+                      </a:r>
+                    </a:p>
+                    <a:p>
+                      <a:r>
+                        <a:rPr lang="ru-RU" dirty="0" smtClean="0"/>
+                        <a:t>страна 35</a:t>
+                      </a:r>
+                    </a:p>
+                    <a:p>
+                      <a:r>
+                        <a:rPr lang="ru-RU" dirty="0" smtClean="0"/>
+                        <a:t>работа 33</a:t>
+                      </a:r>
+                    </a:p>
+                    <a:p>
+                      <a:r>
+                        <a:rPr lang="ru-RU" dirty="0" smtClean="0"/>
+                        <a:t>два 31</a:t>
+                      </a:r>
+                    </a:p>
+                    <a:p>
+                      <a:r>
+                        <a:rPr lang="ru-RU" dirty="0" smtClean="0"/>
+                        <a:t>вопрос 30</a:t>
+                      </a:r>
+                    </a:p>
+                    <a:p>
+                      <a:r>
+                        <a:rPr lang="ru-RU" dirty="0" err="1" smtClean="0"/>
+                        <a:t>нахимов</a:t>
+                      </a:r>
+                      <a:r>
+                        <a:rPr lang="ru-RU" dirty="0" smtClean="0"/>
+                        <a:t> 30</a:t>
+                      </a:r>
+                    </a:p>
+                    <a:p>
+                      <a:r>
+                        <a:rPr lang="ru-RU" dirty="0" smtClean="0"/>
+                        <a:t>можно 30</a:t>
+                      </a:r>
+                    </a:p>
+                    <a:p>
+                      <a:r>
+                        <a:rPr lang="ru-RU" dirty="0" smtClean="0"/>
+                        <a:t>партия 30</a:t>
+                      </a:r>
+                      <a:endParaRPr lang="ru-RU" dirty="0"/>
+                    </a:p>
+                  </a:txBody>
+                  <a:tcPr/>
+                </a:tc>
+                <a:tc>
+                  <a:txBody>
+                    <a:bodyPr/>
+                    <a:lstStyle/>
+                    <a:p>
+                      <a:r>
+                        <a:rPr lang="ru-RU" dirty="0" smtClean="0"/>
+                        <a:t>президент 74</a:t>
+                      </a:r>
+                    </a:p>
+                    <a:p>
+                      <a:r>
+                        <a:rPr lang="ru-RU" dirty="0" smtClean="0"/>
+                        <a:t>россия 51</a:t>
+                      </a:r>
+                    </a:p>
+                    <a:p>
+                      <a:r>
+                        <a:rPr lang="ru-RU" dirty="0" smtClean="0"/>
+                        <a:t>власть 48</a:t>
+                      </a:r>
+                    </a:p>
+                    <a:p>
+                      <a:r>
+                        <a:rPr lang="ru-RU" dirty="0" smtClean="0"/>
+                        <a:t>страна 46</a:t>
+                      </a:r>
+                    </a:p>
+                    <a:p>
+                      <a:r>
+                        <a:rPr lang="ru-RU" dirty="0" smtClean="0"/>
+                        <a:t>два 43</a:t>
+                      </a:r>
+                    </a:p>
+                    <a:p>
+                      <a:r>
+                        <a:rPr lang="ru-RU" dirty="0" smtClean="0"/>
+                        <a:t>путин 42</a:t>
+                      </a:r>
+                    </a:p>
+                    <a:p>
+                      <a:r>
+                        <a:rPr lang="ru-RU" dirty="0" err="1" smtClean="0"/>
+                        <a:t>сорос</a:t>
+                      </a:r>
+                      <a:r>
+                        <a:rPr lang="ru-RU" dirty="0" smtClean="0"/>
+                        <a:t> 40</a:t>
+                      </a:r>
+                    </a:p>
+                    <a:p>
+                      <a:r>
+                        <a:rPr lang="ru-RU" dirty="0" smtClean="0"/>
+                        <a:t>стать 40</a:t>
+                      </a:r>
+                    </a:p>
+                    <a:p>
+                      <a:r>
+                        <a:rPr lang="ru-RU" dirty="0" smtClean="0"/>
+                        <a:t>выбор 38</a:t>
+                      </a:r>
+                    </a:p>
+                    <a:p>
+                      <a:r>
+                        <a:rPr lang="ru-RU" dirty="0" smtClean="0"/>
+                        <a:t>человек 34</a:t>
+                      </a:r>
+                      <a:endParaRPr lang="ru-RU" dirty="0"/>
+                    </a:p>
+                  </a:txBody>
+                  <a:tcPr/>
+                </a:tc>
+                <a:tc>
+                  <a:txBody>
+                    <a:bodyPr/>
+                    <a:lstStyle/>
+                    <a:p>
+                      <a:r>
+                        <a:rPr lang="ru-RU" dirty="0" smtClean="0"/>
+                        <a:t>россия 99</a:t>
+                      </a:r>
+                    </a:p>
+                    <a:p>
+                      <a:r>
+                        <a:rPr lang="ru-RU" dirty="0" smtClean="0"/>
+                        <a:t>человек 52</a:t>
+                      </a:r>
+                    </a:p>
+                    <a:p>
+                      <a:r>
+                        <a:rPr lang="ru-RU" dirty="0" smtClean="0"/>
+                        <a:t>страна 50</a:t>
+                      </a:r>
+                    </a:p>
+                    <a:p>
+                      <a:r>
+                        <a:rPr lang="ru-RU" dirty="0" smtClean="0"/>
+                        <a:t>глава 47</a:t>
+                      </a:r>
+                    </a:p>
+                    <a:p>
+                      <a:r>
+                        <a:rPr lang="ru-RU" dirty="0" smtClean="0"/>
+                        <a:t>стать 41</a:t>
+                      </a:r>
+                    </a:p>
+                    <a:p>
+                      <a:r>
+                        <a:rPr lang="ru-RU" dirty="0" smtClean="0"/>
+                        <a:t>дело 40</a:t>
+                      </a:r>
+                    </a:p>
+                    <a:p>
+                      <a:r>
+                        <a:rPr lang="ru-RU" dirty="0" smtClean="0"/>
+                        <a:t>сторона 35</a:t>
+                      </a:r>
+                    </a:p>
+                    <a:p>
+                      <a:r>
+                        <a:rPr lang="ru-RU" dirty="0" smtClean="0"/>
+                        <a:t>рубль 34</a:t>
+                      </a:r>
+                    </a:p>
+                    <a:p>
+                      <a:r>
+                        <a:rPr lang="ru-RU" dirty="0" smtClean="0"/>
+                        <a:t>слово 34</a:t>
+                      </a:r>
+                    </a:p>
+                    <a:p>
+                      <a:r>
+                        <a:rPr lang="ru-RU" dirty="0" err="1" smtClean="0"/>
+                        <a:t>украина</a:t>
+                      </a:r>
+                      <a:r>
+                        <a:rPr lang="ru-RU" dirty="0" smtClean="0"/>
+                        <a:t> 32</a:t>
+                      </a:r>
+                      <a:endParaRPr lang="ru-RU" dirty="0"/>
+                    </a:p>
+                  </a:txBody>
+                  <a:tcPr/>
+                </a:tc>
+                <a:tc>
+                  <a:txBody>
+                    <a:bodyPr/>
+                    <a:lstStyle/>
+                    <a:p>
+                      <a:r>
+                        <a:rPr lang="ru-RU" dirty="0" smtClean="0"/>
+                        <a:t>россия 333</a:t>
+                      </a:r>
+                    </a:p>
+                    <a:p>
+                      <a:r>
+                        <a:rPr lang="ru-RU" dirty="0" smtClean="0"/>
+                        <a:t>страна 215</a:t>
+                      </a:r>
+                    </a:p>
+                    <a:p>
+                      <a:r>
+                        <a:rPr lang="ru-RU" dirty="0" smtClean="0"/>
+                        <a:t>человек 213</a:t>
+                      </a:r>
+                    </a:p>
+                    <a:p>
+                      <a:r>
+                        <a:rPr lang="ru-RU" dirty="0" smtClean="0"/>
+                        <a:t>информация 207</a:t>
+                      </a:r>
+                    </a:p>
+                    <a:p>
+                      <a:r>
+                        <a:rPr lang="ru-RU" dirty="0" smtClean="0"/>
+                        <a:t>источник 199</a:t>
+                      </a:r>
+                    </a:p>
+                    <a:p>
+                      <a:r>
+                        <a:rPr lang="ru-RU" dirty="0" smtClean="0"/>
+                        <a:t>президент 196</a:t>
+                      </a:r>
+                    </a:p>
+                    <a:p>
+                      <a:r>
+                        <a:rPr lang="ru-RU" dirty="0" smtClean="0"/>
+                        <a:t>два 171</a:t>
+                      </a:r>
+                    </a:p>
+                    <a:p>
+                      <a:r>
+                        <a:rPr lang="ru-RU" dirty="0" smtClean="0"/>
+                        <a:t>стать 162</a:t>
+                      </a:r>
+                    </a:p>
+                    <a:p>
+                      <a:r>
+                        <a:rPr lang="ru-RU" dirty="0" smtClean="0"/>
+                        <a:t>самый 153</a:t>
+                      </a:r>
+                    </a:p>
+                    <a:p>
+                      <a:r>
+                        <a:rPr lang="ru-RU" dirty="0" err="1" smtClean="0"/>
+                        <a:t>регном</a:t>
+                      </a:r>
+                      <a:r>
+                        <a:rPr lang="ru-RU" dirty="0" smtClean="0"/>
+                        <a:t> 149</a:t>
+                      </a:r>
+                      <a:endParaRPr lang="ru-RU" dirty="0"/>
+                    </a:p>
+                  </a:txBody>
+                  <a:tcPr/>
+                </a:tc>
+              </a:tr>
+            </a:tbl>
+          </a:graphicData>
+        </a:graphic>
+      </p:graphicFrame>
+    </p:spTree>
+    <p:extLst>
+      <p:ext uri="{BB962C8B-B14F-4D97-AF65-F5344CB8AC3E}">
+        <p14:creationId xmlns:p14="http://schemas.microsoft.com/office/powerpoint/2010/main" val="1649633836"/>
+      </p:ext>
+    </p:extLst>
+  </p:cSld>
+  <p:clrMapOvr>
+    <a:masterClrMapping/>
+  </p:clrMapOvr>
+  <p:timing>
+    <p:tnLst>
+      <p:par>
+        <p:cTn id="1" dur="indefinite" restart="never" nodeType="tmRoot"/>
+      </p:par>
+    </p:tnLst>
+  </p:timing>
+</p:sld>
+</file>
+
+<file path=ppt/slides/slide17.xml><?xml version="1.0" encoding="utf-8"?>
+<p:sld xmlns:a="http://schemas.openxmlformats.org/drawingml/2006/main" xmlns:r="http://schemas.openxmlformats.org/officeDocument/2006/relationships" xmlns:p="http://schemas.openxmlformats.org/presentationml/2006/main">
+  <p:cSld>
+    <p:spTree>
+      <p:nvGrpSpPr>
+        <p:cNvPr id="1" name=""/>
+        <p:cNvGrpSpPr/>
+        <p:nvPr/>
+      </p:nvGrpSpPr>
+      <p:grpSpPr>
+        <a:xfrm>
+          <a:off x="0" y="0"/>
+          <a:ext cx="0" cy="0"/>
+          <a:chOff x="0" y="0"/>
+          <a:chExt cx="0" cy="0"/>
+        </a:xfrm>
+      </p:grpSpPr>
+      <p:sp>
+        <p:nvSpPr>
+          <p:cNvPr id="2" name="Заголовок 1"/>
+          <p:cNvSpPr>
+            <a:spLocks noGrp="1"/>
+          </p:cNvSpPr>
+          <p:nvPr>
+            <p:ph type="title"/>
+          </p:nvPr>
+        </p:nvSpPr>
+        <p:spPr/>
+        <p:txBody>
+          <a:bodyPr>
+            <a:normAutofit/>
+          </a:bodyPr>
+          <a:lstStyle/>
+          <a:p>
+            <a:r>
+              <a:rPr lang="ru-RU" dirty="0"/>
+              <a:t>Частотность биграмм. </a:t>
+            </a:r>
+            <a:r>
+              <a:rPr lang="ru-RU" dirty="0" smtClean="0"/>
+              <a:t>1997-1999</a:t>
+            </a:r>
+            <a:endParaRPr lang="ru-RU" dirty="0"/>
+          </a:p>
+        </p:txBody>
+      </p:sp>
+      <p:sp>
+        <p:nvSpPr>
+          <p:cNvPr id="3" name="Объект 2"/>
+          <p:cNvSpPr>
+            <a:spLocks noGrp="1"/>
+          </p:cNvSpPr>
+          <p:nvPr>
+            <p:ph idx="1"/>
+          </p:nvPr>
+        </p:nvSpPr>
+        <p:spPr/>
+        <p:txBody>
+          <a:bodyPr/>
+          <a:lstStyle/>
+          <a:p>
+            <a:endParaRPr lang="ru-RU" dirty="0"/>
+          </a:p>
+        </p:txBody>
+      </p:sp>
+      <p:graphicFrame>
+        <p:nvGraphicFramePr>
+          <p:cNvPr id="4" name="Объект 3"/>
+          <p:cNvGraphicFramePr>
+            <a:graphicFrameLocks/>
+          </p:cNvGraphicFramePr>
+          <p:nvPr>
+            <p:extLst>
+              <p:ext uri="{D42A27DB-BD31-4B8C-83A1-F6EECF244321}">
+                <p14:modId xmlns:p14="http://schemas.microsoft.com/office/powerpoint/2010/main" val="3904508394"/>
+              </p:ext>
+            </p:extLst>
+          </p:nvPr>
+        </p:nvGraphicFramePr>
+        <p:xfrm>
+          <a:off x="107504" y="1556792"/>
+          <a:ext cx="8928992" cy="5184576"/>
+        </p:xfrm>
+        <a:graphic>
+          <a:graphicData uri="http://schemas.openxmlformats.org/drawingml/2006/table">
+            <a:tbl>
+              <a:tblPr firstRow="1" bandRow="1">
+                <a:tableStyleId>{5C22544A-7EE6-4342-B048-85BDC9FD1C3A}</a:tableStyleId>
+              </a:tblPr>
+              <a:tblGrid>
+                <a:gridCol w="4464496"/>
+                <a:gridCol w="4464496"/>
+              </a:tblGrid>
+              <a:tr h="775915">
+                <a:tc>
+                  <a:txBody>
+                    <a:bodyPr/>
+                    <a:lstStyle/>
+                    <a:p>
+                      <a:r>
+                        <a:rPr lang="ru-RU" dirty="0" smtClean="0"/>
+                        <a:t>Новая газета</a:t>
+                      </a:r>
+                      <a:endParaRPr lang="ru-RU" dirty="0"/>
+                    </a:p>
+                  </a:txBody>
+                  <a:tcPr/>
+                </a:tc>
+                <a:tc>
+                  <a:txBody>
+                    <a:bodyPr/>
+                    <a:lstStyle/>
+                    <a:p>
+                      <a:r>
+                        <a:rPr lang="ru-RU" dirty="0" smtClean="0"/>
+                        <a:t>Российская газета</a:t>
+                      </a:r>
+                      <a:endParaRPr lang="ru-RU" dirty="0"/>
+                    </a:p>
+                  </a:txBody>
+                  <a:tcPr/>
+                </a:tc>
+              </a:tr>
+              <a:tr h="4408661">
+                <a:tc>
+                  <a:txBody>
+                    <a:bodyPr/>
+                    <a:lstStyle/>
+                    <a:p>
+                      <a:r>
+                        <a:rPr lang="ru-RU" dirty="0" smtClean="0"/>
+                        <a:t>источник информация 707</a:t>
+                      </a:r>
+                    </a:p>
+                    <a:p>
+                      <a:r>
+                        <a:rPr lang="ru-RU" dirty="0" smtClean="0"/>
+                        <a:t>информация новый 706</a:t>
+                      </a:r>
+                    </a:p>
+                    <a:p>
+                      <a:r>
+                        <a:rPr lang="ru-RU" dirty="0" smtClean="0"/>
+                        <a:t>должный быть 193</a:t>
+                      </a:r>
+                    </a:p>
+                    <a:p>
+                      <a:r>
+                        <a:rPr lang="ru-RU" dirty="0" smtClean="0"/>
+                        <a:t>друг </a:t>
+                      </a:r>
+                      <a:r>
+                        <a:rPr lang="ru-RU" dirty="0" err="1" smtClean="0"/>
+                        <a:t>друг</a:t>
+                      </a:r>
+                      <a:r>
+                        <a:rPr lang="ru-RU" dirty="0" smtClean="0"/>
+                        <a:t> 114</a:t>
+                      </a:r>
+                    </a:p>
+                    <a:p>
+                      <a:r>
+                        <a:rPr lang="ru-RU" dirty="0" smtClean="0"/>
+                        <a:t>миллион доллар 113</a:t>
+                      </a:r>
+                    </a:p>
+                    <a:p>
+                      <a:r>
+                        <a:rPr lang="ru-RU" dirty="0" smtClean="0"/>
+                        <a:t>сей пора 113</a:t>
+                      </a:r>
+                    </a:p>
+                    <a:p>
+                      <a:r>
+                        <a:rPr lang="ru-RU" dirty="0" smtClean="0"/>
+                        <a:t>прошлое год 103</a:t>
+                      </a:r>
+                    </a:p>
+                    <a:p>
+                      <a:r>
+                        <a:rPr lang="ru-RU" dirty="0" smtClean="0"/>
+                        <a:t>человек который 98</a:t>
+                      </a:r>
+                    </a:p>
+                    <a:p>
+                      <a:r>
+                        <a:rPr lang="ru-RU" dirty="0" smtClean="0"/>
+                        <a:t>сам себя 94</a:t>
+                      </a:r>
+                    </a:p>
+                    <a:p>
+                      <a:r>
+                        <a:rPr lang="ru-RU" dirty="0" smtClean="0"/>
+                        <a:t>самый дело 94</a:t>
+                      </a:r>
+                      <a:endParaRPr lang="ru-RU" dirty="0"/>
+                    </a:p>
+                  </a:txBody>
+                  <a:tcPr/>
+                </a:tc>
+                <a:tc>
+                  <a:txBody>
+                    <a:bodyPr/>
+                    <a:lstStyle/>
+                    <a:p>
+                      <a:r>
+                        <a:rPr lang="ru-RU" dirty="0" smtClean="0"/>
+                        <a:t>источник информация 138</a:t>
+                      </a:r>
+                    </a:p>
+                    <a:p>
+                      <a:r>
+                        <a:rPr lang="ru-RU" dirty="0" smtClean="0"/>
+                        <a:t>информация российский 137</a:t>
+                      </a:r>
+                    </a:p>
+                    <a:p>
+                      <a:r>
+                        <a:rPr lang="ru-RU" dirty="0" err="1" smtClean="0"/>
+                        <a:t>борис</a:t>
+                      </a:r>
+                      <a:r>
+                        <a:rPr lang="ru-RU" dirty="0" smtClean="0"/>
+                        <a:t> </a:t>
+                      </a:r>
+                      <a:r>
+                        <a:rPr lang="ru-RU" dirty="0" err="1" smtClean="0"/>
+                        <a:t>ельцин</a:t>
+                      </a:r>
+                      <a:r>
+                        <a:rPr lang="ru-RU" dirty="0" smtClean="0"/>
+                        <a:t> 17</a:t>
+                      </a:r>
+                    </a:p>
+                    <a:p>
+                      <a:r>
+                        <a:rPr lang="ru-RU" dirty="0" smtClean="0"/>
+                        <a:t>миллион доллар 16</a:t>
+                      </a:r>
+                    </a:p>
+                    <a:p>
+                      <a:r>
+                        <a:rPr lang="ru-RU" dirty="0" err="1" smtClean="0"/>
+                        <a:t>соб</a:t>
+                      </a:r>
+                      <a:r>
+                        <a:rPr lang="ru-RU" dirty="0" smtClean="0"/>
+                        <a:t> </a:t>
+                      </a:r>
+                      <a:r>
+                        <a:rPr lang="ru-RU" dirty="0" err="1" smtClean="0"/>
+                        <a:t>корра</a:t>
+                      </a:r>
+                      <a:r>
+                        <a:rPr lang="ru-RU" dirty="0" smtClean="0"/>
+                        <a:t> 14</a:t>
+                      </a:r>
+                    </a:p>
+                    <a:p>
+                      <a:r>
+                        <a:rPr lang="ru-RU" dirty="0" smtClean="0"/>
+                        <a:t>должный быть 14</a:t>
+                      </a:r>
+                    </a:p>
+                    <a:p>
+                      <a:r>
+                        <a:rPr lang="ru-RU" dirty="0" err="1" smtClean="0"/>
+                        <a:t>итартасс</a:t>
+                      </a:r>
+                      <a:r>
+                        <a:rPr lang="ru-RU" dirty="0" smtClean="0"/>
+                        <a:t> источник 12</a:t>
+                      </a:r>
+                    </a:p>
+                    <a:p>
+                      <a:r>
+                        <a:rPr lang="ru-RU" dirty="0" smtClean="0"/>
+                        <a:t>прошлое год 12</a:t>
+                      </a:r>
+                    </a:p>
+                    <a:p>
+                      <a:r>
+                        <a:rPr lang="ru-RU" dirty="0" smtClean="0"/>
+                        <a:t>совет директор 12</a:t>
+                      </a:r>
+                    </a:p>
+                    <a:p>
+                      <a:r>
+                        <a:rPr lang="ru-RU" dirty="0" smtClean="0"/>
+                        <a:t>европейский союз 11</a:t>
+                      </a:r>
+                      <a:endParaRPr lang="ru-RU" dirty="0"/>
+                    </a:p>
+                  </a:txBody>
+                  <a:tcPr/>
+                </a:tc>
+              </a:tr>
+            </a:tbl>
+          </a:graphicData>
+        </a:graphic>
+      </p:graphicFrame>
+    </p:spTree>
+    <p:extLst>
+      <p:ext uri="{BB962C8B-B14F-4D97-AF65-F5344CB8AC3E}">
+        <p14:creationId xmlns:p14="http://schemas.microsoft.com/office/powerpoint/2010/main" val="1203171050"/>
+      </p:ext>
+    </p:extLst>
+  </p:cSld>
+  <p:clrMapOvr>
+    <a:masterClrMapping/>
+  </p:clrMapOvr>
+</p:sld>
+</file>
+
+<file path=ppt/slides/slide18.xml><?xml version="1.0" encoding="utf-8"?>
+<p:sld xmlns:a="http://schemas.openxmlformats.org/drawingml/2006/main" xmlns:r="http://schemas.openxmlformats.org/officeDocument/2006/relationships" xmlns:p="http://schemas.openxmlformats.org/presentationml/2006/main">
+  <p:cSld>
+    <p:spTree>
+      <p:nvGrpSpPr>
+        <p:cNvPr id="1" name=""/>
+        <p:cNvGrpSpPr/>
+        <p:nvPr/>
+      </p:nvGrpSpPr>
+      <p:grpSpPr>
+        <a:xfrm>
+          <a:off x="0" y="0"/>
+          <a:ext cx="0" cy="0"/>
+          <a:chOff x="0" y="0"/>
+          <a:chExt cx="0" cy="0"/>
+        </a:xfrm>
+      </p:grpSpPr>
+      <p:sp>
+        <p:nvSpPr>
+          <p:cNvPr id="2" name="Заголовок 1"/>
+          <p:cNvSpPr>
+            <a:spLocks noGrp="1"/>
+          </p:cNvSpPr>
+          <p:nvPr>
+            <p:ph type="title"/>
+          </p:nvPr>
+        </p:nvSpPr>
+        <p:spPr/>
+        <p:txBody>
+          <a:bodyPr>
+            <a:normAutofit/>
+          </a:bodyPr>
+          <a:lstStyle/>
+          <a:p>
+            <a:r>
+              <a:rPr lang="ru-RU" dirty="0"/>
+              <a:t>Частотность биграмм. </a:t>
+            </a:r>
+            <a:r>
+              <a:rPr lang="ru-RU" dirty="0" smtClean="0"/>
+              <a:t>2000-2005</a:t>
+            </a:r>
+            <a:endParaRPr lang="ru-RU" dirty="0"/>
+          </a:p>
+        </p:txBody>
+      </p:sp>
+      <p:sp>
+        <p:nvSpPr>
+          <p:cNvPr id="3" name="Объект 2"/>
+          <p:cNvSpPr>
+            <a:spLocks noGrp="1"/>
+          </p:cNvSpPr>
+          <p:nvPr>
+            <p:ph idx="1"/>
+          </p:nvPr>
+        </p:nvSpPr>
+        <p:spPr/>
+        <p:txBody>
+          <a:bodyPr/>
+          <a:lstStyle/>
+          <a:p>
+            <a:endParaRPr lang="ru-RU" dirty="0"/>
+          </a:p>
+        </p:txBody>
+      </p:sp>
+      <p:graphicFrame>
+        <p:nvGraphicFramePr>
+          <p:cNvPr id="4" name="Объект 3"/>
+          <p:cNvGraphicFramePr>
+            <a:graphicFrameLocks/>
+          </p:cNvGraphicFramePr>
+          <p:nvPr>
+            <p:extLst>
+              <p:ext uri="{D42A27DB-BD31-4B8C-83A1-F6EECF244321}">
+                <p14:modId xmlns:p14="http://schemas.microsoft.com/office/powerpoint/2010/main" val="3996370844"/>
+              </p:ext>
+            </p:extLst>
+          </p:nvPr>
+        </p:nvGraphicFramePr>
+        <p:xfrm>
+          <a:off x="107504" y="1556792"/>
+          <a:ext cx="8928992" cy="5184576"/>
+        </p:xfrm>
+        <a:graphic>
+          <a:graphicData uri="http://schemas.openxmlformats.org/drawingml/2006/table">
+            <a:tbl>
+              <a:tblPr firstRow="1" bandRow="1">
+                <a:tableStyleId>{5C22544A-7EE6-4342-B048-85BDC9FD1C3A}</a:tableStyleId>
+              </a:tblPr>
+              <a:tblGrid>
+                <a:gridCol w="4464496"/>
+                <a:gridCol w="4464496"/>
+              </a:tblGrid>
+              <a:tr h="775915">
+                <a:tc>
+                  <a:txBody>
+                    <a:bodyPr/>
+                    <a:lstStyle/>
+                    <a:p>
+                      <a:r>
+                        <a:rPr lang="ru-RU" smtClean="0"/>
+                        <a:t>Новая газета</a:t>
+                      </a:r>
+                      <a:endParaRPr lang="ru-RU" dirty="0"/>
+                    </a:p>
+                  </a:txBody>
+                  <a:tcPr/>
+                </a:tc>
+                <a:tc>
+                  <a:txBody>
+                    <a:bodyPr/>
+                    <a:lstStyle/>
+                    <a:p>
+                      <a:r>
+                        <a:rPr lang="ru-RU" smtClean="0"/>
+                        <a:t>Российская газета</a:t>
+                      </a:r>
+                      <a:endParaRPr lang="ru-RU" dirty="0"/>
+                    </a:p>
+                  </a:txBody>
+                  <a:tcPr/>
+                </a:tc>
+              </a:tr>
+              <a:tr h="4408661">
+                <a:tc>
+                  <a:txBody>
+                    <a:bodyPr/>
+                    <a:lstStyle/>
+                    <a:p>
+                      <a:r>
+                        <a:rPr lang="ru-RU" dirty="0" err="1" smtClean="0"/>
+                        <a:t>полина</a:t>
+                      </a:r>
+                      <a:r>
+                        <a:rPr lang="ru-RU" dirty="0" smtClean="0"/>
+                        <a:t> аркадий 26</a:t>
+                      </a:r>
+                    </a:p>
+                    <a:p>
+                      <a:r>
+                        <a:rPr lang="ru-RU" dirty="0" smtClean="0"/>
+                        <a:t>информация новый 20</a:t>
+                      </a:r>
+                    </a:p>
+                    <a:p>
+                      <a:r>
+                        <a:rPr lang="ru-RU" dirty="0" smtClean="0"/>
+                        <a:t>источник информация 20</a:t>
+                      </a:r>
+                    </a:p>
+                    <a:p>
+                      <a:r>
+                        <a:rPr lang="ru-RU" dirty="0" smtClean="0"/>
+                        <a:t>база дать 13</a:t>
+                      </a:r>
+                    </a:p>
+                    <a:p>
+                      <a:r>
+                        <a:rPr lang="ru-RU" dirty="0" smtClean="0"/>
+                        <a:t>дата источник 12</a:t>
+                      </a:r>
+                    </a:p>
+                    <a:p>
+                      <a:r>
+                        <a:rPr lang="ru-RU" dirty="0" smtClean="0"/>
+                        <a:t>бюджетный сектор 11</a:t>
+                      </a:r>
+                    </a:p>
+                    <a:p>
+                      <a:r>
+                        <a:rPr lang="ru-RU" dirty="0" smtClean="0"/>
+                        <a:t>солдатский матереть 10</a:t>
+                      </a:r>
+                    </a:p>
+                    <a:p>
+                      <a:r>
+                        <a:rPr lang="ru-RU" dirty="0" smtClean="0"/>
+                        <a:t>комитет солдатский 10</a:t>
+                      </a:r>
+                    </a:p>
+                    <a:p>
+                      <a:r>
+                        <a:rPr lang="ru-RU" dirty="0" err="1" smtClean="0"/>
+                        <a:t>сергей</a:t>
+                      </a:r>
+                      <a:r>
+                        <a:rPr lang="ru-RU" dirty="0" smtClean="0"/>
+                        <a:t> </a:t>
+                      </a:r>
+                      <a:r>
+                        <a:rPr lang="ru-RU" dirty="0" err="1" smtClean="0"/>
+                        <a:t>константин</a:t>
+                      </a:r>
+                      <a:r>
+                        <a:rPr lang="ru-RU" dirty="0" smtClean="0"/>
+                        <a:t> 10</a:t>
+                      </a:r>
+                    </a:p>
+                    <a:p>
+                      <a:r>
+                        <a:rPr lang="ru-RU" dirty="0" smtClean="0"/>
+                        <a:t>последний время 8</a:t>
+                      </a:r>
+                      <a:endParaRPr lang="ru-RU" dirty="0"/>
+                    </a:p>
+                  </a:txBody>
+                  <a:tcPr/>
+                </a:tc>
+                <a:tc>
+                  <a:txBody>
+                    <a:bodyPr/>
+                    <a:lstStyle/>
+                    <a:p>
+                      <a:r>
+                        <a:rPr lang="ru-RU" dirty="0" smtClean="0"/>
+                        <a:t>информация российский 22</a:t>
+                      </a:r>
+                    </a:p>
+                    <a:p>
+                      <a:r>
+                        <a:rPr lang="ru-RU" dirty="0" smtClean="0"/>
+                        <a:t>источник информация 22</a:t>
+                      </a:r>
+                    </a:p>
+                    <a:p>
+                      <a:r>
+                        <a:rPr lang="ru-RU" dirty="0" smtClean="0"/>
+                        <a:t>должный быть 17</a:t>
+                      </a:r>
+                    </a:p>
+                    <a:p>
+                      <a:r>
+                        <a:rPr lang="ru-RU" dirty="0" smtClean="0"/>
+                        <a:t>сей пора 15</a:t>
+                      </a:r>
+                    </a:p>
+                    <a:p>
+                      <a:r>
+                        <a:rPr lang="ru-RU" dirty="0" err="1" smtClean="0"/>
+                        <a:t>джордж</a:t>
+                      </a:r>
+                      <a:r>
+                        <a:rPr lang="ru-RU" dirty="0" smtClean="0"/>
+                        <a:t> </a:t>
+                      </a:r>
+                      <a:r>
+                        <a:rPr lang="ru-RU" dirty="0" err="1" smtClean="0"/>
+                        <a:t>сорос</a:t>
+                      </a:r>
+                      <a:r>
+                        <a:rPr lang="ru-RU" dirty="0" smtClean="0"/>
+                        <a:t> 14</a:t>
+                      </a:r>
+                    </a:p>
+                    <a:p>
+                      <a:r>
+                        <a:rPr lang="ru-RU" dirty="0" smtClean="0"/>
+                        <a:t>миллион доллар 14</a:t>
+                      </a:r>
+                    </a:p>
+                    <a:p>
+                      <a:r>
+                        <a:rPr lang="ru-RU" dirty="0" smtClean="0"/>
+                        <a:t>местный власть 11</a:t>
+                      </a:r>
+                    </a:p>
+                    <a:p>
+                      <a:r>
+                        <a:rPr lang="ru-RU" dirty="0" err="1" smtClean="0"/>
+                        <a:t>геннадий</a:t>
+                      </a:r>
+                      <a:r>
+                        <a:rPr lang="ru-RU" dirty="0" smtClean="0"/>
+                        <a:t> </a:t>
+                      </a:r>
+                      <a:r>
+                        <a:rPr lang="ru-RU" dirty="0" err="1" smtClean="0"/>
+                        <a:t>андрей</a:t>
+                      </a:r>
+                      <a:r>
+                        <a:rPr lang="ru-RU" dirty="0" smtClean="0"/>
+                        <a:t> 11</a:t>
+                      </a:r>
+                    </a:p>
+                    <a:p>
+                      <a:r>
+                        <a:rPr lang="ru-RU" dirty="0" smtClean="0"/>
+                        <a:t>чёрный квадрат 10</a:t>
+                      </a:r>
+                    </a:p>
+                    <a:p>
+                      <a:r>
+                        <a:rPr lang="ru-RU" dirty="0" smtClean="0"/>
+                        <a:t>дата источник 10</a:t>
+                      </a:r>
+                      <a:endParaRPr lang="ru-RU" dirty="0"/>
+                    </a:p>
+                  </a:txBody>
+                  <a:tcPr/>
+                </a:tc>
+              </a:tr>
+            </a:tbl>
+          </a:graphicData>
+        </a:graphic>
+      </p:graphicFrame>
+    </p:spTree>
+    <p:extLst>
+      <p:ext uri="{BB962C8B-B14F-4D97-AF65-F5344CB8AC3E}">
+        <p14:creationId xmlns:p14="http://schemas.microsoft.com/office/powerpoint/2010/main" val="2849146545"/>
+      </p:ext>
+    </p:extLst>
+  </p:cSld>
+  <p:clrMapOvr>
+    <a:masterClrMapping/>
+  </p:clrMapOvr>
+</p:sld>
+</file>
+
+<file path=ppt/slides/slide19.xml><?xml version="1.0" encoding="utf-8"?>
+<p:sld xmlns:a="http://schemas.openxmlformats.org/drawingml/2006/main" xmlns:r="http://schemas.openxmlformats.org/officeDocument/2006/relationships" xmlns:p="http://schemas.openxmlformats.org/presentationml/2006/main">
+  <p:cSld>
+    <p:spTree>
+      <p:nvGrpSpPr>
+        <p:cNvPr id="1" name=""/>
+        <p:cNvGrpSpPr/>
+        <p:nvPr/>
+      </p:nvGrpSpPr>
+      <p:grpSpPr>
+        <a:xfrm>
+          <a:off x="0" y="0"/>
+          <a:ext cx="0" cy="0"/>
+          <a:chOff x="0" y="0"/>
+          <a:chExt cx="0" cy="0"/>
+        </a:xfrm>
+      </p:grpSpPr>
+      <p:sp>
+        <p:nvSpPr>
+          <p:cNvPr id="2" name="Заголовок 1"/>
+          <p:cNvSpPr>
+            <a:spLocks noGrp="1"/>
+          </p:cNvSpPr>
+          <p:nvPr>
+            <p:ph type="title"/>
+          </p:nvPr>
+        </p:nvSpPr>
+        <p:spPr/>
+        <p:txBody>
+          <a:bodyPr>
+            <a:normAutofit/>
+          </a:bodyPr>
+          <a:lstStyle/>
+          <a:p>
+            <a:r>
+              <a:rPr lang="ru-RU" dirty="0"/>
+              <a:t>Частотность биграмм. </a:t>
+            </a:r>
+            <a:r>
+              <a:rPr lang="ru-RU" dirty="0" smtClean="0"/>
+              <a:t>2015-2016</a:t>
+            </a:r>
+            <a:endParaRPr lang="ru-RU" dirty="0"/>
+          </a:p>
+        </p:txBody>
+      </p:sp>
+      <p:sp>
+        <p:nvSpPr>
+          <p:cNvPr id="3" name="Объект 2"/>
+          <p:cNvSpPr>
+            <a:spLocks noGrp="1"/>
+          </p:cNvSpPr>
+          <p:nvPr>
+            <p:ph idx="1"/>
+          </p:nvPr>
+        </p:nvSpPr>
+        <p:spPr/>
+        <p:txBody>
+          <a:bodyPr/>
+          <a:lstStyle/>
+          <a:p>
+            <a:endParaRPr lang="ru-RU" dirty="0"/>
+          </a:p>
+        </p:txBody>
+      </p:sp>
+      <p:graphicFrame>
+        <p:nvGraphicFramePr>
+          <p:cNvPr id="4" name="Объект 3"/>
+          <p:cNvGraphicFramePr>
+            <a:graphicFrameLocks/>
+          </p:cNvGraphicFramePr>
+          <p:nvPr>
+            <p:extLst>
+              <p:ext uri="{D42A27DB-BD31-4B8C-83A1-F6EECF244321}">
+                <p14:modId xmlns:p14="http://schemas.microsoft.com/office/powerpoint/2010/main" val="3905749015"/>
+              </p:ext>
+            </p:extLst>
+          </p:nvPr>
+        </p:nvGraphicFramePr>
+        <p:xfrm>
+          <a:off x="107504" y="1556792"/>
+          <a:ext cx="8928992" cy="5184576"/>
+        </p:xfrm>
+        <a:graphic>
+          <a:graphicData uri="http://schemas.openxmlformats.org/drawingml/2006/table">
+            <a:tbl>
+              <a:tblPr firstRow="1" bandRow="1">
+                <a:tableStyleId>{5C22544A-7EE6-4342-B048-85BDC9FD1C3A}</a:tableStyleId>
+              </a:tblPr>
+              <a:tblGrid>
+                <a:gridCol w="4464496"/>
+                <a:gridCol w="4464496"/>
+              </a:tblGrid>
+              <a:tr h="775915">
+                <a:tc>
+                  <a:txBody>
+                    <a:bodyPr/>
+                    <a:lstStyle/>
+                    <a:p>
+                      <a:r>
+                        <a:rPr lang="ru-RU" dirty="0" smtClean="0"/>
+                        <a:t>Новая газета</a:t>
+                      </a:r>
+                      <a:endParaRPr lang="ru-RU" dirty="0"/>
+                    </a:p>
+                  </a:txBody>
+                  <a:tcPr/>
+                </a:tc>
+                <a:tc>
+                  <a:txBody>
+                    <a:bodyPr/>
+                    <a:lstStyle/>
+                    <a:p>
+                      <a:r>
+                        <a:rPr lang="ru-RU" dirty="0" smtClean="0"/>
+                        <a:t>Российская газета</a:t>
+                      </a:r>
+                      <a:endParaRPr lang="ru-RU" dirty="0"/>
+                    </a:p>
+                  </a:txBody>
+                  <a:tcPr/>
+                </a:tc>
+              </a:tr>
+              <a:tr h="4408661">
+                <a:tc>
+                  <a:txBody>
+                    <a:bodyPr/>
+                    <a:lstStyle/>
+                    <a:p>
+                      <a:r>
+                        <a:rPr lang="ru-RU" dirty="0" smtClean="0"/>
+                        <a:t>уголовный дело 27</a:t>
+                      </a:r>
+                    </a:p>
+                    <a:p>
+                      <a:r>
+                        <a:rPr lang="ru-RU" dirty="0" smtClean="0"/>
+                        <a:t>цена нефть 22</a:t>
+                      </a:r>
+                    </a:p>
+                    <a:p>
+                      <a:r>
+                        <a:rPr lang="ru-RU" dirty="0" err="1" smtClean="0"/>
+                        <a:t>владимир</a:t>
+                      </a:r>
+                      <a:r>
+                        <a:rPr lang="ru-RU" dirty="0" smtClean="0"/>
+                        <a:t> путин 21</a:t>
+                      </a:r>
+                    </a:p>
+                    <a:p>
+                      <a:r>
+                        <a:rPr lang="ru-RU" dirty="0" smtClean="0"/>
+                        <a:t>должный быть 19</a:t>
+                      </a:r>
+                    </a:p>
+                    <a:p>
+                      <a:r>
+                        <a:rPr lang="ru-RU" dirty="0" smtClean="0"/>
+                        <a:t>точка зрение 17</a:t>
+                      </a:r>
+                    </a:p>
+                    <a:p>
+                      <a:r>
+                        <a:rPr lang="ru-RU" dirty="0" smtClean="0"/>
+                        <a:t>прошлое год 16</a:t>
+                      </a:r>
+                    </a:p>
+                    <a:p>
+                      <a:r>
+                        <a:rPr lang="ru-RU" dirty="0" smtClean="0"/>
+                        <a:t>заявить что 15</a:t>
+                      </a:r>
+                    </a:p>
+                    <a:p>
+                      <a:r>
+                        <a:rPr lang="ru-RU" dirty="0" smtClean="0"/>
+                        <a:t>очередь </a:t>
+                      </a:r>
+                      <a:r>
+                        <a:rPr lang="ru-RU" dirty="0" err="1" smtClean="0"/>
+                        <a:t>серов</a:t>
+                      </a:r>
+                      <a:r>
+                        <a:rPr lang="ru-RU" dirty="0" smtClean="0"/>
+                        <a:t> 14</a:t>
+                      </a:r>
+                    </a:p>
+                    <a:p>
+                      <a:r>
+                        <a:rPr lang="ru-RU" dirty="0" smtClean="0"/>
+                        <a:t>исламский государство 14</a:t>
+                      </a:r>
+                    </a:p>
+                    <a:p>
+                      <a:r>
+                        <a:rPr lang="ru-RU" dirty="0" smtClean="0"/>
+                        <a:t>террористический организация 12</a:t>
+                      </a:r>
+                      <a:endParaRPr lang="ru-RU" dirty="0"/>
+                    </a:p>
+                  </a:txBody>
+                  <a:tcPr/>
+                </a:tc>
+                <a:tc>
+                  <a:txBody>
+                    <a:bodyPr/>
+                    <a:lstStyle/>
+                    <a:p>
+                      <a:r>
+                        <a:rPr lang="ru-RU" dirty="0" err="1" smtClean="0"/>
+                        <a:t>зельфира</a:t>
+                      </a:r>
+                      <a:r>
+                        <a:rPr lang="ru-RU" dirty="0" smtClean="0"/>
+                        <a:t> </a:t>
+                      </a:r>
+                      <a:r>
+                        <a:rPr lang="ru-RU" dirty="0" err="1" smtClean="0"/>
+                        <a:t>трегулов</a:t>
+                      </a:r>
+                      <a:r>
+                        <a:rPr lang="ru-RU" dirty="0" smtClean="0"/>
+                        <a:t> 16</a:t>
+                      </a:r>
+                    </a:p>
+                    <a:p>
+                      <a:r>
+                        <a:rPr lang="ru-RU" dirty="0" smtClean="0"/>
+                        <a:t>судебный пристав 14</a:t>
+                      </a:r>
+                    </a:p>
+                    <a:p>
+                      <a:r>
+                        <a:rPr lang="ru-RU" dirty="0" smtClean="0"/>
+                        <a:t>международный розыск 12</a:t>
+                      </a:r>
+                    </a:p>
+                    <a:p>
+                      <a:r>
+                        <a:rPr lang="ru-RU" dirty="0" smtClean="0"/>
+                        <a:t>мюнхенский конференция 12</a:t>
+                      </a:r>
+                    </a:p>
+                    <a:p>
+                      <a:r>
+                        <a:rPr lang="ru-RU" dirty="0" smtClean="0"/>
+                        <a:t>прошлое год 11</a:t>
+                      </a:r>
+                    </a:p>
+                    <a:p>
+                      <a:r>
+                        <a:rPr lang="ru-RU" dirty="0" smtClean="0"/>
+                        <a:t>курс рубль 11</a:t>
+                      </a:r>
+                    </a:p>
+                    <a:p>
+                      <a:r>
+                        <a:rPr lang="ru-RU" dirty="0" smtClean="0"/>
+                        <a:t>цена нефть 11</a:t>
+                      </a:r>
+                    </a:p>
+                    <a:p>
+                      <a:r>
+                        <a:rPr lang="ru-RU" dirty="0" err="1" smtClean="0"/>
+                        <a:t>владимир</a:t>
+                      </a:r>
+                      <a:r>
+                        <a:rPr lang="ru-RU" dirty="0" smtClean="0"/>
+                        <a:t> путин 10</a:t>
+                      </a:r>
+                    </a:p>
+                    <a:p>
+                      <a:r>
+                        <a:rPr lang="ru-RU" dirty="0" err="1" smtClean="0"/>
+                        <a:t>эльвира</a:t>
+                      </a:r>
+                      <a:r>
+                        <a:rPr lang="ru-RU" dirty="0" smtClean="0"/>
+                        <a:t> </a:t>
+                      </a:r>
+                      <a:r>
+                        <a:rPr lang="ru-RU" dirty="0" err="1" smtClean="0"/>
+                        <a:t>набиуллин</a:t>
+                      </a:r>
+                      <a:r>
+                        <a:rPr lang="ru-RU" dirty="0" smtClean="0"/>
+                        <a:t> 10</a:t>
+                      </a:r>
+                    </a:p>
+                    <a:p>
+                      <a:r>
+                        <a:rPr lang="ru-RU" dirty="0" smtClean="0"/>
+                        <a:t>напомнить что 9</a:t>
+                      </a:r>
+                      <a:endParaRPr lang="ru-RU" dirty="0"/>
+                    </a:p>
+                  </a:txBody>
+                  <a:tcPr/>
+                </a:tc>
+              </a:tr>
+            </a:tbl>
+          </a:graphicData>
+        </a:graphic>
+      </p:graphicFrame>
+    </p:spTree>
+    <p:extLst>
+      <p:ext uri="{BB962C8B-B14F-4D97-AF65-F5344CB8AC3E}">
+        <p14:creationId xmlns:p14="http://schemas.microsoft.com/office/powerpoint/2010/main" val="2770297329"/>
       </p:ext>
     </p:extLst>
   </p:cSld>
@@ -3931,11 +7003,7 @@
             </a:r>
             <a:r>
               <a:rPr lang="ru-RU" sz="2800" dirty="0" smtClean="0"/>
-              <a:t>выявление различий в печатном языке независимых СМИ и официальной власти на примере газет </a:t>
-            </a:r>
-            <a:r>
-              <a:rPr lang="ru-RU" sz="2800" dirty="0" smtClean="0"/>
-              <a:t>«Новая газета» и «Российская газета»</a:t>
+              <a:t>выявление различий в печатном языке независимых СМИ и официальной власти на примере газет «Новая газета» и «Российская газета»</a:t>
             </a:r>
           </a:p>
           <a:p>
@@ -3996,6 +7064,2179 @@
       </p:par>
     </p:tnLst>
   </p:timing>
+</p:sld>
+</file>
+
+<file path=ppt/slides/slide20.xml><?xml version="1.0" encoding="utf-8"?>
+<p:sld xmlns:a="http://schemas.openxmlformats.org/drawingml/2006/main" xmlns:r="http://schemas.openxmlformats.org/officeDocument/2006/relationships" xmlns:p="http://schemas.openxmlformats.org/presentationml/2006/main">
+  <p:cSld>
+    <p:spTree>
+      <p:nvGrpSpPr>
+        <p:cNvPr id="1" name=""/>
+        <p:cNvGrpSpPr/>
+        <p:nvPr/>
+      </p:nvGrpSpPr>
+      <p:grpSpPr>
+        <a:xfrm>
+          <a:off x="0" y="0"/>
+          <a:ext cx="0" cy="0"/>
+          <a:chOff x="0" y="0"/>
+          <a:chExt cx="0" cy="0"/>
+        </a:xfrm>
+      </p:grpSpPr>
+      <p:sp>
+        <p:nvSpPr>
+          <p:cNvPr id="2" name="Заголовок 1"/>
+          <p:cNvSpPr>
+            <a:spLocks noGrp="1"/>
+          </p:cNvSpPr>
+          <p:nvPr>
+            <p:ph type="title"/>
+          </p:nvPr>
+        </p:nvSpPr>
+        <p:spPr/>
+        <p:txBody>
+          <a:bodyPr>
+            <a:normAutofit fontScale="90000"/>
+          </a:bodyPr>
+          <a:lstStyle/>
+          <a:p>
+            <a:r>
+              <a:rPr lang="ru-RU" dirty="0"/>
+              <a:t>Частотность биграмм. </a:t>
+            </a:r>
+            <a:r>
+              <a:rPr lang="ru-RU" dirty="0" smtClean="0"/>
+              <a:t>Весь корпус</a:t>
+            </a:r>
+            <a:endParaRPr lang="ru-RU" dirty="0"/>
+          </a:p>
+        </p:txBody>
+      </p:sp>
+      <p:sp>
+        <p:nvSpPr>
+          <p:cNvPr id="3" name="Объект 2"/>
+          <p:cNvSpPr>
+            <a:spLocks noGrp="1"/>
+          </p:cNvSpPr>
+          <p:nvPr>
+            <p:ph idx="1"/>
+          </p:nvPr>
+        </p:nvSpPr>
+        <p:spPr/>
+        <p:txBody>
+          <a:bodyPr/>
+          <a:lstStyle/>
+          <a:p>
+            <a:endParaRPr lang="ru-RU" dirty="0"/>
+          </a:p>
+        </p:txBody>
+      </p:sp>
+      <p:graphicFrame>
+        <p:nvGraphicFramePr>
+          <p:cNvPr id="4" name="Объект 3"/>
+          <p:cNvGraphicFramePr>
+            <a:graphicFrameLocks/>
+          </p:cNvGraphicFramePr>
+          <p:nvPr>
+            <p:extLst>
+              <p:ext uri="{D42A27DB-BD31-4B8C-83A1-F6EECF244321}">
+                <p14:modId xmlns:p14="http://schemas.microsoft.com/office/powerpoint/2010/main" val="4001883184"/>
+              </p:ext>
+            </p:extLst>
+          </p:nvPr>
+        </p:nvGraphicFramePr>
+        <p:xfrm>
+          <a:off x="107504" y="1556792"/>
+          <a:ext cx="8928992" cy="5184576"/>
+        </p:xfrm>
+        <a:graphic>
+          <a:graphicData uri="http://schemas.openxmlformats.org/drawingml/2006/table">
+            <a:tbl>
+              <a:tblPr firstRow="1" bandRow="1">
+                <a:tableStyleId>{5C22544A-7EE6-4342-B048-85BDC9FD1C3A}</a:tableStyleId>
+              </a:tblPr>
+              <a:tblGrid>
+                <a:gridCol w="4464496"/>
+                <a:gridCol w="4464496"/>
+              </a:tblGrid>
+              <a:tr h="775915">
+                <a:tc>
+                  <a:txBody>
+                    <a:bodyPr/>
+                    <a:lstStyle/>
+                    <a:p>
+                      <a:r>
+                        <a:rPr lang="ru-RU" dirty="0" smtClean="0"/>
+                        <a:t>Новая газета</a:t>
+                      </a:r>
+                      <a:endParaRPr lang="ru-RU" dirty="0"/>
+                    </a:p>
+                  </a:txBody>
+                  <a:tcPr/>
+                </a:tc>
+                <a:tc>
+                  <a:txBody>
+                    <a:bodyPr/>
+                    <a:lstStyle/>
+                    <a:p>
+                      <a:r>
+                        <a:rPr lang="ru-RU" dirty="0" smtClean="0"/>
+                        <a:t>Российская газета</a:t>
+                      </a:r>
+                      <a:endParaRPr lang="ru-RU" dirty="0"/>
+                    </a:p>
+                  </a:txBody>
+                  <a:tcPr/>
+                </a:tc>
+              </a:tr>
+              <a:tr h="4408661">
+                <a:tc>
+                  <a:txBody>
+                    <a:bodyPr/>
+                    <a:lstStyle/>
+                    <a:p>
+                      <a:r>
+                        <a:rPr lang="ru-RU" dirty="0" smtClean="0"/>
+                        <a:t>источник информация 730</a:t>
+                      </a:r>
+                    </a:p>
+                    <a:p>
+                      <a:r>
+                        <a:rPr lang="ru-RU" dirty="0" smtClean="0"/>
+                        <a:t>информация новый 727</a:t>
+                      </a:r>
+                    </a:p>
+                    <a:p>
+                      <a:r>
+                        <a:rPr lang="ru-RU" dirty="0" smtClean="0"/>
+                        <a:t>должный быть 217</a:t>
+                      </a:r>
+                    </a:p>
+                    <a:p>
+                      <a:r>
+                        <a:rPr lang="ru-RU" dirty="0" smtClean="0"/>
+                        <a:t>друг </a:t>
+                      </a:r>
+                      <a:r>
+                        <a:rPr lang="ru-RU" dirty="0" err="1" smtClean="0"/>
+                        <a:t>друг</a:t>
+                      </a:r>
+                      <a:r>
+                        <a:rPr lang="ru-RU" dirty="0" smtClean="0"/>
+                        <a:t> 125</a:t>
+                      </a:r>
+                    </a:p>
+                    <a:p>
+                      <a:r>
+                        <a:rPr lang="ru-RU" dirty="0" smtClean="0"/>
+                        <a:t>прошлое год 124</a:t>
+                      </a:r>
+                    </a:p>
+                    <a:p>
+                      <a:r>
+                        <a:rPr lang="ru-RU" dirty="0" smtClean="0"/>
+                        <a:t>миллион доллар 124</a:t>
+                      </a:r>
+                    </a:p>
+                    <a:p>
+                      <a:r>
+                        <a:rPr lang="ru-RU" dirty="0" smtClean="0"/>
+                        <a:t>сей пора 123</a:t>
+                      </a:r>
+                    </a:p>
+                    <a:p>
+                      <a:r>
+                        <a:rPr lang="ru-RU" dirty="0" smtClean="0"/>
+                        <a:t>самый дело 113</a:t>
+                      </a:r>
+                    </a:p>
+                    <a:p>
+                      <a:r>
+                        <a:rPr lang="ru-RU" dirty="0" smtClean="0"/>
+                        <a:t>уголовный дело 103</a:t>
+                      </a:r>
+                    </a:p>
+                    <a:p>
+                      <a:r>
+                        <a:rPr lang="ru-RU" dirty="0" smtClean="0"/>
+                        <a:t>человек который 103</a:t>
+                      </a:r>
+                      <a:endParaRPr lang="ru-RU" dirty="0"/>
+                    </a:p>
+                  </a:txBody>
+                  <a:tcPr/>
+                </a:tc>
+                <a:tc>
+                  <a:txBody>
+                    <a:bodyPr/>
+                    <a:lstStyle/>
+                    <a:p>
+                      <a:r>
+                        <a:rPr lang="ru-RU" dirty="0" smtClean="0"/>
+                        <a:t>информация российский 160</a:t>
+                      </a:r>
+                    </a:p>
+                    <a:p>
+                      <a:r>
+                        <a:rPr lang="ru-RU" dirty="0" smtClean="0"/>
+                        <a:t>источник информация 160</a:t>
+                      </a:r>
+                    </a:p>
+                    <a:p>
+                      <a:r>
+                        <a:rPr lang="ru-RU" dirty="0" smtClean="0"/>
+                        <a:t>должный быть 38</a:t>
+                      </a:r>
+                    </a:p>
+                    <a:p>
+                      <a:r>
+                        <a:rPr lang="ru-RU" dirty="0" smtClean="0"/>
+                        <a:t>прошлое год 30</a:t>
+                      </a:r>
+                    </a:p>
+                    <a:p>
+                      <a:r>
+                        <a:rPr lang="ru-RU" dirty="0" smtClean="0"/>
+                        <a:t>миллион доллар 30</a:t>
+                      </a:r>
+                    </a:p>
+                    <a:p>
+                      <a:r>
+                        <a:rPr lang="ru-RU" dirty="0" smtClean="0"/>
+                        <a:t>сей пора 23</a:t>
+                      </a:r>
+                    </a:p>
+                    <a:p>
+                      <a:r>
+                        <a:rPr lang="ru-RU" dirty="0" smtClean="0"/>
+                        <a:t>миллиард рубль 20</a:t>
+                      </a:r>
+                    </a:p>
+                    <a:p>
+                      <a:r>
+                        <a:rPr lang="ru-RU" dirty="0" smtClean="0"/>
+                        <a:t>миллиард доллар 18</a:t>
+                      </a:r>
+                    </a:p>
+                    <a:p>
+                      <a:r>
+                        <a:rPr lang="ru-RU" dirty="0" err="1" smtClean="0"/>
+                        <a:t>борис</a:t>
+                      </a:r>
+                      <a:r>
+                        <a:rPr lang="ru-RU" dirty="0" smtClean="0"/>
+                        <a:t> </a:t>
+                      </a:r>
+                      <a:r>
+                        <a:rPr lang="ru-RU" dirty="0" err="1" smtClean="0"/>
+                        <a:t>ельцин</a:t>
+                      </a:r>
+                      <a:r>
+                        <a:rPr lang="ru-RU" dirty="0" smtClean="0"/>
+                        <a:t> 18</a:t>
+                      </a:r>
+                    </a:p>
+                    <a:p>
+                      <a:r>
+                        <a:rPr lang="ru-RU" dirty="0" smtClean="0"/>
+                        <a:t>можно быть 17</a:t>
+                      </a:r>
+                    </a:p>
+                    <a:p>
+                      <a:endParaRPr lang="ru-RU" dirty="0"/>
+                    </a:p>
+                  </a:txBody>
+                  <a:tcPr/>
+                </a:tc>
+              </a:tr>
+            </a:tbl>
+          </a:graphicData>
+        </a:graphic>
+      </p:graphicFrame>
+    </p:spTree>
+    <p:extLst>
+      <p:ext uri="{BB962C8B-B14F-4D97-AF65-F5344CB8AC3E}">
+        <p14:creationId xmlns:p14="http://schemas.microsoft.com/office/powerpoint/2010/main" val="1416193166"/>
+      </p:ext>
+    </p:extLst>
+  </p:cSld>
+  <p:clrMapOvr>
+    <a:masterClrMapping/>
+  </p:clrMapOvr>
+</p:sld>
+</file>
+
+<file path=ppt/slides/slide21.xml><?xml version="1.0" encoding="utf-8"?>
+<p:sld xmlns:a="http://schemas.openxmlformats.org/drawingml/2006/main" xmlns:r="http://schemas.openxmlformats.org/officeDocument/2006/relationships" xmlns:p="http://schemas.openxmlformats.org/presentationml/2006/main">
+  <p:cSld>
+    <p:spTree>
+      <p:nvGrpSpPr>
+        <p:cNvPr id="1" name=""/>
+        <p:cNvGrpSpPr/>
+        <p:nvPr/>
+      </p:nvGrpSpPr>
+      <p:grpSpPr>
+        <a:xfrm>
+          <a:off x="0" y="0"/>
+          <a:ext cx="0" cy="0"/>
+          <a:chOff x="0" y="0"/>
+          <a:chExt cx="0" cy="0"/>
+        </a:xfrm>
+      </p:grpSpPr>
+      <p:sp>
+        <p:nvSpPr>
+          <p:cNvPr id="2" name="Заголовок 1"/>
+          <p:cNvSpPr>
+            <a:spLocks noGrp="1"/>
+          </p:cNvSpPr>
+          <p:nvPr>
+            <p:ph type="title"/>
+          </p:nvPr>
+        </p:nvSpPr>
+        <p:spPr/>
+        <p:txBody>
+          <a:bodyPr>
+            <a:normAutofit/>
+          </a:bodyPr>
+          <a:lstStyle/>
+          <a:p>
+            <a:r>
+              <a:rPr lang="ru-RU" dirty="0"/>
+              <a:t>Частотность </a:t>
+            </a:r>
+            <a:r>
+              <a:rPr lang="ru-RU" dirty="0" smtClean="0"/>
+              <a:t>триграмм</a:t>
+            </a:r>
+            <a:r>
+              <a:rPr lang="ru-RU" dirty="0"/>
+              <a:t>. </a:t>
+            </a:r>
+            <a:r>
+              <a:rPr lang="ru-RU" dirty="0" smtClean="0"/>
+              <a:t>1997-1999</a:t>
+            </a:r>
+            <a:endParaRPr lang="ru-RU" dirty="0"/>
+          </a:p>
+        </p:txBody>
+      </p:sp>
+      <p:sp>
+        <p:nvSpPr>
+          <p:cNvPr id="3" name="Объект 2"/>
+          <p:cNvSpPr>
+            <a:spLocks noGrp="1"/>
+          </p:cNvSpPr>
+          <p:nvPr>
+            <p:ph idx="1"/>
+          </p:nvPr>
+        </p:nvSpPr>
+        <p:spPr/>
+        <p:txBody>
+          <a:bodyPr/>
+          <a:lstStyle/>
+          <a:p>
+            <a:endParaRPr lang="ru-RU" dirty="0"/>
+          </a:p>
+        </p:txBody>
+      </p:sp>
+      <p:graphicFrame>
+        <p:nvGraphicFramePr>
+          <p:cNvPr id="4" name="Объект 3"/>
+          <p:cNvGraphicFramePr>
+            <a:graphicFrameLocks/>
+          </p:cNvGraphicFramePr>
+          <p:nvPr>
+            <p:extLst>
+              <p:ext uri="{D42A27DB-BD31-4B8C-83A1-F6EECF244321}">
+                <p14:modId xmlns:p14="http://schemas.microsoft.com/office/powerpoint/2010/main" val="2965142316"/>
+              </p:ext>
+            </p:extLst>
+          </p:nvPr>
+        </p:nvGraphicFramePr>
+        <p:xfrm>
+          <a:off x="107504" y="1556792"/>
+          <a:ext cx="8928992" cy="5184576"/>
+        </p:xfrm>
+        <a:graphic>
+          <a:graphicData uri="http://schemas.openxmlformats.org/drawingml/2006/table">
+            <a:tbl>
+              <a:tblPr firstRow="1" bandRow="1">
+                <a:tableStyleId>{5C22544A-7EE6-4342-B048-85BDC9FD1C3A}</a:tableStyleId>
+              </a:tblPr>
+              <a:tblGrid>
+                <a:gridCol w="4464496"/>
+                <a:gridCol w="4464496"/>
+              </a:tblGrid>
+              <a:tr h="775915">
+                <a:tc>
+                  <a:txBody>
+                    <a:bodyPr/>
+                    <a:lstStyle/>
+                    <a:p>
+                      <a:r>
+                        <a:rPr lang="ru-RU" dirty="0" smtClean="0"/>
+                        <a:t>Новая газета</a:t>
+                      </a:r>
+                      <a:endParaRPr lang="ru-RU" dirty="0"/>
+                    </a:p>
+                  </a:txBody>
+                  <a:tcPr/>
+                </a:tc>
+                <a:tc>
+                  <a:txBody>
+                    <a:bodyPr/>
+                    <a:lstStyle/>
+                    <a:p>
+                      <a:r>
+                        <a:rPr lang="ru-RU" dirty="0" smtClean="0"/>
+                        <a:t>Российская газета</a:t>
+                      </a:r>
+                      <a:endParaRPr lang="ru-RU" dirty="0"/>
+                    </a:p>
+                  </a:txBody>
+                  <a:tcPr/>
+                </a:tc>
+              </a:tr>
+              <a:tr h="4408661">
+                <a:tc>
+                  <a:txBody>
+                    <a:bodyPr/>
+                    <a:lstStyle/>
+                    <a:p>
+                      <a:r>
+                        <a:rPr lang="ru-RU" dirty="0" smtClean="0"/>
+                        <a:t>источник информация новый 705</a:t>
+                      </a:r>
+                    </a:p>
+                    <a:p>
+                      <a:r>
+                        <a:rPr lang="ru-RU" dirty="0" smtClean="0"/>
+                        <a:t>информация новый газета 705</a:t>
+                      </a:r>
+                    </a:p>
+                    <a:p>
+                      <a:r>
+                        <a:rPr lang="ru-RU" dirty="0" smtClean="0"/>
+                        <a:t>дело тот что 35</a:t>
+                      </a:r>
+                    </a:p>
+                    <a:p>
+                      <a:r>
+                        <a:rPr lang="ru-RU" dirty="0" smtClean="0"/>
+                        <a:t>два год назад 22</a:t>
+                      </a:r>
+                    </a:p>
+                    <a:p>
+                      <a:r>
+                        <a:rPr lang="ru-RU" dirty="0" smtClean="0"/>
+                        <a:t>возбудить уголовный дело 21</a:t>
+                      </a:r>
+                    </a:p>
+                    <a:p>
+                      <a:r>
+                        <a:rPr lang="ru-RU" dirty="0" smtClean="0"/>
+                        <a:t>редакция новый газета 21</a:t>
+                      </a:r>
+                    </a:p>
+                    <a:p>
+                      <a:r>
+                        <a:rPr lang="ru-RU" dirty="0" smtClean="0"/>
+                        <a:t>номер новый газета 19</a:t>
+                      </a:r>
+                    </a:p>
+                    <a:p>
+                      <a:r>
+                        <a:rPr lang="ru-RU" dirty="0" smtClean="0"/>
+                        <a:t>несколько год назад 19</a:t>
+                      </a:r>
+                    </a:p>
+                    <a:p>
+                      <a:r>
+                        <a:rPr lang="ru-RU" dirty="0" smtClean="0"/>
+                        <a:t>министр иностранный дело 17</a:t>
+                      </a:r>
+                    </a:p>
+                    <a:p>
+                      <a:r>
+                        <a:rPr lang="ru-RU" dirty="0" smtClean="0"/>
+                        <a:t>средство массовый информация 17</a:t>
+                      </a:r>
+                      <a:endParaRPr lang="ru-RU" dirty="0"/>
+                    </a:p>
+                  </a:txBody>
+                  <a:tcPr/>
+                </a:tc>
+                <a:tc>
+                  <a:txBody>
+                    <a:bodyPr/>
+                    <a:lstStyle/>
+                    <a:p>
+                      <a:r>
+                        <a:rPr lang="ru-RU" dirty="0" smtClean="0"/>
+                        <a:t>источник информация российский 137</a:t>
+                      </a:r>
+                    </a:p>
+                    <a:p>
+                      <a:r>
+                        <a:rPr lang="ru-RU" dirty="0" smtClean="0"/>
+                        <a:t>информация российский газета 137</a:t>
+                      </a:r>
+                    </a:p>
+                    <a:p>
+                      <a:r>
+                        <a:rPr lang="ru-RU" dirty="0" err="1" smtClean="0"/>
+                        <a:t>итартасс</a:t>
+                      </a:r>
+                      <a:r>
+                        <a:rPr lang="ru-RU" dirty="0" smtClean="0"/>
+                        <a:t> источник информация 12</a:t>
+                      </a:r>
+                    </a:p>
+                    <a:p>
+                      <a:r>
+                        <a:rPr lang="ru-RU" dirty="0" smtClean="0"/>
+                        <a:t>президент </a:t>
+                      </a:r>
+                      <a:r>
+                        <a:rPr lang="ru-RU" dirty="0" err="1" smtClean="0"/>
+                        <a:t>борис</a:t>
+                      </a:r>
+                      <a:r>
+                        <a:rPr lang="ru-RU" dirty="0" smtClean="0"/>
+                        <a:t> </a:t>
+                      </a:r>
+                      <a:r>
+                        <a:rPr lang="ru-RU" dirty="0" err="1" smtClean="0"/>
+                        <a:t>ельцин</a:t>
+                      </a:r>
+                      <a:r>
+                        <a:rPr lang="ru-RU" dirty="0" smtClean="0"/>
+                        <a:t> 7</a:t>
+                      </a:r>
+                    </a:p>
+                    <a:p>
+                      <a:r>
+                        <a:rPr lang="ru-RU" dirty="0" err="1" smtClean="0"/>
+                        <a:t>корра</a:t>
+                      </a:r>
+                      <a:r>
+                        <a:rPr lang="ru-RU" dirty="0" smtClean="0"/>
+                        <a:t> источник информация 6</a:t>
+                      </a:r>
+                    </a:p>
+                    <a:p>
+                      <a:r>
+                        <a:rPr lang="ru-RU" dirty="0" err="1" smtClean="0"/>
+                        <a:t>соб</a:t>
+                      </a:r>
+                      <a:r>
+                        <a:rPr lang="ru-RU" dirty="0" smtClean="0"/>
+                        <a:t> </a:t>
+                      </a:r>
+                      <a:r>
+                        <a:rPr lang="ru-RU" dirty="0" err="1" smtClean="0"/>
+                        <a:t>корра</a:t>
+                      </a:r>
+                      <a:r>
+                        <a:rPr lang="ru-RU" dirty="0" smtClean="0"/>
+                        <a:t> источник 6</a:t>
+                      </a:r>
+                    </a:p>
+                    <a:p>
+                      <a:r>
+                        <a:rPr lang="ru-RU" dirty="0" smtClean="0"/>
+                        <a:t>правительство российский федерация 5</a:t>
+                      </a:r>
+                    </a:p>
+                    <a:p>
+                      <a:r>
+                        <a:rPr lang="ru-RU" dirty="0" smtClean="0"/>
+                        <a:t>средство массовый информация 5</a:t>
+                      </a:r>
+                    </a:p>
+                    <a:p>
+                      <a:r>
+                        <a:rPr lang="ru-RU" dirty="0" smtClean="0"/>
+                        <a:t>президент российский федерация 5</a:t>
+                      </a:r>
+                    </a:p>
+                    <a:p>
+                      <a:r>
+                        <a:rPr lang="ru-RU" dirty="0" smtClean="0"/>
+                        <a:t>сцена насилие эротика 5</a:t>
+                      </a:r>
+                      <a:endParaRPr lang="ru-RU" dirty="0"/>
+                    </a:p>
+                  </a:txBody>
+                  <a:tcPr/>
+                </a:tc>
+              </a:tr>
+            </a:tbl>
+          </a:graphicData>
+        </a:graphic>
+      </p:graphicFrame>
+    </p:spTree>
+    <p:extLst>
+      <p:ext uri="{BB962C8B-B14F-4D97-AF65-F5344CB8AC3E}">
+        <p14:creationId xmlns:p14="http://schemas.microsoft.com/office/powerpoint/2010/main" val="3798061103"/>
+      </p:ext>
+    </p:extLst>
+  </p:cSld>
+  <p:clrMapOvr>
+    <a:masterClrMapping/>
+  </p:clrMapOvr>
+</p:sld>
+</file>
+
+<file path=ppt/slides/slide22.xml><?xml version="1.0" encoding="utf-8"?>
+<p:sld xmlns:a="http://schemas.openxmlformats.org/drawingml/2006/main" xmlns:r="http://schemas.openxmlformats.org/officeDocument/2006/relationships" xmlns:p="http://schemas.openxmlformats.org/presentationml/2006/main">
+  <p:cSld>
+    <p:spTree>
+      <p:nvGrpSpPr>
+        <p:cNvPr id="1" name=""/>
+        <p:cNvGrpSpPr/>
+        <p:nvPr/>
+      </p:nvGrpSpPr>
+      <p:grpSpPr>
+        <a:xfrm>
+          <a:off x="0" y="0"/>
+          <a:ext cx="0" cy="0"/>
+          <a:chOff x="0" y="0"/>
+          <a:chExt cx="0" cy="0"/>
+        </a:xfrm>
+      </p:grpSpPr>
+      <p:sp>
+        <p:nvSpPr>
+          <p:cNvPr id="2" name="Заголовок 1"/>
+          <p:cNvSpPr>
+            <a:spLocks noGrp="1"/>
+          </p:cNvSpPr>
+          <p:nvPr>
+            <p:ph type="title"/>
+          </p:nvPr>
+        </p:nvSpPr>
+        <p:spPr/>
+        <p:txBody>
+          <a:bodyPr>
+            <a:normAutofit/>
+          </a:bodyPr>
+          <a:lstStyle/>
+          <a:p>
+            <a:r>
+              <a:rPr lang="ru-RU" dirty="0"/>
+              <a:t>Частотность </a:t>
+            </a:r>
+            <a:r>
+              <a:rPr lang="ru-RU" dirty="0" smtClean="0"/>
+              <a:t>триграмм</a:t>
+            </a:r>
+            <a:r>
+              <a:rPr lang="ru-RU" dirty="0"/>
+              <a:t>. </a:t>
+            </a:r>
+            <a:r>
+              <a:rPr lang="ru-RU" dirty="0" smtClean="0"/>
+              <a:t>2000-2005</a:t>
+            </a:r>
+            <a:endParaRPr lang="ru-RU" dirty="0"/>
+          </a:p>
+        </p:txBody>
+      </p:sp>
+      <p:sp>
+        <p:nvSpPr>
+          <p:cNvPr id="3" name="Объект 2"/>
+          <p:cNvSpPr>
+            <a:spLocks noGrp="1"/>
+          </p:cNvSpPr>
+          <p:nvPr>
+            <p:ph idx="1"/>
+          </p:nvPr>
+        </p:nvSpPr>
+        <p:spPr/>
+        <p:txBody>
+          <a:bodyPr/>
+          <a:lstStyle/>
+          <a:p>
+            <a:endParaRPr lang="ru-RU" dirty="0"/>
+          </a:p>
+        </p:txBody>
+      </p:sp>
+      <p:graphicFrame>
+        <p:nvGraphicFramePr>
+          <p:cNvPr id="4" name="Объект 3"/>
+          <p:cNvGraphicFramePr>
+            <a:graphicFrameLocks/>
+          </p:cNvGraphicFramePr>
+          <p:nvPr>
+            <p:extLst>
+              <p:ext uri="{D42A27DB-BD31-4B8C-83A1-F6EECF244321}">
+                <p14:modId xmlns:p14="http://schemas.microsoft.com/office/powerpoint/2010/main" val="2846927041"/>
+              </p:ext>
+            </p:extLst>
+          </p:nvPr>
+        </p:nvGraphicFramePr>
+        <p:xfrm>
+          <a:off x="107504" y="1556792"/>
+          <a:ext cx="8928992" cy="5184576"/>
+        </p:xfrm>
+        <a:graphic>
+          <a:graphicData uri="http://schemas.openxmlformats.org/drawingml/2006/table">
+            <a:tbl>
+              <a:tblPr firstRow="1" bandRow="1">
+                <a:tableStyleId>{5C22544A-7EE6-4342-B048-85BDC9FD1C3A}</a:tableStyleId>
+              </a:tblPr>
+              <a:tblGrid>
+                <a:gridCol w="4464496"/>
+                <a:gridCol w="4464496"/>
+              </a:tblGrid>
+              <a:tr h="775915">
+                <a:tc>
+                  <a:txBody>
+                    <a:bodyPr/>
+                    <a:lstStyle/>
+                    <a:p>
+                      <a:r>
+                        <a:rPr lang="ru-RU" dirty="0" smtClean="0"/>
+                        <a:t>Новая газета</a:t>
+                      </a:r>
+                      <a:endParaRPr lang="ru-RU" dirty="0"/>
+                    </a:p>
+                  </a:txBody>
+                  <a:tcPr/>
+                </a:tc>
+                <a:tc>
+                  <a:txBody>
+                    <a:bodyPr/>
+                    <a:lstStyle/>
+                    <a:p>
+                      <a:r>
+                        <a:rPr lang="ru-RU" dirty="0" smtClean="0"/>
+                        <a:t>Российская газета</a:t>
+                      </a:r>
+                      <a:endParaRPr lang="ru-RU" dirty="0"/>
+                    </a:p>
+                  </a:txBody>
+                  <a:tcPr/>
+                </a:tc>
+              </a:tr>
+              <a:tr h="4408661">
+                <a:tc>
+                  <a:txBody>
+                    <a:bodyPr/>
+                    <a:lstStyle/>
+                    <a:p>
+                      <a:r>
+                        <a:rPr lang="ru-RU" dirty="0" smtClean="0"/>
+                        <a:t>информация новый газета 20</a:t>
+                      </a:r>
+                    </a:p>
+                    <a:p>
+                      <a:r>
+                        <a:rPr lang="ru-RU" dirty="0" smtClean="0"/>
+                        <a:t>источник информация новый 20</a:t>
+                      </a:r>
+                    </a:p>
+                    <a:p>
+                      <a:r>
+                        <a:rPr lang="ru-RU" dirty="0" smtClean="0"/>
+                        <a:t>комитет солдатский матереть 10</a:t>
+                      </a:r>
+                    </a:p>
+                    <a:p>
+                      <a:r>
+                        <a:rPr lang="ru-RU" dirty="0" smtClean="0"/>
+                        <a:t>клуб работник </a:t>
+                      </a:r>
+                      <a:r>
+                        <a:rPr lang="ru-RU" dirty="0" err="1" smtClean="0"/>
+                        <a:t>нквд</a:t>
+                      </a:r>
+                      <a:r>
+                        <a:rPr lang="ru-RU" dirty="0" smtClean="0"/>
+                        <a:t> 6</a:t>
+                      </a:r>
+                    </a:p>
+                    <a:p>
+                      <a:r>
+                        <a:rPr lang="ru-RU" dirty="0" smtClean="0"/>
+                        <a:t>центральный клуб работник 5</a:t>
+                      </a:r>
+                    </a:p>
+                    <a:p>
+                      <a:r>
+                        <a:rPr lang="ru-RU" dirty="0" smtClean="0"/>
+                        <a:t>оператор сотовый связь 4</a:t>
+                      </a:r>
+                    </a:p>
+                    <a:p>
+                      <a:r>
+                        <a:rPr lang="ru-RU" dirty="0" smtClean="0"/>
+                        <a:t>каждый повод есть 3</a:t>
+                      </a:r>
+                    </a:p>
+                    <a:p>
+                      <a:r>
+                        <a:rPr lang="ru-RU" dirty="0" err="1" smtClean="0"/>
+                        <a:t>увд</a:t>
+                      </a:r>
+                      <a:r>
+                        <a:rPr lang="ru-RU" dirty="0" smtClean="0"/>
+                        <a:t> мурманский область 3</a:t>
+                      </a:r>
+                    </a:p>
+                    <a:p>
+                      <a:r>
+                        <a:rPr lang="ru-RU" dirty="0" smtClean="0"/>
+                        <a:t>делать вид что 3</a:t>
+                      </a:r>
+                    </a:p>
+                    <a:p>
+                      <a:r>
+                        <a:rPr lang="ru-RU" dirty="0" smtClean="0"/>
+                        <a:t>огромный бюджетный сектор 3</a:t>
+                      </a:r>
+                      <a:endParaRPr lang="ru-RU" dirty="0"/>
+                    </a:p>
+                  </a:txBody>
+                  <a:tcPr/>
+                </a:tc>
+                <a:tc>
+                  <a:txBody>
+                    <a:bodyPr/>
+                    <a:lstStyle/>
+                    <a:p>
+                      <a:r>
+                        <a:rPr lang="ru-RU" dirty="0" smtClean="0"/>
+                        <a:t>источник информация российский 22</a:t>
+                      </a:r>
+                    </a:p>
+                    <a:p>
+                      <a:r>
+                        <a:rPr lang="ru-RU" dirty="0" smtClean="0"/>
+                        <a:t>информация российский газета 22</a:t>
+                      </a:r>
+                    </a:p>
+                    <a:p>
+                      <a:r>
+                        <a:rPr lang="ru-RU" dirty="0" smtClean="0"/>
+                        <a:t>единый таможенный пространство 6</a:t>
+                      </a:r>
+                    </a:p>
+                    <a:p>
+                      <a:r>
+                        <a:rPr lang="ru-RU" dirty="0" smtClean="0"/>
+                        <a:t>аджарский автономный республика 4</a:t>
+                      </a:r>
+                    </a:p>
+                    <a:p>
+                      <a:r>
+                        <a:rPr lang="ru-RU" dirty="0" smtClean="0"/>
+                        <a:t>незаконный оборот древесина 4</a:t>
+                      </a:r>
+                    </a:p>
+                    <a:p>
+                      <a:r>
+                        <a:rPr lang="ru-RU" dirty="0" smtClean="0"/>
+                        <a:t>институт социология рана 3</a:t>
+                      </a:r>
+                    </a:p>
+                    <a:p>
+                      <a:r>
+                        <a:rPr lang="ru-RU" dirty="0" smtClean="0"/>
+                        <a:t>грузинский революция роза 3</a:t>
+                      </a:r>
+                    </a:p>
+                    <a:p>
+                      <a:r>
+                        <a:rPr lang="ru-RU" dirty="0" smtClean="0"/>
+                        <a:t>акция существующий акционер 3</a:t>
+                      </a:r>
+                    </a:p>
+                    <a:p>
+                      <a:r>
+                        <a:rPr lang="ru-RU" dirty="0" smtClean="0"/>
+                        <a:t>энергия тонкий полый 3</a:t>
+                      </a:r>
+                    </a:p>
+                    <a:p>
+                      <a:r>
+                        <a:rPr lang="ru-RU" dirty="0" smtClean="0"/>
+                        <a:t>миллиард доллар год 2</a:t>
+                      </a:r>
+                      <a:endParaRPr lang="ru-RU" dirty="0"/>
+                    </a:p>
+                  </a:txBody>
+                  <a:tcPr/>
+                </a:tc>
+              </a:tr>
+            </a:tbl>
+          </a:graphicData>
+        </a:graphic>
+      </p:graphicFrame>
+    </p:spTree>
+    <p:extLst>
+      <p:ext uri="{BB962C8B-B14F-4D97-AF65-F5344CB8AC3E}">
+        <p14:creationId xmlns:p14="http://schemas.microsoft.com/office/powerpoint/2010/main" val="2015106449"/>
+      </p:ext>
+    </p:extLst>
+  </p:cSld>
+  <p:clrMapOvr>
+    <a:masterClrMapping/>
+  </p:clrMapOvr>
+</p:sld>
+</file>
+
+<file path=ppt/slides/slide23.xml><?xml version="1.0" encoding="utf-8"?>
+<p:sld xmlns:a="http://schemas.openxmlformats.org/drawingml/2006/main" xmlns:r="http://schemas.openxmlformats.org/officeDocument/2006/relationships" xmlns:p="http://schemas.openxmlformats.org/presentationml/2006/main">
+  <p:cSld>
+    <p:spTree>
+      <p:nvGrpSpPr>
+        <p:cNvPr id="1" name=""/>
+        <p:cNvGrpSpPr/>
+        <p:nvPr/>
+      </p:nvGrpSpPr>
+      <p:grpSpPr>
+        <a:xfrm>
+          <a:off x="0" y="0"/>
+          <a:ext cx="0" cy="0"/>
+          <a:chOff x="0" y="0"/>
+          <a:chExt cx="0" cy="0"/>
+        </a:xfrm>
+      </p:grpSpPr>
+      <p:sp>
+        <p:nvSpPr>
+          <p:cNvPr id="2" name="Заголовок 1"/>
+          <p:cNvSpPr>
+            <a:spLocks noGrp="1"/>
+          </p:cNvSpPr>
+          <p:nvPr>
+            <p:ph type="title"/>
+          </p:nvPr>
+        </p:nvSpPr>
+        <p:spPr/>
+        <p:txBody>
+          <a:bodyPr>
+            <a:normAutofit/>
+          </a:bodyPr>
+          <a:lstStyle/>
+          <a:p>
+            <a:r>
+              <a:rPr lang="ru-RU" dirty="0"/>
+              <a:t>Частотность </a:t>
+            </a:r>
+            <a:r>
+              <a:rPr lang="ru-RU" dirty="0" smtClean="0"/>
+              <a:t>триграмм</a:t>
+            </a:r>
+            <a:r>
+              <a:rPr lang="ru-RU" dirty="0"/>
+              <a:t>. </a:t>
+            </a:r>
+            <a:r>
+              <a:rPr lang="ru-RU" dirty="0" smtClean="0"/>
+              <a:t>2015-2016</a:t>
+            </a:r>
+            <a:endParaRPr lang="ru-RU" dirty="0"/>
+          </a:p>
+        </p:txBody>
+      </p:sp>
+      <p:sp>
+        <p:nvSpPr>
+          <p:cNvPr id="3" name="Объект 2"/>
+          <p:cNvSpPr>
+            <a:spLocks noGrp="1"/>
+          </p:cNvSpPr>
+          <p:nvPr>
+            <p:ph idx="1"/>
+          </p:nvPr>
+        </p:nvSpPr>
+        <p:spPr/>
+        <p:txBody>
+          <a:bodyPr/>
+          <a:lstStyle/>
+          <a:p>
+            <a:endParaRPr lang="ru-RU" dirty="0"/>
+          </a:p>
+        </p:txBody>
+      </p:sp>
+      <p:graphicFrame>
+        <p:nvGraphicFramePr>
+          <p:cNvPr id="4" name="Объект 3"/>
+          <p:cNvGraphicFramePr>
+            <a:graphicFrameLocks/>
+          </p:cNvGraphicFramePr>
+          <p:nvPr>
+            <p:extLst>
+              <p:ext uri="{D42A27DB-BD31-4B8C-83A1-F6EECF244321}">
+                <p14:modId xmlns:p14="http://schemas.microsoft.com/office/powerpoint/2010/main" val="3956266743"/>
+              </p:ext>
+            </p:extLst>
+          </p:nvPr>
+        </p:nvGraphicFramePr>
+        <p:xfrm>
+          <a:off x="107504" y="1556792"/>
+          <a:ext cx="8928992" cy="5184576"/>
+        </p:xfrm>
+        <a:graphic>
+          <a:graphicData uri="http://schemas.openxmlformats.org/drawingml/2006/table">
+            <a:tbl>
+              <a:tblPr firstRow="1" bandRow="1">
+                <a:tableStyleId>{5C22544A-7EE6-4342-B048-85BDC9FD1C3A}</a:tableStyleId>
+              </a:tblPr>
+              <a:tblGrid>
+                <a:gridCol w="4464496"/>
+                <a:gridCol w="4464496"/>
+              </a:tblGrid>
+              <a:tr h="775915">
+                <a:tc>
+                  <a:txBody>
+                    <a:bodyPr/>
+                    <a:lstStyle/>
+                    <a:p>
+                      <a:r>
+                        <a:rPr lang="ru-RU" dirty="0" smtClean="0"/>
+                        <a:t>Новая газета</a:t>
+                      </a:r>
+                      <a:endParaRPr lang="ru-RU" dirty="0"/>
+                    </a:p>
+                  </a:txBody>
+                  <a:tcPr/>
+                </a:tc>
+                <a:tc>
+                  <a:txBody>
+                    <a:bodyPr/>
+                    <a:lstStyle/>
+                    <a:p>
+                      <a:r>
+                        <a:rPr lang="ru-RU" dirty="0" smtClean="0"/>
+                        <a:t>Российская газета</a:t>
+                      </a:r>
+                      <a:endParaRPr lang="ru-RU" dirty="0"/>
+                    </a:p>
+                  </a:txBody>
+                  <a:tcPr/>
+                </a:tc>
+              </a:tr>
+              <a:tr h="4408661">
+                <a:tc>
+                  <a:txBody>
+                    <a:bodyPr/>
+                    <a:lstStyle/>
+                    <a:p>
+                      <a:r>
+                        <a:rPr lang="ru-RU" dirty="0" smtClean="0"/>
+                        <a:t>фото </a:t>
+                      </a:r>
+                      <a:r>
+                        <a:rPr lang="ru-RU" dirty="0" err="1" smtClean="0"/>
+                        <a:t>риа</a:t>
+                      </a:r>
+                      <a:r>
+                        <a:rPr lang="ru-RU" dirty="0" smtClean="0"/>
+                        <a:t> новость 11</a:t>
+                      </a:r>
+                    </a:p>
+                    <a:p>
+                      <a:r>
+                        <a:rPr lang="ru-RU" dirty="0" smtClean="0"/>
+                        <a:t>падение цена нефть 7</a:t>
+                      </a:r>
+                    </a:p>
+                    <a:p>
+                      <a:r>
+                        <a:rPr lang="ru-RU" dirty="0" smtClean="0"/>
+                        <a:t>высокий суд </a:t>
+                      </a:r>
+                      <a:r>
+                        <a:rPr lang="ru-RU" dirty="0" err="1" smtClean="0"/>
+                        <a:t>лондон</a:t>
+                      </a:r>
+                      <a:r>
+                        <a:rPr lang="ru-RU" dirty="0" smtClean="0"/>
+                        <a:t> 6</a:t>
+                      </a:r>
+                    </a:p>
+                    <a:p>
+                      <a:r>
+                        <a:rPr lang="ru-RU" dirty="0" smtClean="0"/>
+                        <a:t>метод длительный пребывание 5</a:t>
+                      </a:r>
+                    </a:p>
+                    <a:p>
+                      <a:r>
+                        <a:rPr lang="ru-RU" dirty="0" smtClean="0"/>
+                        <a:t>дело тот что 5</a:t>
+                      </a:r>
+                    </a:p>
+                    <a:p>
+                      <a:r>
+                        <a:rPr lang="ru-RU" dirty="0" smtClean="0"/>
+                        <a:t>министр иностранный дело 5</a:t>
+                      </a:r>
+                    </a:p>
+                    <a:p>
+                      <a:r>
+                        <a:rPr lang="ru-RU" dirty="0" smtClean="0"/>
+                        <a:t>последний два год 4</a:t>
+                      </a:r>
+                    </a:p>
+                    <a:p>
+                      <a:r>
+                        <a:rPr lang="ru-RU" dirty="0" smtClean="0"/>
+                        <a:t>кризис </a:t>
+                      </a:r>
+                      <a:r>
+                        <a:rPr lang="ru-RU" dirty="0" err="1" smtClean="0"/>
+                        <a:t>российскотурецкий</a:t>
+                      </a:r>
+                      <a:r>
+                        <a:rPr lang="ru-RU" dirty="0" smtClean="0"/>
+                        <a:t> отношение 4</a:t>
+                      </a:r>
+                    </a:p>
+                    <a:p>
+                      <a:r>
+                        <a:rPr lang="ru-RU" dirty="0" smtClean="0"/>
+                        <a:t>возбудить уголовный дело 4</a:t>
+                      </a:r>
+                    </a:p>
+                    <a:p>
+                      <a:r>
+                        <a:rPr lang="ru-RU" dirty="0" smtClean="0"/>
+                        <a:t>мир сквозь зуб 4</a:t>
+                      </a:r>
+                      <a:endParaRPr lang="ru-RU" dirty="0"/>
+                    </a:p>
+                  </a:txBody>
+                  <a:tcPr/>
+                </a:tc>
+                <a:tc>
+                  <a:txBody>
+                    <a:bodyPr/>
+                    <a:lstStyle/>
+                    <a:p>
+                      <a:r>
+                        <a:rPr lang="ru-RU" dirty="0" smtClean="0"/>
+                        <a:t>служба судебный пристав 5</a:t>
+                      </a:r>
+                    </a:p>
+                    <a:p>
+                      <a:r>
+                        <a:rPr lang="ru-RU" dirty="0" smtClean="0"/>
+                        <a:t>система радиоэлектронный борьба 4</a:t>
+                      </a:r>
+                    </a:p>
+                    <a:p>
+                      <a:r>
+                        <a:rPr lang="ru-RU" dirty="0" smtClean="0"/>
+                        <a:t>нефть марка </a:t>
+                      </a:r>
+                      <a:r>
+                        <a:rPr lang="ru-RU" dirty="0" err="1" smtClean="0"/>
+                        <a:t>brent</a:t>
+                      </a:r>
+                      <a:r>
+                        <a:rPr lang="ru-RU" dirty="0" smtClean="0"/>
+                        <a:t> 4</a:t>
+                      </a:r>
+                    </a:p>
+                    <a:p>
+                      <a:r>
+                        <a:rPr lang="ru-RU" dirty="0" smtClean="0"/>
+                        <a:t>объявить международный розыск 4</a:t>
+                      </a:r>
+                    </a:p>
+                    <a:p>
+                      <a:r>
+                        <a:rPr lang="ru-RU" dirty="0" smtClean="0"/>
+                        <a:t>цена нефть доллар 4</a:t>
+                      </a:r>
+                    </a:p>
+                    <a:p>
+                      <a:r>
+                        <a:rPr lang="ru-RU" dirty="0" smtClean="0"/>
+                        <a:t>папа римский </a:t>
+                      </a:r>
+                      <a:r>
+                        <a:rPr lang="ru-RU" dirty="0" err="1" smtClean="0"/>
+                        <a:t>франциск</a:t>
+                      </a:r>
+                      <a:r>
+                        <a:rPr lang="ru-RU" dirty="0" smtClean="0"/>
+                        <a:t> 4</a:t>
+                      </a:r>
+                    </a:p>
+                    <a:p>
+                      <a:r>
+                        <a:rPr lang="ru-RU" dirty="0" smtClean="0"/>
+                        <a:t>национальный портретный галерея 4</a:t>
+                      </a:r>
+                    </a:p>
+                    <a:p>
+                      <a:r>
+                        <a:rPr lang="ru-RU" dirty="0" smtClean="0"/>
+                        <a:t>патриарх </a:t>
+                      </a:r>
+                      <a:r>
+                        <a:rPr lang="ru-RU" dirty="0" err="1" smtClean="0"/>
+                        <a:t>кирилл</a:t>
+                      </a:r>
+                      <a:r>
+                        <a:rPr lang="ru-RU" dirty="0" smtClean="0"/>
+                        <a:t> папа 4</a:t>
+                      </a:r>
+                    </a:p>
+                    <a:p>
+                      <a:r>
+                        <a:rPr lang="ru-RU" dirty="0" err="1" smtClean="0"/>
+                        <a:t>кирилл</a:t>
+                      </a:r>
+                      <a:r>
+                        <a:rPr lang="ru-RU" dirty="0" smtClean="0"/>
+                        <a:t> папа римский 3</a:t>
+                      </a:r>
+                    </a:p>
+                    <a:p>
+                      <a:r>
+                        <a:rPr lang="ru-RU" dirty="0" err="1" smtClean="0"/>
+                        <a:t>изз</a:t>
+                      </a:r>
+                      <a:r>
+                        <a:rPr lang="ru-RU" dirty="0" smtClean="0"/>
+                        <a:t> тот что 3</a:t>
+                      </a:r>
+                      <a:endParaRPr lang="ru-RU" dirty="0"/>
+                    </a:p>
+                  </a:txBody>
+                  <a:tcPr/>
+                </a:tc>
+              </a:tr>
+            </a:tbl>
+          </a:graphicData>
+        </a:graphic>
+      </p:graphicFrame>
+    </p:spTree>
+    <p:extLst>
+      <p:ext uri="{BB962C8B-B14F-4D97-AF65-F5344CB8AC3E}">
+        <p14:creationId xmlns:p14="http://schemas.microsoft.com/office/powerpoint/2010/main" val="672455095"/>
+      </p:ext>
+    </p:extLst>
+  </p:cSld>
+  <p:clrMapOvr>
+    <a:masterClrMapping/>
+  </p:clrMapOvr>
+</p:sld>
+</file>
+
+<file path=ppt/slides/slide24.xml><?xml version="1.0" encoding="utf-8"?>
+<p:sld xmlns:a="http://schemas.openxmlformats.org/drawingml/2006/main" xmlns:r="http://schemas.openxmlformats.org/officeDocument/2006/relationships" xmlns:p="http://schemas.openxmlformats.org/presentationml/2006/main">
+  <p:cSld>
+    <p:spTree>
+      <p:nvGrpSpPr>
+        <p:cNvPr id="1" name=""/>
+        <p:cNvGrpSpPr/>
+        <p:nvPr/>
+      </p:nvGrpSpPr>
+      <p:grpSpPr>
+        <a:xfrm>
+          <a:off x="0" y="0"/>
+          <a:ext cx="0" cy="0"/>
+          <a:chOff x="0" y="0"/>
+          <a:chExt cx="0" cy="0"/>
+        </a:xfrm>
+      </p:grpSpPr>
+      <p:sp>
+        <p:nvSpPr>
+          <p:cNvPr id="2" name="Заголовок 1"/>
+          <p:cNvSpPr>
+            <a:spLocks noGrp="1"/>
+          </p:cNvSpPr>
+          <p:nvPr>
+            <p:ph type="title"/>
+          </p:nvPr>
+        </p:nvSpPr>
+        <p:spPr/>
+        <p:txBody>
+          <a:bodyPr>
+            <a:normAutofit fontScale="90000"/>
+          </a:bodyPr>
+          <a:lstStyle/>
+          <a:p>
+            <a:r>
+              <a:rPr lang="ru-RU" dirty="0"/>
+              <a:t>Частотность </a:t>
+            </a:r>
+            <a:r>
+              <a:rPr lang="ru-RU" dirty="0" smtClean="0"/>
+              <a:t>триграмм</a:t>
+            </a:r>
+            <a:r>
+              <a:rPr lang="ru-RU" dirty="0"/>
+              <a:t>. </a:t>
+            </a:r>
+            <a:r>
+              <a:rPr lang="ru-RU" dirty="0" smtClean="0"/>
+              <a:t>Весь корпус</a:t>
+            </a:r>
+            <a:endParaRPr lang="ru-RU" dirty="0"/>
+          </a:p>
+        </p:txBody>
+      </p:sp>
+      <p:sp>
+        <p:nvSpPr>
+          <p:cNvPr id="3" name="Объект 2"/>
+          <p:cNvSpPr>
+            <a:spLocks noGrp="1"/>
+          </p:cNvSpPr>
+          <p:nvPr>
+            <p:ph idx="1"/>
+          </p:nvPr>
+        </p:nvSpPr>
+        <p:spPr/>
+        <p:txBody>
+          <a:bodyPr/>
+          <a:lstStyle/>
+          <a:p>
+            <a:endParaRPr lang="ru-RU" dirty="0"/>
+          </a:p>
+        </p:txBody>
+      </p:sp>
+      <p:graphicFrame>
+        <p:nvGraphicFramePr>
+          <p:cNvPr id="4" name="Объект 3"/>
+          <p:cNvGraphicFramePr>
+            <a:graphicFrameLocks/>
+          </p:cNvGraphicFramePr>
+          <p:nvPr>
+            <p:extLst>
+              <p:ext uri="{D42A27DB-BD31-4B8C-83A1-F6EECF244321}">
+                <p14:modId xmlns:p14="http://schemas.microsoft.com/office/powerpoint/2010/main" val="820542618"/>
+              </p:ext>
+            </p:extLst>
+          </p:nvPr>
+        </p:nvGraphicFramePr>
+        <p:xfrm>
+          <a:off x="107504" y="1556792"/>
+          <a:ext cx="8928992" cy="5184576"/>
+        </p:xfrm>
+        <a:graphic>
+          <a:graphicData uri="http://schemas.openxmlformats.org/drawingml/2006/table">
+            <a:tbl>
+              <a:tblPr firstRow="1" bandRow="1">
+                <a:tableStyleId>{5C22544A-7EE6-4342-B048-85BDC9FD1C3A}</a:tableStyleId>
+              </a:tblPr>
+              <a:tblGrid>
+                <a:gridCol w="4464496"/>
+                <a:gridCol w="4464496"/>
+              </a:tblGrid>
+              <a:tr h="775915">
+                <a:tc>
+                  <a:txBody>
+                    <a:bodyPr/>
+                    <a:lstStyle/>
+                    <a:p>
+                      <a:r>
+                        <a:rPr lang="ru-RU" dirty="0" smtClean="0"/>
+                        <a:t>Новая газета</a:t>
+                      </a:r>
+                      <a:endParaRPr lang="ru-RU" dirty="0"/>
+                    </a:p>
+                  </a:txBody>
+                  <a:tcPr/>
+                </a:tc>
+                <a:tc>
+                  <a:txBody>
+                    <a:bodyPr/>
+                    <a:lstStyle/>
+                    <a:p>
+                      <a:r>
+                        <a:rPr lang="ru-RU" dirty="0" smtClean="0"/>
+                        <a:t>Российская газета</a:t>
+                      </a:r>
+                      <a:endParaRPr lang="ru-RU" dirty="0"/>
+                    </a:p>
+                  </a:txBody>
+                  <a:tcPr/>
+                </a:tc>
+              </a:tr>
+              <a:tr h="4408661">
+                <a:tc>
+                  <a:txBody>
+                    <a:bodyPr/>
+                    <a:lstStyle/>
+                    <a:p>
+                      <a:r>
+                        <a:rPr lang="ru-RU" dirty="0" smtClean="0"/>
+                        <a:t>источник информация новый 725</a:t>
+                      </a:r>
+                    </a:p>
+                    <a:p>
+                      <a:r>
+                        <a:rPr lang="ru-RU" dirty="0" smtClean="0"/>
+                        <a:t>информация новый газета 725</a:t>
+                      </a:r>
+                    </a:p>
+                    <a:p>
+                      <a:r>
+                        <a:rPr lang="ru-RU" dirty="0" smtClean="0"/>
+                        <a:t>дело тот что 42</a:t>
+                      </a:r>
+                    </a:p>
+                    <a:p>
+                      <a:r>
+                        <a:rPr lang="ru-RU" dirty="0" smtClean="0"/>
+                        <a:t>возбудить уголовный дело 26</a:t>
+                      </a:r>
+                    </a:p>
+                    <a:p>
+                      <a:r>
+                        <a:rPr lang="ru-RU" dirty="0" smtClean="0"/>
+                        <a:t>министр иностранный дело 24</a:t>
+                      </a:r>
+                    </a:p>
+                    <a:p>
+                      <a:r>
+                        <a:rPr lang="ru-RU" dirty="0" smtClean="0"/>
+                        <a:t>два год назад 24</a:t>
+                      </a:r>
+                    </a:p>
+                    <a:p>
+                      <a:r>
+                        <a:rPr lang="ru-RU" dirty="0" smtClean="0"/>
+                        <a:t>редакция новый газета 21</a:t>
+                      </a:r>
+                    </a:p>
+                    <a:p>
+                      <a:r>
+                        <a:rPr lang="ru-RU" dirty="0" smtClean="0"/>
+                        <a:t>номер новый газета 20</a:t>
+                      </a:r>
+                    </a:p>
+                    <a:p>
+                      <a:r>
+                        <a:rPr lang="ru-RU" dirty="0" smtClean="0"/>
+                        <a:t>несколько год назад 20</a:t>
+                      </a:r>
+                    </a:p>
+                    <a:p>
+                      <a:r>
+                        <a:rPr lang="ru-RU" dirty="0" smtClean="0"/>
+                        <a:t>специально для новый 19</a:t>
+                      </a:r>
+                      <a:endParaRPr lang="ru-RU" dirty="0"/>
+                    </a:p>
+                  </a:txBody>
+                  <a:tcPr/>
+                </a:tc>
+                <a:tc>
+                  <a:txBody>
+                    <a:bodyPr/>
+                    <a:lstStyle/>
+                    <a:p>
+                      <a:r>
+                        <a:rPr lang="ru-RU" dirty="0" smtClean="0"/>
+                        <a:t>источник информация российский 159</a:t>
+                      </a:r>
+                    </a:p>
+                    <a:p>
+                      <a:r>
+                        <a:rPr lang="ru-RU" dirty="0" smtClean="0"/>
+                        <a:t>информация российский газета 159</a:t>
+                      </a:r>
+                    </a:p>
+                    <a:p>
+                      <a:r>
+                        <a:rPr lang="ru-RU" dirty="0" err="1" smtClean="0"/>
+                        <a:t>итартасс</a:t>
+                      </a:r>
+                      <a:r>
+                        <a:rPr lang="ru-RU" dirty="0" smtClean="0"/>
+                        <a:t> источник информация 12</a:t>
+                      </a:r>
+                    </a:p>
+                    <a:p>
+                      <a:r>
+                        <a:rPr lang="ru-RU" dirty="0" smtClean="0"/>
+                        <a:t>президент </a:t>
+                      </a:r>
+                      <a:r>
+                        <a:rPr lang="ru-RU" dirty="0" err="1" smtClean="0"/>
+                        <a:t>борис</a:t>
+                      </a:r>
+                      <a:r>
+                        <a:rPr lang="ru-RU" dirty="0" smtClean="0"/>
+                        <a:t> </a:t>
+                      </a:r>
+                      <a:r>
+                        <a:rPr lang="ru-RU" dirty="0" err="1" smtClean="0"/>
+                        <a:t>ельцин</a:t>
+                      </a:r>
+                      <a:r>
+                        <a:rPr lang="ru-RU" dirty="0" smtClean="0"/>
+                        <a:t> 7</a:t>
+                      </a:r>
+                    </a:p>
+                    <a:p>
+                      <a:r>
+                        <a:rPr lang="ru-RU" dirty="0" err="1" smtClean="0"/>
+                        <a:t>корра</a:t>
+                      </a:r>
+                      <a:r>
+                        <a:rPr lang="ru-RU" dirty="0" smtClean="0"/>
+                        <a:t> источник информация 6</a:t>
+                      </a:r>
+                    </a:p>
+                    <a:p>
+                      <a:r>
+                        <a:rPr lang="ru-RU" dirty="0" smtClean="0"/>
+                        <a:t>единый таможенный пространство 6</a:t>
+                      </a:r>
+                    </a:p>
+                    <a:p>
+                      <a:r>
+                        <a:rPr lang="ru-RU" dirty="0" err="1" smtClean="0"/>
+                        <a:t>соб</a:t>
+                      </a:r>
+                      <a:r>
+                        <a:rPr lang="ru-RU" dirty="0" smtClean="0"/>
+                        <a:t> </a:t>
+                      </a:r>
+                      <a:r>
+                        <a:rPr lang="ru-RU" dirty="0" err="1" smtClean="0"/>
+                        <a:t>корра</a:t>
+                      </a:r>
+                      <a:r>
+                        <a:rPr lang="ru-RU" dirty="0" smtClean="0"/>
+                        <a:t> источник 6</a:t>
+                      </a:r>
+                    </a:p>
+                    <a:p>
+                      <a:r>
+                        <a:rPr lang="ru-RU" dirty="0" smtClean="0"/>
+                        <a:t>правительство российский федерация 5</a:t>
+                      </a:r>
+                    </a:p>
+                    <a:p>
+                      <a:r>
+                        <a:rPr lang="ru-RU" dirty="0" smtClean="0"/>
+                        <a:t>средство массовый информация 5</a:t>
+                      </a:r>
+                    </a:p>
+                    <a:p>
+                      <a:r>
+                        <a:rPr lang="ru-RU" dirty="0" smtClean="0"/>
+                        <a:t>служба судебный пристав 5</a:t>
+                      </a:r>
+                      <a:endParaRPr lang="ru-RU" dirty="0"/>
+                    </a:p>
+                  </a:txBody>
+                  <a:tcPr/>
+                </a:tc>
+              </a:tr>
+            </a:tbl>
+          </a:graphicData>
+        </a:graphic>
+      </p:graphicFrame>
+    </p:spTree>
+    <p:extLst>
+      <p:ext uri="{BB962C8B-B14F-4D97-AF65-F5344CB8AC3E}">
+        <p14:creationId xmlns:p14="http://schemas.microsoft.com/office/powerpoint/2010/main" val="2921204027"/>
+      </p:ext>
+    </p:extLst>
+  </p:cSld>
+  <p:clrMapOvr>
+    <a:masterClrMapping/>
+  </p:clrMapOvr>
+</p:sld>
+</file>
+
+<file path=ppt/slides/slide25.xml><?xml version="1.0" encoding="utf-8"?>
+<p:sld xmlns:a="http://schemas.openxmlformats.org/drawingml/2006/main" xmlns:r="http://schemas.openxmlformats.org/officeDocument/2006/relationships" xmlns:p="http://schemas.openxmlformats.org/presentationml/2006/main">
+  <p:cSld>
+    <p:spTree>
+      <p:nvGrpSpPr>
+        <p:cNvPr id="1" name=""/>
+        <p:cNvGrpSpPr/>
+        <p:nvPr/>
+      </p:nvGrpSpPr>
+      <p:grpSpPr>
+        <a:xfrm>
+          <a:off x="0" y="0"/>
+          <a:ext cx="0" cy="0"/>
+          <a:chOff x="0" y="0"/>
+          <a:chExt cx="0" cy="0"/>
+        </a:xfrm>
+      </p:grpSpPr>
+      <p:sp>
+        <p:nvSpPr>
+          <p:cNvPr id="2" name="Заголовок 1"/>
+          <p:cNvSpPr>
+            <a:spLocks noGrp="1"/>
+          </p:cNvSpPr>
+          <p:nvPr>
+            <p:ph type="title"/>
+          </p:nvPr>
+        </p:nvSpPr>
+        <p:spPr/>
+        <p:txBody>
+          <a:bodyPr>
+            <a:normAutofit fontScale="90000"/>
+          </a:bodyPr>
+          <a:lstStyle/>
+          <a:p>
+            <a:r>
+              <a:rPr lang="ru-RU" dirty="0" smtClean="0"/>
+              <a:t>Со употребление </a:t>
+            </a:r>
+            <a:r>
+              <a:rPr lang="ru-RU" dirty="0" smtClean="0"/>
+              <a:t>интересных слов</a:t>
+            </a:r>
+            <a:endParaRPr lang="ru-RU" dirty="0"/>
+          </a:p>
+        </p:txBody>
+      </p:sp>
+      <p:sp>
+        <p:nvSpPr>
+          <p:cNvPr id="3" name="Объект 2"/>
+          <p:cNvSpPr>
+            <a:spLocks noGrp="1"/>
+          </p:cNvSpPr>
+          <p:nvPr>
+            <p:ph idx="1"/>
+          </p:nvPr>
+        </p:nvSpPr>
+        <p:spPr/>
+        <p:txBody>
+          <a:bodyPr/>
+          <a:lstStyle/>
+          <a:p>
+            <a:r>
+              <a:rPr lang="ru-RU" dirty="0" smtClean="0"/>
+              <a:t>Россия</a:t>
+            </a:r>
+          </a:p>
+          <a:p>
+            <a:r>
+              <a:rPr lang="ru-RU" dirty="0" smtClean="0"/>
+              <a:t>Нефть</a:t>
+            </a:r>
+          </a:p>
+          <a:p>
+            <a:r>
+              <a:rPr lang="ru-RU" dirty="0" smtClean="0"/>
+              <a:t>Курс</a:t>
+            </a:r>
+          </a:p>
+          <a:p>
+            <a:r>
+              <a:rPr lang="ru-RU" dirty="0" smtClean="0"/>
+              <a:t>Украина</a:t>
+            </a:r>
+            <a:endParaRPr lang="ru-RU" dirty="0"/>
+          </a:p>
+        </p:txBody>
+      </p:sp>
+    </p:spTree>
+    <p:extLst>
+      <p:ext uri="{BB962C8B-B14F-4D97-AF65-F5344CB8AC3E}">
+        <p14:creationId xmlns:p14="http://schemas.microsoft.com/office/powerpoint/2010/main" val="1174191624"/>
+      </p:ext>
+    </p:extLst>
+  </p:cSld>
+  <p:clrMapOvr>
+    <a:masterClrMapping/>
+  </p:clrMapOvr>
+  <p:timing>
+    <p:tnLst>
+      <p:par>
+        <p:cTn id="1" dur="indefinite" restart="never" nodeType="tmRoot"/>
+      </p:par>
+    </p:tnLst>
+  </p:timing>
+</p:sld>
+</file>
+
+<file path=ppt/slides/slide26.xml><?xml version="1.0" encoding="utf-8"?>
+<p:sld xmlns:a="http://schemas.openxmlformats.org/drawingml/2006/main" xmlns:r="http://schemas.openxmlformats.org/officeDocument/2006/relationships" xmlns:p="http://schemas.openxmlformats.org/presentationml/2006/main">
+  <p:cSld>
+    <p:spTree>
+      <p:nvGrpSpPr>
+        <p:cNvPr id="1" name=""/>
+        <p:cNvGrpSpPr/>
+        <p:nvPr/>
+      </p:nvGrpSpPr>
+      <p:grpSpPr>
+        <a:xfrm>
+          <a:off x="0" y="0"/>
+          <a:ext cx="0" cy="0"/>
+          <a:chOff x="0" y="0"/>
+          <a:chExt cx="0" cy="0"/>
+        </a:xfrm>
+      </p:grpSpPr>
+      <p:sp>
+        <p:nvSpPr>
+          <p:cNvPr id="2" name="Заголовок 1"/>
+          <p:cNvSpPr>
+            <a:spLocks noGrp="1"/>
+          </p:cNvSpPr>
+          <p:nvPr>
+            <p:ph type="title"/>
+          </p:nvPr>
+        </p:nvSpPr>
+        <p:spPr/>
+        <p:txBody>
+          <a:bodyPr>
+            <a:normAutofit fontScale="90000"/>
+          </a:bodyPr>
+          <a:lstStyle/>
+          <a:p>
+            <a:r>
+              <a:rPr lang="ru-RU" dirty="0" smtClean="0"/>
+              <a:t>Со употребление </a:t>
+            </a:r>
+            <a:r>
+              <a:rPr lang="ru-RU" dirty="0"/>
+              <a:t>интересных биграмм</a:t>
+            </a:r>
+            <a:endParaRPr lang="ru-RU" dirty="0"/>
+          </a:p>
+        </p:txBody>
+      </p:sp>
+      <p:sp>
+        <p:nvSpPr>
+          <p:cNvPr id="3" name="Объект 2"/>
+          <p:cNvSpPr>
+            <a:spLocks noGrp="1"/>
+          </p:cNvSpPr>
+          <p:nvPr>
+            <p:ph idx="1"/>
+          </p:nvPr>
+        </p:nvSpPr>
+        <p:spPr/>
+        <p:txBody>
+          <a:bodyPr/>
+          <a:lstStyle/>
+          <a:p>
+            <a:r>
+              <a:rPr lang="ru-RU" dirty="0" smtClean="0"/>
+              <a:t>Владимир Путин</a:t>
+            </a:r>
+            <a:endParaRPr lang="ru-RU" dirty="0"/>
+          </a:p>
+        </p:txBody>
+      </p:sp>
+    </p:spTree>
+    <p:extLst>
+      <p:ext uri="{BB962C8B-B14F-4D97-AF65-F5344CB8AC3E}">
+        <p14:creationId xmlns:p14="http://schemas.microsoft.com/office/powerpoint/2010/main" val="1352995081"/>
+      </p:ext>
+    </p:extLst>
+  </p:cSld>
+  <p:clrMapOvr>
+    <a:masterClrMapping/>
+  </p:clrMapOvr>
+</p:sld>
+</file>
+
+<file path=ppt/slides/slide27.xml><?xml version="1.0" encoding="utf-8"?>
+<p:sld xmlns:a="http://schemas.openxmlformats.org/drawingml/2006/main" xmlns:r="http://schemas.openxmlformats.org/officeDocument/2006/relationships" xmlns:p="http://schemas.openxmlformats.org/presentationml/2006/main">
+  <p:cSld>
+    <p:spTree>
+      <p:nvGrpSpPr>
+        <p:cNvPr id="1" name=""/>
+        <p:cNvGrpSpPr/>
+        <p:nvPr/>
+      </p:nvGrpSpPr>
+      <p:grpSpPr>
+        <a:xfrm>
+          <a:off x="0" y="0"/>
+          <a:ext cx="0" cy="0"/>
+          <a:chOff x="0" y="0"/>
+          <a:chExt cx="0" cy="0"/>
+        </a:xfrm>
+      </p:grpSpPr>
+      <p:sp>
+        <p:nvSpPr>
+          <p:cNvPr id="2" name="Заголовок 1"/>
+          <p:cNvSpPr>
+            <a:spLocks noGrp="1"/>
+          </p:cNvSpPr>
+          <p:nvPr>
+            <p:ph type="title"/>
+          </p:nvPr>
+        </p:nvSpPr>
+        <p:spPr/>
+        <p:txBody>
+          <a:bodyPr>
+            <a:normAutofit fontScale="90000"/>
+          </a:bodyPr>
+          <a:lstStyle/>
+          <a:p>
+            <a:r>
+              <a:rPr lang="ru-RU" dirty="0" smtClean="0"/>
+              <a:t>Анализ </a:t>
+            </a:r>
+            <a:r>
+              <a:rPr lang="ru-RU" dirty="0" smtClean="0"/>
+              <a:t>тональности. Самый позитивный текст</a:t>
+            </a:r>
+            <a:endParaRPr lang="ru-RU" dirty="0"/>
+          </a:p>
+        </p:txBody>
+      </p:sp>
+      <p:sp>
+        <p:nvSpPr>
+          <p:cNvPr id="3" name="Объект 2"/>
+          <p:cNvSpPr>
+            <a:spLocks noGrp="1"/>
+          </p:cNvSpPr>
+          <p:nvPr>
+            <p:ph idx="1"/>
+          </p:nvPr>
+        </p:nvSpPr>
+        <p:spPr/>
+        <p:txBody>
+          <a:bodyPr>
+            <a:normAutofit fontScale="55000" lnSpcReduction="20000"/>
+          </a:bodyPr>
+          <a:lstStyle/>
+          <a:p>
+            <a:r>
+              <a:rPr lang="ru-RU" dirty="0"/>
+              <a:t>Российская газета </a:t>
+            </a:r>
+            <a:r>
+              <a:rPr lang="ru-RU" dirty="0" smtClean="0"/>
+              <a:t>2016; 0.965347</a:t>
+            </a:r>
+          </a:p>
+          <a:p>
+            <a:pPr marL="0" indent="0">
+              <a:buNone/>
+            </a:pPr>
+            <a:endParaRPr lang="ru-RU" dirty="0" smtClean="0"/>
+          </a:p>
+          <a:p>
+            <a:pPr marL="0" indent="0">
+              <a:buNone/>
+            </a:pPr>
+            <a:r>
+              <a:rPr lang="ru-RU" dirty="0" smtClean="0"/>
+              <a:t>Сегодня в Брюсселе соберутся главы МИД 28 стран-членов ЕС на первое в этом году заседание. На повестке - реформы на Украине, а также ситуация в Ираке и Сирии. Как ожидается, главы МИД без обсуждения примут итоговые заявления по мирному процессу на Ближнем Востоке и политическому урегулированию в Ливии. "Совет обсудит ситуацию на Украине, но сосредоточится только на процессе проведения реформ в стране. Министры будут обмениваться мнениями о том, как ЕС может лучше всего поддержать этот процесс после начала с 1 января предварительного применения торговой части Соглашения об ассоциации", - цитирует ТАСС высокопоставленного дипломата в Брюсселе. При этом он подчеркнул, что вопрос об отмене визового режима для Украины на этой встрече обсуждаться не будет. В центре внимания министров иностранных дел окажется ситуация в Сирии. Напомним, что 25 января в Женеве должны состояться первые переговоры между представителями оппозиции и правительства Сирии. "Датой запуска переговоров остается 25 января. У нас не было никаких указаний о том, что они будут отложены", - подчеркнул источник. Министры также обсудят дипломатический конфликт между Саудовской Аравией и Ираном и террористическую угрозу на Ближнем Востоке.</a:t>
+            </a:r>
+          </a:p>
+          <a:p>
+            <a:endParaRPr lang="ru-RU" dirty="0"/>
+          </a:p>
+          <a:p>
+            <a:endParaRPr lang="ru-RU" dirty="0"/>
+          </a:p>
+        </p:txBody>
+      </p:sp>
+    </p:spTree>
+    <p:extLst>
+      <p:ext uri="{BB962C8B-B14F-4D97-AF65-F5344CB8AC3E}">
+        <p14:creationId xmlns:p14="http://schemas.microsoft.com/office/powerpoint/2010/main" val="1067374910"/>
+      </p:ext>
+    </p:extLst>
+  </p:cSld>
+  <p:clrMapOvr>
+    <a:masterClrMapping/>
+  </p:clrMapOvr>
+</p:sld>
+</file>
+
+<file path=ppt/slides/slide28.xml><?xml version="1.0" encoding="utf-8"?>
+<p:sld xmlns:a="http://schemas.openxmlformats.org/drawingml/2006/main" xmlns:r="http://schemas.openxmlformats.org/officeDocument/2006/relationships" xmlns:p="http://schemas.openxmlformats.org/presentationml/2006/main">
+  <p:cSld>
+    <p:spTree>
+      <p:nvGrpSpPr>
+        <p:cNvPr id="1" name=""/>
+        <p:cNvGrpSpPr/>
+        <p:nvPr/>
+      </p:nvGrpSpPr>
+      <p:grpSpPr>
+        <a:xfrm>
+          <a:off x="0" y="0"/>
+          <a:ext cx="0" cy="0"/>
+          <a:chOff x="0" y="0"/>
+          <a:chExt cx="0" cy="0"/>
+        </a:xfrm>
+      </p:grpSpPr>
+      <p:sp>
+        <p:nvSpPr>
+          <p:cNvPr id="2" name="Заголовок 1"/>
+          <p:cNvSpPr>
+            <a:spLocks noGrp="1"/>
+          </p:cNvSpPr>
+          <p:nvPr>
+            <p:ph type="title"/>
+          </p:nvPr>
+        </p:nvSpPr>
+        <p:spPr/>
+        <p:txBody>
+          <a:bodyPr>
+            <a:normAutofit fontScale="90000"/>
+          </a:bodyPr>
+          <a:lstStyle/>
+          <a:p>
+            <a:r>
+              <a:rPr lang="ru-RU" dirty="0" smtClean="0"/>
+              <a:t>Анализ </a:t>
+            </a:r>
+            <a:r>
+              <a:rPr lang="ru-RU" dirty="0" smtClean="0"/>
+              <a:t>тональности. Самый негативный текст</a:t>
+            </a:r>
+            <a:endParaRPr lang="ru-RU" dirty="0"/>
+          </a:p>
+        </p:txBody>
+      </p:sp>
+      <p:sp>
+        <p:nvSpPr>
+          <p:cNvPr id="3" name="Объект 2"/>
+          <p:cNvSpPr>
+            <a:spLocks noGrp="1"/>
+          </p:cNvSpPr>
+          <p:nvPr>
+            <p:ph idx="1"/>
+          </p:nvPr>
+        </p:nvSpPr>
+        <p:spPr>
+          <a:xfrm>
+            <a:off x="457200" y="1600200"/>
+            <a:ext cx="8229600" cy="5141168"/>
+          </a:xfrm>
+        </p:spPr>
+        <p:txBody>
+          <a:bodyPr>
+            <a:normAutofit fontScale="40000" lnSpcReduction="20000"/>
+          </a:bodyPr>
+          <a:lstStyle/>
+          <a:p>
+            <a:r>
+              <a:rPr lang="ru-RU" sz="4500" dirty="0"/>
+              <a:t>Российская газета </a:t>
+            </a:r>
+            <a:r>
+              <a:rPr lang="ru-RU" sz="4500" dirty="0" smtClean="0"/>
+              <a:t>2016; -0.778091</a:t>
+            </a:r>
+          </a:p>
+          <a:p>
+            <a:pPr marL="0" indent="0">
+              <a:buNone/>
+            </a:pPr>
+            <a:r>
+              <a:rPr lang="ru-RU" sz="4000" dirty="0"/>
+              <a:t>В составе Сухопутных войск в течение 2016 года будут сформированы 4 новых дивизии. Об этом сегодня рассказал главнокомандующий Сухопутными войсками генерал-полковник Олег </a:t>
+            </a:r>
+            <a:r>
+              <a:rPr lang="ru-RU" sz="4000" dirty="0" err="1" smtClean="0"/>
+              <a:t>Салюков</a:t>
+            </a:r>
+            <a:r>
+              <a:rPr lang="ru-RU" sz="4000" dirty="0" smtClean="0"/>
+              <a:t>. По </a:t>
+            </a:r>
+            <a:r>
+              <a:rPr lang="ru-RU" sz="4000" dirty="0"/>
+              <a:t>его словам, усилены будут группировки Вооруженных сил на западном и центральном направлениях. В 2016 году будут сформированы три дивизии на западном направлении и одна - на центральном</a:t>
+            </a:r>
+            <a:r>
+              <a:rPr lang="ru-RU" sz="4000" dirty="0" smtClean="0"/>
+              <a:t>. "</a:t>
+            </a:r>
+            <a:r>
+              <a:rPr lang="ru-RU" sz="4000" dirty="0"/>
+              <a:t>Формирование новых дивизий - это одна из мер в ответ на увеличение интенсивности учений стран НАТО, наблюдаемое в последнее время", - пояснил </a:t>
+            </a:r>
+            <a:r>
+              <a:rPr lang="ru-RU" sz="4000" dirty="0" smtClean="0"/>
+              <a:t>главком. По </a:t>
+            </a:r>
+            <a:r>
+              <a:rPr lang="ru-RU" sz="4000" dirty="0"/>
+              <a:t>данным Минобороны РФ, НАТО за последний год увеличила количество учений у границ России в полтора раза, а полеты разведывательной авиации - в девять </a:t>
+            </a:r>
+            <a:r>
+              <a:rPr lang="ru-RU" sz="4000" dirty="0" smtClean="0"/>
+              <a:t>раз. Генерал </a:t>
+            </a:r>
+            <a:r>
+              <a:rPr lang="ru-RU" sz="4000" dirty="0" err="1"/>
+              <a:t>Салюков</a:t>
+            </a:r>
+            <a:r>
+              <a:rPr lang="ru-RU" sz="4000" dirty="0"/>
+              <a:t> добавил, что новые дивизии будут формироваться не с чистого листа, а на базе уже существующих бригад. Эти подразделения укрупнят, "насытят" современной техникой - то есть, они получат все, что положено по штату мотострелковым </a:t>
+            </a:r>
+            <a:r>
+              <a:rPr lang="ru-RU" sz="4000" dirty="0" smtClean="0"/>
+              <a:t>дивизиям. Ранее </a:t>
+            </a:r>
+            <a:r>
+              <a:rPr lang="ru-RU" sz="4000" dirty="0"/>
+              <a:t>о том, что на западном направлении будут сформированы три новые дивизии заявлял глава Минобороны Сергей Шойгу. По его словам, для новых дивизий будет необходимо построить и оборудовать места постоянной дислокации: создать полигоны, места хранения техники, а также здания для проживания личного </a:t>
+            </a:r>
+            <a:r>
+              <a:rPr lang="ru-RU" sz="4000" dirty="0" smtClean="0"/>
+              <a:t>состава. Отметим </a:t>
+            </a:r>
+            <a:r>
+              <a:rPr lang="ru-RU" sz="4000" dirty="0"/>
+              <a:t>также, что накануне заместитель министра обороны Николай Панков заявил, что в российской армии не будет сокращен ни один военнослужащий. Грядущее 10-процентное сокращение рядов Вооруженных сил, по его словам, коснется только гражданских служащих. "Но у нас по ним приличный </a:t>
+            </a:r>
+            <a:r>
+              <a:rPr lang="ru-RU" sz="4000" dirty="0" err="1"/>
+              <a:t>вакант</a:t>
+            </a:r>
+            <a:r>
+              <a:rPr lang="ru-RU" sz="4000" dirty="0"/>
+              <a:t>, поэтому мы обойдемся вакантными должностями. Таким образом, ни один военнослужащий, никто из гражданского персонала лишь потому, что надо сократить, сокращен не будет", - пояснил армейский чиновник. </a:t>
+            </a:r>
+            <a:r>
+              <a:rPr lang="ru-RU" sz="4000" dirty="0" smtClean="0"/>
+              <a:t>По </a:t>
+            </a:r>
+            <a:r>
+              <a:rPr lang="ru-RU" sz="4000" dirty="0"/>
+              <a:t>словам Николая Панкова, вооруженным силам сейчас не до сокращений, наоборот, перед военным ведомством стоят "задачи созидательные". "Нам нужно создавать три дивизии, уже создана танковая армия на западном направлении", - подчеркнул замминистра.</a:t>
+            </a:r>
+            <a:endParaRPr lang="ru-RU" sz="4000" dirty="0"/>
+          </a:p>
+        </p:txBody>
+      </p:sp>
+    </p:spTree>
+    <p:extLst>
+      <p:ext uri="{BB962C8B-B14F-4D97-AF65-F5344CB8AC3E}">
+        <p14:creationId xmlns:p14="http://schemas.microsoft.com/office/powerpoint/2010/main" val="2248544812"/>
+      </p:ext>
+    </p:extLst>
+  </p:cSld>
+  <p:clrMapOvr>
+    <a:masterClrMapping/>
+  </p:clrMapOvr>
+</p:sld>
+</file>
+
+<file path=ppt/slides/slide29.xml><?xml version="1.0" encoding="utf-8"?>
+<p:sld xmlns:a="http://schemas.openxmlformats.org/drawingml/2006/main" xmlns:r="http://schemas.openxmlformats.org/officeDocument/2006/relationships" xmlns:p="http://schemas.openxmlformats.org/presentationml/2006/main">
+  <p:cSld>
+    <p:spTree>
+      <p:nvGrpSpPr>
+        <p:cNvPr id="1" name=""/>
+        <p:cNvGrpSpPr/>
+        <p:nvPr/>
+      </p:nvGrpSpPr>
+      <p:grpSpPr>
+        <a:xfrm>
+          <a:off x="0" y="0"/>
+          <a:ext cx="0" cy="0"/>
+          <a:chOff x="0" y="0"/>
+          <a:chExt cx="0" cy="0"/>
+        </a:xfrm>
+      </p:grpSpPr>
+      <p:sp>
+        <p:nvSpPr>
+          <p:cNvPr id="2" name="Заголовок 1"/>
+          <p:cNvSpPr>
+            <a:spLocks noGrp="1"/>
+          </p:cNvSpPr>
+          <p:nvPr>
+            <p:ph type="title"/>
+          </p:nvPr>
+        </p:nvSpPr>
+        <p:spPr/>
+        <p:txBody>
+          <a:bodyPr>
+            <a:noAutofit/>
+          </a:bodyPr>
+          <a:lstStyle/>
+          <a:p>
+            <a:r>
+              <a:rPr lang="ru-RU" sz="3600" dirty="0"/>
+              <a:t>Анализ </a:t>
+            </a:r>
+            <a:r>
+              <a:rPr lang="ru-RU" sz="3600" dirty="0" smtClean="0"/>
+              <a:t>тональности. Средние значения по всему временному промежутку.</a:t>
+            </a:r>
+            <a:endParaRPr lang="ru-RU" sz="3600" dirty="0"/>
+          </a:p>
+        </p:txBody>
+      </p:sp>
+      <p:sp>
+        <p:nvSpPr>
+          <p:cNvPr id="3" name="Объект 2"/>
+          <p:cNvSpPr>
+            <a:spLocks noGrp="1"/>
+          </p:cNvSpPr>
+          <p:nvPr>
+            <p:ph idx="1"/>
+          </p:nvPr>
+        </p:nvSpPr>
+        <p:spPr/>
+        <p:txBody>
+          <a:bodyPr/>
+          <a:lstStyle/>
+          <a:p>
+            <a:r>
+              <a:rPr lang="ru-RU" dirty="0" smtClean="0"/>
+              <a:t>Для всего </a:t>
+            </a:r>
+            <a:r>
+              <a:rPr lang="ru-RU" dirty="0"/>
+              <a:t>корпуса: </a:t>
+            </a:r>
+            <a:r>
+              <a:rPr lang="ru-RU" dirty="0" smtClean="0"/>
+              <a:t>0.191601 </a:t>
+            </a:r>
+          </a:p>
+          <a:p>
+            <a:r>
+              <a:rPr lang="ru-RU" dirty="0" smtClean="0"/>
+              <a:t>Для Новой </a:t>
+            </a:r>
+            <a:r>
+              <a:rPr lang="ru-RU" dirty="0"/>
+              <a:t>газеты: </a:t>
+            </a:r>
+            <a:r>
+              <a:rPr lang="ru-RU" dirty="0" smtClean="0"/>
+              <a:t>0,205255</a:t>
+            </a:r>
+          </a:p>
+          <a:p>
+            <a:r>
+              <a:rPr lang="ru-RU" dirty="0" smtClean="0"/>
+              <a:t>Для </a:t>
+            </a:r>
+            <a:r>
+              <a:rPr lang="ru-RU" dirty="0"/>
+              <a:t>Российской газеты: </a:t>
+            </a:r>
+            <a:r>
+              <a:rPr lang="ru-RU" dirty="0" smtClean="0"/>
+              <a:t>0,158656</a:t>
+            </a:r>
+            <a:endParaRPr lang="ru-RU" dirty="0"/>
+          </a:p>
+        </p:txBody>
+      </p:sp>
+    </p:spTree>
+    <p:extLst>
+      <p:ext uri="{BB962C8B-B14F-4D97-AF65-F5344CB8AC3E}">
+        <p14:creationId xmlns:p14="http://schemas.microsoft.com/office/powerpoint/2010/main" val="834361903"/>
+      </p:ext>
+    </p:extLst>
+  </p:cSld>
+  <p:clrMapOvr>
+    <a:masterClrMapping/>
+  </p:clrMapOvr>
 </p:sld>
 </file>
 
@@ -4033,14 +9274,347 @@
           <a:p>
             <a:r>
               <a:rPr lang="ru-RU" dirty="0" smtClean="0"/>
-              <a:t>Источники</a:t>
+              <a:t>Предполагаемые выводы</a:t>
             </a:r>
             <a:endParaRPr lang="ru-RU" dirty="0"/>
           </a:p>
         </p:txBody>
       </p:sp>
-      <mc:AlternateContent xmlns:mc="http://schemas.openxmlformats.org/markup-compatibility/2006">
-        <mc:Choice xmlns:a14="http://schemas.microsoft.com/office/drawing/2010/main" Requires="a14">
+      <p:sp>
+        <p:nvSpPr>
+          <p:cNvPr id="3" name="Объект 2"/>
+          <p:cNvSpPr>
+            <a:spLocks noGrp="1"/>
+          </p:cNvSpPr>
+          <p:nvPr>
+            <p:ph idx="1"/>
+          </p:nvPr>
+        </p:nvSpPr>
+        <p:spPr/>
+        <p:txBody>
+          <a:bodyPr/>
+          <a:lstStyle/>
+          <a:p>
+            <a:r>
+              <a:rPr lang="ru-RU" dirty="0" smtClean="0"/>
+              <a:t>Российская газета – официальная, формалистская, академичная. (Пишут о мире, в контексте России)</a:t>
+            </a:r>
+          </a:p>
+          <a:p>
+            <a:r>
+              <a:rPr lang="ru-RU" dirty="0" smtClean="0"/>
+              <a:t>Новая газета – более эмоциональная, менее академичная, проще язык. (Пишут о России)</a:t>
+            </a:r>
+          </a:p>
+          <a:p>
+            <a:r>
+              <a:rPr lang="ru-RU" dirty="0" smtClean="0"/>
+              <a:t>За время наблюдений – язык ближе к читателю.</a:t>
+            </a:r>
+            <a:endParaRPr lang="ru-RU" dirty="0"/>
+          </a:p>
+        </p:txBody>
+      </p:sp>
+    </p:spTree>
+    <p:extLst>
+      <p:ext uri="{BB962C8B-B14F-4D97-AF65-F5344CB8AC3E}">
+        <p14:creationId xmlns:p14="http://schemas.microsoft.com/office/powerpoint/2010/main" val="3479064881"/>
+      </p:ext>
+    </p:extLst>
+  </p:cSld>
+  <p:clrMapOvr>
+    <a:masterClrMapping/>
+  </p:clrMapOvr>
+</p:sld>
+</file>
+
+<file path=ppt/slides/slide30.xml><?xml version="1.0" encoding="utf-8"?>
+<p:sld xmlns:a="http://schemas.openxmlformats.org/drawingml/2006/main" xmlns:r="http://schemas.openxmlformats.org/officeDocument/2006/relationships" xmlns:p="http://schemas.openxmlformats.org/presentationml/2006/main">
+  <p:cSld>
+    <p:spTree>
+      <p:nvGrpSpPr>
+        <p:cNvPr id="1" name=""/>
+        <p:cNvGrpSpPr/>
+        <p:nvPr/>
+      </p:nvGrpSpPr>
+      <p:grpSpPr>
+        <a:xfrm>
+          <a:off x="0" y="0"/>
+          <a:ext cx="0" cy="0"/>
+          <a:chOff x="0" y="0"/>
+          <a:chExt cx="0" cy="0"/>
+        </a:xfrm>
+      </p:grpSpPr>
+      <p:sp>
+        <p:nvSpPr>
+          <p:cNvPr id="2" name="Заголовок 1"/>
+          <p:cNvSpPr>
+            <a:spLocks noGrp="1"/>
+          </p:cNvSpPr>
+          <p:nvPr>
+            <p:ph type="title"/>
+          </p:nvPr>
+        </p:nvSpPr>
+        <p:spPr/>
+        <p:txBody>
+          <a:bodyPr>
+            <a:normAutofit fontScale="90000"/>
+          </a:bodyPr>
+          <a:lstStyle/>
+          <a:p>
+            <a:r>
+              <a:rPr lang="ru-RU" dirty="0" smtClean="0"/>
+              <a:t>Анализ тональности. </a:t>
+            </a:r>
+            <a:r>
+              <a:rPr lang="ru-RU" dirty="0" smtClean="0"/>
+              <a:t>Изменение средней тональности</a:t>
+            </a:r>
+            <a:endParaRPr lang="ru-RU" dirty="0"/>
+          </a:p>
+        </p:txBody>
+      </p:sp>
+      <p:graphicFrame>
+        <p:nvGraphicFramePr>
+          <p:cNvPr id="5" name="Диаграмма 4"/>
+          <p:cNvGraphicFramePr>
+            <a:graphicFrameLocks/>
+          </p:cNvGraphicFramePr>
+          <p:nvPr>
+            <p:extLst>
+              <p:ext uri="{D42A27DB-BD31-4B8C-83A1-F6EECF244321}">
+                <p14:modId xmlns:p14="http://schemas.microsoft.com/office/powerpoint/2010/main" val="521772956"/>
+              </p:ext>
+            </p:extLst>
+          </p:nvPr>
+        </p:nvGraphicFramePr>
+        <p:xfrm>
+          <a:off x="395536" y="1556792"/>
+          <a:ext cx="8424936" cy="3672408"/>
+        </p:xfrm>
+        <a:graphic>
+          <a:graphicData uri="http://schemas.openxmlformats.org/drawingml/2006/chart">
+            <c:chart xmlns:c="http://schemas.openxmlformats.org/drawingml/2006/chart" xmlns:r="http://schemas.openxmlformats.org/officeDocument/2006/relationships" r:id="rId2"/>
+          </a:graphicData>
+        </a:graphic>
+      </p:graphicFrame>
+    </p:spTree>
+    <p:extLst>
+      <p:ext uri="{BB962C8B-B14F-4D97-AF65-F5344CB8AC3E}">
+        <p14:creationId xmlns:p14="http://schemas.microsoft.com/office/powerpoint/2010/main" val="163991811"/>
+      </p:ext>
+    </p:extLst>
+  </p:cSld>
+  <p:clrMapOvr>
+    <a:masterClrMapping/>
+  </p:clrMapOvr>
+</p:sld>
+</file>
+
+<file path=ppt/slides/slide31.xml><?xml version="1.0" encoding="utf-8"?>
+<p:sld xmlns:a="http://schemas.openxmlformats.org/drawingml/2006/main" xmlns:r="http://schemas.openxmlformats.org/officeDocument/2006/relationships" xmlns:p="http://schemas.openxmlformats.org/presentationml/2006/main">
+  <p:cSld>
+    <p:spTree>
+      <p:nvGrpSpPr>
+        <p:cNvPr id="1" name=""/>
+        <p:cNvGrpSpPr/>
+        <p:nvPr/>
+      </p:nvGrpSpPr>
+      <p:grpSpPr>
+        <a:xfrm>
+          <a:off x="0" y="0"/>
+          <a:ext cx="0" cy="0"/>
+          <a:chOff x="0" y="0"/>
+          <a:chExt cx="0" cy="0"/>
+        </a:xfrm>
+      </p:grpSpPr>
+      <p:sp>
+        <p:nvSpPr>
+          <p:cNvPr id="2" name="Заголовок 1"/>
+          <p:cNvSpPr>
+            <a:spLocks noGrp="1"/>
+          </p:cNvSpPr>
+          <p:nvPr>
+            <p:ph type="title"/>
+          </p:nvPr>
+        </p:nvSpPr>
+        <p:spPr/>
+        <p:txBody>
+          <a:bodyPr/>
+          <a:lstStyle/>
+          <a:p>
+            <a:r>
+              <a:rPr lang="ru-RU" dirty="0" smtClean="0"/>
+              <a:t>Выводы</a:t>
+            </a:r>
+            <a:endParaRPr lang="ru-RU" dirty="0"/>
+          </a:p>
+        </p:txBody>
+      </p:sp>
+      <p:sp>
+        <p:nvSpPr>
+          <p:cNvPr id="3" name="Объект 2"/>
+          <p:cNvSpPr>
+            <a:spLocks noGrp="1"/>
+          </p:cNvSpPr>
+          <p:nvPr>
+            <p:ph idx="1"/>
+          </p:nvPr>
+        </p:nvSpPr>
+        <p:spPr/>
+        <p:txBody>
+          <a:bodyPr>
+            <a:normAutofit fontScale="92500" lnSpcReduction="20000"/>
+          </a:bodyPr>
+          <a:lstStyle/>
+          <a:p>
+            <a:r>
+              <a:rPr lang="ru-RU" dirty="0" smtClean="0"/>
+              <a:t>Новая газета всегда содержала </a:t>
+            </a:r>
+            <a:r>
+              <a:rPr lang="ru-RU" smtClean="0"/>
+              <a:t>колонки с более </a:t>
+            </a:r>
+            <a:r>
+              <a:rPr lang="ru-RU" dirty="0" smtClean="0"/>
+              <a:t>простым и доступным языком, обсуждала более близкие </a:t>
+            </a:r>
+          </a:p>
+          <a:p>
+            <a:r>
+              <a:rPr lang="ru-RU" dirty="0" smtClean="0"/>
+              <a:t>В Российской газете по-прежнему более академична, но за исследуемый период стиль газеты изменился и она стала использовать более простой язык, в чем-то приблизилась к Новой газете.</a:t>
+            </a:r>
+          </a:p>
+          <a:p>
+            <a:r>
+              <a:rPr lang="ru-RU" dirty="0" smtClean="0"/>
+              <a:t>Выводы о том, что создали изучили и даже что-то подтвердили</a:t>
+            </a:r>
+          </a:p>
+          <a:p>
+            <a:r>
+              <a:rPr lang="ru-RU" dirty="0" smtClean="0"/>
+              <a:t>О ком пишут – написать ли вывод?</a:t>
+            </a:r>
+            <a:endParaRPr lang="ru-RU" dirty="0"/>
+          </a:p>
+        </p:txBody>
+      </p:sp>
+    </p:spTree>
+    <p:extLst>
+      <p:ext uri="{BB962C8B-B14F-4D97-AF65-F5344CB8AC3E}">
+        <p14:creationId xmlns:p14="http://schemas.microsoft.com/office/powerpoint/2010/main" val="797086439"/>
+      </p:ext>
+    </p:extLst>
+  </p:cSld>
+  <p:clrMapOvr>
+    <a:masterClrMapping/>
+  </p:clrMapOvr>
+</p:sld>
+</file>
+
+<file path=ppt/slides/slide32.xml><?xml version="1.0" encoding="utf-8"?>
+<p:sld xmlns:a="http://schemas.openxmlformats.org/drawingml/2006/main" xmlns:r="http://schemas.openxmlformats.org/officeDocument/2006/relationships" xmlns:p="http://schemas.openxmlformats.org/presentationml/2006/main">
+  <p:cSld>
+    <p:spTree>
+      <p:nvGrpSpPr>
+        <p:cNvPr id="1" name=""/>
+        <p:cNvGrpSpPr/>
+        <p:nvPr/>
+      </p:nvGrpSpPr>
+      <p:grpSpPr>
+        <a:xfrm>
+          <a:off x="0" y="0"/>
+          <a:ext cx="0" cy="0"/>
+          <a:chOff x="0" y="0"/>
+          <a:chExt cx="0" cy="0"/>
+        </a:xfrm>
+      </p:grpSpPr>
+      <p:sp>
+        <p:nvSpPr>
+          <p:cNvPr id="2" name="Заголовок 1"/>
+          <p:cNvSpPr>
+            <a:spLocks noGrp="1"/>
+          </p:cNvSpPr>
+          <p:nvPr>
+            <p:ph type="title"/>
+          </p:nvPr>
+        </p:nvSpPr>
+        <p:spPr>
+          <a:xfrm>
+            <a:off x="467544" y="2636912"/>
+            <a:ext cx="8229600" cy="1143000"/>
+          </a:xfrm>
+        </p:spPr>
+        <p:txBody>
+          <a:bodyPr/>
+          <a:lstStyle/>
+          <a:p>
+            <a:r>
+              <a:rPr lang="ru-RU" dirty="0" smtClean="0"/>
+              <a:t>Спасибо за внимание!</a:t>
+            </a:r>
+            <a:endParaRPr lang="ru-RU" dirty="0"/>
+          </a:p>
+        </p:txBody>
+      </p:sp>
+    </p:spTree>
+    <p:extLst>
+      <p:ext uri="{BB962C8B-B14F-4D97-AF65-F5344CB8AC3E}">
+        <p14:creationId xmlns:p14="http://schemas.microsoft.com/office/powerpoint/2010/main" val="1926792894"/>
+      </p:ext>
+    </p:extLst>
+  </p:cSld>
+  <p:clrMapOvr>
+    <a:masterClrMapping/>
+  </p:clrMapOvr>
+</p:sld>
+</file>
+
+<file path=ppt/slides/slide4.xml><?xml version="1.0" encoding="utf-8"?>
+<p:sld xmlns:a="http://schemas.openxmlformats.org/drawingml/2006/main" xmlns:r="http://schemas.openxmlformats.org/officeDocument/2006/relationships" xmlns:p="http://schemas.openxmlformats.org/presentationml/2006/main">
+  <p:cSld>
+    <p:spTree>
+      <p:nvGrpSpPr>
+        <p:cNvPr id="1" name=""/>
+        <p:cNvGrpSpPr/>
+        <p:nvPr/>
+      </p:nvGrpSpPr>
+      <p:grpSpPr>
+        <a:xfrm>
+          <a:off x="0" y="0"/>
+          <a:ext cx="0" cy="0"/>
+          <a:chOff x="0" y="0"/>
+          <a:chExt cx="0" cy="0"/>
+        </a:xfrm>
+      </p:grpSpPr>
+      <p:sp>
+        <p:nvSpPr>
+          <p:cNvPr id="2" name="Заголовок 1"/>
+          <p:cNvSpPr>
+            <a:spLocks noGrp="1"/>
+          </p:cNvSpPr>
+          <p:nvPr>
+            <p:ph type="title"/>
+          </p:nvPr>
+        </p:nvSpPr>
+        <p:spPr/>
+        <p:txBody>
+          <a:bodyPr/>
+          <a:lstStyle/>
+          <a:p>
+            <a:r>
+              <a:rPr lang="ru-RU" dirty="0" smtClean="0"/>
+              <a:t>Источники</a:t>
+            </a:r>
+            <a:endParaRPr lang="ru-RU" dirty="0"/>
+          </a:p>
+        </p:txBody>
+      </p:sp>
+      <mc:AlternateContent xmlns:mc="http://schemas.openxmlformats.org/markup-compatibility/2006" xmlns:a14="http://schemas.microsoft.com/office/drawing/2010/main">
+        <mc:Choice Requires="a14">
           <p:sp>
             <p:nvSpPr>
               <p:cNvPr id="3" name="Объект 2"/>
@@ -4169,7 +9743,7 @@
             </p:txBody>
           </p:sp>
         </mc:Choice>
-        <mc:Fallback>
+        <mc:Fallback xmlns="">
           <p:sp>
             <p:nvSpPr>
               <p:cNvPr id="3" name="Объект 2"/>
@@ -4203,8 +9777,8 @@
           </p:sp>
         </mc:Fallback>
       </mc:AlternateContent>
-      <mc:AlternateContent xmlns:mc="http://schemas.openxmlformats.org/markup-compatibility/2006">
-        <mc:Choice xmlns:a14="http://schemas.microsoft.com/office/drawing/2010/main" Requires="a14">
+      <mc:AlternateContent xmlns:mc="http://schemas.openxmlformats.org/markup-compatibility/2006" xmlns:a14="http://schemas.microsoft.com/office/drawing/2010/main">
+        <mc:Choice Requires="a14">
           <p:sp>
             <p:nvSpPr>
               <p:cNvPr id="4" name="Объект 2"/>
@@ -4378,18 +9952,24 @@
                     <m:sSup>
                       <m:sSupPr>
                         <m:ctrlPr>
-                          <a:rPr lang="ru-RU" sz="1600" i="1" smtClean="0"/>
+                          <a:rPr lang="ru-RU" sz="1600" i="1" smtClean="0">
+                            <a:latin typeface="Cambria Math"/>
+                          </a:rPr>
                         </m:ctrlPr>
                       </m:sSupPr>
                       <m:e>
                         <m:r>
-                          <a:rPr lang="ru-RU" sz="1600" b="0" i="1" smtClean="0"/>
+                          <a:rPr lang="ru-RU" sz="1600" b="0" i="1" smtClean="0">
+                            <a:latin typeface="Cambria Math"/>
+                          </a:rPr>
                           <m:t> </m:t>
                         </m:r>
                       </m:e>
                       <m:sup>
                         <m:r>
-                          <a:rPr lang="ru-RU" sz="1600" b="0" i="1" smtClean="0"/>
+                          <a:rPr lang="ru-RU" sz="1600" b="0" i="1" smtClean="0">
+                            <a:latin typeface="Cambria Math"/>
+                          </a:rPr>
                           <m:t>1</m:t>
                         </m:r>
                       </m:sup>
@@ -4544,18 +10124,24 @@
                     <m:sSup>
                       <m:sSupPr>
                         <m:ctrlPr>
-                          <a:rPr lang="ru-RU" sz="1600" smtClean="0"/>
+                          <a:rPr lang="ru-RU" sz="1600" i="1" smtClean="0">
+                            <a:latin typeface="Cambria Math"/>
+                          </a:rPr>
                         </m:ctrlPr>
                       </m:sSupPr>
                       <m:e>
                         <m:r>
-                          <a:rPr lang="ru-RU" sz="1600" b="0" i="0" smtClean="0"/>
+                          <a:rPr lang="ru-RU" sz="1600" b="0" i="0" smtClean="0">
+                            <a:latin typeface="Cambria Math"/>
+                          </a:rPr>
                           <m:t> </m:t>
                         </m:r>
                       </m:e>
                       <m:sup>
                         <m:r>
-                          <a:rPr lang="ru-RU" sz="1600" b="0" i="0" smtClean="0"/>
+                          <a:rPr lang="ru-RU" sz="1600" b="0" i="0" smtClean="0">
+                            <a:latin typeface="Cambria Math"/>
+                          </a:rPr>
                           <m:t>2</m:t>
                         </m:r>
                       </m:sup>
@@ -4589,18 +10175,24 @@
                     <m:sSup>
                       <m:sSupPr>
                         <m:ctrlPr>
-                          <a:rPr lang="ru-RU" sz="1600" smtClean="0"/>
+                          <a:rPr lang="ru-RU" sz="1600" i="1" smtClean="0">
+                            <a:latin typeface="Cambria Math"/>
+                          </a:rPr>
                         </m:ctrlPr>
                       </m:sSupPr>
                       <m:e>
                         <m:r>
-                          <a:rPr lang="ru-RU" sz="1600" b="0" i="0" smtClean="0"/>
+                          <a:rPr lang="ru-RU" sz="1600" b="0" i="0" smtClean="0">
+                            <a:latin typeface="Cambria Math"/>
+                          </a:rPr>
                           <m:t> </m:t>
                         </m:r>
                       </m:e>
                       <m:sup>
                         <m:r>
-                          <a:rPr lang="ru-RU" sz="1600" b="0" i="0" smtClean="0"/>
+                          <a:rPr lang="ru-RU" sz="1600" b="0" i="0" smtClean="0">
+                            <a:latin typeface="Cambria Math"/>
+                          </a:rPr>
                           <m:t>3</m:t>
                         </m:r>
                       </m:sup>
@@ -4628,7 +10220,7 @@
             </p:txBody>
           </p:sp>
         </mc:Choice>
-        <mc:Fallback>
+        <mc:Fallback xmlns="">
           <p:sp>
             <p:nvSpPr>
               <p:cNvPr id="4" name="Объект 2"/>
@@ -4687,136 +10279,6 @@
 </p:sld>
 </file>
 
-<file path=ppt/slides/slide4.xml><?xml version="1.0" encoding="utf-8"?>
-<p:sld xmlns:a="http://schemas.openxmlformats.org/drawingml/2006/main" xmlns:r="http://schemas.openxmlformats.org/officeDocument/2006/relationships" xmlns:p="http://schemas.openxmlformats.org/presentationml/2006/main">
-  <p:cSld>
-    <p:spTree>
-      <p:nvGrpSpPr>
-        <p:cNvPr id="1" name=""/>
-        <p:cNvGrpSpPr/>
-        <p:nvPr/>
-      </p:nvGrpSpPr>
-      <p:grpSpPr>
-        <a:xfrm>
-          <a:off x="0" y="0"/>
-          <a:ext cx="0" cy="0"/>
-          <a:chOff x="0" y="0"/>
-          <a:chExt cx="0" cy="0"/>
-        </a:xfrm>
-      </p:grpSpPr>
-      <p:sp>
-        <p:nvSpPr>
-          <p:cNvPr id="2" name="Заголовок 1"/>
-          <p:cNvSpPr>
-            <a:spLocks noGrp="1"/>
-          </p:cNvSpPr>
-          <p:nvPr>
-            <p:ph type="title"/>
-          </p:nvPr>
-        </p:nvSpPr>
-        <p:spPr/>
-        <p:txBody>
-          <a:bodyPr/>
-          <a:lstStyle/>
-          <a:p>
-            <a:r>
-              <a:rPr lang="ru-RU" dirty="0" smtClean="0"/>
-              <a:t>Методика отбора текстов</a:t>
-            </a:r>
-            <a:endParaRPr lang="ru-RU" dirty="0"/>
-          </a:p>
-        </p:txBody>
-      </p:sp>
-      <p:sp>
-        <p:nvSpPr>
-          <p:cNvPr id="3" name="Объект 2"/>
-          <p:cNvSpPr>
-            <a:spLocks noGrp="1"/>
-          </p:cNvSpPr>
-          <p:nvPr>
-            <p:ph idx="1"/>
-          </p:nvPr>
-        </p:nvSpPr>
-        <p:spPr/>
-        <p:txBody>
-          <a:bodyPr/>
-          <a:lstStyle/>
-          <a:p>
-            <a:r>
-              <a:rPr lang="ru-RU" sz="3600" dirty="0" smtClean="0"/>
-              <a:t>Авторство</a:t>
-            </a:r>
-          </a:p>
-          <a:p>
-            <a:pPr>
-              <a:buFont typeface="Wingdings" panose="05000000000000000000" pitchFamily="2" charset="2"/>
-              <a:buChar char="Ø"/>
-            </a:pPr>
-            <a:r>
-              <a:rPr lang="ru-RU" sz="2400" dirty="0" smtClean="0"/>
-              <a:t>Статьи только журналистов изучаемых газеты</a:t>
-            </a:r>
-          </a:p>
-          <a:p>
-            <a:endParaRPr lang="ru-RU" dirty="0" smtClean="0"/>
-          </a:p>
-          <a:p>
-            <a:r>
-              <a:rPr lang="ru-RU" sz="3600" dirty="0" smtClean="0"/>
-              <a:t>Тематика</a:t>
-            </a:r>
-          </a:p>
-          <a:p>
-            <a:pPr>
-              <a:buFont typeface="Wingdings" panose="05000000000000000000" pitchFamily="2" charset="2"/>
-              <a:buChar char="Ø"/>
-            </a:pPr>
-            <a:r>
-              <a:rPr lang="ru-RU" sz="2400" dirty="0" smtClean="0"/>
-              <a:t>Отбор статей освещающих некое реальное событие</a:t>
-            </a:r>
-          </a:p>
-          <a:p>
-            <a:pPr>
-              <a:buFont typeface="Wingdings" panose="05000000000000000000" pitchFamily="2" charset="2"/>
-              <a:buChar char="Ø"/>
-            </a:pPr>
-            <a:r>
-              <a:rPr lang="ru-RU" sz="2400" dirty="0" smtClean="0"/>
-              <a:t>Отсеивались интервью, тексты законов, развлекательные статьи.</a:t>
-            </a:r>
-          </a:p>
-          <a:p>
-            <a:pPr marL="0" indent="0">
-              <a:buNone/>
-            </a:pPr>
-            <a:endParaRPr lang="ru-RU" dirty="0" smtClean="0"/>
-          </a:p>
-          <a:p>
-            <a:endParaRPr lang="ru-RU" dirty="0"/>
-          </a:p>
-        </p:txBody>
-      </p:sp>
-    </p:spTree>
-    <p:extLst>
-      <p:ext uri="{BB962C8B-B14F-4D97-AF65-F5344CB8AC3E}">
-        <p14:creationId xmlns:p14="http://schemas.microsoft.com/office/powerpoint/2010/main" val="2396961979"/>
-      </p:ext>
-    </p:extLst>
-  </p:cSld>
-  <p:clrMapOvr>
-    <a:masterClrMapping/>
-  </p:clrMapOvr>
-  <p:timing>
-    <p:tnLst>
-      <p:par>
-        <p:cTn id="1" dur="indefinite" restart="never" nodeType="tmRoot"/>
-      </p:par>
-    </p:tnLst>
-  </p:timing>
-</p:sld>
-</file>
-
 <file path=ppt/slides/slide5.xml><?xml version="1.0" encoding="utf-8"?>
 <p:sld xmlns:a="http://schemas.openxmlformats.org/drawingml/2006/main" xmlns:r="http://schemas.openxmlformats.org/officeDocument/2006/relationships" xmlns:p="http://schemas.openxmlformats.org/presentationml/2006/main">
   <p:cSld>
@@ -4851,18 +10313,148 @@
           <a:p>
             <a:r>
               <a:rPr lang="ru-RU" dirty="0" smtClean="0"/>
-              <a:t>Описание </a:t>
-            </a:r>
-            <a:r>
-              <a:rPr lang="ru-RU" dirty="0" err="1" smtClean="0"/>
-              <a:t>метаразметки</a:t>
+              <a:t>Методика отбора текстов</a:t>
             </a:r>
             <a:endParaRPr lang="ru-RU" dirty="0"/>
           </a:p>
         </p:txBody>
       </p:sp>
-      <mc:AlternateContent xmlns:mc="http://schemas.openxmlformats.org/markup-compatibility/2006">
-        <mc:Choice xmlns:a14="http://schemas.microsoft.com/office/drawing/2010/main" Requires="a14">
+      <p:sp>
+        <p:nvSpPr>
+          <p:cNvPr id="3" name="Объект 2"/>
+          <p:cNvSpPr>
+            <a:spLocks noGrp="1"/>
+          </p:cNvSpPr>
+          <p:nvPr>
+            <p:ph idx="1"/>
+          </p:nvPr>
+        </p:nvSpPr>
+        <p:spPr/>
+        <p:txBody>
+          <a:bodyPr/>
+          <a:lstStyle/>
+          <a:p>
+            <a:r>
+              <a:rPr lang="ru-RU" sz="3600" dirty="0" smtClean="0"/>
+              <a:t>Авторство</a:t>
+            </a:r>
+          </a:p>
+          <a:p>
+            <a:pPr>
+              <a:buFont typeface="Wingdings" panose="05000000000000000000" pitchFamily="2" charset="2"/>
+              <a:buChar char="Ø"/>
+            </a:pPr>
+            <a:r>
+              <a:rPr lang="ru-RU" sz="2400" dirty="0" smtClean="0"/>
+              <a:t>Статьи только журналистов изучаемых газеты</a:t>
+            </a:r>
+          </a:p>
+          <a:p>
+            <a:endParaRPr lang="ru-RU" dirty="0" smtClean="0"/>
+          </a:p>
+          <a:p>
+            <a:r>
+              <a:rPr lang="ru-RU" sz="3600" dirty="0" smtClean="0"/>
+              <a:t>Тематика</a:t>
+            </a:r>
+          </a:p>
+          <a:p>
+            <a:pPr>
+              <a:buFont typeface="Wingdings" panose="05000000000000000000" pitchFamily="2" charset="2"/>
+              <a:buChar char="Ø"/>
+            </a:pPr>
+            <a:r>
+              <a:rPr lang="ru-RU" sz="2400" dirty="0" smtClean="0"/>
+              <a:t>Отбор статей освещающих некое реальное событие</a:t>
+            </a:r>
+          </a:p>
+          <a:p>
+            <a:pPr>
+              <a:buFont typeface="Wingdings" panose="05000000000000000000" pitchFamily="2" charset="2"/>
+              <a:buChar char="Ø"/>
+            </a:pPr>
+            <a:r>
+              <a:rPr lang="ru-RU" sz="2400" dirty="0" smtClean="0"/>
+              <a:t>Отсеивались интервью, тексты законов, развлекательные статьи.</a:t>
+            </a:r>
+          </a:p>
+          <a:p>
+            <a:pPr marL="0" indent="0">
+              <a:buNone/>
+            </a:pPr>
+            <a:endParaRPr lang="ru-RU" dirty="0" smtClean="0"/>
+          </a:p>
+          <a:p>
+            <a:endParaRPr lang="ru-RU" dirty="0"/>
+          </a:p>
+        </p:txBody>
+      </p:sp>
+    </p:spTree>
+    <p:extLst>
+      <p:ext uri="{BB962C8B-B14F-4D97-AF65-F5344CB8AC3E}">
+        <p14:creationId xmlns:p14="http://schemas.microsoft.com/office/powerpoint/2010/main" val="2396961979"/>
+      </p:ext>
+    </p:extLst>
+  </p:cSld>
+  <p:clrMapOvr>
+    <a:masterClrMapping/>
+  </p:clrMapOvr>
+  <p:timing>
+    <p:tnLst>
+      <p:par>
+        <p:cTn id="1" dur="indefinite" restart="never" nodeType="tmRoot"/>
+      </p:par>
+    </p:tnLst>
+  </p:timing>
+</p:sld>
+</file>
+
+<file path=ppt/slides/slide6.xml><?xml version="1.0" encoding="utf-8"?>
+<p:sld xmlns:a="http://schemas.openxmlformats.org/drawingml/2006/main" xmlns:r="http://schemas.openxmlformats.org/officeDocument/2006/relationships" xmlns:p="http://schemas.openxmlformats.org/presentationml/2006/main">
+  <p:cSld>
+    <p:spTree>
+      <p:nvGrpSpPr>
+        <p:cNvPr id="1" name=""/>
+        <p:cNvGrpSpPr/>
+        <p:nvPr/>
+      </p:nvGrpSpPr>
+      <p:grpSpPr>
+        <a:xfrm>
+          <a:off x="0" y="0"/>
+          <a:ext cx="0" cy="0"/>
+          <a:chOff x="0" y="0"/>
+          <a:chExt cx="0" cy="0"/>
+        </a:xfrm>
+      </p:grpSpPr>
+      <p:sp>
+        <p:nvSpPr>
+          <p:cNvPr id="2" name="Заголовок 1"/>
+          <p:cNvSpPr>
+            <a:spLocks noGrp="1"/>
+          </p:cNvSpPr>
+          <p:nvPr>
+            <p:ph type="title"/>
+          </p:nvPr>
+        </p:nvSpPr>
+        <p:spPr/>
+        <p:txBody>
+          <a:bodyPr/>
+          <a:lstStyle/>
+          <a:p>
+            <a:r>
+              <a:rPr lang="ru-RU" dirty="0" smtClean="0"/>
+              <a:t>Характеристика </a:t>
+            </a:r>
+            <a:r>
+              <a:rPr lang="ru-RU" dirty="0" smtClean="0"/>
+              <a:t>корпуса</a:t>
+            </a:r>
+            <a:endParaRPr lang="ru-RU" dirty="0"/>
+          </a:p>
+        </p:txBody>
+      </p:sp>
+      <mc:AlternateContent xmlns:mc="http://schemas.openxmlformats.org/markup-compatibility/2006" xmlns:a14="http://schemas.microsoft.com/office/drawing/2010/main">
+        <mc:Choice Requires="a14">
           <p:sp>
             <p:nvSpPr>
               <p:cNvPr id="10" name="Объект 9"/>
@@ -4893,18 +10485,24 @@
                     <m:sSup>
                       <m:sSupPr>
                         <m:ctrlPr>
-                          <a:rPr lang="ru-RU" sz="1600" i="1" smtClean="0"/>
+                          <a:rPr lang="ru-RU" sz="1600" i="1" smtClean="0">
+                            <a:latin typeface="Cambria Math"/>
+                          </a:rPr>
                         </m:ctrlPr>
                       </m:sSupPr>
                       <m:e>
                         <m:r>
-                          <a:rPr lang="ru-RU" sz="1600" b="0" i="1" smtClean="0"/>
+                          <a:rPr lang="ru-RU" sz="1600" b="0" i="1" smtClean="0">
+                            <a:latin typeface="Cambria Math"/>
+                          </a:rPr>
                           <m:t> </m:t>
                         </m:r>
                       </m:e>
                       <m:sup>
                         <m:r>
-                          <a:rPr lang="ru-RU" sz="1600" b="0" i="1" smtClean="0"/>
+                          <a:rPr lang="ru-RU" sz="1600" b="0" i="1" smtClean="0">
+                            <a:latin typeface="Cambria Math"/>
+                          </a:rPr>
                           <m:t>1</m:t>
                         </m:r>
                       </m:sup>
@@ -4924,7 +10522,7 @@
             </p:txBody>
           </p:sp>
         </mc:Choice>
-        <mc:Fallback>
+        <mc:Fallback xmlns="">
           <p:sp>
             <p:nvSpPr>
               <p:cNvPr id="10" name="Объект 9"/>
@@ -4962,8 +10560,8 @@
           </p:sp>
         </mc:Fallback>
       </mc:AlternateContent>
-      <mc:AlternateContent xmlns:mc="http://schemas.openxmlformats.org/markup-compatibility/2006">
-        <mc:Choice xmlns:a14="http://schemas.microsoft.com/office/drawing/2010/main" Requires="a14">
+      <mc:AlternateContent xmlns:mc="http://schemas.openxmlformats.org/markup-compatibility/2006" xmlns:a14="http://schemas.microsoft.com/office/drawing/2010/main">
+        <mc:Choice Requires="a14">
           <p:graphicFrame>
             <p:nvGraphicFramePr>
               <p:cNvPr id="12" name="Таблица 11"/>
@@ -5570,7 +11168,7 @@
             </a:graphic>
           </p:graphicFrame>
         </mc:Choice>
-        <mc:Fallback>
+        <mc:Fallback xmlns="">
           <p:graphicFrame>
             <p:nvGraphicFramePr>
               <p:cNvPr id="12" name="Таблица 11"/>
@@ -6159,327 +11757,6 @@
 </p:sld>
 </file>
 
-<file path=ppt/slides/slide6.xml><?xml version="1.0" encoding="utf-8"?>
-<p:sld xmlns:a="http://schemas.openxmlformats.org/drawingml/2006/main" xmlns:r="http://schemas.openxmlformats.org/officeDocument/2006/relationships" xmlns:p="http://schemas.openxmlformats.org/presentationml/2006/main">
-  <p:cSld>
-    <p:spTree>
-      <p:nvGrpSpPr>
-        <p:cNvPr id="1" name=""/>
-        <p:cNvGrpSpPr/>
-        <p:nvPr/>
-      </p:nvGrpSpPr>
-      <p:grpSpPr>
-        <a:xfrm>
-          <a:off x="0" y="0"/>
-          <a:ext cx="0" cy="0"/>
-          <a:chOff x="0" y="0"/>
-          <a:chExt cx="0" cy="0"/>
-        </a:xfrm>
-      </p:grpSpPr>
-      <p:sp>
-        <p:nvSpPr>
-          <p:cNvPr id="2" name="Заголовок 1"/>
-          <p:cNvSpPr>
-            <a:spLocks noGrp="1"/>
-          </p:cNvSpPr>
-          <p:nvPr>
-            <p:ph type="title"/>
-          </p:nvPr>
-        </p:nvSpPr>
-        <p:spPr/>
-        <p:txBody>
-          <a:bodyPr>
-            <a:normAutofit/>
-          </a:bodyPr>
-          <a:lstStyle/>
-          <a:p>
-            <a:r>
-              <a:rPr lang="ru-RU" dirty="0" smtClean="0"/>
-              <a:t>Частотность слов</a:t>
-            </a:r>
-            <a:endParaRPr lang="ru-RU" dirty="0"/>
-          </a:p>
-        </p:txBody>
-      </p:sp>
-      <p:graphicFrame>
-        <p:nvGraphicFramePr>
-          <p:cNvPr id="4" name="Объект 3"/>
-          <p:cNvGraphicFramePr>
-            <a:graphicFrameLocks noGrp="1"/>
-          </p:cNvGraphicFramePr>
-          <p:nvPr>
-            <p:ph idx="1"/>
-            <p:extLst>
-              <p:ext uri="{D42A27DB-BD31-4B8C-83A1-F6EECF244321}">
-                <p14:modId xmlns:p14="http://schemas.microsoft.com/office/powerpoint/2010/main" val="3696963769"/>
-              </p:ext>
-            </p:extLst>
-          </p:nvPr>
-        </p:nvGraphicFramePr>
-        <p:xfrm>
-          <a:off x="179512" y="1484784"/>
-          <a:ext cx="8784972" cy="5211949"/>
-        </p:xfrm>
-        <a:graphic>
-          <a:graphicData uri="http://schemas.openxmlformats.org/drawingml/2006/table">
-            <a:tbl>
-              <a:tblPr firstRow="1" bandRow="1">
-                <a:tableStyleId>{5C22544A-7EE6-4342-B048-85BDC9FD1C3A}</a:tableStyleId>
-              </a:tblPr>
-              <a:tblGrid>
-                <a:gridCol w="1296142"/>
-                <a:gridCol w="1512168"/>
-                <a:gridCol w="1512168"/>
-                <a:gridCol w="1440160"/>
-                <a:gridCol w="1512168"/>
-                <a:gridCol w="1512166"/>
-              </a:tblGrid>
-              <a:tr h="408998">
-                <a:tc>
-                  <a:txBody>
-                    <a:bodyPr/>
-                    <a:lstStyle/>
-                    <a:p>
-                      <a:endParaRPr lang="ru-RU" dirty="0"/>
-                    </a:p>
-                  </a:txBody>
-                  <a:tcPr/>
-                </a:tc>
-                <a:tc>
-                  <a:txBody>
-                    <a:bodyPr/>
-                    <a:lstStyle/>
-                    <a:p>
-                      <a:r>
-                        <a:rPr lang="en-US" dirty="0" smtClean="0"/>
-                        <a:t>1997-1999</a:t>
-                      </a:r>
-                      <a:endParaRPr lang="ru-RU" dirty="0"/>
-                    </a:p>
-                  </a:txBody>
-                  <a:tcPr/>
-                </a:tc>
-                <a:tc>
-                  <a:txBody>
-                    <a:bodyPr/>
-                    <a:lstStyle/>
-                    <a:p>
-                      <a:r>
-                        <a:rPr lang="en-US" dirty="0" smtClean="0"/>
-                        <a:t>2000-2002</a:t>
-                      </a:r>
-                      <a:endParaRPr lang="ru-RU" dirty="0"/>
-                    </a:p>
-                  </a:txBody>
-                  <a:tcPr/>
-                </a:tc>
-                <a:tc>
-                  <a:txBody>
-                    <a:bodyPr/>
-                    <a:lstStyle/>
-                    <a:p>
-                      <a:r>
-                        <a:rPr lang="en-US" dirty="0" smtClean="0"/>
-                        <a:t>2003-2005</a:t>
-                      </a:r>
-                      <a:endParaRPr lang="ru-RU" dirty="0"/>
-                    </a:p>
-                  </a:txBody>
-                  <a:tcPr/>
-                </a:tc>
-                <a:tc>
-                  <a:txBody>
-                    <a:bodyPr/>
-                    <a:lstStyle/>
-                    <a:p>
-                      <a:r>
-                        <a:rPr lang="en-US" dirty="0" smtClean="0"/>
-                        <a:t>2016</a:t>
-                      </a:r>
-                      <a:endParaRPr lang="ru-RU" dirty="0"/>
-                    </a:p>
-                  </a:txBody>
-                  <a:tcPr/>
-                </a:tc>
-                <a:tc>
-                  <a:txBody>
-                    <a:bodyPr/>
-                    <a:lstStyle/>
-                    <a:p>
-                      <a:r>
-                        <a:rPr lang="en-US" dirty="0" smtClean="0"/>
-                        <a:t>All corpus</a:t>
-                      </a:r>
-                      <a:endParaRPr lang="ru-RU" dirty="0"/>
-                    </a:p>
-                  </a:txBody>
-                  <a:tcPr/>
-                </a:tc>
-              </a:tr>
-              <a:tr h="2323880">
-                <a:tc>
-                  <a:txBody>
-                    <a:bodyPr/>
-                    <a:lstStyle/>
-                    <a:p>
-                      <a:r>
-                        <a:rPr lang="ru-RU" dirty="0" smtClean="0"/>
-                        <a:t>Новая</a:t>
-                      </a:r>
-                      <a:r>
-                        <a:rPr lang="ru-RU" baseline="0" dirty="0" smtClean="0"/>
-                        <a:t> газета</a:t>
-                      </a:r>
-                      <a:endParaRPr lang="ru-RU" dirty="0"/>
-                    </a:p>
-                  </a:txBody>
-                  <a:tcPr/>
-                </a:tc>
-                <a:tc>
-                  <a:txBody>
-                    <a:bodyPr/>
-                    <a:lstStyle/>
-                    <a:p>
-                      <a:endParaRPr lang="ru-RU"/>
-                    </a:p>
-                  </a:txBody>
-                  <a:tcPr/>
-                </a:tc>
-                <a:tc>
-                  <a:txBody>
-                    <a:bodyPr/>
-                    <a:lstStyle/>
-                    <a:p>
-                      <a:endParaRPr lang="ru-RU"/>
-                    </a:p>
-                  </a:txBody>
-                  <a:tcPr/>
-                </a:tc>
-                <a:tc>
-                  <a:txBody>
-                    <a:bodyPr/>
-                    <a:lstStyle/>
-                    <a:p>
-                      <a:endParaRPr lang="ru-RU"/>
-                    </a:p>
-                  </a:txBody>
-                  <a:tcPr/>
-                </a:tc>
-                <a:tc>
-                  <a:txBody>
-                    <a:bodyPr/>
-                    <a:lstStyle/>
-                    <a:p>
-                      <a:endParaRPr lang="ru-RU" dirty="0"/>
-                    </a:p>
-                  </a:txBody>
-                  <a:tcPr/>
-                </a:tc>
-                <a:tc>
-                  <a:txBody>
-                    <a:bodyPr/>
-                    <a:lstStyle/>
-                    <a:p>
-                      <a:endParaRPr lang="ru-RU" dirty="0"/>
-                    </a:p>
-                  </a:txBody>
-                  <a:tcPr/>
-                </a:tc>
-              </a:tr>
-              <a:tr h="2479071">
-                <a:tc>
-                  <a:txBody>
-                    <a:bodyPr/>
-                    <a:lstStyle/>
-                    <a:p>
-                      <a:r>
-                        <a:rPr lang="ru-RU" dirty="0" smtClean="0"/>
-                        <a:t>Российская</a:t>
-                      </a:r>
-                      <a:r>
-                        <a:rPr lang="ru-RU" baseline="0" dirty="0" smtClean="0"/>
-                        <a:t> газета</a:t>
-                      </a:r>
-                      <a:endParaRPr lang="ru-RU" dirty="0"/>
-                    </a:p>
-                  </a:txBody>
-                  <a:tcPr/>
-                </a:tc>
-                <a:tc>
-                  <a:txBody>
-                    <a:bodyPr/>
-                    <a:lstStyle/>
-                    <a:p>
-                      <a:endParaRPr lang="ru-RU"/>
-                    </a:p>
-                  </a:txBody>
-                  <a:tcPr/>
-                </a:tc>
-                <a:tc>
-                  <a:txBody>
-                    <a:bodyPr/>
-                    <a:lstStyle/>
-                    <a:p>
-                      <a:endParaRPr lang="ru-RU"/>
-                    </a:p>
-                  </a:txBody>
-                  <a:tcPr/>
-                </a:tc>
-                <a:tc>
-                  <a:txBody>
-                    <a:bodyPr/>
-                    <a:lstStyle/>
-                    <a:p>
-                      <a:endParaRPr lang="ru-RU" dirty="0"/>
-                    </a:p>
-                  </a:txBody>
-                  <a:tcPr/>
-                </a:tc>
-                <a:tc>
-                  <a:txBody>
-                    <a:bodyPr/>
-                    <a:lstStyle/>
-                    <a:p>
-                      <a:endParaRPr lang="ru-RU"/>
-                    </a:p>
-                  </a:txBody>
-                  <a:tcPr/>
-                </a:tc>
-                <a:tc>
-                  <a:txBody>
-                    <a:bodyPr/>
-                    <a:lstStyle/>
-                    <a:p>
-                      <a:endParaRPr lang="ru-RU" dirty="0"/>
-                    </a:p>
-                  </a:txBody>
-                  <a:tcPr/>
-                </a:tc>
-              </a:tr>
-            </a:tbl>
-          </a:graphicData>
-        </a:graphic>
-      </p:graphicFrame>
-    </p:spTree>
-    <p:extLst>
-      <p:ext uri="{BB962C8B-B14F-4D97-AF65-F5344CB8AC3E}">
-        <p14:creationId xmlns:p14="http://schemas.microsoft.com/office/powerpoint/2010/main" val="1753886489"/>
-      </p:ext>
-    </p:extLst>
-  </p:cSld>
-  <p:clrMapOvr>
-    <a:masterClrMapping/>
-  </p:clrMapOvr>
-  <p:timing>
-    <p:tnLst>
-      <p:par>
-        <p:cTn id="1" dur="indefinite" restart="never" nodeType="tmRoot"/>
-      </p:par>
-    </p:tnLst>
-  </p:timing>
-</p:sld>
-</file>
-
 <file path=ppt/slides/slide7.xml><?xml version="1.0" encoding="utf-8"?>
 <p:sld xmlns:a="http://schemas.openxmlformats.org/drawingml/2006/main" xmlns:r="http://schemas.openxmlformats.org/officeDocument/2006/relationships" xmlns:p="http://schemas.openxmlformats.org/presentationml/2006/main">
   <p:cSld>
@@ -6509,14 +11786,12 @@
         </p:nvSpPr>
         <p:spPr/>
         <p:txBody>
-          <a:bodyPr>
-            <a:normAutofit fontScale="90000"/>
-          </a:bodyPr>
+          <a:bodyPr/>
           <a:lstStyle/>
           <a:p>
             <a:r>
-              <a:rPr lang="ru-RU" dirty="0" smtClean="0"/>
-              <a:t>Со употребление наиболее частных слов</a:t>
+              <a:rPr lang="ru-RU" dirty="0" err="1" smtClean="0"/>
+              <a:t>Метаразметка</a:t>
             </a:r>
             <a:endParaRPr lang="ru-RU" dirty="0"/>
           </a:p>
@@ -6534,30 +11809,100 @@
         </p:nvSpPr>
         <p:spPr/>
         <p:txBody>
-          <a:bodyPr/>
+          <a:bodyPr>
+            <a:normAutofit fontScale="92500"/>
+          </a:bodyPr>
           <a:lstStyle/>
           <a:p>
-            <a:endParaRPr lang="ru-RU"/>
+            <a:r>
+              <a:rPr lang="ru-RU" sz="3500" dirty="0" smtClean="0"/>
+              <a:t>По газетам:</a:t>
+            </a:r>
+          </a:p>
+          <a:p>
+            <a:pPr marL="702000">
+              <a:buFont typeface="Wingdings" panose="05000000000000000000" pitchFamily="2" charset="2"/>
+              <a:buChar char="Ø"/>
+            </a:pPr>
+            <a:r>
+              <a:rPr lang="ru-RU" sz="2600" dirty="0" smtClean="0"/>
+              <a:t>Российская газета</a:t>
+            </a:r>
+          </a:p>
+          <a:p>
+            <a:pPr marL="702000">
+              <a:buFont typeface="Wingdings" panose="05000000000000000000" pitchFamily="2" charset="2"/>
+              <a:buChar char="Ø"/>
+            </a:pPr>
+            <a:r>
+              <a:rPr lang="ru-RU" sz="2600" dirty="0" smtClean="0"/>
+              <a:t>Новая газета</a:t>
+            </a:r>
+          </a:p>
+          <a:p>
+            <a:endParaRPr lang="ru-RU" dirty="0"/>
+          </a:p>
+          <a:p>
+            <a:r>
+              <a:rPr lang="ru-RU" sz="3500" dirty="0" smtClean="0"/>
+              <a:t>По временным промежуткам выпуска газет</a:t>
+            </a:r>
+          </a:p>
+          <a:p>
+            <a:pPr marL="702000">
+              <a:buFont typeface="Wingdings" panose="05000000000000000000" pitchFamily="2" charset="2"/>
+              <a:buChar char="Ø"/>
+            </a:pPr>
+            <a:r>
+              <a:rPr lang="ru-RU" sz="2600" dirty="0" smtClean="0"/>
+              <a:t>1997-1999</a:t>
+            </a:r>
+          </a:p>
+          <a:p>
+            <a:pPr marL="702000">
+              <a:buFont typeface="Wingdings" panose="05000000000000000000" pitchFamily="2" charset="2"/>
+              <a:buChar char="Ø"/>
+            </a:pPr>
+            <a:r>
+              <a:rPr lang="ru-RU" sz="2600" dirty="0" smtClean="0"/>
+              <a:t>2000-2002</a:t>
+            </a:r>
+          </a:p>
+          <a:p>
+            <a:pPr marL="702000">
+              <a:buFont typeface="Wingdings" panose="05000000000000000000" pitchFamily="2" charset="2"/>
+              <a:buChar char="Ø"/>
+            </a:pPr>
+            <a:r>
+              <a:rPr lang="ru-RU" sz="2600" dirty="0" smtClean="0"/>
+              <a:t>2003-2005</a:t>
+            </a:r>
+          </a:p>
+          <a:p>
+            <a:pPr marL="702000">
+              <a:buFont typeface="Wingdings" panose="05000000000000000000" pitchFamily="2" charset="2"/>
+              <a:buChar char="Ø"/>
+            </a:pPr>
+            <a:r>
+              <a:rPr lang="ru-RU" sz="2600" dirty="0" smtClean="0"/>
+              <a:t>2015-2016</a:t>
+            </a:r>
+          </a:p>
+          <a:p>
+            <a:endParaRPr lang="ru-RU" dirty="0" smtClean="0"/>
           </a:p>
         </p:txBody>
       </p:sp>
     </p:spTree>
     <p:extLst>
       <p:ext uri="{BB962C8B-B14F-4D97-AF65-F5344CB8AC3E}">
-        <p14:creationId xmlns:p14="http://schemas.microsoft.com/office/powerpoint/2010/main" val="1174191624"/>
+        <p14:creationId xmlns:p14="http://schemas.microsoft.com/office/powerpoint/2010/main" val="3903636062"/>
       </p:ext>
     </p:extLst>
   </p:cSld>
   <p:clrMapOvr>
     <a:masterClrMapping/>
   </p:clrMapOvr>
-  <p:timing>
-    <p:tnLst>
-      <p:par>
-        <p:cTn id="1" dur="indefinite" restart="never" nodeType="tmRoot"/>
-      </p:par>
-    </p:tnLst>
-  </p:timing>
 </p:sld>
 </file>
 
@@ -6590,37 +11935,33 @@
         </p:nvSpPr>
         <p:spPr/>
         <p:txBody>
-          <a:bodyPr>
-            <a:normAutofit/>
-          </a:bodyPr>
+          <a:bodyPr/>
           <a:lstStyle/>
           <a:p>
             <a:r>
-              <a:rPr lang="ru-RU" dirty="0" smtClean="0"/>
-              <a:t>Частотность биграмм</a:t>
-            </a:r>
-            <a:endParaRPr lang="ru-RU" dirty="0"/>
+              <a:rPr lang="ru-RU" dirty="0"/>
+              <a:t>Описание корпуса</a:t>
+            </a:r>
           </a:p>
         </p:txBody>
       </p:sp>
       <p:graphicFrame>
         <p:nvGraphicFramePr>
-          <p:cNvPr id="4" name="Объект 3"/>
+          <p:cNvPr id="4" name="Таблица 3"/>
           <p:cNvGraphicFramePr>
             <a:graphicFrameLocks noGrp="1"/>
           </p:cNvGraphicFramePr>
           <p:nvPr>
-            <p:ph idx="1"/>
             <p:extLst>
               <p:ext uri="{D42A27DB-BD31-4B8C-83A1-F6EECF244321}">
-                <p14:modId xmlns:p14="http://schemas.microsoft.com/office/powerpoint/2010/main" val="1075127292"/>
+                <p14:modId xmlns:p14="http://schemas.microsoft.com/office/powerpoint/2010/main" val="1373101926"/>
               </p:ext>
             </p:extLst>
           </p:nvPr>
         </p:nvGraphicFramePr>
         <p:xfrm>
-          <a:off x="179512" y="1484784"/>
-          <a:ext cx="8784972" cy="5211949"/>
+          <a:off x="323528" y="1412776"/>
+          <a:ext cx="8568951" cy="4406910"/>
         </p:xfrm>
         <a:graphic>
           <a:graphicData uri="http://schemas.openxmlformats.org/drawingml/2006/table">
@@ -6629,233 +11970,732 @@
                 <a:tableStyleId>{5C22544A-7EE6-4342-B048-85BDC9FD1C3A}</a:tableStyleId>
               </a:tblPr>
               <a:tblGrid>
-                <a:gridCol w="1296142"/>
-                <a:gridCol w="1512168"/>
-                <a:gridCol w="1512168"/>
-                <a:gridCol w="1440160"/>
-                <a:gridCol w="1512168"/>
-                <a:gridCol w="1512166"/>
+                <a:gridCol w="1391553"/>
+                <a:gridCol w="2208846"/>
+                <a:gridCol w="2592288"/>
+                <a:gridCol w="2376264"/>
               </a:tblGrid>
-              <a:tr h="408998">
+              <a:tr h="335280">
                 <a:tc>
                   <a:txBody>
                     <a:bodyPr/>
                     <a:lstStyle/>
                     <a:p>
+                      <a:pPr algn="r"/>
                       <a:endParaRPr lang="ru-RU" dirty="0"/>
                     </a:p>
                   </a:txBody>
-                  <a:tcPr/>
+                  <a:tcPr anchor="ctr"/>
                 </a:tc>
                 <a:tc>
                   <a:txBody>
                     <a:bodyPr/>
                     <a:lstStyle/>
                     <a:p>
-                      <a:r>
-                        <a:rPr lang="en-US" dirty="0" smtClean="0"/>
-                        <a:t>1997-1999</a:t>
-                      </a:r>
-                      <a:endParaRPr lang="ru-RU" dirty="0"/>
+                      <a:pPr marL="0" marR="0" indent="0" algn="l" defTabSz="914400" rtl="0" eaLnBrk="1" fontAlgn="auto" latinLnBrk="0" hangingPunct="1">
+                        <a:lnSpc>
+                          <a:spcPct val="100000"/>
+                        </a:lnSpc>
+                        <a:spcBef>
+                          <a:spcPts val="0"/>
+                        </a:spcBef>
+                        <a:spcAft>
+                          <a:spcPts val="0"/>
+                        </a:spcAft>
+                        <a:buClrTx/>
+                        <a:buSzTx/>
+                        <a:buFontTx/>
+                        <a:buNone/>
+                        <a:tabLst/>
+                        <a:defRPr/>
+                      </a:pPr>
+                      <a:r>
+                        <a:rPr lang="ru-RU" dirty="0" smtClean="0"/>
+                        <a:t>Количество текстов</a:t>
+                      </a:r>
                     </a:p>
                   </a:txBody>
-                  <a:tcPr/>
+                  <a:tcPr anchor="ctr"/>
                 </a:tc>
                 <a:tc>
                   <a:txBody>
                     <a:bodyPr/>
                     <a:lstStyle/>
                     <a:p>
-                      <a:r>
-                        <a:rPr lang="en-US" dirty="0" smtClean="0"/>
-                        <a:t>2000-2002</a:t>
-                      </a:r>
-                      <a:endParaRPr lang="ru-RU" dirty="0"/>
+                      <a:pPr marL="0" marR="0" indent="0" algn="l" defTabSz="914400" rtl="0" eaLnBrk="1" fontAlgn="auto" latinLnBrk="0" hangingPunct="1">
+                        <a:lnSpc>
+                          <a:spcPct val="100000"/>
+                        </a:lnSpc>
+                        <a:spcBef>
+                          <a:spcPts val="0"/>
+                        </a:spcBef>
+                        <a:spcAft>
+                          <a:spcPts val="0"/>
+                        </a:spcAft>
+                        <a:buClrTx/>
+                        <a:buSzTx/>
+                        <a:buFontTx/>
+                        <a:buNone/>
+                        <a:tabLst/>
+                        <a:defRPr/>
+                      </a:pPr>
+                      <a:r>
+                        <a:rPr lang="ru-RU" dirty="0" smtClean="0"/>
+                        <a:t>Словоупотреблений</a:t>
+                      </a:r>
                     </a:p>
                   </a:txBody>
-                  <a:tcPr/>
+                  <a:tcPr anchor="ctr"/>
                 </a:tc>
                 <a:tc>
                   <a:txBody>
                     <a:bodyPr/>
                     <a:lstStyle/>
                     <a:p>
-                      <a:r>
-                        <a:rPr lang="en-US" dirty="0" smtClean="0"/>
-                        <a:t>2003-2005</a:t>
+                      <a:pPr marL="0" marR="0" indent="0" algn="l" defTabSz="914400" rtl="0" eaLnBrk="1" fontAlgn="auto" latinLnBrk="0" hangingPunct="1">
+                        <a:lnSpc>
+                          <a:spcPct val="100000"/>
+                        </a:lnSpc>
+                        <a:spcBef>
+                          <a:spcPts val="0"/>
+                        </a:spcBef>
+                        <a:spcAft>
+                          <a:spcPts val="0"/>
+                        </a:spcAft>
+                        <a:buClrTx/>
+                        <a:buSzTx/>
+                        <a:buFontTx/>
+                        <a:buNone/>
+                        <a:tabLst/>
+                        <a:defRPr/>
+                      </a:pPr>
+                      <a:r>
+                        <a:rPr lang="ru-RU" dirty="0" smtClean="0"/>
+                        <a:t>Среднее число словоупотреблений </a:t>
+                      </a:r>
+                    </a:p>
+                  </a:txBody>
+                  <a:tcPr anchor="ctr"/>
+                </a:tc>
+              </a:tr>
+              <a:tr h="339937">
+                <a:tc>
+                  <a:txBody>
+                    <a:bodyPr/>
+                    <a:lstStyle/>
+                    <a:p>
+                      <a:r>
+                        <a:rPr lang="ru-RU" dirty="0" smtClean="0"/>
+                        <a:t>1997-1999</a:t>
                       </a:r>
                       <a:endParaRPr lang="ru-RU" dirty="0"/>
                     </a:p>
                   </a:txBody>
-                  <a:tcPr/>
+                  <a:tcPr anchor="ctr"/>
                 </a:tc>
                 <a:tc>
                   <a:txBody>
                     <a:bodyPr/>
                     <a:lstStyle/>
                     <a:p>
-                      <a:r>
-                        <a:rPr lang="en-US" dirty="0" smtClean="0"/>
-                        <a:t>2016</a:t>
-                      </a:r>
-                      <a:endParaRPr lang="ru-RU" dirty="0"/>
+                      <a:pPr algn="r" fontAlgn="b">
+                        <a:lnSpc>
+                          <a:spcPct val="200000"/>
+                        </a:lnSpc>
+                      </a:pPr>
+                      <a:r>
+                        <a:rPr lang="ru-RU" sz="1800" b="0" i="0" u="none" strike="noStrike" dirty="0">
+                          <a:solidFill>
+                            <a:srgbClr val="000000"/>
+                          </a:solidFill>
+                          <a:effectLst/>
+                          <a:latin typeface="Calibri"/>
+                        </a:rPr>
+                        <a:t>853</a:t>
+                      </a:r>
                     </a:p>
                   </a:txBody>
-                  <a:tcPr/>
+                  <a:tcPr marL="9525" marR="9525" marT="9525" marB="0" anchor="ctr"/>
                 </a:tc>
                 <a:tc>
                   <a:txBody>
                     <a:bodyPr/>
                     <a:lstStyle/>
                     <a:p>
-                      <a:r>
-                        <a:rPr lang="en-US" dirty="0" smtClean="0"/>
-                        <a:t>All corpus</a:t>
-                      </a:r>
-                      <a:endParaRPr lang="ru-RU" dirty="0"/>
+                      <a:pPr algn="r" fontAlgn="b">
+                        <a:lnSpc>
+                          <a:spcPct val="200000"/>
+                        </a:lnSpc>
+                      </a:pPr>
+                      <a:r>
+                        <a:rPr lang="ru-RU" sz="1800" b="0" i="0" u="none" strike="noStrike">
+                          <a:solidFill>
+                            <a:srgbClr val="000000"/>
+                          </a:solidFill>
+                          <a:effectLst/>
+                          <a:latin typeface="Calibri"/>
+                        </a:rPr>
+                        <a:t>430778</a:t>
+                      </a:r>
                     </a:p>
                   </a:txBody>
-                  <a:tcPr/>
-                </a:tc>
-              </a:tr>
-              <a:tr h="2323880">
-                <a:tc>
-                  <a:txBody>
-                    <a:bodyPr/>
-                    <a:lstStyle/>
-                    <a:p>
-                      <a:r>
-                        <a:rPr lang="ru-RU" dirty="0" smtClean="0"/>
-                        <a:t>Новая</a:t>
-                      </a:r>
-                      <a:r>
-                        <a:rPr lang="ru-RU" baseline="0" dirty="0" smtClean="0"/>
-                        <a:t> газета</a:t>
-                      </a:r>
-                      <a:endParaRPr lang="ru-RU" dirty="0"/>
-                    </a:p>
-                  </a:txBody>
-                  <a:tcPr/>
+                  <a:tcPr marL="9525" marR="9525" marT="9525" marB="0" anchor="ctr"/>
                 </a:tc>
                 <a:tc>
                   <a:txBody>
                     <a:bodyPr/>
                     <a:lstStyle/>
                     <a:p>
-                      <a:endParaRPr lang="ru-RU"/>
+                      <a:pPr algn="r" fontAlgn="b">
+                        <a:lnSpc>
+                          <a:spcPct val="200000"/>
+                        </a:lnSpc>
+                      </a:pPr>
+                      <a:r>
+                        <a:rPr lang="ru-RU" sz="1800" b="0" i="0" u="none" strike="noStrike">
+                          <a:solidFill>
+                            <a:srgbClr val="000000"/>
+                          </a:solidFill>
+                          <a:effectLst/>
+                          <a:latin typeface="Calibri"/>
+                        </a:rPr>
+                        <a:t>505,0152</a:t>
+                      </a:r>
                     </a:p>
                   </a:txBody>
-                  <a:tcPr/>
+                  <a:tcPr marL="9525" marR="9525" marT="9525" marB="0" anchor="ctr"/>
+                </a:tc>
+              </a:tr>
+              <a:tr h="339937">
+                <a:tc>
+                  <a:txBody>
+                    <a:bodyPr/>
+                    <a:lstStyle/>
+                    <a:p>
+                      <a:r>
+                        <a:rPr lang="ru-RU" dirty="0" smtClean="0"/>
+                        <a:t>2000-2002</a:t>
+                      </a:r>
+                      <a:endParaRPr lang="ru-RU" dirty="0"/>
+                    </a:p>
+                  </a:txBody>
+                  <a:tcPr anchor="ctr"/>
                 </a:tc>
                 <a:tc>
                   <a:txBody>
                     <a:bodyPr/>
                     <a:lstStyle/>
                     <a:p>
-                      <a:endParaRPr lang="ru-RU"/>
+                      <a:pPr algn="r" fontAlgn="b">
+                        <a:lnSpc>
+                          <a:spcPct val="200000"/>
+                        </a:lnSpc>
+                      </a:pPr>
+                      <a:r>
+                        <a:rPr lang="ru-RU" sz="1800" b="0" i="0" u="none" strike="noStrike" dirty="0">
+                          <a:solidFill>
+                            <a:srgbClr val="000000"/>
+                          </a:solidFill>
+                          <a:effectLst/>
+                          <a:latin typeface="Calibri"/>
+                        </a:rPr>
+                        <a:t>23</a:t>
+                      </a:r>
                     </a:p>
                   </a:txBody>
-                  <a:tcPr/>
+                  <a:tcPr marL="9525" marR="9525" marT="9525" marB="0" anchor="ctr"/>
                 </a:tc>
                 <a:tc>
                   <a:txBody>
                     <a:bodyPr/>
                     <a:lstStyle/>
                     <a:p>
-                      <a:endParaRPr lang="ru-RU"/>
+                      <a:pPr algn="r" fontAlgn="b">
+                        <a:lnSpc>
+                          <a:spcPct val="200000"/>
+                        </a:lnSpc>
+                      </a:pPr>
+                      <a:r>
+                        <a:rPr lang="ru-RU" sz="1800" b="0" i="0" u="none" strike="noStrike" dirty="0">
+                          <a:solidFill>
+                            <a:srgbClr val="000000"/>
+                          </a:solidFill>
+                          <a:effectLst/>
+                          <a:latin typeface="Calibri"/>
+                        </a:rPr>
+                        <a:t>22102</a:t>
+                      </a:r>
                     </a:p>
                   </a:txBody>
-                  <a:tcPr/>
+                  <a:tcPr marL="9525" marR="9525" marT="9525" marB="0" anchor="ctr"/>
                 </a:tc>
                 <a:tc>
                   <a:txBody>
                     <a:bodyPr/>
                     <a:lstStyle/>
                     <a:p>
+                      <a:pPr algn="r" fontAlgn="b">
+                        <a:lnSpc>
+                          <a:spcPct val="200000"/>
+                        </a:lnSpc>
+                      </a:pPr>
+                      <a:r>
+                        <a:rPr lang="ru-RU" sz="1800" b="0" i="0" u="none" strike="noStrike">
+                          <a:solidFill>
+                            <a:srgbClr val="000000"/>
+                          </a:solidFill>
+                          <a:effectLst/>
+                          <a:latin typeface="Calibri"/>
+                        </a:rPr>
+                        <a:t>960,9565</a:t>
+                      </a:r>
+                    </a:p>
+                  </a:txBody>
+                  <a:tcPr marL="9525" marR="9525" marT="9525" marB="0" anchor="ctr"/>
+                </a:tc>
+              </a:tr>
+              <a:tr h="339937">
+                <a:tc>
+                  <a:txBody>
+                    <a:bodyPr/>
+                    <a:lstStyle/>
+                    <a:p>
+                      <a:r>
+                        <a:rPr lang="ru-RU" dirty="0" smtClean="0"/>
+                        <a:t>2003-2005</a:t>
+                      </a:r>
                       <a:endParaRPr lang="ru-RU" dirty="0"/>
                     </a:p>
                   </a:txBody>
-                  <a:tcPr/>
+                  <a:tcPr anchor="ctr"/>
                 </a:tc>
                 <a:tc>
                   <a:txBody>
                     <a:bodyPr/>
                     <a:lstStyle/>
                     <a:p>
-                      <a:endParaRPr lang="ru-RU" dirty="0"/>
+                      <a:pPr algn="r" fontAlgn="b">
+                        <a:lnSpc>
+                          <a:spcPct val="200000"/>
+                        </a:lnSpc>
+                      </a:pPr>
+                      <a:r>
+                        <a:rPr lang="ru-RU" sz="1800" b="0" i="0" u="none" strike="noStrike" dirty="0">
+                          <a:solidFill>
+                            <a:srgbClr val="000000"/>
+                          </a:solidFill>
+                          <a:effectLst/>
+                          <a:latin typeface="Calibri"/>
+                        </a:rPr>
+                        <a:t>24</a:t>
+                      </a:r>
                     </a:p>
                   </a:txBody>
-                  <a:tcPr/>
-                </a:tc>
-              </a:tr>
-              <a:tr h="2479071">
-                <a:tc>
-                  <a:txBody>
-                    <a:bodyPr/>
-                    <a:lstStyle/>
-                    <a:p>
-                      <a:r>
-                        <a:rPr lang="ru-RU" dirty="0" smtClean="0"/>
-                        <a:t>Российская</a:t>
-                      </a:r>
-                      <a:r>
-                        <a:rPr lang="ru-RU" baseline="0" dirty="0" smtClean="0"/>
-                        <a:t> газета</a:t>
-                      </a:r>
-                      <a:endParaRPr lang="ru-RU" dirty="0"/>
-                    </a:p>
-                  </a:txBody>
-                  <a:tcPr/>
+                  <a:tcPr marL="9525" marR="9525" marT="9525" marB="0" anchor="ctr"/>
                 </a:tc>
                 <a:tc>
                   <a:txBody>
                     <a:bodyPr/>
                     <a:lstStyle/>
                     <a:p>
-                      <a:endParaRPr lang="ru-RU"/>
+                      <a:pPr algn="r" fontAlgn="b">
+                        <a:lnSpc>
+                          <a:spcPct val="200000"/>
+                        </a:lnSpc>
+                      </a:pPr>
+                      <a:r>
+                        <a:rPr lang="ru-RU" sz="1800" b="0" i="0" u="none" strike="noStrike" dirty="0">
+                          <a:solidFill>
+                            <a:srgbClr val="000000"/>
+                          </a:solidFill>
+                          <a:effectLst/>
+                          <a:latin typeface="Calibri"/>
+                        </a:rPr>
+                        <a:t>20585</a:t>
+                      </a:r>
                     </a:p>
                   </a:txBody>
-                  <a:tcPr/>
+                  <a:tcPr marL="9525" marR="9525" marT="9525" marB="0" anchor="ctr"/>
                 </a:tc>
                 <a:tc>
                   <a:txBody>
                     <a:bodyPr/>
                     <a:lstStyle/>
                     <a:p>
-                      <a:endParaRPr lang="ru-RU"/>
+                      <a:pPr algn="r" fontAlgn="b">
+                        <a:lnSpc>
+                          <a:spcPct val="200000"/>
+                        </a:lnSpc>
+                      </a:pPr>
+                      <a:r>
+                        <a:rPr lang="ru-RU" sz="1800" b="0" i="0" u="none" strike="noStrike">
+                          <a:solidFill>
+                            <a:srgbClr val="000000"/>
+                          </a:solidFill>
+                          <a:effectLst/>
+                          <a:latin typeface="Calibri"/>
+                        </a:rPr>
+                        <a:t>857,7083</a:t>
+                      </a:r>
                     </a:p>
                   </a:txBody>
-                  <a:tcPr/>
+                  <a:tcPr marL="9525" marR="9525" marT="9525" marB="0" anchor="ctr"/>
+                </a:tc>
+              </a:tr>
+              <a:tr h="339937">
+                <a:tc>
+                  <a:txBody>
+                    <a:bodyPr/>
+                    <a:lstStyle/>
+                    <a:p>
+                      <a:r>
+                        <a:rPr lang="ru-RU" dirty="0" smtClean="0"/>
+                        <a:t>2015-2016</a:t>
+                      </a:r>
+                      <a:endParaRPr lang="ru-RU" dirty="0"/>
+                    </a:p>
+                  </a:txBody>
+                  <a:tcPr anchor="ctr"/>
                 </a:tc>
                 <a:tc>
                   <a:txBody>
                     <a:bodyPr/>
                     <a:lstStyle/>
                     <a:p>
-                      <a:endParaRPr lang="ru-RU" dirty="0"/>
+                      <a:pPr algn="r" fontAlgn="b">
+                        <a:lnSpc>
+                          <a:spcPct val="200000"/>
+                        </a:lnSpc>
+                      </a:pPr>
+                      <a:r>
+                        <a:rPr lang="ru-RU" sz="1800" b="0" i="0" u="none" strike="noStrike">
+                          <a:solidFill>
+                            <a:srgbClr val="000000"/>
+                          </a:solidFill>
+                          <a:effectLst/>
+                          <a:latin typeface="Calibri"/>
+                        </a:rPr>
+                        <a:t>93</a:t>
+                      </a:r>
                     </a:p>
                   </a:txBody>
-                  <a:tcPr/>
+                  <a:tcPr marL="9525" marR="9525" marT="9525" marB="0" anchor="ctr"/>
                 </a:tc>
                 <a:tc>
                   <a:txBody>
                     <a:bodyPr/>
                     <a:lstStyle/>
                     <a:p>
-                      <a:endParaRPr lang="ru-RU"/>
+                      <a:pPr algn="r" fontAlgn="b">
+                        <a:lnSpc>
+                          <a:spcPct val="200000"/>
+                        </a:lnSpc>
+                      </a:pPr>
+                      <a:r>
+                        <a:rPr lang="ru-RU" sz="1800" b="0" i="0" u="none" strike="noStrike" dirty="0">
+                          <a:solidFill>
+                            <a:srgbClr val="000000"/>
+                          </a:solidFill>
+                          <a:effectLst/>
+                          <a:latin typeface="Calibri"/>
+                        </a:rPr>
+                        <a:t>56936</a:t>
+                      </a:r>
                     </a:p>
                   </a:txBody>
-                  <a:tcPr/>
+                  <a:tcPr marL="9525" marR="9525" marT="9525" marB="0" anchor="ctr"/>
                 </a:tc>
                 <a:tc>
                   <a:txBody>
                     <a:bodyPr/>
                     <a:lstStyle/>
                     <a:p>
+                      <a:pPr algn="r" fontAlgn="b">
+                        <a:lnSpc>
+                          <a:spcPct val="200000"/>
+                        </a:lnSpc>
+                      </a:pPr>
+                      <a:r>
+                        <a:rPr lang="ru-RU" sz="1800" b="0" i="0" u="none" strike="noStrike">
+                          <a:solidFill>
+                            <a:srgbClr val="000000"/>
+                          </a:solidFill>
+                          <a:effectLst/>
+                          <a:latin typeface="Calibri"/>
+                        </a:rPr>
+                        <a:t>612,2151</a:t>
+                      </a:r>
+                    </a:p>
+                  </a:txBody>
+                  <a:tcPr marL="9525" marR="9525" marT="9525" marB="0" anchor="ctr"/>
+                </a:tc>
+              </a:tr>
+              <a:tr h="339937">
+                <a:tc>
+                  <a:txBody>
+                    <a:bodyPr/>
+                    <a:lstStyle/>
+                    <a:p>
+                      <a:r>
+                        <a:rPr lang="ru-RU" dirty="0" smtClean="0"/>
+                        <a:t>Российская газета</a:t>
+                      </a:r>
                       <a:endParaRPr lang="ru-RU" dirty="0"/>
                     </a:p>
                   </a:txBody>
-                  <a:tcPr/>
+                  <a:tcPr anchor="ctr"/>
+                </a:tc>
+                <a:tc>
+                  <a:txBody>
+                    <a:bodyPr/>
+                    <a:lstStyle/>
+                    <a:p>
+                      <a:pPr algn="r" fontAlgn="b">
+                        <a:lnSpc>
+                          <a:spcPct val="200000"/>
+                        </a:lnSpc>
+                      </a:pPr>
+                      <a:r>
+                        <a:rPr lang="ru-RU" sz="1800" b="0" i="0" u="none" strike="noStrike">
+                          <a:solidFill>
+                            <a:srgbClr val="000000"/>
+                          </a:solidFill>
+                          <a:effectLst/>
+                          <a:latin typeface="Calibri"/>
+                        </a:rPr>
+                        <a:t>208</a:t>
+                      </a:r>
+                    </a:p>
+                  </a:txBody>
+                  <a:tcPr marL="9525" marR="9525" marT="9525" marB="0" anchor="ctr"/>
+                </a:tc>
+                <a:tc>
+                  <a:txBody>
+                    <a:bodyPr/>
+                    <a:lstStyle/>
+                    <a:p>
+                      <a:pPr algn="r" fontAlgn="b">
+                        <a:lnSpc>
+                          <a:spcPct val="200000"/>
+                        </a:lnSpc>
+                      </a:pPr>
+                      <a:r>
+                        <a:rPr lang="ru-RU" sz="1800" b="0" i="0" u="none" strike="noStrike" dirty="0">
+                          <a:solidFill>
+                            <a:srgbClr val="000000"/>
+                          </a:solidFill>
+                          <a:effectLst/>
+                          <a:latin typeface="Calibri"/>
+                        </a:rPr>
+                        <a:t>69624</a:t>
+                      </a:r>
+                    </a:p>
+                  </a:txBody>
+                  <a:tcPr marL="9525" marR="9525" marT="9525" marB="0" anchor="ctr"/>
+                </a:tc>
+                <a:tc>
+                  <a:txBody>
+                    <a:bodyPr/>
+                    <a:lstStyle/>
+                    <a:p>
+                      <a:pPr algn="r" fontAlgn="b">
+                        <a:lnSpc>
+                          <a:spcPct val="200000"/>
+                        </a:lnSpc>
+                      </a:pPr>
+                      <a:r>
+                        <a:rPr lang="ru-RU" sz="1800" b="0" i="0" u="none" strike="noStrike" dirty="0">
+                          <a:solidFill>
+                            <a:srgbClr val="000000"/>
+                          </a:solidFill>
+                          <a:effectLst/>
+                          <a:latin typeface="Calibri"/>
+                        </a:rPr>
+                        <a:t>334,7308</a:t>
+                      </a:r>
+                    </a:p>
+                  </a:txBody>
+                  <a:tcPr marL="9525" marR="9525" marT="9525" marB="0" anchor="ctr"/>
+                </a:tc>
+              </a:tr>
+              <a:tr h="339937">
+                <a:tc>
+                  <a:txBody>
+                    <a:bodyPr/>
+                    <a:lstStyle/>
+                    <a:p>
+                      <a:r>
+                        <a:rPr lang="ru-RU" dirty="0" smtClean="0"/>
+                        <a:t>Новая газета</a:t>
+                      </a:r>
+                      <a:endParaRPr lang="ru-RU" dirty="0"/>
+                    </a:p>
+                  </a:txBody>
+                  <a:tcPr anchor="ctr"/>
+                </a:tc>
+                <a:tc>
+                  <a:txBody>
+                    <a:bodyPr/>
+                    <a:lstStyle/>
+                    <a:p>
+                      <a:pPr algn="r" fontAlgn="b">
+                        <a:lnSpc>
+                          <a:spcPct val="200000"/>
+                        </a:lnSpc>
+                      </a:pPr>
+                      <a:r>
+                        <a:rPr lang="ru-RU" sz="1800" b="0" i="0" u="none" strike="noStrike">
+                          <a:solidFill>
+                            <a:srgbClr val="000000"/>
+                          </a:solidFill>
+                          <a:effectLst/>
+                          <a:latin typeface="Calibri"/>
+                        </a:rPr>
+                        <a:t>785</a:t>
+                      </a:r>
+                    </a:p>
+                  </a:txBody>
+                  <a:tcPr marL="9525" marR="9525" marT="9525" marB="0" anchor="ctr"/>
+                </a:tc>
+                <a:tc>
+                  <a:txBody>
+                    <a:bodyPr/>
+                    <a:lstStyle/>
+                    <a:p>
+                      <a:pPr algn="r" fontAlgn="b">
+                        <a:lnSpc>
+                          <a:spcPct val="200000"/>
+                        </a:lnSpc>
+                      </a:pPr>
+                      <a:r>
+                        <a:rPr lang="ru-RU" sz="1800" b="0" i="0" u="none" strike="noStrike" dirty="0">
+                          <a:solidFill>
+                            <a:srgbClr val="000000"/>
+                          </a:solidFill>
+                          <a:effectLst/>
+                          <a:latin typeface="Calibri"/>
+                        </a:rPr>
+                        <a:t>460777</a:t>
+                      </a:r>
+                    </a:p>
+                  </a:txBody>
+                  <a:tcPr marL="9525" marR="9525" marT="9525" marB="0" anchor="ctr"/>
+                </a:tc>
+                <a:tc>
+                  <a:txBody>
+                    <a:bodyPr/>
+                    <a:lstStyle/>
+                    <a:p>
+                      <a:pPr algn="r" fontAlgn="b">
+                        <a:lnSpc>
+                          <a:spcPct val="200000"/>
+                        </a:lnSpc>
+                      </a:pPr>
+                      <a:r>
+                        <a:rPr lang="ru-RU" sz="1800" b="0" i="0" u="none" strike="noStrike" dirty="0">
+                          <a:solidFill>
+                            <a:srgbClr val="000000"/>
+                          </a:solidFill>
+                          <a:effectLst/>
+                          <a:latin typeface="Calibri"/>
+                        </a:rPr>
+                        <a:t>586,9771</a:t>
+                      </a:r>
+                    </a:p>
+                  </a:txBody>
+                  <a:tcPr marL="9525" marR="9525" marT="9525" marB="0" anchor="ctr"/>
+                </a:tc>
+              </a:tr>
+              <a:tr h="681238">
+                <a:tc>
+                  <a:txBody>
+                    <a:bodyPr/>
+                    <a:lstStyle/>
+                    <a:p>
+                      <a:r>
+                        <a:rPr lang="ru-RU" dirty="0" smtClean="0"/>
+                        <a:t>Для</a:t>
+                      </a:r>
+                      <a:r>
+                        <a:rPr lang="ru-RU" baseline="0" dirty="0" smtClean="0"/>
+                        <a:t> всего корпуса</a:t>
+                      </a:r>
+                      <a:endParaRPr lang="ru-RU" dirty="0"/>
+                    </a:p>
+                  </a:txBody>
+                  <a:tcPr anchor="ctr"/>
+                </a:tc>
+                <a:tc>
+                  <a:txBody>
+                    <a:bodyPr/>
+                    <a:lstStyle/>
+                    <a:p>
+                      <a:pPr algn="r" fontAlgn="b">
+                        <a:lnSpc>
+                          <a:spcPct val="200000"/>
+                        </a:lnSpc>
+                      </a:pPr>
+                      <a:r>
+                        <a:rPr lang="ru-RU" sz="1800" b="0" i="0" u="none" strike="noStrike">
+                          <a:solidFill>
+                            <a:srgbClr val="000000"/>
+                          </a:solidFill>
+                          <a:effectLst/>
+                          <a:latin typeface="Calibri"/>
+                        </a:rPr>
+                        <a:t>995</a:t>
+                      </a:r>
+                    </a:p>
+                  </a:txBody>
+                  <a:tcPr marL="9525" marR="9525" marT="9525" marB="0" anchor="ctr"/>
+                </a:tc>
+                <a:tc>
+                  <a:txBody>
+                    <a:bodyPr/>
+                    <a:lstStyle/>
+                    <a:p>
+                      <a:pPr algn="r" fontAlgn="b">
+                        <a:lnSpc>
+                          <a:spcPct val="200000"/>
+                        </a:lnSpc>
+                      </a:pPr>
+                      <a:r>
+                        <a:rPr lang="ru-RU" sz="1800" b="0" i="0" u="none" strike="noStrike" dirty="0">
+                          <a:solidFill>
+                            <a:srgbClr val="000000"/>
+                          </a:solidFill>
+                          <a:effectLst/>
+                          <a:latin typeface="Calibri"/>
+                        </a:rPr>
+                        <a:t>530401</a:t>
+                      </a:r>
+                    </a:p>
+                  </a:txBody>
+                  <a:tcPr marL="9525" marR="9525" marT="9525" marB="0" anchor="ctr"/>
+                </a:tc>
+                <a:tc>
+                  <a:txBody>
+                    <a:bodyPr/>
+                    <a:lstStyle/>
+                    <a:p>
+                      <a:pPr algn="r" fontAlgn="b">
+                        <a:lnSpc>
+                          <a:spcPct val="200000"/>
+                        </a:lnSpc>
+                      </a:pPr>
+                      <a:r>
+                        <a:rPr lang="ru-RU" sz="1800" b="0" i="0" u="none" strike="noStrike" dirty="0">
+                          <a:solidFill>
+                            <a:srgbClr val="000000"/>
+                          </a:solidFill>
+                          <a:effectLst/>
+                          <a:latin typeface="Calibri"/>
+                        </a:rPr>
+                        <a:t>533,0663</a:t>
+                      </a:r>
+                    </a:p>
+                  </a:txBody>
+                  <a:tcPr marL="9525" marR="9525" marT="9525" marB="0" anchor="ctr"/>
                 </a:tc>
               </a:tr>
             </a:tbl>
@@ -6865,7 +12705,7 @@
     </p:spTree>
     <p:extLst>
       <p:ext uri="{BB962C8B-B14F-4D97-AF65-F5344CB8AC3E}">
-        <p14:creationId xmlns:p14="http://schemas.microsoft.com/office/powerpoint/2010/main" val="3759502594"/>
+        <p14:creationId xmlns:p14="http://schemas.microsoft.com/office/powerpoint/2010/main" val="2317270291"/>
       </p:ext>
     </p:extLst>
   </p:cSld>
@@ -6905,17 +12745,17 @@
         <p:spPr/>
         <p:txBody>
           <a:bodyPr>
-            <a:normAutofit fontScale="90000"/>
+            <a:normAutofit/>
           </a:bodyPr>
           <a:lstStyle/>
           <a:p>
             <a:r>
               <a:rPr lang="ru-RU" dirty="0" smtClean="0"/>
-              <a:t>Со употребление наиболее частных </a:t>
+              <a:t>Частотность </a:t>
             </a:r>
             <a:r>
               <a:rPr lang="ru-RU" dirty="0" smtClean="0"/>
-              <a:t>биграмм</a:t>
+              <a:t>слов. Весь корпус</a:t>
             </a:r>
             <a:endParaRPr lang="ru-RU" dirty="0"/>
           </a:p>
@@ -6933,23 +12773,92 @@
         </p:nvSpPr>
         <p:spPr/>
         <p:txBody>
-          <a:bodyPr/>
+          <a:bodyPr>
+            <a:normAutofit fontScale="85000" lnSpcReduction="20000"/>
+          </a:bodyPr>
           <a:lstStyle/>
           <a:p>
-            <a:endParaRPr lang="ru-RU"/>
+            <a:r>
+              <a:rPr lang="ru-RU" dirty="0"/>
+              <a:t>человек 1908</a:t>
+            </a:r>
+          </a:p>
+          <a:p>
+            <a:r>
+              <a:rPr lang="ru-RU" dirty="0"/>
+              <a:t>россия 1830</a:t>
+            </a:r>
+          </a:p>
+          <a:p>
+            <a:r>
+              <a:rPr lang="ru-RU" dirty="0"/>
+              <a:t>газета 1489</a:t>
+            </a:r>
+          </a:p>
+          <a:p>
+            <a:r>
+              <a:rPr lang="ru-RU" dirty="0"/>
+              <a:t>самый 1377</a:t>
+            </a:r>
+          </a:p>
+          <a:p>
+            <a:r>
+              <a:rPr lang="ru-RU" dirty="0"/>
+              <a:t>время 1340</a:t>
+            </a:r>
+          </a:p>
+          <a:p>
+            <a:r>
+              <a:rPr lang="ru-RU" dirty="0"/>
+              <a:t>два 1309</a:t>
+            </a:r>
+          </a:p>
+          <a:p>
+            <a:r>
+              <a:rPr lang="ru-RU" dirty="0"/>
+              <a:t>стать 1259</a:t>
+            </a:r>
+          </a:p>
+          <a:p>
+            <a:r>
+              <a:rPr lang="ru-RU" dirty="0"/>
+              <a:t>дело 1203</a:t>
+            </a:r>
+          </a:p>
+          <a:p>
+            <a:r>
+              <a:rPr lang="ru-RU" dirty="0"/>
+              <a:t>страна 1175</a:t>
+            </a:r>
+          </a:p>
+          <a:p>
+            <a:r>
+              <a:rPr lang="ru-RU" dirty="0"/>
+              <a:t>информация 1157</a:t>
+            </a:r>
+          </a:p>
+          <a:p>
+            <a:endParaRPr lang="ru-RU" dirty="0"/>
           </a:p>
         </p:txBody>
       </p:sp>
     </p:spTree>
     <p:extLst>
       <p:ext uri="{BB962C8B-B14F-4D97-AF65-F5344CB8AC3E}">
-        <p14:creationId xmlns:p14="http://schemas.microsoft.com/office/powerpoint/2010/main" val="1352995081"/>
+        <p14:creationId xmlns:p14="http://schemas.microsoft.com/office/powerpoint/2010/main" val="1753886489"/>
       </p:ext>
     </p:extLst>
   </p:cSld>
   <p:clrMapOvr>
     <a:masterClrMapping/>
   </p:clrMapOvr>
+  <p:timing>
+    <p:tnLst>
+      <p:par>
+        <p:cTn id="1" dur="indefinite" restart="never" nodeType="tmRoot"/>
+      </p:par>
+    </p:tnLst>
+  </p:timing>
 </p:sld>
 </file>
 
@@ -7236,4 +13145,289 @@
   <a:objectDefaults/>
   <a:extraClrSchemeLst/>
 </a:theme>
+</file>
+
+<file path=ppt/theme/theme2.xml><?xml version="1.0" encoding="utf-8"?>
+<a:theme xmlns:a="http://schemas.openxmlformats.org/drawingml/2006/main" name="Тема Office">
+  <a:themeElements>
+    <a:clrScheme name="Стандартная">
+      <a:dk1>
+        <a:sysClr val="windowText" lastClr="000000"/>
+      </a:dk1>
+      <a:lt1>
+        <a:sysClr val="window" lastClr="FFFFFF"/>
+      </a:lt1>
+      <a:dk2>
+        <a:srgbClr val="1F497D"/>
+      </a:dk2>
+      <a:lt2>
+        <a:srgbClr val="EEECE1"/>
+      </a:lt2>
+      <a:accent1>
+        <a:srgbClr val="4F81BD"/>
+      </a:accent1>
+      <a:accent2>
+        <a:srgbClr val="C0504D"/>
+      </a:accent2>
+      <a:accent3>
+        <a:srgbClr val="9BBB59"/>
+      </a:accent3>
+      <a:accent4>
+        <a:srgbClr val="8064A2"/>
+      </a:accent4>
+      <a:accent5>
+        <a:srgbClr val="4BACC6"/>
+      </a:accent5>
+      <a:accent6>
+        <a:srgbClr val="F79646"/>
+      </a:accent6>
+      <a:hlink>
+        <a:srgbClr val="0000FF"/>
+      </a:hlink>
+      <a:folHlink>
+        <a:srgbClr val="800080"/>
+      </a:folHlink>
+    </a:clrScheme>
+    <a:fontScheme name="Стандартная">
+      <a:majorFont>
+        <a:latin typeface="Calibri"/>
+        <a:ea typeface=""/>
+        <a:cs typeface=""/>
+        <a:font script="Jpan" typeface="ＭＳ Ｐゴシック"/>
+        <a:font script="Hang" typeface="맑은 고딕"/>
+        <a:font script="Hans" typeface="宋体"/>
+        <a:font script="Hant" typeface="新細明體"/>
+        <a:font script="Arab" typeface="Times New Roman"/>
+        <a:font script="Hebr" typeface="Times New Roman"/>
+        <a:font script="Thai" typeface="Angsana New"/>
+        <a:font script="Ethi" typeface="Nyala"/>
+        <a:font script="Beng" typeface="Vrinda"/>
+        <a:font script="Gujr" typeface="Shruti"/>
+        <a:font script="Khmr" typeface="MoolBoran"/>
+        <a:font script="Knda" typeface="Tunga"/>
+        <a:font script="Guru" typeface="Raavi"/>
+        <a:font script="Cans" typeface="Euphemia"/>
+        <a:font script="Cher" typeface="Plantagenet Cherokee"/>
+        <a:font script="Yiii" typeface="Microsoft Yi Baiti"/>
+        <a:font script="Tibt" typeface="Microsoft Himalaya"/>
+        <a:font script="Thaa" typeface="MV Boli"/>
+        <a:font script="Deva" typeface="Mangal"/>
+        <a:font script="Telu" typeface="Gautami"/>
+        <a:font script="Taml" typeface="Latha"/>
+        <a:font script="Syrc" typeface="Estrangelo Edessa"/>
+        <a:font script="Orya" typeface="Kalinga"/>
+        <a:font script="Mlym" typeface="Kartika"/>
+        <a:font script="Laoo" typeface="DokChampa"/>
+        <a:font script="Sinh" typeface="Iskoola Pota"/>
+        <a:font script="Mong" typeface="Mongolian Baiti"/>
+        <a:font script="Viet" typeface="Times New Roman"/>
+        <a:font script="Uigh" typeface="Microsoft Uighur"/>
+        <a:font script="Geor" typeface="Sylfaen"/>
+      </a:majorFont>
+      <a:minorFont>
+        <a:latin typeface="Calibri"/>
+        <a:ea typeface=""/>
+        <a:cs typeface=""/>
+        <a:font script="Jpan" typeface="ＭＳ Ｐゴシック"/>
+        <a:font script="Hang" typeface="맑은 고딕"/>
+        <a:font script="Hans" typeface="宋体"/>
+        <a:font script="Hant" typeface="新細明體"/>
+        <a:font script="Arab" typeface="Arial"/>
+        <a:font script="Hebr" typeface="Arial"/>
+        <a:font script="Thai" typeface="Cordia New"/>
+        <a:font script="Ethi" typeface="Nyala"/>
+        <a:font script="Beng" typeface="Vrinda"/>
+        <a:font script="Gujr" typeface="Shruti"/>
+        <a:font script="Khmr" typeface="DaunPenh"/>
+        <a:font script="Knda" typeface="Tunga"/>
+        <a:font script="Guru" typeface="Raavi"/>
+        <a:font script="Cans" typeface="Euphemia"/>
+        <a:font script="Cher" typeface="Plantagenet Cherokee"/>
+        <a:font script="Yiii" typeface="Microsoft Yi Baiti"/>
+        <a:font script="Tibt" typeface="Microsoft Himalaya"/>
+        <a:font script="Thaa" typeface="MV Boli"/>
+        <a:font script="Deva" typeface="Mangal"/>
+        <a:font script="Telu" typeface="Gautami"/>
+        <a:font script="Taml" typeface="Latha"/>
+        <a:font script="Syrc" typeface="Estrangelo Edessa"/>
+        <a:font script="Orya" typeface="Kalinga"/>
+        <a:font script="Mlym" typeface="Kartika"/>
+        <a:font script="Laoo" typeface="DokChampa"/>
+        <a:font script="Sinh" typeface="Iskoola Pota"/>
+        <a:font script="Mong" typeface="Mongolian Baiti"/>
+        <a:font script="Viet" typeface="Arial"/>
+        <a:font script="Uigh" typeface="Microsoft Uighur"/>
+        <a:font script="Geor" typeface="Sylfaen"/>
+      </a:minorFont>
+    </a:fontScheme>
+    <a:fmtScheme name="Стандартная">
+      <a:fillStyleLst>
+        <a:solidFill>
+          <a:schemeClr val="phClr"/>
+        </a:solidFill>
+        <a:gradFill rotWithShape="1">
+          <a:gsLst>
+            <a:gs pos="0">
+              <a:schemeClr val="phClr">
+                <a:tint val="50000"/>
+                <a:satMod val="300000"/>
+              </a:schemeClr>
+            </a:gs>
+            <a:gs pos="35000">
+              <a:schemeClr val="phClr">
+                <a:tint val="37000"/>
+                <a:satMod val="300000"/>
+              </a:schemeClr>
+            </a:gs>
+            <a:gs pos="100000">
+              <a:schemeClr val="phClr">
+                <a:tint val="15000"/>
+                <a:satMod val="350000"/>
+              </a:schemeClr>
+            </a:gs>
+          </a:gsLst>
+          <a:lin ang="16200000" scaled="1"/>
+        </a:gradFill>
+        <a:gradFill rotWithShape="1">
+          <a:gsLst>
+            <a:gs pos="0">
+              <a:schemeClr val="phClr">
+                <a:shade val="51000"/>
+                <a:satMod val="130000"/>
+              </a:schemeClr>
+            </a:gs>
+            <a:gs pos="80000">
+              <a:schemeClr val="phClr">
+                <a:shade val="93000"/>
+                <a:satMod val="130000"/>
+              </a:schemeClr>
+            </a:gs>
+            <a:gs pos="100000">
+              <a:schemeClr val="phClr">
+                <a:shade val="94000"/>
+                <a:satMod val="135000"/>
+              </a:schemeClr>
+            </a:gs>
+          </a:gsLst>
+          <a:lin ang="16200000" scaled="0"/>
+        </a:gradFill>
+      </a:fillStyleLst>
+      <a:lnStyleLst>
+        <a:ln w="9525" cap="flat" cmpd="sng" algn="ctr">
+          <a:solidFill>
+            <a:schemeClr val="phClr">
+              <a:shade val="95000"/>
+              <a:satMod val="105000"/>
+            </a:schemeClr>
+          </a:solidFill>
+          <a:prstDash val="solid"/>
+        </a:ln>
+        <a:ln w="25400" cap="flat" cmpd="sng" algn="ctr">
+          <a:solidFill>
+            <a:schemeClr val="phClr"/>
+          </a:solidFill>
+          <a:prstDash val="solid"/>
+        </a:ln>
+        <a:ln w="38100" cap="flat" cmpd="sng" algn="ctr">
+          <a:solidFill>
+            <a:schemeClr val="phClr"/>
+          </a:solidFill>
+          <a:prstDash val="solid"/>
+        </a:ln>
+      </a:lnStyleLst>
+      <a:effectStyleLst>
+        <a:effectStyle>
+          <a:effectLst>
+            <a:outerShdw blurRad="40000" dist="20000" dir="5400000" rotWithShape="0">
+              <a:srgbClr val="000000">
+                <a:alpha val="38000"/>
+              </a:srgbClr>
+            </a:outerShdw>
+          </a:effectLst>
+        </a:effectStyle>
+        <a:effectStyle>
+          <a:effectLst>
+            <a:outerShdw blurRad="40000" dist="23000" dir="5400000" rotWithShape="0">
+              <a:srgbClr val="000000">
+                <a:alpha val="35000"/>
+              </a:srgbClr>
+            </a:outerShdw>
+          </a:effectLst>
+        </a:effectStyle>
+        <a:effectStyle>
+          <a:effectLst>
+            <a:outerShdw blurRad="40000" dist="23000" dir="5400000" rotWithShape="0">
+              <a:srgbClr val="000000">
+                <a:alpha val="35000"/>
+              </a:srgbClr>
+            </a:outerShdw>
+          </a:effectLst>
+          <a:scene3d>
+            <a:camera prst="orthographicFront">
+              <a:rot lat="0" lon="0" rev="0"/>
+            </a:camera>
+            <a:lightRig rig="threePt" dir="t">
+              <a:rot lat="0" lon="0" rev="1200000"/>
+            </a:lightRig>
+          </a:scene3d>
+          <a:sp3d>
+            <a:bevelT w="63500" h="25400"/>
+          </a:sp3d>
+        </a:effectStyle>
+      </a:effectStyleLst>
+      <a:bgFillStyleLst>
+        <a:solidFill>
+          <a:schemeClr val="phClr"/>
+        </a:solidFill>
+        <a:gradFill rotWithShape="1">
+          <a:gsLst>
+            <a:gs pos="0">
+              <a:schemeClr val="phClr">
+                <a:tint val="40000"/>
+                <a:satMod val="350000"/>
+              </a:schemeClr>
+            </a:gs>
+            <a:gs pos="40000">
+              <a:schemeClr val="phClr">
+                <a:tint val="45000"/>
+                <a:shade val="99000"/>
+                <a:satMod val="350000"/>
+              </a:schemeClr>
+            </a:gs>
+            <a:gs pos="100000">
+              <a:schemeClr val="phClr">
+                <a:shade val="20000"/>
+                <a:satMod val="255000"/>
+              </a:schemeClr>
+            </a:gs>
+          </a:gsLst>
+          <a:path path="circle">
+            <a:fillToRect l="50000" t="-80000" r="50000" b="180000"/>
+          </a:path>
+        </a:gradFill>
+        <a:gradFill rotWithShape="1">
+          <a:gsLst>
+            <a:gs pos="0">
+              <a:schemeClr val="phClr">
+                <a:tint val="80000"/>
+                <a:satMod val="300000"/>
+              </a:schemeClr>
+            </a:gs>
+            <a:gs pos="100000">
+              <a:schemeClr val="phClr">
+                <a:shade val="30000"/>
+                <a:satMod val="200000"/>
+              </a:schemeClr>
+            </a:gs>
+          </a:gsLst>
+          <a:path path="circle">
+            <a:fillToRect l="50000" t="50000" r="50000" b="50000"/>
+          </a:path>
+        </a:gradFill>
+      </a:bgFillStyleLst>
+    </a:fmtScheme>
+  </a:themeElements>
+  <a:objectDefaults/>
+  <a:extraClrSchemeLst/>
+</a:theme>
 </file>
--- a/ng_rg_presentation.pptx
+++ b/ng_rg_presentation.pptx
@@ -277,11 +277,11 @@
         </c:dLbls>
         <c:marker val="1"/>
         <c:smooth val="0"/>
-        <c:axId val="79676160"/>
-        <c:axId val="80460032"/>
+        <c:axId val="101521664"/>
+        <c:axId val="101523456"/>
       </c:lineChart>
       <c:catAx>
-        <c:axId val="79676160"/>
+        <c:axId val="101521664"/>
         <c:scaling>
           <c:orientation val="minMax"/>
         </c:scaling>
@@ -301,7 +301,7 @@
             <a:endParaRPr lang="ru-RU"/>
           </a:p>
         </c:txPr>
-        <c:crossAx val="80460032"/>
+        <c:crossAx val="101523456"/>
         <c:crosses val="autoZero"/>
         <c:auto val="1"/>
         <c:lblAlgn val="ctr"/>
@@ -309,7 +309,7 @@
         <c:noMultiLvlLbl val="0"/>
       </c:catAx>
       <c:valAx>
-        <c:axId val="80460032"/>
+        <c:axId val="101523456"/>
         <c:scaling>
           <c:orientation val="minMax"/>
         </c:scaling>
@@ -330,7 +330,7 @@
             <a:endParaRPr lang="ru-RU"/>
           </a:p>
         </c:txPr>
-        <c:crossAx val="79676160"/>
+        <c:crossAx val="101521664"/>
         <c:crosses val="autoZero"/>
         <c:crossBetween val="between"/>
       </c:valAx>
@@ -458,7 +458,7 @@
           <a:p>
             <a:fld id="{AC29C1C2-609A-4714-B534-CD18C872E486}" type="datetimeFigureOut">
               <a:rPr lang="ru-RU" smtClean="0"/>
-              <a:t>20.03.2016</a:t>
+              <a:t>21.03.2016</a:t>
             </a:fld>
             <a:endParaRPr lang="ru-RU"/>
           </a:p>
@@ -991,7 +991,7 @@
           <a:p>
             <a:fld id="{8558E43F-AC51-46A6-969B-DF0AF1B9D664}" type="datetimeFigureOut">
               <a:rPr lang="ru-RU" smtClean="0"/>
-              <a:t>20.03.2016</a:t>
+              <a:t>21.03.2016</a:t>
             </a:fld>
             <a:endParaRPr lang="ru-RU"/>
           </a:p>
@@ -1161,7 +1161,7 @@
           <a:p>
             <a:fld id="{8558E43F-AC51-46A6-969B-DF0AF1B9D664}" type="datetimeFigureOut">
               <a:rPr lang="ru-RU" smtClean="0"/>
-              <a:t>20.03.2016</a:t>
+              <a:t>21.03.2016</a:t>
             </a:fld>
             <a:endParaRPr lang="ru-RU"/>
           </a:p>
@@ -1341,7 +1341,7 @@
           <a:p>
             <a:fld id="{8558E43F-AC51-46A6-969B-DF0AF1B9D664}" type="datetimeFigureOut">
               <a:rPr lang="ru-RU" smtClean="0"/>
-              <a:t>20.03.2016</a:t>
+              <a:t>21.03.2016</a:t>
             </a:fld>
             <a:endParaRPr lang="ru-RU"/>
           </a:p>
@@ -1511,7 +1511,7 @@
           <a:p>
             <a:fld id="{8558E43F-AC51-46A6-969B-DF0AF1B9D664}" type="datetimeFigureOut">
               <a:rPr lang="ru-RU" smtClean="0"/>
-              <a:t>20.03.2016</a:t>
+              <a:t>21.03.2016</a:t>
             </a:fld>
             <a:endParaRPr lang="ru-RU"/>
           </a:p>
@@ -1757,7 +1757,7 @@
           <a:p>
             <a:fld id="{8558E43F-AC51-46A6-969B-DF0AF1B9D664}" type="datetimeFigureOut">
               <a:rPr lang="ru-RU" smtClean="0"/>
-              <a:t>20.03.2016</a:t>
+              <a:t>21.03.2016</a:t>
             </a:fld>
             <a:endParaRPr lang="ru-RU"/>
           </a:p>
@@ -2045,7 +2045,7 @@
           <a:p>
             <a:fld id="{8558E43F-AC51-46A6-969B-DF0AF1B9D664}" type="datetimeFigureOut">
               <a:rPr lang="ru-RU" smtClean="0"/>
-              <a:t>20.03.2016</a:t>
+              <a:t>21.03.2016</a:t>
             </a:fld>
             <a:endParaRPr lang="ru-RU"/>
           </a:p>
@@ -2467,7 +2467,7 @@
           <a:p>
             <a:fld id="{8558E43F-AC51-46A6-969B-DF0AF1B9D664}" type="datetimeFigureOut">
               <a:rPr lang="ru-RU" smtClean="0"/>
-              <a:t>20.03.2016</a:t>
+              <a:t>21.03.2016</a:t>
             </a:fld>
             <a:endParaRPr lang="ru-RU"/>
           </a:p>
@@ -2585,7 +2585,7 @@
           <a:p>
             <a:fld id="{8558E43F-AC51-46A6-969B-DF0AF1B9D664}" type="datetimeFigureOut">
               <a:rPr lang="ru-RU" smtClean="0"/>
-              <a:t>20.03.2016</a:t>
+              <a:t>21.03.2016</a:t>
             </a:fld>
             <a:endParaRPr lang="ru-RU"/>
           </a:p>
@@ -2680,7 +2680,7 @@
           <a:p>
             <a:fld id="{8558E43F-AC51-46A6-969B-DF0AF1B9D664}" type="datetimeFigureOut">
               <a:rPr lang="ru-RU" smtClean="0"/>
-              <a:t>20.03.2016</a:t>
+              <a:t>21.03.2016</a:t>
             </a:fld>
             <a:endParaRPr lang="ru-RU"/>
           </a:p>
@@ -2957,7 +2957,7 @@
           <a:p>
             <a:fld id="{8558E43F-AC51-46A6-969B-DF0AF1B9D664}" type="datetimeFigureOut">
               <a:rPr lang="ru-RU" smtClean="0"/>
-              <a:t>20.03.2016</a:t>
+              <a:t>21.03.2016</a:t>
             </a:fld>
             <a:endParaRPr lang="ru-RU"/>
           </a:p>
@@ -3210,7 +3210,7 @@
           <a:p>
             <a:fld id="{8558E43F-AC51-46A6-969B-DF0AF1B9D664}" type="datetimeFigureOut">
               <a:rPr lang="ru-RU" smtClean="0"/>
-              <a:t>20.03.2016</a:t>
+              <a:t>21.03.2016</a:t>
             </a:fld>
             <a:endParaRPr lang="ru-RU"/>
           </a:p>
@@ -3423,7 +3423,7 @@
           <a:p>
             <a:fld id="{8558E43F-AC51-46A6-969B-DF0AF1B9D664}" type="datetimeFigureOut">
               <a:rPr lang="ru-RU" smtClean="0"/>
-              <a:t>20.03.2016</a:t>
+              <a:t>21.03.2016</a:t>
             </a:fld>
             <a:endParaRPr lang="ru-RU"/>
           </a:p>
@@ -3852,46 +3852,102 @@
           <a:p>
             <a:pPr algn="r"/>
             <a:r>
-              <a:rPr lang="ru-RU" dirty="0" err="1" smtClean="0"/>
+              <a:rPr lang="ru-RU" dirty="0" err="1" smtClean="0">
+                <a:solidFill>
+                  <a:schemeClr val="tx1">
+                    <a:lumMod val="65000"/>
+                    <a:lumOff val="35000"/>
+                  </a:schemeClr>
+                </a:solidFill>
+              </a:rPr>
               <a:t>Желонкин</a:t>
             </a:r>
             <a:r>
-              <a:rPr lang="ru-RU" dirty="0" smtClean="0"/>
+              <a:rPr lang="ru-RU" dirty="0" smtClean="0">
+                <a:solidFill>
+                  <a:schemeClr val="tx1">
+                    <a:lumMod val="65000"/>
+                    <a:lumOff val="35000"/>
+                  </a:schemeClr>
+                </a:solidFill>
+              </a:rPr>
               <a:t> Дмитрий</a:t>
             </a:r>
           </a:p>
           <a:p>
             <a:pPr algn="r"/>
             <a:r>
-              <a:rPr lang="ru-RU" dirty="0" smtClean="0"/>
+              <a:rPr lang="ru-RU" dirty="0" smtClean="0">
+                <a:solidFill>
+                  <a:schemeClr val="tx1">
+                    <a:lumMod val="65000"/>
+                    <a:lumOff val="35000"/>
+                  </a:schemeClr>
+                </a:solidFill>
+              </a:rPr>
               <a:t>Мищенко Владислав</a:t>
             </a:r>
           </a:p>
           <a:p>
             <a:pPr algn="r"/>
             <a:r>
-              <a:rPr lang="ru-RU" dirty="0" smtClean="0"/>
+              <a:rPr lang="ru-RU" dirty="0" smtClean="0">
+                <a:solidFill>
+                  <a:schemeClr val="tx1">
+                    <a:lumMod val="65000"/>
+                    <a:lumOff val="35000"/>
+                  </a:schemeClr>
+                </a:solidFill>
+              </a:rPr>
               <a:t>Рассадин Александр</a:t>
             </a:r>
           </a:p>
           <a:p>
             <a:pPr algn="r"/>
             <a:r>
-              <a:rPr lang="ru-RU" dirty="0" err="1" smtClean="0"/>
+              <a:rPr lang="ru-RU" dirty="0" err="1" smtClean="0">
+                <a:solidFill>
+                  <a:schemeClr val="tx1">
+                    <a:lumMod val="65000"/>
+                    <a:lumOff val="35000"/>
+                  </a:schemeClr>
+                </a:solidFill>
+              </a:rPr>
               <a:t>Русов</a:t>
             </a:r>
             <a:r>
-              <a:rPr lang="ru-RU" dirty="0" smtClean="0"/>
+              <a:rPr lang="ru-RU" dirty="0" smtClean="0">
+                <a:solidFill>
+                  <a:schemeClr val="tx1">
+                    <a:lumMod val="65000"/>
+                    <a:lumOff val="35000"/>
+                  </a:schemeClr>
+                </a:solidFill>
+              </a:rPr>
               <a:t> Николай </a:t>
             </a:r>
           </a:p>
           <a:p>
             <a:pPr algn="r"/>
             <a:r>
-              <a:rPr lang="ru-RU" dirty="0" smtClean="0"/>
+              <a:rPr lang="ru-RU" dirty="0" smtClean="0">
+                <a:solidFill>
+                  <a:schemeClr val="tx1">
+                    <a:lumMod val="65000"/>
+                    <a:lumOff val="35000"/>
+                  </a:schemeClr>
+                </a:solidFill>
+              </a:rPr>
               <a:t>Соколов Артем</a:t>
             </a:r>
-            <a:endParaRPr lang="ru-RU" dirty="0"/>
+            <a:endParaRPr lang="ru-RU" dirty="0">
+              <a:solidFill>
+                <a:schemeClr val="tx1">
+                  <a:lumMod val="65000"/>
+                  <a:lumOff val="35000"/>
+                </a:schemeClr>
+              </a:solidFill>
+            </a:endParaRPr>
           </a:p>
         </p:txBody>
       </p:sp>
@@ -4175,11 +4231,7 @@
           <a:p>
             <a:r>
               <a:rPr lang="ru-RU" dirty="0" smtClean="0"/>
-              <a:t>Частотность </a:t>
-            </a:r>
-            <a:r>
-              <a:rPr lang="ru-RU" dirty="0" smtClean="0"/>
-              <a:t>биграмм. Весь корпус</a:t>
+              <a:t>Частотность биграмм. Весь корпус</a:t>
             </a:r>
             <a:endParaRPr lang="ru-RU" dirty="0"/>
           </a:p>
@@ -4203,8 +4255,12 @@
           <a:lstStyle/>
           <a:p>
             <a:r>
+              <a:rPr lang="ru-RU" b="1" dirty="0"/>
+              <a:t>источник информация </a:t>
+            </a:r>
+            <a:r>
               <a:rPr lang="ru-RU" dirty="0"/>
-              <a:t>источник информация 890</a:t>
+              <a:t>890</a:t>
             </a:r>
           </a:p>
           <a:p>
@@ -4215,8 +4271,12 @@
           </a:p>
           <a:p>
             <a:r>
+              <a:rPr lang="ru-RU" b="1" dirty="0"/>
+              <a:t>должный быть </a:t>
+            </a:r>
+            <a:r>
               <a:rPr lang="ru-RU" dirty="0"/>
-              <a:t>должный быть 255</a:t>
+              <a:t>255</a:t>
             </a:r>
           </a:p>
           <a:p>
@@ -4227,14 +4287,22 @@
           </a:p>
           <a:p>
             <a:r>
+              <a:rPr lang="ru-RU" b="1" dirty="0"/>
+              <a:t>миллион доллар </a:t>
+            </a:r>
+            <a:r>
               <a:rPr lang="ru-RU" dirty="0"/>
-              <a:t>миллион доллар 154</a:t>
-            </a:r>
-          </a:p>
-          <a:p>
+              <a:t>154</a:t>
+            </a:r>
+          </a:p>
+          <a:p>
+            <a:r>
+              <a:rPr lang="ru-RU" b="1" dirty="0"/>
+              <a:t>прошлое год </a:t>
+            </a:r>
             <a:r>
               <a:rPr lang="ru-RU" dirty="0"/>
-              <a:t>прошлое год 154</a:t>
+              <a:t>154</a:t>
             </a:r>
           </a:p>
           <a:p>
@@ -4548,11 +4616,7 @@
           <a:p>
             <a:r>
               <a:rPr lang="ru-RU" dirty="0" smtClean="0"/>
-              <a:t>Частотность </a:t>
-            </a:r>
-            <a:r>
-              <a:rPr lang="ru-RU" dirty="0" smtClean="0"/>
-              <a:t>триграмм. Весь корпус</a:t>
+              <a:t>Частотность триграмм. Весь корпус</a:t>
             </a:r>
             <a:endParaRPr lang="ru-RU" dirty="0"/>
           </a:p>
@@ -4606,14 +4670,22 @@
           </a:p>
           <a:p>
             <a:r>
+              <a:rPr lang="ru-RU" b="1" dirty="0"/>
+              <a:t>возбудить уголовный дело </a:t>
+            </a:r>
+            <a:r>
               <a:rPr lang="ru-RU" dirty="0"/>
-              <a:t>возбудить уголовный дело 29</a:t>
-            </a:r>
-          </a:p>
-          <a:p>
+              <a:t>29</a:t>
+            </a:r>
+          </a:p>
+          <a:p>
+            <a:r>
+              <a:rPr lang="ru-RU" b="1" dirty="0"/>
+              <a:t>министр иностранный дело </a:t>
+            </a:r>
             <a:r>
               <a:rPr lang="ru-RU" dirty="0"/>
-              <a:t>министр иностранный дело 28</a:t>
+              <a:t>28</a:t>
             </a:r>
           </a:p>
           <a:p>
@@ -4630,8 +4702,12 @@
           </a:p>
           <a:p>
             <a:r>
+              <a:rPr lang="ru-RU" b="1" dirty="0"/>
+              <a:t>средство массовый информация </a:t>
+            </a:r>
+            <a:r>
               <a:rPr lang="ru-RU" dirty="0"/>
-              <a:t>средство массовый информация 23</a:t>
+              <a:t>23</a:t>
             </a:r>
           </a:p>
           <a:p>
@@ -4943,11 +5019,7 @@
           <a:p>
             <a:r>
               <a:rPr lang="ru-RU" dirty="0" smtClean="0"/>
-              <a:t>Частотность </a:t>
-            </a:r>
-            <a:r>
-              <a:rPr lang="ru-RU" dirty="0" smtClean="0"/>
-              <a:t>слов. Новая газета</a:t>
+              <a:t>Частотность слов. Новая газета</a:t>
             </a:r>
             <a:endParaRPr lang="ru-RU" dirty="0"/>
           </a:p>
@@ -4963,7 +5035,7 @@
             <p:ph idx="1"/>
             <p:extLst>
               <p:ext uri="{D42A27DB-BD31-4B8C-83A1-F6EECF244321}">
-                <p14:modId xmlns:p14="http://schemas.microsoft.com/office/powerpoint/2010/main" val="2829682038"/>
+                <p14:modId xmlns:p14="http://schemas.microsoft.com/office/powerpoint/2010/main" val="2049410123"/>
               </p:ext>
             </p:extLst>
           </p:nvPr>
@@ -4979,11 +5051,11 @@
                 <a:tableStyleId>{5C22544A-7EE6-4342-B048-85BDC9FD1C3A}</a:tableStyleId>
               </a:tblPr>
               <a:tblGrid>
-                <a:gridCol w="1802970"/>
-                <a:gridCol w="1802970"/>
-                <a:gridCol w="1717114"/>
-                <a:gridCol w="1802970"/>
-                <a:gridCol w="1802967"/>
+                <a:gridCol w="1944216"/>
+                <a:gridCol w="1440160"/>
+                <a:gridCol w="1938678"/>
+                <a:gridCol w="1589714"/>
+                <a:gridCol w="2016223"/>
               </a:tblGrid>
               <a:tr h="775915">
                 <a:tc>
@@ -5074,20 +5146,22 @@
                     </a:p>
                     <a:p>
                       <a:r>
-                        <a:rPr lang="ru-RU" dirty="0" smtClean="0"/>
-                        <a:t>газета 1222</a:t>
-                      </a:r>
-                    </a:p>
-                    <a:p>
-                      <a:r>
-                        <a:rPr lang="ru-RU" dirty="0" smtClean="0"/>
-                        <a:t>россия 1168</a:t>
-                      </a:r>
-                    </a:p>
-                    <a:p>
-                      <a:r>
-                        <a:rPr lang="ru-RU" dirty="0" smtClean="0"/>
-                        <a:t>самый 1088</a:t>
+                        <a:rPr lang="ru-RU" b="1" dirty="0" err="1" smtClean="0"/>
+                        <a:t>россия</a:t>
+                      </a:r>
+                      <a:r>
+                        <a:rPr lang="ru-RU" dirty="0" smtClean="0"/>
+                        <a:t> 1168</a:t>
+                      </a:r>
+                    </a:p>
+                    <a:p>
+                      <a:r>
+                        <a:rPr lang="ru-RU" b="1" dirty="0" smtClean="0"/>
+                        <a:t>самый</a:t>
+                      </a:r>
+                      <a:r>
+                        <a:rPr lang="ru-RU" dirty="0" smtClean="0"/>
+                        <a:t> 1088</a:t>
                       </a:r>
                     </a:p>
                     <a:p>
@@ -5104,26 +5178,52 @@
                     </a:p>
                     <a:p>
                       <a:r>
-                        <a:rPr lang="ru-RU" dirty="0" smtClean="0"/>
-                        <a:t>стать 941</a:t>
-                      </a:r>
-                    </a:p>
-                    <a:p>
-                      <a:r>
-                        <a:rPr lang="ru-RU" dirty="0" smtClean="0"/>
-                        <a:t>дело 909</a:t>
-                      </a:r>
-                    </a:p>
-                    <a:p>
-                      <a:r>
-                        <a:rPr lang="ru-RU" dirty="0" smtClean="0"/>
-                        <a:t>информация 870</a:t>
-                      </a:r>
-                    </a:p>
-                    <a:p>
-                      <a:r>
-                        <a:rPr lang="ru-RU" dirty="0" smtClean="0"/>
-                        <a:t>страна 793</a:t>
+                        <a:rPr lang="ru-RU" b="1" dirty="0" smtClean="0"/>
+                        <a:t>стать</a:t>
+                      </a:r>
+                      <a:r>
+                        <a:rPr lang="ru-RU" dirty="0" smtClean="0"/>
+                        <a:t> 941</a:t>
+                      </a:r>
+                    </a:p>
+                    <a:p>
+                      <a:r>
+                        <a:rPr lang="ru-RU" b="1" dirty="0" smtClean="0"/>
+                        <a:t>дело</a:t>
+                      </a:r>
+                      <a:r>
+                        <a:rPr lang="ru-RU" dirty="0" smtClean="0"/>
+                        <a:t> 909</a:t>
+                      </a:r>
+                    </a:p>
+                    <a:p>
+                      <a:r>
+                        <a:rPr lang="ru-RU" b="1" dirty="0" smtClean="0"/>
+                        <a:t>информация </a:t>
+                      </a:r>
+                      <a:r>
+                        <a:rPr lang="ru-RU" dirty="0" smtClean="0"/>
+                        <a:t>870</a:t>
+                      </a:r>
+                    </a:p>
+                    <a:p>
+                      <a:r>
+                        <a:rPr lang="ru-RU" b="1" dirty="0" smtClean="0"/>
+                        <a:t>страна</a:t>
+                      </a:r>
+                      <a:r>
+                        <a:rPr lang="ru-RU" dirty="0" smtClean="0"/>
+                        <a:t> 793</a:t>
+                      </a:r>
+                    </a:p>
+                    <a:p>
+                      <a:r>
+                        <a:rPr lang="ru-RU" b="1" dirty="0" smtClean="0"/>
+                        <a:t>источник</a:t>
+                      </a:r>
+                      <a:r>
+                        <a:rPr lang="ru-RU" dirty="0" smtClean="0"/>
+                        <a:t> 782</a:t>
                       </a:r>
                       <a:endParaRPr lang="ru-RU" dirty="0"/>
                     </a:p>
@@ -5135,25 +5235,14 @@
                     <a:bodyPr/>
                     <a:lstStyle/>
                     <a:p>
-                      <a:r>
-                        <a:rPr lang="ru-RU" dirty="0" smtClean="0"/>
-                        <a:t>время 29</a:t>
-                      </a:r>
-                    </a:p>
-                    <a:p>
-                      <a:r>
-                        <a:rPr lang="ru-RU" dirty="0" err="1" smtClean="0"/>
-                        <a:t>полина</a:t>
-                      </a:r>
-                      <a:r>
-                        <a:rPr lang="ru-RU" dirty="0" smtClean="0"/>
-                        <a:t> 26</a:t>
-                      </a:r>
-                    </a:p>
-                    <a:p>
-                      <a:r>
-                        <a:rPr lang="ru-RU" dirty="0" smtClean="0"/>
-                        <a:t>аркадий 26</a:t>
+                      <a:pPr algn="l"/>
+                      <a:r>
+                        <a:rPr lang="ru-RU" b="1" dirty="0" smtClean="0"/>
+                        <a:t>время</a:t>
+                      </a:r>
+                      <a:r>
+                        <a:rPr lang="ru-RU" dirty="0" smtClean="0"/>
+                        <a:t> 29</a:t>
                       </a:r>
                     </a:p>
                     <a:p>
@@ -5164,32 +5253,39 @@
                     </a:p>
                     <a:p>
                       <a:r>
-                        <a:rPr lang="ru-RU" dirty="0" smtClean="0"/>
-                        <a:t>самый 23</a:t>
-                      </a:r>
-                    </a:p>
-                    <a:p>
-                      <a:r>
-                        <a:rPr lang="ru-RU" dirty="0" smtClean="0"/>
-                        <a:t>жизнь 23</a:t>
-                      </a:r>
-                    </a:p>
-                    <a:p>
-                      <a:r>
-                        <a:rPr lang="ru-RU" dirty="0" smtClean="0"/>
-                        <a:t>стать 23</a:t>
-                      </a:r>
-                    </a:p>
-                    <a:p>
-                      <a:r>
-                        <a:rPr lang="ru-RU" dirty="0" smtClean="0"/>
-                        <a:t>человек 22</a:t>
-                      </a:r>
-                    </a:p>
-                    <a:p>
-                      <a:r>
-                        <a:rPr lang="ru-RU" dirty="0" err="1" smtClean="0"/>
-                        <a:t>плугин</a:t>
+                        <a:rPr lang="ru-RU" b="1" dirty="0" smtClean="0"/>
+                        <a:t>стать</a:t>
+                      </a:r>
+                      <a:r>
+                        <a:rPr lang="ru-RU" dirty="0" smtClean="0"/>
+                        <a:t> 23</a:t>
+                      </a:r>
+                    </a:p>
+                    <a:p>
+                      <a:pPr algn="l"/>
+                      <a:r>
+                        <a:rPr lang="ru-RU" b="1" dirty="0" smtClean="0"/>
+                        <a:t>самый </a:t>
+                      </a:r>
+                      <a:r>
+                        <a:rPr lang="ru-RU" dirty="0" smtClean="0"/>
+                        <a:t>23</a:t>
+                      </a:r>
+                    </a:p>
+                    <a:p>
+                      <a:r>
+                        <a:rPr lang="ru-RU" b="1" dirty="0" smtClean="0"/>
+                        <a:t>жизнь</a:t>
+                      </a:r>
+                      <a:r>
+                        <a:rPr lang="ru-RU" dirty="0" smtClean="0"/>
+                        <a:t> 23</a:t>
+                      </a:r>
+                    </a:p>
+                    <a:p>
+                      <a:r>
+                        <a:rPr lang="ru-RU" b="1" dirty="0" smtClean="0"/>
+                        <a:t>человек</a:t>
                       </a:r>
                       <a:r>
                         <a:rPr lang="ru-RU" dirty="0" smtClean="0"/>
@@ -5198,8 +5294,38 @@
                     </a:p>
                     <a:p>
                       <a:r>
-                        <a:rPr lang="ru-RU" dirty="0" smtClean="0"/>
-                        <a:t>власть 20</a:t>
+                        <a:rPr lang="ru-RU" b="1" dirty="0" smtClean="0"/>
+                        <a:t>власть</a:t>
+                      </a:r>
+                      <a:r>
+                        <a:rPr lang="ru-RU" dirty="0" smtClean="0"/>
+                        <a:t> 20</a:t>
+                      </a:r>
+                    </a:p>
+                    <a:p>
+                      <a:r>
+                        <a:rPr lang="ru-RU" b="1" dirty="0" smtClean="0"/>
+                        <a:t>хороший</a:t>
+                      </a:r>
+                      <a:r>
+                        <a:rPr lang="ru-RU" dirty="0" smtClean="0"/>
+                        <a:t> 19</a:t>
+                      </a:r>
+                    </a:p>
+                    <a:p>
+                      <a:r>
+                        <a:rPr lang="ru-RU" b="1" dirty="0" err="1" smtClean="0"/>
+                        <a:t>россия</a:t>
+                      </a:r>
+                      <a:r>
+                        <a:rPr lang="ru-RU" dirty="0" smtClean="0"/>
+                        <a:t> 19</a:t>
+                      </a:r>
+                    </a:p>
+                    <a:p>
+                      <a:r>
+                        <a:rPr lang="ru-RU" dirty="0" smtClean="0"/>
+                        <a:t>часы 17</a:t>
                       </a:r>
                       <a:endParaRPr lang="ru-RU" dirty="0"/>
                     </a:p>
@@ -5212,61 +5338,97 @@
                     <a:lstStyle/>
                     <a:p>
                       <a:r>
-                        <a:rPr lang="ru-RU" dirty="0" smtClean="0"/>
-                        <a:t>россия 38</a:t>
-                      </a:r>
-                    </a:p>
-                    <a:p>
-                      <a:r>
-                        <a:rPr lang="ru-RU" dirty="0" smtClean="0"/>
-                        <a:t>база 31</a:t>
-                      </a:r>
-                    </a:p>
-                    <a:p>
-                      <a:r>
-                        <a:rPr lang="ru-RU" dirty="0" smtClean="0"/>
-                        <a:t>информация 29</a:t>
-                      </a:r>
-                    </a:p>
-                    <a:p>
-                      <a:r>
-                        <a:rPr lang="ru-RU" dirty="0" smtClean="0"/>
-                        <a:t>война 29</a:t>
-                      </a:r>
-                    </a:p>
-                    <a:p>
-                      <a:r>
-                        <a:rPr lang="ru-RU" dirty="0" smtClean="0"/>
-                        <a:t>человек 29</a:t>
-                      </a:r>
-                    </a:p>
-                    <a:p>
-                      <a:r>
-                        <a:rPr lang="ru-RU" dirty="0" smtClean="0"/>
-                        <a:t>стать 27</a:t>
-                      </a:r>
-                    </a:p>
-                    <a:p>
-                      <a:r>
-                        <a:rPr lang="ru-RU" dirty="0" smtClean="0"/>
-                        <a:t>президент 27</a:t>
-                      </a:r>
-                    </a:p>
-                    <a:p>
-                      <a:r>
-                        <a:rPr lang="ru-RU" dirty="0" smtClean="0"/>
-                        <a:t>самый 27</a:t>
-                      </a:r>
-                    </a:p>
-                    <a:p>
-                      <a:r>
-                        <a:rPr lang="ru-RU" dirty="0" smtClean="0"/>
-                        <a:t>военный 24</a:t>
-                      </a:r>
-                    </a:p>
-                    <a:p>
-                      <a:r>
-                        <a:rPr lang="ru-RU" dirty="0" err="1" smtClean="0"/>
+                        <a:rPr lang="ru-RU" b="1" dirty="0" smtClean="0"/>
+                        <a:t>россия</a:t>
+                      </a:r>
+                      <a:r>
+                        <a:rPr lang="ru-RU" dirty="0" smtClean="0"/>
+                        <a:t> 38</a:t>
+                      </a:r>
+                    </a:p>
+                    <a:p>
+                      <a:r>
+                        <a:rPr lang="ru-RU" b="1" dirty="0" smtClean="0"/>
+                        <a:t>база</a:t>
+                      </a:r>
+                      <a:r>
+                        <a:rPr lang="ru-RU" dirty="0" smtClean="0"/>
+                        <a:t> 31</a:t>
+                      </a:r>
+                    </a:p>
+                    <a:p>
+                      <a:r>
+                        <a:rPr lang="ru-RU" b="1" dirty="0" smtClean="0"/>
+                        <a:t>информация</a:t>
+                      </a:r>
+                      <a:r>
+                        <a:rPr lang="ru-RU" dirty="0" smtClean="0"/>
+                        <a:t> 29</a:t>
+                      </a:r>
+                    </a:p>
+                    <a:p>
+                      <a:r>
+                        <a:rPr lang="ru-RU" b="1" dirty="0" smtClean="0"/>
+                        <a:t>война</a:t>
+                      </a:r>
+                      <a:r>
+                        <a:rPr lang="ru-RU" dirty="0" smtClean="0"/>
+                        <a:t> 29</a:t>
+                      </a:r>
+                    </a:p>
+                    <a:p>
+                      <a:r>
+                        <a:rPr lang="ru-RU" b="1" dirty="0" smtClean="0"/>
+                        <a:t>человек</a:t>
+                      </a:r>
+                      <a:r>
+                        <a:rPr lang="ru-RU" dirty="0" smtClean="0"/>
+                        <a:t> 29</a:t>
+                      </a:r>
+                    </a:p>
+                    <a:p>
+                      <a:r>
+                        <a:rPr lang="ru-RU" b="1" dirty="0" smtClean="0"/>
+                        <a:t>стать</a:t>
+                      </a:r>
+                      <a:r>
+                        <a:rPr lang="ru-RU" dirty="0" smtClean="0"/>
+                        <a:t> 27</a:t>
+                      </a:r>
+                    </a:p>
+                    <a:p>
+                      <a:r>
+                        <a:rPr lang="ru-RU" b="1" dirty="0" smtClean="0"/>
+                        <a:t>президент</a:t>
+                      </a:r>
+                      <a:r>
+                        <a:rPr lang="ru-RU" dirty="0" smtClean="0"/>
+                        <a:t> 27</a:t>
+                      </a:r>
+                    </a:p>
+                    <a:p>
+                      <a:r>
+                        <a:rPr lang="ru-RU" b="1" dirty="0" smtClean="0"/>
+                        <a:t>самый</a:t>
+                      </a:r>
+                      <a:r>
+                        <a:rPr lang="ru-RU" dirty="0" smtClean="0"/>
+                        <a:t> 27</a:t>
+                      </a:r>
+                    </a:p>
+                    <a:p>
+                      <a:r>
+                        <a:rPr lang="ru-RU" b="1" dirty="0" smtClean="0"/>
+                        <a:t>военный</a:t>
+                      </a:r>
+                      <a:r>
+                        <a:rPr lang="ru-RU" dirty="0" smtClean="0"/>
+                        <a:t> 24</a:t>
+                      </a:r>
+                    </a:p>
+                    <a:p>
+                      <a:r>
+                        <a:rPr lang="ru-RU" b="1" dirty="0" err="1" smtClean="0"/>
                         <a:t>чечня</a:t>
                       </a:r>
                       <a:r>
@@ -5284,44 +5446,72 @@
                     <a:lstStyle/>
                     <a:p>
                       <a:r>
-                        <a:rPr lang="ru-RU" dirty="0" smtClean="0"/>
-                        <a:t>россия 272</a:t>
-                      </a:r>
-                    </a:p>
-                    <a:p>
-                      <a:r>
-                        <a:rPr lang="ru-RU" dirty="0" smtClean="0"/>
-                        <a:t>страна 140</a:t>
-                      </a:r>
-                    </a:p>
-                    <a:p>
-                      <a:r>
-                        <a:rPr lang="ru-RU" dirty="0" smtClean="0"/>
-                        <a:t>дело 120</a:t>
-                      </a:r>
-                    </a:p>
-                    <a:p>
-                      <a:r>
-                        <a:rPr lang="ru-RU" dirty="0" smtClean="0"/>
-                        <a:t>стать 106</a:t>
-                      </a:r>
-                    </a:p>
-                    <a:p>
-                      <a:r>
-                        <a:rPr lang="ru-RU" dirty="0" smtClean="0"/>
-                        <a:t>время 104</a:t>
-                      </a:r>
-                    </a:p>
-                    <a:p>
-                      <a:r>
-                        <a:rPr lang="ru-RU" dirty="0" smtClean="0"/>
-                        <a:t>человек 98</a:t>
-                      </a:r>
-                    </a:p>
-                    <a:p>
-                      <a:r>
-                        <a:rPr lang="ru-RU" dirty="0" smtClean="0"/>
-                        <a:t>президент 95</a:t>
+                        <a:rPr lang="ru-RU" b="1" dirty="0" smtClean="0"/>
+                        <a:t>россия</a:t>
+                      </a:r>
+                      <a:r>
+                        <a:rPr lang="ru-RU" dirty="0" smtClean="0"/>
+                        <a:t> 272</a:t>
+                      </a:r>
+                    </a:p>
+                    <a:p>
+                      <a:r>
+                        <a:rPr lang="ru-RU" b="1" dirty="0" smtClean="0"/>
+                        <a:t>страна</a:t>
+                      </a:r>
+                      <a:r>
+                        <a:rPr lang="ru-RU" dirty="0" smtClean="0"/>
+                        <a:t> 140</a:t>
+                      </a:r>
+                    </a:p>
+                    <a:p>
+                      <a:r>
+                        <a:rPr lang="ru-RU" b="1" dirty="0" smtClean="0"/>
+                        <a:t>дело</a:t>
+                      </a:r>
+                      <a:r>
+                        <a:rPr lang="ru-RU" dirty="0" smtClean="0"/>
+                        <a:t> 120</a:t>
+                      </a:r>
+                    </a:p>
+                    <a:p>
+                      <a:r>
+                        <a:rPr lang="ru-RU" b="1" dirty="0" smtClean="0"/>
+                        <a:t>стать</a:t>
+                      </a:r>
+                      <a:r>
+                        <a:rPr lang="ru-RU" dirty="0" smtClean="0"/>
+                        <a:t> 106</a:t>
+                      </a:r>
+                    </a:p>
+                    <a:p>
+                      <a:r>
+                        <a:rPr lang="ru-RU" b="1" dirty="0" smtClean="0"/>
+                        <a:t>время</a:t>
+                      </a:r>
+                      <a:r>
+                        <a:rPr lang="ru-RU" dirty="0" smtClean="0"/>
+                        <a:t> 104</a:t>
+                      </a:r>
+                    </a:p>
+                    <a:p>
+                      <a:r>
+                        <a:rPr lang="ru-RU" b="1" dirty="0" smtClean="0"/>
+                        <a:t>человек</a:t>
+                      </a:r>
+                      <a:r>
+                        <a:rPr lang="ru-RU" dirty="0" smtClean="0"/>
+                        <a:t> 98</a:t>
+                      </a:r>
+                    </a:p>
+                    <a:p>
+                      <a:r>
+                        <a:rPr lang="ru-RU" b="1" dirty="0" smtClean="0"/>
+                        <a:t>президент</a:t>
+                      </a:r>
+                      <a:r>
+                        <a:rPr lang="ru-RU" dirty="0" smtClean="0"/>
+                        <a:t> 95</a:t>
                       </a:r>
                     </a:p>
                     <a:p>
@@ -5332,13 +5522,17 @@
                     </a:p>
                     <a:p>
                       <a:r>
-                        <a:rPr lang="ru-RU" dirty="0" smtClean="0"/>
-                        <a:t>самый 86</a:t>
-                      </a:r>
-                    </a:p>
-                    <a:p>
-                      <a:r>
-                        <a:rPr lang="ru-RU" dirty="0" err="1" smtClean="0"/>
+                        <a:rPr lang="ru-RU" b="1" dirty="0" smtClean="0"/>
+                        <a:t>самый</a:t>
+                      </a:r>
+                      <a:r>
+                        <a:rPr lang="ru-RU" dirty="0" smtClean="0"/>
+                        <a:t> 86</a:t>
+                      </a:r>
+                    </a:p>
+                    <a:p>
+                      <a:r>
+                        <a:rPr lang="ru-RU" b="1" dirty="0" err="1" smtClean="0"/>
                         <a:t>москва</a:t>
                       </a:r>
                       <a:r>
@@ -5356,64 +5550,108 @@
                     <a:lstStyle/>
                     <a:p>
                       <a:r>
-                        <a:rPr lang="ru-RU" dirty="0" smtClean="0"/>
-                        <a:t>человек 1695</a:t>
-                      </a:r>
-                    </a:p>
-                    <a:p>
-                      <a:r>
-                        <a:rPr lang="ru-RU" dirty="0" smtClean="0"/>
-                        <a:t>россия 1497</a:t>
-                      </a:r>
-                    </a:p>
-                    <a:p>
-                      <a:r>
-                        <a:rPr lang="ru-RU" dirty="0" smtClean="0"/>
-                        <a:t>газета 1271</a:t>
-                      </a:r>
-                    </a:p>
-                    <a:p>
-                      <a:r>
-                        <a:rPr lang="ru-RU" dirty="0" smtClean="0"/>
-                        <a:t>самый 1224</a:t>
-                      </a:r>
-                    </a:p>
-                    <a:p>
-                      <a:r>
-                        <a:rPr lang="ru-RU" dirty="0" smtClean="0"/>
-                        <a:t>время 1197</a:t>
-                      </a:r>
-                    </a:p>
-                    <a:p>
-                      <a:r>
-                        <a:rPr lang="ru-RU" dirty="0" smtClean="0"/>
-                        <a:t>два 1138</a:t>
-                      </a:r>
-                    </a:p>
-                    <a:p>
-                      <a:r>
-                        <a:rPr lang="ru-RU" dirty="0" smtClean="0"/>
-                        <a:t>стать 1097</a:t>
-                      </a:r>
-                    </a:p>
-                    <a:p>
-                      <a:r>
-                        <a:rPr lang="ru-RU" dirty="0" smtClean="0"/>
-                        <a:t>дело 1060</a:t>
-                      </a:r>
-                    </a:p>
-                    <a:p>
-                      <a:r>
-                        <a:rPr lang="ru-RU" dirty="0" smtClean="0"/>
-                        <a:t>страна 960</a:t>
-                      </a:r>
-                    </a:p>
-                    <a:p>
-                      <a:r>
-                        <a:rPr lang="ru-RU" dirty="0" smtClean="0"/>
-                        <a:t>информация 950</a:t>
-                      </a:r>
-                      <a:endParaRPr lang="ru-RU" dirty="0"/>
+                        <a:rPr lang="ru-RU" b="1" dirty="0" smtClean="0"/>
+                        <a:t>человек </a:t>
+                      </a:r>
+                      <a:r>
+                        <a:rPr lang="ru-RU" b="0" dirty="0" smtClean="0"/>
+                        <a:t>1695</a:t>
+                      </a:r>
+                    </a:p>
+                    <a:p>
+                      <a:r>
+                        <a:rPr lang="ru-RU" b="1" dirty="0" err="1" smtClean="0"/>
+                        <a:t>россия</a:t>
+                      </a:r>
+                      <a:r>
+                        <a:rPr lang="ru-RU" b="1" dirty="0" smtClean="0"/>
+                        <a:t> </a:t>
+                      </a:r>
+                      <a:r>
+                        <a:rPr lang="ru-RU" b="0" dirty="0" smtClean="0"/>
+                        <a:t>1497</a:t>
+                      </a:r>
+                    </a:p>
+                    <a:p>
+                      <a:r>
+                        <a:rPr lang="ru-RU" b="1" dirty="0" smtClean="0"/>
+                        <a:t>самый </a:t>
+                      </a:r>
+                      <a:r>
+                        <a:rPr lang="ru-RU" b="0" dirty="0" smtClean="0"/>
+                        <a:t>1224</a:t>
+                      </a:r>
+                    </a:p>
+                    <a:p>
+                      <a:r>
+                        <a:rPr lang="ru-RU" b="1" dirty="0" smtClean="0"/>
+                        <a:t>время </a:t>
+                      </a:r>
+                      <a:r>
+                        <a:rPr lang="ru-RU" b="0" dirty="0" smtClean="0"/>
+                        <a:t>1197</a:t>
+                      </a:r>
+                    </a:p>
+                    <a:p>
+                      <a:r>
+                        <a:rPr lang="ru-RU" b="1" dirty="0" smtClean="0"/>
+                        <a:t>два </a:t>
+                      </a:r>
+                      <a:r>
+                        <a:rPr lang="ru-RU" b="0" dirty="0" smtClean="0"/>
+                        <a:t>1138</a:t>
+                      </a:r>
+                    </a:p>
+                    <a:p>
+                      <a:r>
+                        <a:rPr lang="ru-RU" b="1" dirty="0" smtClean="0"/>
+                        <a:t>стать </a:t>
+                      </a:r>
+                      <a:r>
+                        <a:rPr lang="ru-RU" b="0" dirty="0" smtClean="0"/>
+                        <a:t>1097</a:t>
+                      </a:r>
+                    </a:p>
+                    <a:p>
+                      <a:r>
+                        <a:rPr lang="ru-RU" b="1" dirty="0" smtClean="0"/>
+                        <a:t>дело </a:t>
+                      </a:r>
+                      <a:r>
+                        <a:rPr lang="ru-RU" b="0" dirty="0" smtClean="0"/>
+                        <a:t>1060</a:t>
+                      </a:r>
+                    </a:p>
+                    <a:p>
+                      <a:r>
+                        <a:rPr lang="ru-RU" b="1" dirty="0" smtClean="0"/>
+                        <a:t>страна </a:t>
+                      </a:r>
+                      <a:r>
+                        <a:rPr lang="ru-RU" b="0" dirty="0" smtClean="0"/>
+                        <a:t>960</a:t>
+                      </a:r>
+                    </a:p>
+                    <a:p>
+                      <a:r>
+                        <a:rPr lang="ru-RU" b="1" dirty="0" smtClean="0"/>
+                        <a:t>информация </a:t>
+                      </a:r>
+                      <a:r>
+                        <a:rPr lang="ru-RU" b="0" dirty="0" smtClean="0"/>
+                        <a:t>950</a:t>
+                      </a:r>
+                    </a:p>
+                    <a:p>
+                      <a:r>
+                        <a:rPr lang="ru-RU" b="1" dirty="0" smtClean="0"/>
+                        <a:t>день </a:t>
+                      </a:r>
+                      <a:r>
+                        <a:rPr lang="ru-RU" b="0" dirty="0" smtClean="0"/>
+                        <a:t>838</a:t>
+                      </a:r>
+                      <a:endParaRPr lang="ru-RU" b="0" dirty="0"/>
                     </a:p>
                   </a:txBody>
                   <a:tcPr/>
@@ -5479,11 +5717,7 @@
           <a:p>
             <a:r>
               <a:rPr lang="ru-RU" dirty="0" smtClean="0"/>
-              <a:t>Частотность </a:t>
-            </a:r>
-            <a:r>
-              <a:rPr lang="ru-RU" dirty="0" smtClean="0"/>
-              <a:t>слов. Российская газета</a:t>
+              <a:t>Частотность слов. Российская газета</a:t>
             </a:r>
             <a:endParaRPr lang="ru-RU" dirty="0"/>
           </a:p>
@@ -5499,7 +5733,7 @@
             <p:ph idx="1"/>
             <p:extLst>
               <p:ext uri="{D42A27DB-BD31-4B8C-83A1-F6EECF244321}">
-                <p14:modId xmlns:p14="http://schemas.microsoft.com/office/powerpoint/2010/main" val="420561604"/>
+                <p14:modId xmlns:p14="http://schemas.microsoft.com/office/powerpoint/2010/main" val="1584632969"/>
               </p:ext>
             </p:extLst>
           </p:nvPr>
@@ -5515,11 +5749,11 @@
                 <a:tableStyleId>{5C22544A-7EE6-4342-B048-85BDC9FD1C3A}</a:tableStyleId>
               </a:tblPr>
               <a:tblGrid>
-                <a:gridCol w="1802970"/>
-                <a:gridCol w="1802970"/>
+                <a:gridCol w="1944216"/>
+                <a:gridCol w="1661724"/>
                 <a:gridCol w="1717114"/>
-                <a:gridCol w="1802970"/>
-                <a:gridCol w="1802967"/>
+                <a:gridCol w="1517706"/>
+                <a:gridCol w="2088231"/>
               </a:tblGrid>
               <a:tr h="775915">
                 <a:tc>
@@ -5604,25 +5838,37 @@
                     <a:lstStyle/>
                     <a:p>
                       <a:r>
-                        <a:rPr lang="ru-RU" dirty="0" smtClean="0"/>
-                        <a:t>информация 161</a:t>
-                      </a:r>
-                    </a:p>
-                    <a:p>
-                      <a:r>
-                        <a:rPr lang="ru-RU" dirty="0" smtClean="0"/>
-                        <a:t>источник 150</a:t>
-                      </a:r>
-                    </a:p>
-                    <a:p>
-                      <a:r>
-                        <a:rPr lang="ru-RU" dirty="0" smtClean="0"/>
-                        <a:t>россия 143</a:t>
-                      </a:r>
-                    </a:p>
-                    <a:p>
-                      <a:r>
-                        <a:rPr lang="ru-RU" dirty="0" err="1" smtClean="0"/>
+                        <a:rPr lang="ru-RU" b="1" dirty="0" smtClean="0"/>
+                        <a:t>информация</a:t>
+                      </a:r>
+                      <a:r>
+                        <a:rPr lang="ru-RU" dirty="0" smtClean="0"/>
+                        <a:t> 161</a:t>
+                      </a:r>
+                    </a:p>
+                    <a:p>
+                      <a:r>
+                        <a:rPr lang="ru-RU" b="1" dirty="0" smtClean="0"/>
+                        <a:t>источник</a:t>
+                      </a:r>
+                      <a:r>
+                        <a:rPr lang="ru-RU" dirty="0" smtClean="0"/>
+                        <a:t> 150</a:t>
+                      </a:r>
+                    </a:p>
+                    <a:p>
+                      <a:r>
+                        <a:rPr lang="ru-RU" b="1" dirty="0" smtClean="0"/>
+                        <a:t>россия</a:t>
+                      </a:r>
+                      <a:r>
+                        <a:rPr lang="ru-RU" dirty="0" smtClean="0"/>
+                        <a:t> 143</a:t>
+                      </a:r>
+                    </a:p>
+                    <a:p>
+                      <a:r>
+                        <a:rPr lang="ru-RU" b="1" dirty="0" err="1" smtClean="0"/>
                         <a:t>регном</a:t>
                       </a:r>
                       <a:r>
@@ -5632,26 +5878,42 @@
                     </a:p>
                     <a:p>
                       <a:r>
-                        <a:rPr lang="ru-RU" dirty="0" smtClean="0"/>
-                        <a:t>президент 84</a:t>
-                      </a:r>
-                    </a:p>
-                    <a:p>
-                      <a:r>
-                        <a:rPr lang="ru-RU" dirty="0" smtClean="0"/>
-                        <a:t>страна 84</a:t>
-                      </a:r>
-                    </a:p>
-                    <a:p>
-                      <a:r>
-                        <a:rPr lang="ru-RU" dirty="0" smtClean="0"/>
-                        <a:t>человек 81</a:t>
-                      </a:r>
-                    </a:p>
-                    <a:p>
-                      <a:r>
-                        <a:rPr lang="ru-RU" dirty="0" smtClean="0"/>
-                        <a:t>самый 76</a:t>
+                        <a:rPr lang="ru-RU" b="1" dirty="0" smtClean="0"/>
+                        <a:t>президент</a:t>
+                      </a:r>
+                      <a:r>
+                        <a:rPr lang="ru-RU" dirty="0" smtClean="0"/>
+                        <a:t> 84</a:t>
+                      </a:r>
+                    </a:p>
+                    <a:p>
+                      <a:r>
+                        <a:rPr lang="ru-RU" b="1" dirty="0" smtClean="0"/>
+                        <a:t>страна</a:t>
+                      </a:r>
+                      <a:r>
+                        <a:rPr lang="ru-RU" dirty="0" smtClean="0"/>
+                        <a:t> 84</a:t>
+                      </a:r>
+                    </a:p>
+                    <a:p>
+                      <a:r>
+                        <a:rPr lang="ru-RU" b="1" dirty="0" smtClean="0"/>
+                        <a:t>человек</a:t>
+                      </a:r>
+                      <a:r>
+                        <a:rPr lang="ru-RU" dirty="0" smtClean="0"/>
+                        <a:t> 81</a:t>
+                      </a:r>
+                    </a:p>
+                    <a:p>
+                      <a:r>
+                        <a:rPr lang="ru-RU" b="1" dirty="0" smtClean="0"/>
+                        <a:t>самый</a:t>
+                      </a:r>
+                      <a:r>
+                        <a:rPr lang="ru-RU" dirty="0" smtClean="0"/>
+                        <a:t> 76</a:t>
                       </a:r>
                     </a:p>
                     <a:p>
@@ -5662,8 +5924,12 @@
                     </a:p>
                     <a:p>
                       <a:r>
-                        <a:rPr lang="ru-RU" dirty="0" smtClean="0"/>
-                        <a:t>работа 62</a:t>
+                        <a:rPr lang="ru-RU" b="1" dirty="0" smtClean="0"/>
+                        <a:t>работа</a:t>
+                      </a:r>
+                      <a:r>
+                        <a:rPr lang="ru-RU" dirty="0" smtClean="0"/>
+                        <a:t> 62</a:t>
                       </a:r>
                       <a:endParaRPr lang="ru-RU" dirty="0"/>
                     </a:p>
@@ -5676,68 +5942,116 @@
                     <a:lstStyle/>
                     <a:p>
                       <a:r>
-                        <a:rPr lang="ru-RU" dirty="0" smtClean="0"/>
-                        <a:t>человек 46</a:t>
-                      </a:r>
-                    </a:p>
-                    <a:p>
-                      <a:r>
-                        <a:rPr lang="ru-RU" dirty="0" smtClean="0"/>
-                        <a:t>сегодня 45</a:t>
-                      </a:r>
-                    </a:p>
-                    <a:p>
-                      <a:r>
-                        <a:rPr lang="ru-RU" dirty="0" smtClean="0"/>
-                        <a:t>россия 40</a:t>
-                      </a:r>
-                    </a:p>
-                    <a:p>
-                      <a:r>
-                        <a:rPr lang="ru-RU" dirty="0" smtClean="0"/>
-                        <a:t>страна 35</a:t>
-                      </a:r>
-                    </a:p>
-                    <a:p>
-                      <a:r>
-                        <a:rPr lang="ru-RU" dirty="0" smtClean="0"/>
-                        <a:t>работа 33</a:t>
-                      </a:r>
-                    </a:p>
-                    <a:p>
-                      <a:r>
-                        <a:rPr lang="ru-RU" dirty="0" smtClean="0"/>
-                        <a:t>два 31</a:t>
-                      </a:r>
-                    </a:p>
-                    <a:p>
-                      <a:r>
-                        <a:rPr lang="ru-RU" dirty="0" smtClean="0"/>
-                        <a:t>вопрос 30</a:t>
-                      </a:r>
-                    </a:p>
-                    <a:p>
-                      <a:r>
-                        <a:rPr lang="ru-RU" dirty="0" err="1" smtClean="0"/>
+                        <a:rPr lang="ru-RU" b="1" dirty="0" smtClean="0"/>
+                        <a:t>человек </a:t>
+                      </a:r>
+                      <a:r>
+                        <a:rPr lang="ru-RU" b="0" dirty="0" smtClean="0"/>
+                        <a:t>46</a:t>
+                      </a:r>
+                    </a:p>
+                    <a:p>
+                      <a:r>
+                        <a:rPr lang="ru-RU" b="1" dirty="0" smtClean="0"/>
+                        <a:t>сегодня </a:t>
+                      </a:r>
+                      <a:r>
+                        <a:rPr lang="ru-RU" b="0" dirty="0" smtClean="0"/>
+                        <a:t>45</a:t>
+                      </a:r>
+                    </a:p>
+                    <a:p>
+                      <a:r>
+                        <a:rPr lang="ru-RU" b="1" dirty="0" err="1" smtClean="0"/>
+                        <a:t>россия</a:t>
+                      </a:r>
+                      <a:r>
+                        <a:rPr lang="ru-RU" b="1" dirty="0" smtClean="0"/>
+                        <a:t> </a:t>
+                      </a:r>
+                      <a:r>
+                        <a:rPr lang="ru-RU" b="0" dirty="0" smtClean="0"/>
+                        <a:t>40</a:t>
+                      </a:r>
+                    </a:p>
+                    <a:p>
+                      <a:r>
+                        <a:rPr lang="ru-RU" b="1" dirty="0" smtClean="0"/>
+                        <a:t>страна </a:t>
+                      </a:r>
+                      <a:r>
+                        <a:rPr lang="ru-RU" b="0" dirty="0" smtClean="0"/>
+                        <a:t>35</a:t>
+                      </a:r>
+                    </a:p>
+                    <a:p>
+                      <a:r>
+                        <a:rPr lang="ru-RU" b="1" dirty="0" smtClean="0"/>
+                        <a:t>работа </a:t>
+                      </a:r>
+                      <a:r>
+                        <a:rPr lang="ru-RU" b="0" dirty="0" smtClean="0"/>
+                        <a:t>33</a:t>
+                      </a:r>
+                    </a:p>
+                    <a:p>
+                      <a:r>
+                        <a:rPr lang="ru-RU" b="0" dirty="0" smtClean="0"/>
+                        <a:t>два</a:t>
+                      </a:r>
+                      <a:r>
+                        <a:rPr lang="ru-RU" b="1" dirty="0" smtClean="0"/>
+                        <a:t> </a:t>
+                      </a:r>
+                      <a:r>
+                        <a:rPr lang="ru-RU" b="0" dirty="0" smtClean="0"/>
+                        <a:t>31</a:t>
+                      </a:r>
+                    </a:p>
+                    <a:p>
+                      <a:r>
+                        <a:rPr lang="ru-RU" b="1" dirty="0" smtClean="0"/>
+                        <a:t>партия </a:t>
+                      </a:r>
+                      <a:r>
+                        <a:rPr lang="ru-RU" b="0" dirty="0" smtClean="0"/>
+                        <a:t>30</a:t>
+                      </a:r>
+                      <a:endParaRPr lang="en-US" b="0" dirty="0" smtClean="0"/>
+                    </a:p>
+                    <a:p>
+                      <a:r>
+                        <a:rPr lang="ru-RU" b="0" dirty="0" err="1" smtClean="0"/>
                         <a:t>нахимов</a:t>
                       </a:r>
                       <a:r>
-                        <a:rPr lang="ru-RU" dirty="0" smtClean="0"/>
-                        <a:t> 30</a:t>
-                      </a:r>
-                    </a:p>
-                    <a:p>
-                      <a:r>
-                        <a:rPr lang="ru-RU" dirty="0" smtClean="0"/>
-                        <a:t>можно 30</a:t>
-                      </a:r>
-                    </a:p>
-                    <a:p>
-                      <a:r>
-                        <a:rPr lang="ru-RU" dirty="0" smtClean="0"/>
-                        <a:t>партия 30</a:t>
-                      </a:r>
-                      <a:endParaRPr lang="ru-RU" dirty="0"/>
+                        <a:rPr lang="ru-RU" b="1" dirty="0" smtClean="0"/>
+                        <a:t> </a:t>
+                      </a:r>
+                      <a:r>
+                        <a:rPr lang="ru-RU" b="0" dirty="0" smtClean="0"/>
+                        <a:t>30</a:t>
+                      </a:r>
+                    </a:p>
+                    <a:p>
+                      <a:r>
+                        <a:rPr lang="ru-RU" b="1" dirty="0" smtClean="0"/>
+                        <a:t>лесной </a:t>
+                      </a:r>
+                      <a:r>
+                        <a:rPr lang="ru-RU" b="0" dirty="0" smtClean="0"/>
+                        <a:t>30</a:t>
+                      </a:r>
+                    </a:p>
+                    <a:p>
+                      <a:r>
+                        <a:rPr lang="ru-RU" b="1" dirty="0" smtClean="0"/>
+                        <a:t>вопрос </a:t>
+                      </a:r>
+                      <a:r>
+                        <a:rPr lang="ru-RU" b="0" dirty="0" smtClean="0"/>
+                        <a:t>30</a:t>
+                      </a:r>
                     </a:p>
                   </a:txBody>
                   <a:tcPr/>
@@ -5748,26 +6062,42 @@
                     <a:lstStyle/>
                     <a:p>
                       <a:r>
-                        <a:rPr lang="ru-RU" dirty="0" smtClean="0"/>
-                        <a:t>президент 74</a:t>
-                      </a:r>
-                    </a:p>
-                    <a:p>
-                      <a:r>
-                        <a:rPr lang="ru-RU" dirty="0" smtClean="0"/>
-                        <a:t>россия 51</a:t>
-                      </a:r>
-                    </a:p>
-                    <a:p>
-                      <a:r>
-                        <a:rPr lang="ru-RU" dirty="0" smtClean="0"/>
-                        <a:t>власть 48</a:t>
-                      </a:r>
-                    </a:p>
-                    <a:p>
-                      <a:r>
-                        <a:rPr lang="ru-RU" dirty="0" smtClean="0"/>
-                        <a:t>страна 46</a:t>
+                        <a:rPr lang="ru-RU" b="1" dirty="0" smtClean="0"/>
+                        <a:t>президент</a:t>
+                      </a:r>
+                      <a:r>
+                        <a:rPr lang="ru-RU" dirty="0" smtClean="0"/>
+                        <a:t> 74</a:t>
+                      </a:r>
+                    </a:p>
+                    <a:p>
+                      <a:r>
+                        <a:rPr lang="ru-RU" b="1" dirty="0" smtClean="0"/>
+                        <a:t>россия</a:t>
+                      </a:r>
+                      <a:r>
+                        <a:rPr lang="ru-RU" dirty="0" smtClean="0"/>
+                        <a:t> 51</a:t>
+                      </a:r>
+                    </a:p>
+                    <a:p>
+                      <a:r>
+                        <a:rPr lang="ru-RU" b="1" dirty="0" smtClean="0"/>
+                        <a:t>власть</a:t>
+                      </a:r>
+                      <a:r>
+                        <a:rPr lang="ru-RU" dirty="0" smtClean="0"/>
+                        <a:t> 48</a:t>
+                      </a:r>
+                    </a:p>
+                    <a:p>
+                      <a:r>
+                        <a:rPr lang="ru-RU" b="1" dirty="0" smtClean="0"/>
+                        <a:t>страна</a:t>
+                      </a:r>
+                      <a:r>
+                        <a:rPr lang="ru-RU" dirty="0" smtClean="0"/>
+                        <a:t> 46</a:t>
                       </a:r>
                     </a:p>
                     <a:p>
@@ -5778,13 +6108,17 @@
                     </a:p>
                     <a:p>
                       <a:r>
-                        <a:rPr lang="ru-RU" dirty="0" smtClean="0"/>
-                        <a:t>путин 42</a:t>
-                      </a:r>
-                    </a:p>
-                    <a:p>
-                      <a:r>
-                        <a:rPr lang="ru-RU" dirty="0" err="1" smtClean="0"/>
+                        <a:rPr lang="ru-RU" b="1" dirty="0" smtClean="0"/>
+                        <a:t>путин</a:t>
+                      </a:r>
+                      <a:r>
+                        <a:rPr lang="ru-RU" dirty="0" smtClean="0"/>
+                        <a:t> 42</a:t>
+                      </a:r>
+                    </a:p>
+                    <a:p>
+                      <a:r>
+                        <a:rPr lang="ru-RU" b="1" dirty="0" err="1" smtClean="0"/>
                         <a:t>сорос</a:t>
                       </a:r>
                       <a:r>
@@ -5794,20 +6128,32 @@
                     </a:p>
                     <a:p>
                       <a:r>
-                        <a:rPr lang="ru-RU" dirty="0" smtClean="0"/>
-                        <a:t>стать 40</a:t>
-                      </a:r>
-                    </a:p>
-                    <a:p>
-                      <a:r>
-                        <a:rPr lang="ru-RU" dirty="0" smtClean="0"/>
-                        <a:t>выбор 38</a:t>
-                      </a:r>
-                    </a:p>
-                    <a:p>
-                      <a:r>
-                        <a:rPr lang="ru-RU" dirty="0" smtClean="0"/>
-                        <a:t>человек 34</a:t>
+                        <a:rPr lang="ru-RU" b="1" dirty="0" smtClean="0"/>
+                        <a:t>стать</a:t>
+                      </a:r>
+                      <a:r>
+                        <a:rPr lang="ru-RU" dirty="0" smtClean="0"/>
+                        <a:t> 40</a:t>
+                      </a:r>
+                    </a:p>
+                    <a:p>
+                      <a:r>
+                        <a:rPr lang="ru-RU" b="1" dirty="0" smtClean="0"/>
+                        <a:t>выбор</a:t>
+                      </a:r>
+                      <a:r>
+                        <a:rPr lang="ru-RU" dirty="0" smtClean="0"/>
+                        <a:t> 38</a:t>
+                      </a:r>
+                    </a:p>
+                    <a:p>
+                      <a:r>
+                        <a:rPr lang="ru-RU" b="1" dirty="0" smtClean="0"/>
+                        <a:t>человек</a:t>
+                      </a:r>
+                      <a:r>
+                        <a:rPr lang="ru-RU" dirty="0" smtClean="0"/>
+                        <a:t> 34</a:t>
                       </a:r>
                       <a:endParaRPr lang="ru-RU" dirty="0"/>
                     </a:p>
@@ -5820,61 +6166,102 @@
                     <a:lstStyle/>
                     <a:p>
                       <a:r>
-                        <a:rPr lang="ru-RU" dirty="0" smtClean="0"/>
-                        <a:t>россия 99</a:t>
-                      </a:r>
-                    </a:p>
-                    <a:p>
-                      <a:r>
-                        <a:rPr lang="ru-RU" dirty="0" smtClean="0"/>
-                        <a:t>человек 52</a:t>
-                      </a:r>
-                    </a:p>
-                    <a:p>
-                      <a:r>
-                        <a:rPr lang="ru-RU" dirty="0" smtClean="0"/>
-                        <a:t>страна 50</a:t>
-                      </a:r>
-                    </a:p>
-                    <a:p>
-                      <a:r>
-                        <a:rPr lang="ru-RU" dirty="0" smtClean="0"/>
-                        <a:t>глава 47</a:t>
-                      </a:r>
-                    </a:p>
-                    <a:p>
-                      <a:r>
-                        <a:rPr lang="ru-RU" dirty="0" smtClean="0"/>
-                        <a:t>стать 41</a:t>
-                      </a:r>
-                    </a:p>
-                    <a:p>
-                      <a:r>
-                        <a:rPr lang="ru-RU" dirty="0" smtClean="0"/>
-                        <a:t>дело 40</a:t>
-                      </a:r>
-                    </a:p>
-                    <a:p>
-                      <a:r>
-                        <a:rPr lang="ru-RU" dirty="0" smtClean="0"/>
-                        <a:t>сторона 35</a:t>
-                      </a:r>
-                    </a:p>
-                    <a:p>
-                      <a:r>
-                        <a:rPr lang="ru-RU" dirty="0" smtClean="0"/>
-                        <a:t>рубль 34</a:t>
-                      </a:r>
-                    </a:p>
-                    <a:p>
-                      <a:r>
-                        <a:rPr lang="ru-RU" dirty="0" smtClean="0"/>
-                        <a:t>слово 34</a:t>
-                      </a:r>
-                    </a:p>
-                    <a:p>
-                      <a:r>
-                        <a:rPr lang="ru-RU" dirty="0" err="1" smtClean="0"/>
+                        <a:rPr lang="ru-RU" b="1" dirty="0" err="1" smtClean="0"/>
+                        <a:t>россия</a:t>
+                      </a:r>
+                      <a:r>
+                        <a:rPr lang="ru-RU" b="1" dirty="0" smtClean="0"/>
+                        <a:t> </a:t>
+                      </a:r>
+                      <a:r>
+                        <a:rPr lang="ru-RU" dirty="0" smtClean="0"/>
+                        <a:t>99</a:t>
+                      </a:r>
+                      <a:endParaRPr lang="ru-RU" dirty="0" smtClean="0"/>
+                    </a:p>
+                    <a:p>
+                      <a:r>
+                        <a:rPr lang="ru-RU" b="1" dirty="0" smtClean="0"/>
+                        <a:t>человек</a:t>
+                      </a:r>
+                      <a:r>
+                        <a:rPr lang="ru-RU" dirty="0" smtClean="0"/>
+                        <a:t> 52</a:t>
+                      </a:r>
+                    </a:p>
+                    <a:p>
+                      <a:r>
+                        <a:rPr lang="ru-RU" b="1" dirty="0" smtClean="0"/>
+                        <a:t>страна</a:t>
+                      </a:r>
+                      <a:r>
+                        <a:rPr lang="ru-RU" dirty="0" smtClean="0"/>
+                        <a:t> 50</a:t>
+                      </a:r>
+                    </a:p>
+                    <a:p>
+                      <a:r>
+                        <a:rPr lang="ru-RU" b="1" dirty="0" smtClean="0"/>
+                        <a:t>глава</a:t>
+                      </a:r>
+                      <a:r>
+                        <a:rPr lang="ru-RU" dirty="0" smtClean="0"/>
+                        <a:t> 47</a:t>
+                      </a:r>
+                    </a:p>
+                    <a:p>
+                      <a:r>
+                        <a:rPr lang="ru-RU" b="1" dirty="0" smtClean="0"/>
+                        <a:t>стать</a:t>
+                      </a:r>
+                      <a:r>
+                        <a:rPr lang="ru-RU" dirty="0" smtClean="0"/>
+                        <a:t> 41</a:t>
+                      </a:r>
+                    </a:p>
+                    <a:p>
+                      <a:r>
+                        <a:rPr lang="ru-RU" b="1" dirty="0" smtClean="0"/>
+                        <a:t>дело</a:t>
+                      </a:r>
+                      <a:r>
+                        <a:rPr lang="ru-RU" dirty="0" smtClean="0"/>
+                        <a:t> 40</a:t>
+                      </a:r>
+                    </a:p>
+                    <a:p>
+                      <a:r>
+                        <a:rPr lang="ru-RU" b="1" dirty="0" smtClean="0"/>
+                        <a:t>сторона</a:t>
+                      </a:r>
+                      <a:r>
+                        <a:rPr lang="ru-RU" dirty="0" smtClean="0"/>
+                        <a:t> 35</a:t>
+                      </a:r>
+                    </a:p>
+                    <a:p>
+                      <a:r>
+                        <a:rPr lang="ru-RU" b="1" dirty="0" smtClean="0"/>
+                        <a:t>рубль</a:t>
+                      </a:r>
+                      <a:r>
+                        <a:rPr lang="ru-RU" dirty="0" smtClean="0"/>
+                        <a:t> 34</a:t>
+                      </a:r>
+                    </a:p>
+                    <a:p>
+                      <a:r>
+                        <a:rPr lang="ru-RU" b="1" dirty="0" smtClean="0"/>
+                        <a:t>слово</a:t>
+                      </a:r>
+                      <a:r>
+                        <a:rPr lang="ru-RU" dirty="0" smtClean="0"/>
+                        <a:t> 34</a:t>
+                      </a:r>
+                    </a:p>
+                    <a:p>
+                      <a:r>
+                        <a:rPr lang="ru-RU" b="1" dirty="0" err="1" smtClean="0"/>
                         <a:t>украина</a:t>
                       </a:r>
                       <a:r>
@@ -5892,38 +6279,62 @@
                     <a:lstStyle/>
                     <a:p>
                       <a:r>
-                        <a:rPr lang="ru-RU" dirty="0" smtClean="0"/>
-                        <a:t>россия 333</a:t>
-                      </a:r>
-                    </a:p>
-                    <a:p>
-                      <a:r>
-                        <a:rPr lang="ru-RU" dirty="0" smtClean="0"/>
-                        <a:t>страна 215</a:t>
-                      </a:r>
-                    </a:p>
-                    <a:p>
-                      <a:r>
-                        <a:rPr lang="ru-RU" dirty="0" smtClean="0"/>
-                        <a:t>человек 213</a:t>
-                      </a:r>
-                    </a:p>
-                    <a:p>
-                      <a:r>
-                        <a:rPr lang="ru-RU" dirty="0" smtClean="0"/>
-                        <a:t>информация 207</a:t>
-                      </a:r>
-                    </a:p>
-                    <a:p>
-                      <a:r>
-                        <a:rPr lang="ru-RU" dirty="0" smtClean="0"/>
-                        <a:t>источник 199</a:t>
-                      </a:r>
-                    </a:p>
-                    <a:p>
-                      <a:r>
-                        <a:rPr lang="ru-RU" dirty="0" smtClean="0"/>
-                        <a:t>президент 196</a:t>
+                        <a:rPr lang="ru-RU" b="1" dirty="0" smtClean="0"/>
+                        <a:t>россия</a:t>
+                      </a:r>
+                      <a:r>
+                        <a:rPr lang="ru-RU" dirty="0" smtClean="0"/>
+                        <a:t> 333</a:t>
+                      </a:r>
+                    </a:p>
+                    <a:p>
+                      <a:r>
+                        <a:rPr lang="ru-RU" b="1" dirty="0" smtClean="0"/>
+                        <a:t>страна</a:t>
+                      </a:r>
+                      <a:r>
+                        <a:rPr lang="ru-RU" dirty="0" smtClean="0"/>
+                        <a:t> 215</a:t>
+                      </a:r>
+                    </a:p>
+                    <a:p>
+                      <a:r>
+                        <a:rPr lang="ru-RU" b="1" dirty="0" smtClean="0"/>
+                        <a:t>человек</a:t>
+                      </a:r>
+                      <a:r>
+                        <a:rPr lang="ru-RU" dirty="0" smtClean="0"/>
+                        <a:t> 213</a:t>
+                      </a:r>
+                    </a:p>
+                    <a:p>
+                      <a:r>
+                        <a:rPr lang="ru-RU" b="1" dirty="0" smtClean="0"/>
+                        <a:t>информация</a:t>
+                      </a:r>
+                      <a:r>
+                        <a:rPr lang="ru-RU" dirty="0" smtClean="0"/>
+                        <a:t> 207</a:t>
+                      </a:r>
+                    </a:p>
+                    <a:p>
+                      <a:r>
+                        <a:rPr lang="ru-RU" b="1" dirty="0" smtClean="0"/>
+                        <a:t>источник</a:t>
+                      </a:r>
+                      <a:r>
+                        <a:rPr lang="ru-RU" dirty="0" smtClean="0"/>
+                        <a:t> 199</a:t>
+                      </a:r>
+                    </a:p>
+                    <a:p>
+                      <a:r>
+                        <a:rPr lang="ru-RU" b="1" dirty="0" smtClean="0"/>
+                        <a:t>президент</a:t>
+                      </a:r>
+                      <a:r>
+                        <a:rPr lang="ru-RU" dirty="0" smtClean="0"/>
+                        <a:t> 196</a:t>
                       </a:r>
                     </a:p>
                     <a:p>
@@ -5934,19 +6345,27 @@
                     </a:p>
                     <a:p>
                       <a:r>
-                        <a:rPr lang="ru-RU" dirty="0" smtClean="0"/>
-                        <a:t>стать 162</a:t>
-                      </a:r>
-                    </a:p>
-                    <a:p>
-                      <a:r>
-                        <a:rPr lang="ru-RU" dirty="0" smtClean="0"/>
-                        <a:t>самый 153</a:t>
-                      </a:r>
-                    </a:p>
-                    <a:p>
-                      <a:r>
-                        <a:rPr lang="ru-RU" dirty="0" err="1" smtClean="0"/>
+                        <a:rPr lang="ru-RU" b="1" dirty="0" smtClean="0"/>
+                        <a:t>стать</a:t>
+                      </a:r>
+                      <a:r>
+                        <a:rPr lang="ru-RU" dirty="0" smtClean="0"/>
+                        <a:t> 162</a:t>
+                      </a:r>
+                    </a:p>
+                    <a:p>
+                      <a:r>
+                        <a:rPr lang="ru-RU" b="1" dirty="0" smtClean="0"/>
+                        <a:t>самый</a:t>
+                      </a:r>
+                      <a:r>
+                        <a:rPr lang="ru-RU" dirty="0" smtClean="0"/>
+                        <a:t> 153</a:t>
+                      </a:r>
+                    </a:p>
+                    <a:p>
+                      <a:r>
+                        <a:rPr lang="ru-RU" b="1" dirty="0" err="1" smtClean="0"/>
                         <a:t>регном</a:t>
                       </a:r>
                       <a:r>
@@ -6057,7 +6476,7 @@
           <p:nvPr>
             <p:extLst>
               <p:ext uri="{D42A27DB-BD31-4B8C-83A1-F6EECF244321}">
-                <p14:modId xmlns:p14="http://schemas.microsoft.com/office/powerpoint/2010/main" val="3904508394"/>
+                <p14:modId xmlns:p14="http://schemas.microsoft.com/office/powerpoint/2010/main" val="1696405068"/>
               </p:ext>
             </p:extLst>
           </p:nvPr>
@@ -6145,8 +6564,12 @@
                     </a:p>
                     <a:p>
                       <a:r>
-                        <a:rPr lang="ru-RU" dirty="0" smtClean="0"/>
-                        <a:t>миллион доллар 113</a:t>
+                        <a:rPr lang="ru-RU" b="1" dirty="0" smtClean="0"/>
+                        <a:t>миллион доллар </a:t>
+                      </a:r>
+                      <a:r>
+                        <a:rPr lang="ru-RU" dirty="0" smtClean="0"/>
+                        <a:t>113</a:t>
                       </a:r>
                     </a:p>
                     <a:p>
@@ -6157,8 +6580,12 @@
                     </a:p>
                     <a:p>
                       <a:r>
-                        <a:rPr lang="ru-RU" dirty="0" smtClean="0"/>
-                        <a:t>прошлое год 103</a:t>
+                        <a:rPr lang="ru-RU" b="1" dirty="0" smtClean="0"/>
+                        <a:t>прошлое год </a:t>
+                      </a:r>
+                      <a:r>
+                        <a:rPr lang="ru-RU" dirty="0" smtClean="0"/>
+                        <a:t>103</a:t>
                       </a:r>
                     </a:p>
                     <a:p>
@@ -6175,8 +6602,12 @@
                     </a:p>
                     <a:p>
                       <a:r>
-                        <a:rPr lang="ru-RU" dirty="0" smtClean="0"/>
-                        <a:t>самый дело 94</a:t>
+                        <a:rPr lang="ru-RU" b="1" dirty="0" smtClean="0"/>
+                        <a:t>самый дело </a:t>
+                      </a:r>
+                      <a:r>
+                        <a:rPr lang="ru-RU" dirty="0" smtClean="0"/>
+                        <a:t>94</a:t>
                       </a:r>
                       <a:endParaRPr lang="ru-RU" dirty="0"/>
                     </a:p>
@@ -6201,60 +6632,80 @@
                     </a:p>
                     <a:p>
                       <a:r>
-                        <a:rPr lang="ru-RU" dirty="0" err="1" smtClean="0"/>
+                        <a:rPr lang="ru-RU" b="1" dirty="0" err="1" smtClean="0"/>
                         <a:t>борис</a:t>
                       </a:r>
                       <a:r>
-                        <a:rPr lang="ru-RU" dirty="0" smtClean="0"/>
+                        <a:rPr lang="ru-RU" b="1" dirty="0" smtClean="0"/>
                         <a:t> </a:t>
                       </a:r>
                       <a:r>
-                        <a:rPr lang="ru-RU" dirty="0" err="1" smtClean="0"/>
+                        <a:rPr lang="ru-RU" b="1" dirty="0" err="1" smtClean="0"/>
                         <a:t>ельцин</a:t>
                       </a:r>
                       <a:r>
-                        <a:rPr lang="ru-RU" dirty="0" smtClean="0"/>
-                        <a:t> 17</a:t>
-                      </a:r>
-                    </a:p>
-                    <a:p>
-                      <a:r>
-                        <a:rPr lang="ru-RU" dirty="0" smtClean="0"/>
-                        <a:t>миллион доллар 16</a:t>
-                      </a:r>
-                    </a:p>
-                    <a:p>
-                      <a:r>
-                        <a:rPr lang="ru-RU" dirty="0" err="1" smtClean="0"/>
+                        <a:rPr lang="ru-RU" b="1" dirty="0" smtClean="0"/>
+                        <a:t> </a:t>
+                      </a:r>
+                      <a:r>
+                        <a:rPr lang="ru-RU" dirty="0" smtClean="0"/>
+                        <a:t>17</a:t>
+                      </a:r>
+                    </a:p>
+                    <a:p>
+                      <a:r>
+                        <a:rPr lang="ru-RU" b="1" dirty="0" smtClean="0"/>
+                        <a:t>миллион доллар </a:t>
+                      </a:r>
+                      <a:r>
+                        <a:rPr lang="ru-RU" dirty="0" smtClean="0"/>
+                        <a:t>16</a:t>
+                      </a:r>
+                    </a:p>
+                    <a:p>
+                      <a:r>
+                        <a:rPr lang="ru-RU" b="1" dirty="0" err="1" smtClean="0"/>
                         <a:t>соб</a:t>
                       </a:r>
                       <a:r>
-                        <a:rPr lang="ru-RU" dirty="0" smtClean="0"/>
+                        <a:rPr lang="ru-RU" b="1" dirty="0" smtClean="0"/>
                         <a:t> </a:t>
                       </a:r>
                       <a:r>
-                        <a:rPr lang="ru-RU" dirty="0" err="1" smtClean="0"/>
+                        <a:rPr lang="ru-RU" b="1" dirty="0" err="1" smtClean="0"/>
                         <a:t>корра</a:t>
                       </a:r>
                       <a:r>
-                        <a:rPr lang="ru-RU" dirty="0" smtClean="0"/>
-                        <a:t> 14</a:t>
-                      </a:r>
-                    </a:p>
-                    <a:p>
-                      <a:r>
-                        <a:rPr lang="ru-RU" dirty="0" smtClean="0"/>
-                        <a:t>должный быть 14</a:t>
-                      </a:r>
-                    </a:p>
-                    <a:p>
-                      <a:r>
-                        <a:rPr lang="ru-RU" dirty="0" err="1" smtClean="0"/>
+                        <a:rPr lang="ru-RU" b="1" dirty="0" smtClean="0"/>
+                        <a:t> </a:t>
+                      </a:r>
+                      <a:r>
+                        <a:rPr lang="ru-RU" dirty="0" smtClean="0"/>
+                        <a:t>14</a:t>
+                      </a:r>
+                    </a:p>
+                    <a:p>
+                      <a:r>
+                        <a:rPr lang="ru-RU" b="1" dirty="0" smtClean="0"/>
+                        <a:t>должный быть </a:t>
+                      </a:r>
+                      <a:r>
+                        <a:rPr lang="ru-RU" dirty="0" smtClean="0"/>
+                        <a:t>14</a:t>
+                      </a:r>
+                    </a:p>
+                    <a:p>
+                      <a:r>
+                        <a:rPr lang="ru-RU" b="1" dirty="0" err="1" smtClean="0"/>
                         <a:t>итартасс</a:t>
                       </a:r>
                       <a:r>
-                        <a:rPr lang="ru-RU" dirty="0" smtClean="0"/>
-                        <a:t> источник 12</a:t>
+                        <a:rPr lang="ru-RU" b="1" dirty="0" smtClean="0"/>
+                        <a:t> источник </a:t>
+                      </a:r>
+                      <a:r>
+                        <a:rPr lang="ru-RU" dirty="0" smtClean="0"/>
+                        <a:t>12</a:t>
                       </a:r>
                     </a:p>
                     <a:p>
@@ -6265,14 +6716,22 @@
                     </a:p>
                     <a:p>
                       <a:r>
-                        <a:rPr lang="ru-RU" dirty="0" smtClean="0"/>
-                        <a:t>совет директор 12</a:t>
-                      </a:r>
-                    </a:p>
-                    <a:p>
-                      <a:r>
-                        <a:rPr lang="ru-RU" dirty="0" smtClean="0"/>
-                        <a:t>европейский союз 11</a:t>
+                        <a:rPr lang="ru-RU" b="1" dirty="0" smtClean="0"/>
+                        <a:t>совет директор</a:t>
+                      </a:r>
+                      <a:r>
+                        <a:rPr lang="ru-RU" dirty="0" smtClean="0"/>
+                        <a:t> 12</a:t>
+                      </a:r>
+                    </a:p>
+                    <a:p>
+                      <a:r>
+                        <a:rPr lang="ru-RU" b="1" dirty="0" smtClean="0"/>
+                        <a:t>европейский союз</a:t>
+                      </a:r>
+                      <a:r>
+                        <a:rPr lang="ru-RU" dirty="0" smtClean="0"/>
+                        <a:t> 11</a:t>
                       </a:r>
                       <a:endParaRPr lang="ru-RU" dirty="0"/>
                     </a:p>
@@ -6371,7 +6830,7 @@
           <p:nvPr>
             <p:extLst>
               <p:ext uri="{D42A27DB-BD31-4B8C-83A1-F6EECF244321}">
-                <p14:modId xmlns:p14="http://schemas.microsoft.com/office/powerpoint/2010/main" val="3996370844"/>
+                <p14:modId xmlns:p14="http://schemas.microsoft.com/office/powerpoint/2010/main" val="4265850994"/>
               </p:ext>
             </p:extLst>
           </p:nvPr>
@@ -6397,7 +6856,7 @@
                     <a:lstStyle/>
                     <a:p>
                       <a:r>
-                        <a:rPr lang="ru-RU" smtClean="0"/>
+                        <a:rPr lang="ru-RU" dirty="0" smtClean="0"/>
                         <a:t>Новая газета</a:t>
                       </a:r>
                       <a:endParaRPr lang="ru-RU" dirty="0"/>
@@ -6427,16 +6886,6 @@
                     <a:lstStyle/>
                     <a:p>
                       <a:r>
-                        <a:rPr lang="ru-RU" dirty="0" err="1" smtClean="0"/>
-                        <a:t>полина</a:t>
-                      </a:r>
-                      <a:r>
-                        <a:rPr lang="ru-RU" dirty="0" smtClean="0"/>
-                        <a:t> аркадий 26</a:t>
-                      </a:r>
-                    </a:p>
-                    <a:p>
-                      <a:r>
                         <a:rPr lang="ru-RU" dirty="0" smtClean="0"/>
                         <a:t>информация новый 20</a:t>
                       </a:r>
@@ -6461,46 +6910,85 @@
                     </a:p>
                     <a:p>
                       <a:r>
-                        <a:rPr lang="ru-RU" dirty="0" smtClean="0"/>
-                        <a:t>бюджетный сектор 11</a:t>
-                      </a:r>
-                    </a:p>
-                    <a:p>
-                      <a:r>
-                        <a:rPr lang="ru-RU" dirty="0" smtClean="0"/>
-                        <a:t>солдатский матереть 10</a:t>
-                      </a:r>
-                    </a:p>
-                    <a:p>
-                      <a:r>
-                        <a:rPr lang="ru-RU" dirty="0" smtClean="0"/>
-                        <a:t>комитет солдатский 10</a:t>
-                      </a:r>
-                    </a:p>
-                    <a:p>
-                      <a:r>
-                        <a:rPr lang="ru-RU" dirty="0" err="1" smtClean="0"/>
-                        <a:t>сергей</a:t>
-                      </a:r>
-                      <a:r>
-                        <a:rPr lang="ru-RU" dirty="0" smtClean="0"/>
+                        <a:rPr lang="ru-RU" b="1" dirty="0" smtClean="0"/>
+                        <a:t>бюджетный сектор </a:t>
+                      </a:r>
+                      <a:r>
+                        <a:rPr lang="ru-RU" dirty="0" smtClean="0"/>
+                        <a:t>11</a:t>
+                      </a:r>
+                    </a:p>
+                    <a:p>
+                      <a:r>
+                        <a:rPr lang="ru-RU" b="1" dirty="0" smtClean="0"/>
+                        <a:t>солдатский матереть </a:t>
+                      </a:r>
+                      <a:r>
+                        <a:rPr lang="ru-RU" dirty="0" smtClean="0"/>
+                        <a:t>10</a:t>
+                      </a:r>
+                      <a:endParaRPr lang="en-US" dirty="0" smtClean="0"/>
+                    </a:p>
+                    <a:p>
+                      <a:r>
+                        <a:rPr lang="ru-RU" b="1" dirty="0" smtClean="0"/>
+                        <a:t>комитет солдатский </a:t>
+                      </a:r>
+                      <a:r>
+                        <a:rPr lang="ru-RU" dirty="0" smtClean="0"/>
+                        <a:t>10</a:t>
+                      </a:r>
+                    </a:p>
+                    <a:p>
+                      <a:r>
+                        <a:rPr lang="ru-RU" b="1" dirty="0" smtClean="0"/>
+                        <a:t>последний время </a:t>
+                      </a:r>
+                      <a:r>
+                        <a:rPr lang="ru-RU" dirty="0" smtClean="0"/>
+                        <a:t>8</a:t>
+                      </a:r>
+                      <a:endParaRPr lang="en-US" dirty="0" smtClean="0"/>
+                    </a:p>
+                    <a:p>
+                      <a:r>
+                        <a:rPr lang="ru-RU" b="1" dirty="0" smtClean="0"/>
+                        <a:t>рабочий место</a:t>
+                      </a:r>
+                      <a:r>
+                        <a:rPr lang="ru-RU" dirty="0" smtClean="0"/>
+                        <a:t> 6</a:t>
+                      </a:r>
+                      <a:endParaRPr lang="en-US" dirty="0" smtClean="0"/>
+                    </a:p>
+                    <a:p>
+                      <a:r>
+                        <a:rPr lang="ru-RU" b="1" dirty="0" smtClean="0"/>
+                        <a:t>бюджетный сфера </a:t>
+                      </a:r>
+                      <a:r>
+                        <a:rPr lang="ru-RU" b="0" dirty="0" smtClean="0"/>
+                        <a:t>6</a:t>
+                      </a:r>
+                    </a:p>
+                    <a:p>
+                      <a:r>
+                        <a:rPr lang="ru-RU" b="1" dirty="0" smtClean="0"/>
+                        <a:t>работник </a:t>
+                      </a:r>
+                      <a:r>
+                        <a:rPr lang="ru-RU" b="1" dirty="0" err="1" smtClean="0"/>
+                        <a:t>нквд</a:t>
+                      </a:r>
+                      <a:r>
+                        <a:rPr lang="ru-RU" b="1" dirty="0" smtClean="0"/>
                         <a:t> </a:t>
                       </a:r>
                       <a:r>
-                        <a:rPr lang="ru-RU" dirty="0" err="1" smtClean="0"/>
-                        <a:t>константин</a:t>
-                      </a:r>
-                      <a:r>
-                        <a:rPr lang="ru-RU" dirty="0" smtClean="0"/>
-                        <a:t> 10</a:t>
-                      </a:r>
-                    </a:p>
-                    <a:p>
-                      <a:r>
-                        <a:rPr lang="ru-RU" dirty="0" smtClean="0"/>
-                        <a:t>последний время 8</a:t>
-                      </a:r>
-                      <a:endParaRPr lang="ru-RU" dirty="0"/>
+                        <a:rPr lang="ru-RU" b="0" dirty="0" smtClean="0"/>
+                        <a:t>6</a:t>
+                      </a:r>
+                      <a:endParaRPr lang="ru-RU" b="0" dirty="0"/>
                     </a:p>
                   </a:txBody>
                   <a:tcPr/>
@@ -6511,6 +6999,16 @@
                     <a:lstStyle/>
                     <a:p>
                       <a:r>
+                        <a:rPr lang="ru-RU" b="1" dirty="0" smtClean="0"/>
+                        <a:t>источник информация </a:t>
+                      </a:r>
+                      <a:r>
+                        <a:rPr lang="ru-RU" dirty="0" smtClean="0"/>
+                        <a:t>22</a:t>
+                      </a:r>
+                    </a:p>
+                    <a:p>
+                      <a:r>
                         <a:rPr lang="ru-RU" dirty="0" smtClean="0"/>
                         <a:t>информация российский 22</a:t>
                       </a:r>
@@ -6518,12 +7016,6 @@
                     <a:p>
                       <a:r>
                         <a:rPr lang="ru-RU" dirty="0" smtClean="0"/>
-                        <a:t>источник информация 22</a:t>
-                      </a:r>
-                    </a:p>
-                    <a:p>
-                      <a:r>
-                        <a:rPr lang="ru-RU" dirty="0" smtClean="0"/>
                         <a:t>должный быть 17</a:t>
                       </a:r>
                     </a:p>
@@ -6535,50 +7027,55 @@
                     </a:p>
                     <a:p>
                       <a:r>
-                        <a:rPr lang="ru-RU" dirty="0" err="1" smtClean="0"/>
+                        <a:rPr lang="ru-RU" b="1" dirty="0" err="1" smtClean="0"/>
                         <a:t>джордж</a:t>
                       </a:r>
                       <a:r>
-                        <a:rPr lang="ru-RU" dirty="0" smtClean="0"/>
+                        <a:rPr lang="ru-RU" b="1" dirty="0" smtClean="0"/>
                         <a:t> </a:t>
                       </a:r>
                       <a:r>
-                        <a:rPr lang="ru-RU" dirty="0" err="1" smtClean="0"/>
+                        <a:rPr lang="ru-RU" b="1" dirty="0" err="1" smtClean="0"/>
                         <a:t>сорос</a:t>
                       </a:r>
                       <a:r>
-                        <a:rPr lang="ru-RU" dirty="0" smtClean="0"/>
-                        <a:t> 14</a:t>
-                      </a:r>
-                    </a:p>
-                    <a:p>
-                      <a:r>
-                        <a:rPr lang="ru-RU" dirty="0" smtClean="0"/>
-                        <a:t>миллион доллар 14</a:t>
-                      </a:r>
-                    </a:p>
-                    <a:p>
-                      <a:r>
-                        <a:rPr lang="ru-RU" dirty="0" smtClean="0"/>
-                        <a:t>местный власть 11</a:t>
-                      </a:r>
-                    </a:p>
-                    <a:p>
-                      <a:r>
-                        <a:rPr lang="ru-RU" dirty="0" err="1" smtClean="0"/>
-                        <a:t>геннадий</a:t>
-                      </a:r>
-                      <a:r>
-                        <a:rPr lang="ru-RU" dirty="0" smtClean="0"/>
+                        <a:rPr lang="ru-RU" b="1" dirty="0" smtClean="0"/>
                         <a:t> </a:t>
                       </a:r>
                       <a:r>
-                        <a:rPr lang="ru-RU" dirty="0" err="1" smtClean="0"/>
-                        <a:t>андрей</a:t>
-                      </a:r>
-                      <a:r>
-                        <a:rPr lang="ru-RU" dirty="0" smtClean="0"/>
-                        <a:t> 11</a:t>
+                        <a:rPr lang="ru-RU" dirty="0" smtClean="0"/>
+                        <a:t>14</a:t>
+                      </a:r>
+                    </a:p>
+                    <a:p>
+                      <a:r>
+                        <a:rPr lang="ru-RU" b="1" dirty="0" smtClean="0"/>
+                        <a:t>миллион доллар </a:t>
+                      </a:r>
+                      <a:r>
+                        <a:rPr lang="ru-RU" dirty="0" smtClean="0"/>
+                        <a:t>14</a:t>
+                      </a:r>
+                      <a:endParaRPr lang="en-US" dirty="0" smtClean="0"/>
+                    </a:p>
+                    <a:p>
+                      <a:r>
+                        <a:rPr lang="ru-RU" b="1" dirty="0" smtClean="0"/>
+                        <a:t>местный власть </a:t>
+                      </a:r>
+                      <a:r>
+                        <a:rPr lang="ru-RU" dirty="0" smtClean="0"/>
+                        <a:t>11</a:t>
+                      </a:r>
+                    </a:p>
+                    <a:p>
+                      <a:r>
+                        <a:rPr lang="ru-RU" b="1" dirty="0" smtClean="0"/>
+                        <a:t>дата источник </a:t>
+                      </a:r>
+                      <a:r>
+                        <a:rPr lang="ru-RU" dirty="0" smtClean="0"/>
+                        <a:t>10</a:t>
                       </a:r>
                     </a:p>
                     <a:p>
@@ -6589,10 +7086,20 @@
                     </a:p>
                     <a:p>
                       <a:r>
-                        <a:rPr lang="ru-RU" dirty="0" smtClean="0"/>
-                        <a:t>дата источник 10</a:t>
-                      </a:r>
-                      <a:endParaRPr lang="ru-RU" dirty="0"/>
+                        <a:rPr lang="ru-RU" b="1" dirty="0" smtClean="0"/>
+                        <a:t>миллиард доллар </a:t>
+                      </a:r>
+                      <a:r>
+                        <a:rPr lang="ru-RU" dirty="0" smtClean="0"/>
+                        <a:t>9</a:t>
+                      </a:r>
+                    </a:p>
+                    <a:p>
+                      <a:r>
+                        <a:rPr lang="ru-RU" dirty="0" smtClean="0"/>
+                        <a:t>можно быть 9</a:t>
+                      </a:r>
+                      <a:endParaRPr lang="en-US" dirty="0" smtClean="0"/>
                     </a:p>
                   </a:txBody>
                   <a:tcPr/>
@@ -6689,7 +7196,7 @@
           <p:nvPr>
             <p:extLst>
               <p:ext uri="{D42A27DB-BD31-4B8C-83A1-F6EECF244321}">
-                <p14:modId xmlns:p14="http://schemas.microsoft.com/office/powerpoint/2010/main" val="3905749015"/>
+                <p14:modId xmlns:p14="http://schemas.microsoft.com/office/powerpoint/2010/main" val="3147740549"/>
               </p:ext>
             </p:extLst>
           </p:nvPr>
@@ -6745,24 +7252,36 @@
                     <a:lstStyle/>
                     <a:p>
                       <a:r>
-                        <a:rPr lang="ru-RU" dirty="0" smtClean="0"/>
-                        <a:t>уголовный дело 27</a:t>
-                      </a:r>
-                    </a:p>
-                    <a:p>
-                      <a:r>
-                        <a:rPr lang="ru-RU" dirty="0" smtClean="0"/>
-                        <a:t>цена нефть 22</a:t>
-                      </a:r>
-                    </a:p>
-                    <a:p>
-                      <a:r>
-                        <a:rPr lang="ru-RU" dirty="0" err="1" smtClean="0"/>
+                        <a:rPr lang="ru-RU" b="1" dirty="0" smtClean="0"/>
+                        <a:t>уголовный дело </a:t>
+                      </a:r>
+                      <a:r>
+                        <a:rPr lang="ru-RU" dirty="0" smtClean="0"/>
+                        <a:t>27</a:t>
+                      </a:r>
+                    </a:p>
+                    <a:p>
+                      <a:r>
+                        <a:rPr lang="ru-RU" b="1" dirty="0" smtClean="0"/>
+                        <a:t>цена нефть </a:t>
+                      </a:r>
+                      <a:r>
+                        <a:rPr lang="ru-RU" dirty="0" smtClean="0"/>
+                        <a:t>22</a:t>
+                      </a:r>
+                    </a:p>
+                    <a:p>
+                      <a:r>
+                        <a:rPr lang="ru-RU" b="1" dirty="0" err="1" smtClean="0"/>
                         <a:t>владимир</a:t>
                       </a:r>
                       <a:r>
-                        <a:rPr lang="ru-RU" dirty="0" smtClean="0"/>
-                        <a:t> путин 21</a:t>
+                        <a:rPr lang="ru-RU" b="1" dirty="0" smtClean="0"/>
+                        <a:t> путин </a:t>
+                      </a:r>
+                      <a:r>
+                        <a:rPr lang="ru-RU" dirty="0" smtClean="0"/>
+                        <a:t>21</a:t>
                       </a:r>
                     </a:p>
                     <a:p>
@@ -6773,46 +7292,70 @@
                     </a:p>
                     <a:p>
                       <a:r>
-                        <a:rPr lang="ru-RU" dirty="0" smtClean="0"/>
-                        <a:t>точка зрение 17</a:t>
-                      </a:r>
-                    </a:p>
-                    <a:p>
-                      <a:r>
-                        <a:rPr lang="ru-RU" dirty="0" smtClean="0"/>
-                        <a:t>прошлое год 16</a:t>
-                      </a:r>
-                    </a:p>
-                    <a:p>
-                      <a:r>
-                        <a:rPr lang="ru-RU" dirty="0" smtClean="0"/>
-                        <a:t>заявить что 15</a:t>
-                      </a:r>
-                    </a:p>
-                    <a:p>
-                      <a:r>
-                        <a:rPr lang="ru-RU" dirty="0" smtClean="0"/>
+                        <a:rPr lang="ru-RU" b="1" dirty="0" smtClean="0"/>
+                        <a:t>точка зрение </a:t>
+                      </a:r>
+                      <a:r>
+                        <a:rPr lang="ru-RU" dirty="0" smtClean="0"/>
+                        <a:t>17</a:t>
+                      </a:r>
+                    </a:p>
+                    <a:p>
+                      <a:r>
+                        <a:rPr lang="ru-RU" b="1" dirty="0" smtClean="0"/>
+                        <a:t>прошлое год </a:t>
+                      </a:r>
+                      <a:r>
+                        <a:rPr lang="ru-RU" dirty="0" smtClean="0"/>
+                        <a:t>16</a:t>
+                      </a:r>
+                    </a:p>
+                    <a:p>
+                      <a:r>
+                        <a:rPr lang="ru-RU" b="1" dirty="0" smtClean="0"/>
+                        <a:t>заявить что </a:t>
+                      </a:r>
+                      <a:r>
+                        <a:rPr lang="ru-RU" dirty="0" smtClean="0"/>
+                        <a:t>15</a:t>
+                      </a:r>
+                    </a:p>
+                    <a:p>
+                      <a:r>
+                        <a:rPr lang="ru-RU" b="1" dirty="0" smtClean="0"/>
                         <a:t>очередь </a:t>
                       </a:r>
                       <a:r>
-                        <a:rPr lang="ru-RU" dirty="0" err="1" smtClean="0"/>
+                        <a:rPr lang="ru-RU" b="1" dirty="0" err="1" smtClean="0"/>
                         <a:t>серов</a:t>
                       </a:r>
                       <a:r>
-                        <a:rPr lang="ru-RU" dirty="0" smtClean="0"/>
-                        <a:t> 14</a:t>
-                      </a:r>
-                    </a:p>
-                    <a:p>
-                      <a:r>
-                        <a:rPr lang="ru-RU" dirty="0" smtClean="0"/>
-                        <a:t>исламский государство 14</a:t>
-                      </a:r>
-                    </a:p>
-                    <a:p>
-                      <a:r>
-                        <a:rPr lang="ru-RU" dirty="0" smtClean="0"/>
-                        <a:t>террористический организация 12</a:t>
+                        <a:rPr lang="ru-RU" b="1" dirty="0" smtClean="0"/>
+                        <a:t> </a:t>
+                      </a:r>
+                      <a:r>
+                        <a:rPr lang="ru-RU" dirty="0" smtClean="0"/>
+                        <a:t>14</a:t>
+                      </a:r>
+                    </a:p>
+                    <a:p>
+                      <a:r>
+                        <a:rPr lang="ru-RU" b="1" dirty="0" smtClean="0"/>
+                        <a:t>исламский государство </a:t>
+                      </a:r>
+                      <a:r>
+                        <a:rPr lang="ru-RU" dirty="0" smtClean="0"/>
+                        <a:t>14</a:t>
+                      </a:r>
+                    </a:p>
+                    <a:p>
+                      <a:r>
+                        <a:rPr lang="ru-RU" b="1" dirty="0" smtClean="0"/>
+                        <a:t>террористический организация </a:t>
+                      </a:r>
+                      <a:r>
+                        <a:rPr lang="ru-RU" dirty="0" smtClean="0"/>
+                        <a:t>12</a:t>
                       </a:r>
                       <a:endParaRPr lang="ru-RU" dirty="0"/>
                     </a:p>
@@ -6825,84 +7368,120 @@
                     <a:lstStyle/>
                     <a:p>
                       <a:r>
-                        <a:rPr lang="ru-RU" dirty="0" err="1" smtClean="0"/>
+                        <a:rPr lang="ru-RU" b="0" dirty="0" err="1" smtClean="0"/>
                         <a:t>зельфира</a:t>
                       </a:r>
                       <a:r>
-                        <a:rPr lang="ru-RU" dirty="0" smtClean="0"/>
+                        <a:rPr lang="ru-RU" b="0" dirty="0" smtClean="0"/>
                         <a:t> </a:t>
                       </a:r>
                       <a:r>
-                        <a:rPr lang="ru-RU" dirty="0" err="1" smtClean="0"/>
+                        <a:rPr lang="ru-RU" b="0" dirty="0" err="1" smtClean="0"/>
                         <a:t>трегулов</a:t>
                       </a:r>
                       <a:r>
-                        <a:rPr lang="ru-RU" dirty="0" smtClean="0"/>
-                        <a:t> 16</a:t>
-                      </a:r>
-                    </a:p>
-                    <a:p>
-                      <a:r>
-                        <a:rPr lang="ru-RU" dirty="0" smtClean="0"/>
-                        <a:t>судебный пристав 14</a:t>
-                      </a:r>
-                    </a:p>
-                    <a:p>
-                      <a:r>
-                        <a:rPr lang="ru-RU" dirty="0" smtClean="0"/>
-                        <a:t>международный розыск 12</a:t>
-                      </a:r>
-                    </a:p>
-                    <a:p>
-                      <a:r>
-                        <a:rPr lang="ru-RU" dirty="0" smtClean="0"/>
-                        <a:t>мюнхенский конференция 12</a:t>
-                      </a:r>
-                    </a:p>
-                    <a:p>
-                      <a:r>
-                        <a:rPr lang="ru-RU" dirty="0" smtClean="0"/>
-                        <a:t>прошлое год 11</a:t>
-                      </a:r>
-                    </a:p>
-                    <a:p>
-                      <a:r>
-                        <a:rPr lang="ru-RU" dirty="0" smtClean="0"/>
-                        <a:t>курс рубль 11</a:t>
-                      </a:r>
-                    </a:p>
-                    <a:p>
-                      <a:r>
-                        <a:rPr lang="ru-RU" dirty="0" smtClean="0"/>
-                        <a:t>цена нефть 11</a:t>
-                      </a:r>
-                    </a:p>
-                    <a:p>
-                      <a:r>
-                        <a:rPr lang="ru-RU" dirty="0" err="1" smtClean="0"/>
+                        <a:rPr lang="ru-RU" b="0" dirty="0" smtClean="0"/>
+                        <a:t> </a:t>
+                      </a:r>
+                      <a:r>
+                        <a:rPr lang="ru-RU" dirty="0" smtClean="0"/>
+                        <a:t>16</a:t>
+                      </a:r>
+                    </a:p>
+                    <a:p>
+                      <a:r>
+                        <a:rPr lang="ru-RU" b="1" dirty="0" smtClean="0"/>
+                        <a:t>судебный пристав </a:t>
+                      </a:r>
+                      <a:r>
+                        <a:rPr lang="ru-RU" dirty="0" smtClean="0"/>
+                        <a:t>14</a:t>
+                      </a:r>
+                    </a:p>
+                    <a:p>
+                      <a:r>
+                        <a:rPr lang="ru-RU" b="1" dirty="0" smtClean="0"/>
+                        <a:t>международный розыск </a:t>
+                      </a:r>
+                      <a:r>
+                        <a:rPr lang="ru-RU" dirty="0" smtClean="0"/>
+                        <a:t>12</a:t>
+                      </a:r>
+                    </a:p>
+                    <a:p>
+                      <a:r>
+                        <a:rPr lang="ru-RU" b="1" dirty="0" smtClean="0"/>
+                        <a:t>мюнхенский конференция </a:t>
+                      </a:r>
+                      <a:r>
+                        <a:rPr lang="ru-RU" dirty="0" smtClean="0"/>
+                        <a:t>12</a:t>
+                      </a:r>
+                    </a:p>
+                    <a:p>
+                      <a:r>
+                        <a:rPr lang="ru-RU" b="1" dirty="0" smtClean="0"/>
+                        <a:t>прошлое год </a:t>
+                      </a:r>
+                      <a:r>
+                        <a:rPr lang="ru-RU" dirty="0" smtClean="0"/>
+                        <a:t>11</a:t>
+                      </a:r>
+                    </a:p>
+                    <a:p>
+                      <a:r>
+                        <a:rPr lang="ru-RU" b="1" dirty="0" smtClean="0"/>
+                        <a:t>курс рубль </a:t>
+                      </a:r>
+                      <a:r>
+                        <a:rPr lang="ru-RU" dirty="0" smtClean="0"/>
+                        <a:t>11</a:t>
+                      </a:r>
+                    </a:p>
+                    <a:p>
+                      <a:r>
+                        <a:rPr lang="ru-RU" b="1" dirty="0" smtClean="0"/>
+                        <a:t>цена нефть </a:t>
+                      </a:r>
+                      <a:r>
+                        <a:rPr lang="ru-RU" dirty="0" smtClean="0"/>
+                        <a:t>11</a:t>
+                      </a:r>
+                    </a:p>
+                    <a:p>
+                      <a:r>
+                        <a:rPr lang="ru-RU" b="1" dirty="0" err="1" smtClean="0"/>
                         <a:t>владимир</a:t>
                       </a:r>
                       <a:r>
-                        <a:rPr lang="ru-RU" dirty="0" smtClean="0"/>
-                        <a:t> путин 10</a:t>
-                      </a:r>
-                    </a:p>
-                    <a:p>
-                      <a:r>
-                        <a:rPr lang="ru-RU" dirty="0" err="1" smtClean="0"/>
+                        <a:rPr lang="ru-RU" b="1" dirty="0" smtClean="0"/>
+                        <a:t> путин </a:t>
+                      </a:r>
+                      <a:r>
+                        <a:rPr lang="ru-RU" dirty="0" smtClean="0"/>
+                        <a:t>10</a:t>
+                      </a:r>
+                    </a:p>
+                    <a:p>
+                      <a:r>
+                        <a:rPr lang="ru-RU" b="1" dirty="0" err="1" smtClean="0"/>
                         <a:t>эльвира</a:t>
                       </a:r>
                       <a:r>
-                        <a:rPr lang="ru-RU" dirty="0" smtClean="0"/>
+                        <a:rPr lang="ru-RU" b="1" dirty="0" smtClean="0"/>
                         <a:t> </a:t>
                       </a:r>
                       <a:r>
-                        <a:rPr lang="ru-RU" dirty="0" err="1" smtClean="0"/>
+                        <a:rPr lang="ru-RU" b="1" dirty="0" err="1" smtClean="0"/>
                         <a:t>набиуллин</a:t>
                       </a:r>
                       <a:r>
-                        <a:rPr lang="ru-RU" dirty="0" smtClean="0"/>
-                        <a:t> 10</a:t>
+                        <a:rPr lang="ru-RU" b="1" dirty="0" smtClean="0"/>
+                        <a:t> </a:t>
+                      </a:r>
+                      <a:r>
+                        <a:rPr lang="ru-RU" dirty="0" smtClean="0"/>
+                        <a:t>10</a:t>
                       </a:r>
                     </a:p>
                     <a:p>
@@ -7141,7 +7720,7 @@
           <p:nvPr>
             <p:extLst>
               <p:ext uri="{D42A27DB-BD31-4B8C-83A1-F6EECF244321}">
-                <p14:modId xmlns:p14="http://schemas.microsoft.com/office/powerpoint/2010/main" val="4001883184"/>
+                <p14:modId xmlns:p14="http://schemas.microsoft.com/office/powerpoint/2010/main" val="3828924168"/>
               </p:ext>
             </p:extLst>
           </p:nvPr>
@@ -7235,8 +7814,12 @@
                     </a:p>
                     <a:p>
                       <a:r>
-                        <a:rPr lang="ru-RU" dirty="0" smtClean="0"/>
-                        <a:t>миллион доллар 124</a:t>
+                        <a:rPr lang="ru-RU" b="1" dirty="0" smtClean="0"/>
+                        <a:t>миллион доллар </a:t>
+                      </a:r>
+                      <a:r>
+                        <a:rPr lang="ru-RU" dirty="0" smtClean="0"/>
+                        <a:t>124</a:t>
                       </a:r>
                     </a:p>
                     <a:p>
@@ -7253,8 +7836,12 @@
                     </a:p>
                     <a:p>
                       <a:r>
-                        <a:rPr lang="ru-RU" dirty="0" smtClean="0"/>
-                        <a:t>уголовный дело 103</a:t>
+                        <a:rPr lang="ru-RU" b="1" dirty="0" smtClean="0"/>
+                        <a:t>уголовный дело </a:t>
+                      </a:r>
+                      <a:r>
+                        <a:rPr lang="ru-RU" dirty="0" smtClean="0"/>
+                        <a:t>103</a:t>
                       </a:r>
                     </a:p>
                     <a:p>
@@ -7297,8 +7884,12 @@
                     </a:p>
                     <a:p>
                       <a:r>
-                        <a:rPr lang="ru-RU" dirty="0" smtClean="0"/>
-                        <a:t>миллион доллар 30</a:t>
+                        <a:rPr lang="ru-RU" b="1" dirty="0" smtClean="0"/>
+                        <a:t>миллион доллар </a:t>
+                      </a:r>
+                      <a:r>
+                        <a:rPr lang="ru-RU" dirty="0" smtClean="0"/>
+                        <a:t>30</a:t>
                       </a:r>
                     </a:p>
                     <a:p>
@@ -7309,32 +7900,44 @@
                     </a:p>
                     <a:p>
                       <a:r>
-                        <a:rPr lang="ru-RU" dirty="0" smtClean="0"/>
-                        <a:t>миллиард рубль 20</a:t>
-                      </a:r>
-                    </a:p>
-                    <a:p>
-                      <a:r>
-                        <a:rPr lang="ru-RU" dirty="0" smtClean="0"/>
-                        <a:t>миллиард доллар 18</a:t>
-                      </a:r>
-                    </a:p>
-                    <a:p>
-                      <a:r>
-                        <a:rPr lang="ru-RU" dirty="0" err="1" smtClean="0"/>
+                        <a:rPr lang="ru-RU" b="1" dirty="0" smtClean="0"/>
+                        <a:t>миллиард рубль </a:t>
+                      </a:r>
+                      <a:r>
+                        <a:rPr lang="ru-RU" dirty="0" smtClean="0"/>
+                        <a:t>20</a:t>
+                      </a:r>
+                    </a:p>
+                    <a:p>
+                      <a:r>
+                        <a:rPr lang="ru-RU" b="1" dirty="0" smtClean="0"/>
+                        <a:t>миллиард доллар </a:t>
+                      </a:r>
+                      <a:r>
+                        <a:rPr lang="ru-RU" dirty="0" smtClean="0"/>
+                        <a:t>18</a:t>
+                      </a:r>
+                    </a:p>
+                    <a:p>
+                      <a:r>
+                        <a:rPr lang="ru-RU" b="1" dirty="0" err="1" smtClean="0"/>
                         <a:t>борис</a:t>
                       </a:r>
                       <a:r>
-                        <a:rPr lang="ru-RU" dirty="0" smtClean="0"/>
+                        <a:rPr lang="ru-RU" b="1" dirty="0" smtClean="0"/>
                         <a:t> </a:t>
                       </a:r>
                       <a:r>
-                        <a:rPr lang="ru-RU" dirty="0" err="1" smtClean="0"/>
+                        <a:rPr lang="ru-RU" b="1" dirty="0" err="1" smtClean="0"/>
                         <a:t>ельцин</a:t>
                       </a:r>
                       <a:r>
-                        <a:rPr lang="ru-RU" dirty="0" smtClean="0"/>
-                        <a:t> 18</a:t>
+                        <a:rPr lang="ru-RU" b="1" dirty="0" smtClean="0"/>
+                        <a:t> </a:t>
+                      </a:r>
+                      <a:r>
+                        <a:rPr lang="ru-RU" dirty="0" smtClean="0"/>
+                        <a:t>18</a:t>
                       </a:r>
                     </a:p>
                     <a:p>
@@ -7771,7 +8374,7 @@
           <p:nvPr>
             <p:extLst>
               <p:ext uri="{D42A27DB-BD31-4B8C-83A1-F6EECF244321}">
-                <p14:modId xmlns:p14="http://schemas.microsoft.com/office/powerpoint/2010/main" val="2846927041"/>
+                <p14:modId xmlns:p14="http://schemas.microsoft.com/office/powerpoint/2010/main" val="1841936202"/>
               </p:ext>
             </p:extLst>
           </p:nvPr>
@@ -7839,34 +8442,50 @@
                     </a:p>
                     <a:p>
                       <a:r>
-                        <a:rPr lang="ru-RU" dirty="0" smtClean="0"/>
-                        <a:t>комитет солдатский матереть 10</a:t>
-                      </a:r>
-                    </a:p>
-                    <a:p>
-                      <a:r>
-                        <a:rPr lang="ru-RU" dirty="0" smtClean="0"/>
+                        <a:rPr lang="ru-RU" b="1" dirty="0" smtClean="0"/>
+                        <a:t>комитет солдатский матереть </a:t>
+                      </a:r>
+                      <a:r>
+                        <a:rPr lang="ru-RU" dirty="0" smtClean="0"/>
+                        <a:t>10</a:t>
+                      </a:r>
+                    </a:p>
+                    <a:p>
+                      <a:r>
+                        <a:rPr lang="ru-RU" b="1" dirty="0" smtClean="0"/>
                         <a:t>клуб работник </a:t>
                       </a:r>
                       <a:r>
-                        <a:rPr lang="ru-RU" dirty="0" err="1" smtClean="0"/>
+                        <a:rPr lang="ru-RU" b="1" dirty="0" err="1" smtClean="0"/>
                         <a:t>нквд</a:t>
                       </a:r>
                       <a:r>
-                        <a:rPr lang="ru-RU" dirty="0" smtClean="0"/>
-                        <a:t> 6</a:t>
-                      </a:r>
-                    </a:p>
-                    <a:p>
-                      <a:r>
-                        <a:rPr lang="ru-RU" dirty="0" smtClean="0"/>
-                        <a:t>центральный клуб работник 5</a:t>
-                      </a:r>
-                    </a:p>
-                    <a:p>
-                      <a:r>
-                        <a:rPr lang="ru-RU" dirty="0" smtClean="0"/>
-                        <a:t>оператор сотовый связь 4</a:t>
+                        <a:rPr lang="ru-RU" b="1" dirty="0" smtClean="0"/>
+                        <a:t> </a:t>
+                      </a:r>
+                      <a:r>
+                        <a:rPr lang="ru-RU" dirty="0" smtClean="0"/>
+                        <a:t>6</a:t>
+                      </a:r>
+                    </a:p>
+                    <a:p>
+                      <a:r>
+                        <a:rPr lang="ru-RU" b="1" dirty="0" smtClean="0"/>
+                        <a:t>центральный клуб работник </a:t>
+                      </a:r>
+                      <a:r>
+                        <a:rPr lang="ru-RU" dirty="0" smtClean="0"/>
+                        <a:t>5</a:t>
+                      </a:r>
+                    </a:p>
+                    <a:p>
+                      <a:r>
+                        <a:rPr lang="ru-RU" b="1" dirty="0" smtClean="0"/>
+                        <a:t>оператор сотовый связь </a:t>
+                      </a:r>
+                      <a:r>
+                        <a:rPr lang="ru-RU" dirty="0" smtClean="0"/>
+                        <a:t>4</a:t>
                       </a:r>
                     </a:p>
                     <a:p>
@@ -7877,12 +8496,16 @@
                     </a:p>
                     <a:p>
                       <a:r>
-                        <a:rPr lang="ru-RU" dirty="0" err="1" smtClean="0"/>
+                        <a:rPr lang="ru-RU" b="1" dirty="0" err="1" smtClean="0"/>
                         <a:t>увд</a:t>
                       </a:r>
                       <a:r>
-                        <a:rPr lang="ru-RU" dirty="0" smtClean="0"/>
-                        <a:t> мурманский область 3</a:t>
+                        <a:rPr lang="ru-RU" b="1" dirty="0" smtClean="0"/>
+                        <a:t> мурманский область </a:t>
+                      </a:r>
+                      <a:r>
+                        <a:rPr lang="ru-RU" dirty="0" smtClean="0"/>
+                        <a:t>3</a:t>
                       </a:r>
                     </a:p>
                     <a:p>
@@ -7893,8 +8516,12 @@
                     </a:p>
                     <a:p>
                       <a:r>
-                        <a:rPr lang="ru-RU" dirty="0" smtClean="0"/>
-                        <a:t>огромный бюджетный сектор 3</a:t>
+                        <a:rPr lang="ru-RU" b="1" dirty="0" smtClean="0"/>
+                        <a:t>огромный бюджетный сектор </a:t>
+                      </a:r>
+                      <a:r>
+                        <a:rPr lang="ru-RU" dirty="0" smtClean="0"/>
+                        <a:t>3</a:t>
                       </a:r>
                       <a:endParaRPr lang="ru-RU" dirty="0"/>
                     </a:p>
@@ -7919,32 +8546,52 @@
                     </a:p>
                     <a:p>
                       <a:r>
-                        <a:rPr lang="ru-RU" dirty="0" smtClean="0"/>
-                        <a:t>единый таможенный пространство 6</a:t>
-                      </a:r>
-                    </a:p>
-                    <a:p>
-                      <a:r>
-                        <a:rPr lang="ru-RU" dirty="0" smtClean="0"/>
-                        <a:t>аджарский автономный республика 4</a:t>
-                      </a:r>
-                    </a:p>
-                    <a:p>
-                      <a:r>
-                        <a:rPr lang="ru-RU" dirty="0" smtClean="0"/>
-                        <a:t>незаконный оборот древесина 4</a:t>
-                      </a:r>
-                    </a:p>
-                    <a:p>
-                      <a:r>
-                        <a:rPr lang="ru-RU" dirty="0" smtClean="0"/>
-                        <a:t>институт социология рана 3</a:t>
-                      </a:r>
-                    </a:p>
-                    <a:p>
-                      <a:r>
-                        <a:rPr lang="ru-RU" dirty="0" smtClean="0"/>
-                        <a:t>грузинский революция роза 3</a:t>
+                        <a:rPr lang="ru-RU" b="1" dirty="0" smtClean="0"/>
+                        <a:t>единый таможенный пространство </a:t>
+                      </a:r>
+                      <a:r>
+                        <a:rPr lang="ru-RU" dirty="0" smtClean="0"/>
+                        <a:t>6</a:t>
+                      </a:r>
+                    </a:p>
+                    <a:p>
+                      <a:r>
+                        <a:rPr lang="ru-RU" b="1" dirty="0" smtClean="0"/>
+                        <a:t>аджарский автономный республика </a:t>
+                      </a:r>
+                      <a:r>
+                        <a:rPr lang="ru-RU" dirty="0" smtClean="0"/>
+                        <a:t>4</a:t>
+                      </a:r>
+                    </a:p>
+                    <a:p>
+                      <a:r>
+                        <a:rPr lang="ru-RU" b="1" dirty="0" smtClean="0"/>
+                        <a:t>незаконный оборот древесина </a:t>
+                      </a:r>
+                      <a:r>
+                        <a:rPr lang="ru-RU" dirty="0" smtClean="0"/>
+                        <a:t>4</a:t>
+                      </a:r>
+                    </a:p>
+                    <a:p>
+                      <a:r>
+                        <a:rPr lang="ru-RU" b="1" dirty="0" smtClean="0"/>
+                        <a:t>институт социология рана </a:t>
+                      </a:r>
+                      <a:r>
+                        <a:rPr lang="ru-RU" dirty="0" smtClean="0"/>
+                        <a:t>3</a:t>
+                      </a:r>
+                    </a:p>
+                    <a:p>
+                      <a:r>
+                        <a:rPr lang="ru-RU" b="1" dirty="0" smtClean="0"/>
+                        <a:t>грузинский революция роза </a:t>
+                      </a:r>
+                      <a:r>
+                        <a:rPr lang="ru-RU" dirty="0" smtClean="0"/>
+                        <a:t>3</a:t>
                       </a:r>
                     </a:p>
                     <a:p>
@@ -7961,8 +8608,12 @@
                     </a:p>
                     <a:p>
                       <a:r>
-                        <a:rPr lang="ru-RU" dirty="0" smtClean="0"/>
-                        <a:t>миллиард доллар год 2</a:t>
+                        <a:rPr lang="ru-RU" b="1" dirty="0" smtClean="0"/>
+                        <a:t>миллиард доллар год </a:t>
+                      </a:r>
+                      <a:r>
+                        <a:rPr lang="ru-RU" dirty="0" smtClean="0"/>
+                        <a:t>2</a:t>
                       </a:r>
                       <a:endParaRPr lang="ru-RU" dirty="0"/>
                     </a:p>
@@ -8069,7 +8720,7 @@
           <p:nvPr>
             <p:extLst>
               <p:ext uri="{D42A27DB-BD31-4B8C-83A1-F6EECF244321}">
-                <p14:modId xmlns:p14="http://schemas.microsoft.com/office/powerpoint/2010/main" val="3956266743"/>
+                <p14:modId xmlns:p14="http://schemas.microsoft.com/office/powerpoint/2010/main" val="3856058812"/>
               </p:ext>
             </p:extLst>
           </p:nvPr>
@@ -8085,8 +8736,8 @@
                 <a:tableStyleId>{5C22544A-7EE6-4342-B048-85BDC9FD1C3A}</a:tableStyleId>
               </a:tblPr>
               <a:tblGrid>
-                <a:gridCol w="4464496"/>
-                <a:gridCol w="4464496"/>
+                <a:gridCol w="4608512"/>
+                <a:gridCol w="4320480"/>
               </a:tblGrid>
               <a:tr h="775915">
                 <a:tc>
@@ -8125,88 +8776,129 @@
                     <a:lstStyle/>
                     <a:p>
                       <a:r>
-                        <a:rPr lang="ru-RU" dirty="0" smtClean="0"/>
-                        <a:t>фото </a:t>
-                      </a:r>
-                      <a:r>
-                        <a:rPr lang="ru-RU" dirty="0" err="1" smtClean="0"/>
-                        <a:t>риа</a:t>
-                      </a:r>
-                      <a:r>
-                        <a:rPr lang="ru-RU" dirty="0" smtClean="0"/>
-                        <a:t> новость 11</a:t>
-                      </a:r>
-                    </a:p>
-                    <a:p>
-                      <a:r>
-                        <a:rPr lang="ru-RU" dirty="0" smtClean="0"/>
-                        <a:t>падение цена нефть 7</a:t>
-                      </a:r>
-                    </a:p>
-                    <a:p>
-                      <a:r>
-                        <a:rPr lang="ru-RU" dirty="0" smtClean="0"/>
+                        <a:rPr lang="ru-RU" b="1" dirty="0" smtClean="0"/>
+                        <a:t>падение цена нефть </a:t>
+                      </a:r>
+                      <a:r>
+                        <a:rPr lang="ru-RU" dirty="0" smtClean="0"/>
+                        <a:t>7</a:t>
+                      </a:r>
+                    </a:p>
+                    <a:p>
+                      <a:r>
+                        <a:rPr lang="ru-RU" b="1" dirty="0" smtClean="0"/>
                         <a:t>высокий суд </a:t>
                       </a:r>
                       <a:r>
-                        <a:rPr lang="ru-RU" dirty="0" err="1" smtClean="0"/>
+                        <a:rPr lang="ru-RU" b="1" dirty="0" err="1" smtClean="0"/>
                         <a:t>лондон</a:t>
                       </a:r>
                       <a:r>
-                        <a:rPr lang="ru-RU" dirty="0" smtClean="0"/>
-                        <a:t> 6</a:t>
-                      </a:r>
-                    </a:p>
-                    <a:p>
-                      <a:r>
-                        <a:rPr lang="ru-RU" dirty="0" smtClean="0"/>
-                        <a:t>метод длительный пребывание 5</a:t>
-                      </a:r>
-                    </a:p>
-                    <a:p>
-                      <a:r>
-                        <a:rPr lang="ru-RU" dirty="0" smtClean="0"/>
-                        <a:t>дело тот что 5</a:t>
-                      </a:r>
-                    </a:p>
-                    <a:p>
-                      <a:r>
-                        <a:rPr lang="ru-RU" dirty="0" smtClean="0"/>
-                        <a:t>министр иностранный дело 5</a:t>
-                      </a:r>
-                    </a:p>
-                    <a:p>
-                      <a:r>
-                        <a:rPr lang="ru-RU" dirty="0" smtClean="0"/>
-                        <a:t>последний два год 4</a:t>
-                      </a:r>
-                    </a:p>
-                    <a:p>
-                      <a:r>
-                        <a:rPr lang="ru-RU" dirty="0" smtClean="0"/>
-                        <a:t>кризис </a:t>
-                      </a:r>
-                      <a:r>
-                        <a:rPr lang="ru-RU" dirty="0" err="1" smtClean="0"/>
-                        <a:t>российскотурецкий</a:t>
-                      </a:r>
-                      <a:r>
-                        <a:rPr lang="ru-RU" dirty="0" smtClean="0"/>
-                        <a:t> отношение 4</a:t>
-                      </a:r>
-                    </a:p>
-                    <a:p>
-                      <a:r>
-                        <a:rPr lang="ru-RU" dirty="0" smtClean="0"/>
-                        <a:t>возбудить уголовный дело 4</a:t>
-                      </a:r>
-                    </a:p>
-                    <a:p>
-                      <a:r>
-                        <a:rPr lang="ru-RU" dirty="0" smtClean="0"/>
-                        <a:t>мир сквозь зуб 4</a:t>
-                      </a:r>
-                      <a:endParaRPr lang="ru-RU" dirty="0"/>
+                        <a:rPr lang="ru-RU" b="1" dirty="0" smtClean="0"/>
+                        <a:t> </a:t>
+                      </a:r>
+                      <a:r>
+                        <a:rPr lang="ru-RU" dirty="0" smtClean="0"/>
+                        <a:t>6</a:t>
+                      </a:r>
+                    </a:p>
+                    <a:p>
+                      <a:r>
+                        <a:rPr lang="ru-RU" b="1" dirty="0" smtClean="0"/>
+                        <a:t>министр иностранный дело </a:t>
+                      </a:r>
+                      <a:r>
+                        <a:rPr lang="ru-RU" dirty="0" smtClean="0"/>
+                        <a:t>5</a:t>
+                      </a:r>
+                    </a:p>
+                    <a:p>
+                      <a:r>
+                        <a:rPr lang="ru-RU" b="1" dirty="0" smtClean="0"/>
+                        <a:t>метод длительный пребывание </a:t>
+                      </a:r>
+                      <a:r>
+                        <a:rPr lang="ru-RU" dirty="0" smtClean="0"/>
+                        <a:t>5</a:t>
+                      </a:r>
+                    </a:p>
+                    <a:p>
+                      <a:r>
+                        <a:rPr lang="ru-RU" b="1" dirty="0" smtClean="0"/>
+                        <a:t>следственный комитет </a:t>
+                      </a:r>
+                      <a:r>
+                        <a:rPr lang="ru-RU" b="1" dirty="0" err="1" smtClean="0"/>
+                        <a:t>россия</a:t>
+                      </a:r>
+                      <a:r>
+                        <a:rPr lang="ru-RU" b="1" dirty="0" smtClean="0"/>
+                        <a:t> </a:t>
+                      </a:r>
+                      <a:r>
+                        <a:rPr lang="ru-RU" dirty="0" smtClean="0"/>
+                        <a:t>4</a:t>
+                      </a:r>
+                    </a:p>
+                    <a:p>
+                      <a:r>
+                        <a:rPr lang="ru-RU" b="1" dirty="0" smtClean="0"/>
+                        <a:t>уголовный дело против </a:t>
+                      </a:r>
+                      <a:r>
+                        <a:rPr lang="ru-RU" dirty="0" smtClean="0"/>
+                        <a:t>4</a:t>
+                      </a:r>
+                    </a:p>
+                    <a:p>
+                      <a:r>
+                        <a:rPr lang="ru-RU" b="1" dirty="0" smtClean="0"/>
+                        <a:t>запретить террористический организация </a:t>
+                      </a:r>
+                      <a:r>
+                        <a:rPr lang="ru-RU" dirty="0" smtClean="0"/>
+                        <a:t>4</a:t>
+                      </a:r>
+                    </a:p>
+                    <a:p>
+                      <a:r>
+                        <a:rPr lang="ru-RU" b="1" dirty="0" smtClean="0"/>
+                        <a:t>возбудить уголовный дело </a:t>
+                      </a:r>
+                      <a:r>
+                        <a:rPr lang="ru-RU" dirty="0" smtClean="0"/>
+                        <a:t>4</a:t>
+                      </a:r>
+                    </a:p>
+                    <a:p>
+                      <a:r>
+                        <a:rPr lang="ru-RU" b="1" dirty="0" smtClean="0"/>
+                        <a:t>два сценарий выход </a:t>
+                      </a:r>
+                      <a:r>
+                        <a:rPr lang="ru-RU" dirty="0" smtClean="0"/>
+                        <a:t>4</a:t>
+                      </a:r>
+                    </a:p>
+                    <a:p>
+                      <a:r>
+                        <a:rPr lang="ru-RU" b="1" dirty="0" smtClean="0"/>
+                        <a:t>поставить под угроза </a:t>
+                      </a:r>
+                      <a:r>
+                        <a:rPr lang="ru-RU" dirty="0" smtClean="0"/>
+                        <a:t>4</a:t>
+                      </a:r>
+                    </a:p>
+                    <a:p>
+                      <a:r>
+                        <a:rPr lang="ru-RU" b="1" dirty="0" smtClean="0"/>
+                        <a:t>возбуждение уголовный дело </a:t>
+                      </a:r>
+                      <a:r>
+                        <a:rPr lang="ru-RU" dirty="0" smtClean="0"/>
+                        <a:t>4</a:t>
+                      </a:r>
                     </a:p>
                   </a:txBody>
                   <a:tcPr/>
@@ -8217,54 +8909,32 @@
                     <a:lstStyle/>
                     <a:p>
                       <a:r>
-                        <a:rPr lang="ru-RU" dirty="0" smtClean="0"/>
-                        <a:t>служба судебный пристав 5</a:t>
-                      </a:r>
-                    </a:p>
-                    <a:p>
-                      <a:r>
-                        <a:rPr lang="ru-RU" dirty="0" smtClean="0"/>
-                        <a:t>система радиоэлектронный борьба 4</a:t>
-                      </a:r>
-                    </a:p>
-                    <a:p>
-                      <a:r>
-                        <a:rPr lang="ru-RU" dirty="0" smtClean="0"/>
-                        <a:t>нефть марка </a:t>
-                      </a:r>
-                      <a:r>
-                        <a:rPr lang="ru-RU" dirty="0" err="1" smtClean="0"/>
-                        <a:t>brent</a:t>
-                      </a:r>
-                      <a:r>
-                        <a:rPr lang="ru-RU" dirty="0" smtClean="0"/>
-                        <a:t> 4</a:t>
-                      </a:r>
-                    </a:p>
-                    <a:p>
-                      <a:r>
-                        <a:rPr lang="ru-RU" dirty="0" smtClean="0"/>
-                        <a:t>объявить международный розыск 4</a:t>
-                      </a:r>
-                    </a:p>
-                    <a:p>
-                      <a:r>
-                        <a:rPr lang="ru-RU" dirty="0" smtClean="0"/>
-                        <a:t>цена нефть доллар 4</a:t>
-                      </a:r>
-                    </a:p>
-                    <a:p>
-                      <a:r>
-                        <a:rPr lang="ru-RU" dirty="0" smtClean="0"/>
-                        <a:t>папа римский </a:t>
-                      </a:r>
-                      <a:r>
-                        <a:rPr lang="ru-RU" dirty="0" err="1" smtClean="0"/>
-                        <a:t>франциск</a:t>
-                      </a:r>
-                      <a:r>
-                        <a:rPr lang="ru-RU" dirty="0" smtClean="0"/>
-                        <a:t> 4</a:t>
+                        <a:rPr lang="ru-RU" b="1" dirty="0" smtClean="0"/>
+                        <a:t>служба судебный пристав </a:t>
+                      </a:r>
+                      <a:r>
+                        <a:rPr lang="ru-RU" dirty="0" smtClean="0"/>
+                        <a:t>5</a:t>
+                      </a:r>
+                    </a:p>
+                    <a:p>
+                      <a:r>
+                        <a:rPr lang="ru-RU" b="1" dirty="0" smtClean="0"/>
+                        <a:t>система радиоэлектронный борьба </a:t>
+                      </a:r>
+                      <a:r>
+                        <a:rPr lang="ru-RU" dirty="0" smtClean="0"/>
+                        <a:t>4</a:t>
+                      </a:r>
+                    </a:p>
+                    <a:p>
+                      <a:r>
+                        <a:rPr lang="ru-RU" b="1" dirty="0" smtClean="0"/>
+                        <a:t>объявить международный розыск </a:t>
+                      </a:r>
+                      <a:r>
+                        <a:rPr lang="ru-RU" dirty="0" smtClean="0"/>
+                        <a:t>4</a:t>
                       </a:r>
                     </a:p>
                     <a:p>
@@ -8289,22 +8959,80 @@
                     </a:p>
                     <a:p>
                       <a:r>
-                        <a:rPr lang="ru-RU" dirty="0" err="1" smtClean="0"/>
-                        <a:t>кирилл</a:t>
-                      </a:r>
-                      <a:r>
-                        <a:rPr lang="ru-RU" dirty="0" smtClean="0"/>
-                        <a:t> папа римский 3</a:t>
-                      </a:r>
-                    </a:p>
-                    <a:p>
-                      <a:r>
-                        <a:rPr lang="ru-RU" dirty="0" err="1" smtClean="0"/>
-                        <a:t>изз</a:t>
-                      </a:r>
-                      <a:r>
-                        <a:rPr lang="ru-RU" dirty="0" smtClean="0"/>
-                        <a:t> тот что 3</a:t>
+                        <a:rPr lang="ru-RU" b="1" dirty="0" smtClean="0"/>
+                        <a:t>цена нефть доллар </a:t>
+                      </a:r>
+                      <a:r>
+                        <a:rPr lang="ru-RU" dirty="0" smtClean="0"/>
+                        <a:t>4</a:t>
+                      </a:r>
+                    </a:p>
+                    <a:p>
+                      <a:r>
+                        <a:rPr lang="ru-RU" b="1" dirty="0" smtClean="0"/>
+                        <a:t>нефть марка </a:t>
+                      </a:r>
+                      <a:r>
+                        <a:rPr lang="ru-RU" b="1" dirty="0" err="1" smtClean="0"/>
+                        <a:t>brent</a:t>
+                      </a:r>
+                      <a:r>
+                        <a:rPr lang="ru-RU" b="1" dirty="0" smtClean="0"/>
+                        <a:t> </a:t>
+                      </a:r>
+                      <a:r>
+                        <a:rPr lang="ru-RU" dirty="0" smtClean="0"/>
+                        <a:t>4</a:t>
+                      </a:r>
+                      <a:endParaRPr lang="en-US" dirty="0" smtClean="0"/>
+                    </a:p>
+                    <a:p>
+                      <a:r>
+                        <a:rPr lang="ru-RU" b="1" dirty="0" smtClean="0"/>
+                        <a:t>президент </a:t>
+                      </a:r>
+                      <a:r>
+                        <a:rPr lang="ru-RU" b="1" dirty="0" err="1" smtClean="0"/>
+                        <a:t>владимир</a:t>
+                      </a:r>
+                      <a:r>
+                        <a:rPr lang="ru-RU" b="1" dirty="0" smtClean="0"/>
+                        <a:t> путин </a:t>
+                      </a:r>
+                      <a:r>
+                        <a:rPr lang="ru-RU" dirty="0" smtClean="0"/>
+                        <a:t>3</a:t>
+                      </a:r>
+                    </a:p>
+                    <a:p>
+                      <a:r>
+                        <a:rPr lang="ru-RU" dirty="0" smtClean="0"/>
+                        <a:t>научный образовательный организация 3</a:t>
+                      </a:r>
+                    </a:p>
+                    <a:p>
+                      <a:r>
+                        <a:rPr lang="ru-RU" dirty="0" smtClean="0"/>
+                        <a:t>развитие малое среднее 3</a:t>
+                      </a:r>
+                      <a:endParaRPr lang="en-US" dirty="0" smtClean="0"/>
+                    </a:p>
+                    <a:p>
+                      <a:r>
+                        <a:rPr lang="ru-RU" b="1" dirty="0" smtClean="0"/>
+                        <a:t>отношение между </a:t>
+                      </a:r>
+                      <a:r>
+                        <a:rPr lang="ru-RU" b="1" dirty="0" err="1" smtClean="0"/>
+                        <a:t>лондон</a:t>
+                      </a:r>
+                      <a:r>
+                        <a:rPr lang="ru-RU" b="1" dirty="0" smtClean="0"/>
+                        <a:t> </a:t>
+                      </a:r>
+                      <a:r>
+                        <a:rPr lang="ru-RU" dirty="0" smtClean="0"/>
+                        <a:t>3</a:t>
                       </a:r>
                       <a:endParaRPr lang="ru-RU" dirty="0"/>
                     </a:p>
@@ -8411,7 +9139,7 @@
           <p:nvPr>
             <p:extLst>
               <p:ext uri="{D42A27DB-BD31-4B8C-83A1-F6EECF244321}">
-                <p14:modId xmlns:p14="http://schemas.microsoft.com/office/powerpoint/2010/main" val="820542618"/>
+                <p14:modId xmlns:p14="http://schemas.microsoft.com/office/powerpoint/2010/main" val="1078708087"/>
               </p:ext>
             </p:extLst>
           </p:nvPr>
@@ -8427,8 +9155,8 @@
                 <a:tableStyleId>{5C22544A-7EE6-4342-B048-85BDC9FD1C3A}</a:tableStyleId>
               </a:tblPr>
               <a:tblGrid>
-                <a:gridCol w="4464496"/>
-                <a:gridCol w="4464496"/>
+                <a:gridCol w="4248472"/>
+                <a:gridCol w="4680520"/>
               </a:tblGrid>
               <a:tr h="775915">
                 <a:tc>
@@ -8467,21 +9195,24 @@
                     <a:lstStyle/>
                     <a:p>
                       <a:r>
-                        <a:rPr lang="ru-RU" dirty="0" smtClean="0"/>
-                        <a:t>источник информация новый 725</a:t>
-                      </a:r>
-                    </a:p>
-                    <a:p>
-                      <a:r>
-                        <a:rPr lang="ru-RU" dirty="0" smtClean="0"/>
-                        <a:t>информация новый газета 725</a:t>
-                      </a:r>
-                    </a:p>
-                    <a:p>
-                      <a:r>
-                        <a:rPr lang="ru-RU" dirty="0" smtClean="0"/>
-                        <a:t>дело тот что 42</a:t>
-                      </a:r>
+                        <a:rPr lang="ru-RU" b="1" dirty="0" smtClean="0"/>
+                        <a:t>информация новый газета </a:t>
+                      </a:r>
+                      <a:r>
+                        <a:rPr lang="ru-RU" dirty="0" smtClean="0"/>
+                        <a:t>725</a:t>
+                      </a:r>
+                    </a:p>
+                    <a:p>
+                      <a:r>
+                        <a:rPr lang="ru-RU" b="1" dirty="0" smtClean="0"/>
+                        <a:t>источник информация новый </a:t>
+                      </a:r>
+                      <a:r>
+                        <a:rPr lang="ru-RU" dirty="0" smtClean="0"/>
+                        <a:t>725</a:t>
+                      </a:r>
+                      <a:endParaRPr lang="en-US" dirty="0" smtClean="0"/>
                     </a:p>
                     <a:p>
                       <a:r>
@@ -8497,8 +9228,12 @@
                     </a:p>
                     <a:p>
                       <a:r>
-                        <a:rPr lang="ru-RU" dirty="0" smtClean="0"/>
-                        <a:t>два год назад 24</a:t>
+                        <a:rPr lang="ru-RU" b="1" dirty="0" smtClean="0"/>
+                        <a:t>два год назад </a:t>
+                      </a:r>
+                      <a:r>
+                        <a:rPr lang="ru-RU" dirty="0" smtClean="0"/>
+                        <a:t>24</a:t>
                       </a:r>
                     </a:p>
                     <a:p>
@@ -8506,23 +9241,56 @@
                         <a:rPr lang="ru-RU" dirty="0" smtClean="0"/>
                         <a:t>редакция новый газета 21</a:t>
                       </a:r>
-                    </a:p>
-                    <a:p>
-                      <a:r>
-                        <a:rPr lang="ru-RU" dirty="0" smtClean="0"/>
-                        <a:t>номер новый газета 20</a:t>
-                      </a:r>
-                    </a:p>
-                    <a:p>
-                      <a:r>
-                        <a:rPr lang="ru-RU" dirty="0" smtClean="0"/>
-                        <a:t>несколько год назад 20</a:t>
-                      </a:r>
-                    </a:p>
-                    <a:p>
-                      <a:r>
-                        <a:rPr lang="ru-RU" dirty="0" smtClean="0"/>
-                        <a:t>специально для новый 19</a:t>
+                      <a:endParaRPr lang="en-US" dirty="0" smtClean="0"/>
+                    </a:p>
+                    <a:p>
+                      <a:r>
+                        <a:rPr lang="ru-RU" b="1" dirty="0" smtClean="0"/>
+                        <a:t>несколько год назад </a:t>
+                      </a:r>
+                      <a:r>
+                        <a:rPr lang="ru-RU" dirty="0" smtClean="0"/>
+                        <a:t>20</a:t>
+                      </a:r>
+                      <a:endParaRPr lang="en-US" dirty="0" smtClean="0"/>
+                    </a:p>
+                    <a:p>
+                      <a:r>
+                        <a:rPr lang="ru-RU" dirty="0" smtClean="0"/>
+                        <a:t>средство массовый информация 18</a:t>
+                      </a:r>
+                      <a:endParaRPr lang="en-US" dirty="0" smtClean="0"/>
+                    </a:p>
+                    <a:p>
+                      <a:r>
+                        <a:rPr lang="ru-RU" dirty="0" smtClean="0"/>
+                        <a:t>министр внутренний дело 17</a:t>
+                      </a:r>
+                    </a:p>
+                    <a:p>
+                      <a:r>
+                        <a:rPr lang="ru-RU" dirty="0" smtClean="0"/>
+                        <a:t>комитет солдатский матереть 16</a:t>
+                      </a:r>
+                    </a:p>
+                    <a:p>
+                      <a:r>
+                        <a:rPr lang="ru-RU" b="1" dirty="0" smtClean="0"/>
+                        <a:t>три год назад </a:t>
+                      </a:r>
+                      <a:r>
+                        <a:rPr lang="ru-RU" dirty="0" smtClean="0"/>
+                        <a:t>15</a:t>
+                      </a:r>
+                    </a:p>
+                    <a:p>
+                      <a:r>
+                        <a:rPr lang="ru-RU" b="1" dirty="0" smtClean="0"/>
+                        <a:t>рано или поздно </a:t>
+                      </a:r>
+                      <a:r>
+                        <a:rPr lang="ru-RU" dirty="0" smtClean="0"/>
+                        <a:t>15</a:t>
                       </a:r>
                       <a:endParaRPr lang="ru-RU" dirty="0"/>
                     </a:p>
@@ -8535,24 +9303,36 @@
                     <a:lstStyle/>
                     <a:p>
                       <a:r>
-                        <a:rPr lang="ru-RU" dirty="0" smtClean="0"/>
-                        <a:t>источник информация российский 159</a:t>
-                      </a:r>
-                    </a:p>
-                    <a:p>
-                      <a:r>
-                        <a:rPr lang="ru-RU" dirty="0" smtClean="0"/>
-                        <a:t>информация российский газета 159</a:t>
-                      </a:r>
-                    </a:p>
-                    <a:p>
-                      <a:r>
-                        <a:rPr lang="ru-RU" dirty="0" err="1" smtClean="0"/>
+                        <a:rPr lang="ru-RU" b="1" dirty="0" smtClean="0"/>
+                        <a:t>информация российский газета </a:t>
+                      </a:r>
+                      <a:r>
+                        <a:rPr lang="ru-RU" dirty="0" smtClean="0"/>
+                        <a:t>159</a:t>
+                      </a:r>
+                    </a:p>
+                    <a:p>
+                      <a:r>
+                        <a:rPr lang="ru-RU" b="1" dirty="0" smtClean="0"/>
+                        <a:t>источник информация российский </a:t>
+                      </a:r>
+                      <a:r>
+                        <a:rPr lang="ru-RU" dirty="0" smtClean="0"/>
+                        <a:t>159</a:t>
+                      </a:r>
+                    </a:p>
+                    <a:p>
+                      <a:r>
+                        <a:rPr lang="ru-RU" b="1" dirty="0" err="1" smtClean="0"/>
                         <a:t>итартасс</a:t>
                       </a:r>
                       <a:r>
-                        <a:rPr lang="ru-RU" dirty="0" smtClean="0"/>
-                        <a:t> источник информация 12</a:t>
+                        <a:rPr lang="ru-RU" b="1" dirty="0" smtClean="0"/>
+                        <a:t> источник информация </a:t>
+                      </a:r>
+                      <a:r>
+                        <a:rPr lang="ru-RU" dirty="0" smtClean="0"/>
+                        <a:t>12</a:t>
                       </a:r>
                     </a:p>
                     <a:p>
@@ -8589,12 +9369,6 @@
                     </a:p>
                     <a:p>
                       <a:r>
-                        <a:rPr lang="ru-RU" dirty="0" smtClean="0"/>
-                        <a:t>единый таможенный пространство 6</a:t>
-                      </a:r>
-                    </a:p>
-                    <a:p>
-                      <a:r>
                         <a:rPr lang="ru-RU" dirty="0" err="1" smtClean="0"/>
                         <a:t>соб</a:t>
                       </a:r>
@@ -8613,9 +9387,14 @@
                     </a:p>
                     <a:p>
                       <a:r>
-                        <a:rPr lang="ru-RU" dirty="0" smtClean="0"/>
-                        <a:t>правительство российский федерация 5</a:t>
-                      </a:r>
+                        <a:rPr lang="ru-RU" b="1" dirty="0" smtClean="0"/>
+                        <a:t>единый таможенный пространство </a:t>
+                      </a:r>
+                      <a:r>
+                        <a:rPr lang="ru-RU" dirty="0" smtClean="0"/>
+                        <a:t>6</a:t>
+                      </a:r>
+                      <a:endParaRPr lang="en-US" dirty="0" smtClean="0"/>
                     </a:p>
                     <a:p>
                       <a:r>
@@ -8625,8 +9404,69 @@
                     </a:p>
                     <a:p>
                       <a:r>
-                        <a:rPr lang="ru-RU" dirty="0" smtClean="0"/>
-                        <a:t>служба судебный пристав 5</a:t>
+                        <a:rPr lang="ru-RU" b="1" dirty="0" smtClean="0"/>
+                        <a:t>правительство российский федерация </a:t>
+                      </a:r>
+                      <a:r>
+                        <a:rPr lang="ru-RU" dirty="0" smtClean="0"/>
+                        <a:t>5</a:t>
+                      </a:r>
+                    </a:p>
+                    <a:p>
+                      <a:r>
+                        <a:rPr lang="ru-RU" dirty="0" smtClean="0"/>
+                        <a:t>президент </a:t>
+                      </a:r>
+                      <a:r>
+                        <a:rPr lang="ru-RU" dirty="0" err="1" smtClean="0"/>
+                        <a:t>владимир</a:t>
+                      </a:r>
+                      <a:r>
+                        <a:rPr lang="ru-RU" dirty="0" smtClean="0"/>
+                        <a:t> путин 5</a:t>
+                      </a:r>
+                      <a:endParaRPr lang="en-US" dirty="0" smtClean="0"/>
+                    </a:p>
+                    <a:p>
+                      <a:r>
+                        <a:rPr lang="ru-RU" b="1" dirty="0" smtClean="0"/>
+                        <a:t>служба судебный пристав </a:t>
+                      </a:r>
+                      <a:r>
+                        <a:rPr lang="ru-RU" dirty="0" smtClean="0"/>
+                        <a:t>5</a:t>
+                      </a:r>
+                      <a:endParaRPr lang="en-US" dirty="0" smtClean="0"/>
+                    </a:p>
+                    <a:p>
+                      <a:r>
+                        <a:rPr lang="ru-RU" b="1" dirty="0" smtClean="0"/>
+                        <a:t>патриарх московский весь </a:t>
+                      </a:r>
+                      <a:r>
+                        <a:rPr lang="ru-RU" dirty="0" smtClean="0"/>
+                        <a:t>5</a:t>
+                      </a:r>
+                    </a:p>
+                    <a:p>
+                      <a:r>
+                        <a:rPr lang="ru-RU" b="1" dirty="0" smtClean="0"/>
+                        <a:t>президент российский федерация </a:t>
+                      </a:r>
+                      <a:r>
+                        <a:rPr lang="ru-RU" dirty="0" smtClean="0"/>
+                        <a:t>5</a:t>
+                      </a:r>
+                      <a:endParaRPr lang="en-US" dirty="0" smtClean="0"/>
+                    </a:p>
+                    <a:p>
+                      <a:r>
+                        <a:rPr lang="ru-RU" b="1" dirty="0" smtClean="0"/>
+                        <a:t>государственный унитарный предприятие </a:t>
+                      </a:r>
+                      <a:r>
+                        <a:rPr lang="ru-RU" dirty="0" smtClean="0"/>
+                        <a:t>4</a:t>
                       </a:r>
                       <a:endParaRPr lang="ru-RU" dirty="0"/>
                     </a:p>
@@ -8687,11 +9527,7 @@
           <a:p>
             <a:r>
               <a:rPr lang="ru-RU" dirty="0" smtClean="0"/>
-              <a:t>Со употребление </a:t>
-            </a:r>
-            <a:r>
-              <a:rPr lang="ru-RU" dirty="0" smtClean="0"/>
-              <a:t>интересных слов</a:t>
+              <a:t>Со употребление интересных слов</a:t>
             </a:r>
             <a:endParaRPr lang="ru-RU" dirty="0"/>
           </a:p>
@@ -8800,7 +9636,6 @@
               <a:rPr lang="ru-RU" dirty="0"/>
               <a:t>интересных биграмм</a:t>
             </a:r>
-            <a:endParaRPr lang="ru-RU" dirty="0"/>
           </a:p>
         </p:txBody>
       </p:sp>
@@ -8876,11 +9711,7 @@
           <a:p>
             <a:r>
               <a:rPr lang="ru-RU" dirty="0" smtClean="0"/>
-              <a:t>Анализ </a:t>
-            </a:r>
-            <a:r>
-              <a:rPr lang="ru-RU" dirty="0" smtClean="0"/>
-              <a:t>тональности. Самый позитивный текст</a:t>
+              <a:t>Анализ тональности. Самый позитивный текст</a:t>
             </a:r>
             <a:endParaRPr lang="ru-RU" dirty="0"/>
           </a:p>
@@ -8984,11 +9815,7 @@
           <a:p>
             <a:r>
               <a:rPr lang="ru-RU" dirty="0" smtClean="0"/>
-              <a:t>Анализ </a:t>
-            </a:r>
-            <a:r>
-              <a:rPr lang="ru-RU" dirty="0" smtClean="0"/>
-              <a:t>тональности. Самый негативный текст</a:t>
+              <a:t>Анализ тональности. Самый негативный текст</a:t>
             </a:r>
             <a:endParaRPr lang="ru-RU" dirty="0"/>
           </a:p>
@@ -9105,7 +9932,6 @@
               <a:rPr lang="ru-RU" sz="4000" dirty="0"/>
               <a:t>словам Николая Панкова, вооруженным силам сейчас не до сокращений, наоборот, перед военным ведомством стоят "задачи созидательные". "Нам нужно создавать три дивизии, уже создана танковая армия на западном направлении", - подчеркнул замминистра.</a:t>
             </a:r>
-            <a:endParaRPr lang="ru-RU" sz="4000" dirty="0"/>
           </a:p>
         </p:txBody>
       </p:sp>
@@ -9325,6 +10151,13 @@
   <p:clrMapOvr>
     <a:masterClrMapping/>
   </p:clrMapOvr>
+  <p:timing>
+    <p:tnLst>
+      <p:par>
+        <p:cTn id="1" dur="indefinite" restart="never" nodeType="tmRoot"/>
+      </p:par>
+    </p:tnLst>
+  </p:timing>
 </p:sld>
 </file>
 
@@ -9364,11 +10197,7 @@
           <a:p>
             <a:r>
               <a:rPr lang="ru-RU" dirty="0" smtClean="0"/>
-              <a:t>Анализ тональности. </a:t>
-            </a:r>
-            <a:r>
-              <a:rPr lang="ru-RU" dirty="0" smtClean="0"/>
-              <a:t>Изменение средней тональности</a:t>
+              <a:t>Анализ тональности. Изменение средней тональности</a:t>
             </a:r>
             <a:endParaRPr lang="ru-RU" dirty="0"/>
           </a:p>
@@ -10375,8 +11204,29 @@
             </a:pPr>
             <a:r>
               <a:rPr lang="ru-RU" sz="2400" dirty="0" smtClean="0"/>
-              <a:t>Отсеивались интервью, тексты законов, развлекательные статьи.</a:t>
-            </a:r>
+              <a:t>Отсеивались интервью, тексты законов, развлекательные </a:t>
+            </a:r>
+            <a:r>
+              <a:rPr lang="ru-RU" sz="2400" dirty="0" smtClean="0"/>
+              <a:t>статьи</a:t>
+            </a:r>
+            <a:r>
+              <a:rPr lang="en-US" sz="2400" dirty="0" smtClean="0"/>
+              <a:t>, </a:t>
+            </a:r>
+            <a:r>
+              <a:rPr lang="ru-RU" sz="2400" dirty="0"/>
+              <a:t>письма в редакцию, </a:t>
+            </a:r>
+            <a:r>
+              <a:rPr lang="ru-RU" sz="2400" dirty="0" smtClean="0"/>
+              <a:t>интервью</a:t>
+            </a:r>
+            <a:r>
+              <a:rPr lang="en-US" sz="2400" dirty="0"/>
+              <a:t>.</a:t>
+            </a:r>
+            <a:endParaRPr lang="ru-RU" sz="2400" dirty="0" smtClean="0"/>
           </a:p>
           <a:p>
             <a:pPr marL="0" indent="0">
@@ -10443,11 +11293,7 @@
           <a:p>
             <a:r>
               <a:rPr lang="ru-RU" dirty="0" smtClean="0"/>
-              <a:t>Характеристика </a:t>
-            </a:r>
-            <a:r>
-              <a:rPr lang="ru-RU" dirty="0" smtClean="0"/>
-              <a:t>корпуса</a:t>
+              <a:t>Характеристика корпуса</a:t>
             </a:r>
             <a:endParaRPr lang="ru-RU" dirty="0"/>
           </a:p>
@@ -11961,7 +12807,7 @@
         </p:nvGraphicFramePr>
         <p:xfrm>
           <a:off x="323528" y="1412776"/>
-          <a:ext cx="8568951" cy="4406910"/>
+          <a:ext cx="8568951" cy="4834138"/>
         </p:xfrm>
         <a:graphic>
           <a:graphicData uri="http://schemas.openxmlformats.org/drawingml/2006/table">
@@ -12751,11 +13597,7 @@
           <a:p>
             <a:r>
               <a:rPr lang="ru-RU" dirty="0" smtClean="0"/>
-              <a:t>Частотность </a:t>
-            </a:r>
-            <a:r>
-              <a:rPr lang="ru-RU" dirty="0" smtClean="0"/>
-              <a:t>слов. Весь корпус</a:t>
+              <a:t>Частотность слов. Весь корпус</a:t>
             </a:r>
             <a:endParaRPr lang="ru-RU" dirty="0"/>
           </a:p>
@@ -12779,14 +13621,22 @@
           <a:lstStyle/>
           <a:p>
             <a:r>
+              <a:rPr lang="ru-RU" b="1" dirty="0"/>
+              <a:t>человек</a:t>
+            </a:r>
+            <a:r>
               <a:rPr lang="ru-RU" dirty="0"/>
-              <a:t>человек 1908</a:t>
-            </a:r>
-          </a:p>
-          <a:p>
+              <a:t> 1908</a:t>
+            </a:r>
+          </a:p>
+          <a:p>
+            <a:r>
+              <a:rPr lang="ru-RU" b="1" dirty="0"/>
+              <a:t>россия</a:t>
+            </a:r>
             <a:r>
               <a:rPr lang="ru-RU" dirty="0"/>
-              <a:t>россия 1830</a:t>
+              <a:t> 1830</a:t>
             </a:r>
           </a:p>
           <a:p>
@@ -12797,14 +13647,22 @@
           </a:p>
           <a:p>
             <a:r>
+              <a:rPr lang="ru-RU" b="1" dirty="0"/>
+              <a:t>самый</a:t>
+            </a:r>
+            <a:r>
               <a:rPr lang="ru-RU" dirty="0"/>
-              <a:t>самый 1377</a:t>
-            </a:r>
-          </a:p>
-          <a:p>
+              <a:t> 1377</a:t>
+            </a:r>
+          </a:p>
+          <a:p>
+            <a:r>
+              <a:rPr lang="ru-RU" b="1" dirty="0"/>
+              <a:t>время</a:t>
+            </a:r>
             <a:r>
               <a:rPr lang="ru-RU" dirty="0"/>
-              <a:t>время 1340</a:t>
+              <a:t> 1340</a:t>
             </a:r>
           </a:p>
           <a:p>
@@ -12815,26 +13673,42 @@
           </a:p>
           <a:p>
             <a:r>
+              <a:rPr lang="ru-RU" b="1" dirty="0"/>
+              <a:t>стать</a:t>
+            </a:r>
+            <a:r>
               <a:rPr lang="ru-RU" dirty="0"/>
-              <a:t>стать 1259</a:t>
-            </a:r>
-          </a:p>
-          <a:p>
+              <a:t> 1259</a:t>
+            </a:r>
+          </a:p>
+          <a:p>
+            <a:r>
+              <a:rPr lang="ru-RU" b="1" dirty="0"/>
+              <a:t>дело</a:t>
+            </a:r>
             <a:r>
               <a:rPr lang="ru-RU" dirty="0"/>
-              <a:t>дело 1203</a:t>
-            </a:r>
-          </a:p>
-          <a:p>
+              <a:t> 1203</a:t>
+            </a:r>
+          </a:p>
+          <a:p>
+            <a:r>
+              <a:rPr lang="ru-RU" b="1" dirty="0"/>
+              <a:t>страна</a:t>
+            </a:r>
             <a:r>
               <a:rPr lang="ru-RU" dirty="0"/>
-              <a:t>страна 1175</a:t>
-            </a:r>
-          </a:p>
-          <a:p>
+              <a:t> 1175</a:t>
+            </a:r>
+          </a:p>
+          <a:p>
+            <a:r>
+              <a:rPr lang="ru-RU" b="1" dirty="0"/>
+              <a:t>информация </a:t>
+            </a:r>
             <a:r>
               <a:rPr lang="ru-RU" dirty="0"/>
-              <a:t>информация 1157</a:t>
+              <a:t>1157</a:t>
             </a:r>
           </a:p>
           <a:p>

--- a/ng_rg_presentation.pptx
+++ b/ng_rg_presentation.pptx
@@ -13335,10 +13335,63 @@
         <p:spPr/>
         <p:txBody>
           <a:bodyPr>
-            <a:normAutofit/>
+            <a:normAutofit fontScale="77500" lnSpcReduction="20000"/>
           </a:bodyPr>
           <a:lstStyle/>
           <a:p>
+            <a:r>
+              <a:rPr lang="ru-RU" dirty="0" smtClean="0"/>
+              <a:t>Обе </a:t>
+            </a:r>
+            <a:r>
+              <a:rPr lang="ru-RU" dirty="0"/>
+              <a:t>газеты объединяет частое использование слова источник. </a:t>
+            </a:r>
+            <a:r>
+              <a:rPr lang="ru-RU" dirty="0" smtClean="0"/>
+              <a:t>То есть обе </a:t>
+            </a:r>
+            <a:r>
+              <a:rPr lang="ru-RU" dirty="0"/>
+              <a:t>газеты имеют свои источники и ссылаются на них. Это </a:t>
+            </a:r>
+            <a:r>
+              <a:rPr lang="ru-RU" dirty="0" smtClean="0"/>
+              <a:t>показывает стремление изданий </a:t>
+            </a:r>
+            <a:r>
+              <a:rPr lang="ru-RU" dirty="0"/>
+              <a:t>публиковать проверенную информацию и подтверждает их журналистскую </a:t>
+            </a:r>
+            <a:r>
+              <a:rPr lang="ru-RU" dirty="0" smtClean="0"/>
+              <a:t>состоятельность.</a:t>
+            </a:r>
+            <a:endParaRPr lang="ru-RU" dirty="0"/>
+          </a:p>
+          <a:p>
+            <a:r>
+              <a:rPr lang="ru-RU" dirty="0" smtClean="0"/>
+              <a:t>Новая </a:t>
+            </a:r>
+            <a:r>
+              <a:rPr lang="ru-RU" dirty="0"/>
+              <a:t>газета использует часто  "комитет солдатский матерей", "война", "</a:t>
+            </a:r>
+            <a:r>
+              <a:rPr lang="ru-RU" dirty="0" err="1"/>
+              <a:t>чечня</a:t>
+            </a:r>
+            <a:r>
+              <a:rPr lang="ru-RU" dirty="0"/>
+              <a:t>" в соответствующие периоды эскалаций. Употребления в РГ происходили много реже. Связано с тем что НГ пытается поднять вопросы, вскрыть проблемы, т.е. донести их до власть предержащих. </a:t>
+            </a:r>
+          </a:p>
+          <a:p>
+            <a:r>
+              <a:rPr lang="ru-RU" dirty="0"/>
+              <a:t>РГ преследует обратную цель - донести позицию государства по вопросу, не ставя перед обществом задачи его обсуждения.</a:t>
+            </a:r>
             <a:endParaRPr lang="ru-RU" dirty="0"/>
           </a:p>
         </p:txBody>
@@ -14187,8 +14240,13 @@
             </a:pPr>
             <a:r>
               <a:rPr lang="ru-RU" sz="2400" dirty="0" smtClean="0"/>
-              <a:t>Статьи только журналистов изучаемых газеты</a:t>
-            </a:r>
+              <a:t>Статьи только журналистов изучаемых </a:t>
+            </a:r>
+            <a:r>
+              <a:rPr lang="ru-RU" sz="2400" dirty="0" smtClean="0"/>
+              <a:t>газет</a:t>
+            </a:r>
+            <a:endParaRPr lang="ru-RU" sz="2400" dirty="0" smtClean="0"/>
           </a:p>
           <a:p>
             <a:endParaRPr lang="ru-RU" dirty="0" smtClean="0"/>
